--- a/Typescript Tips & Tricks.pptx
+++ b/Typescript Tips & Tricks.pptx
@@ -5,7 +5,7 @@
     <p:sldMasterId id="2147483672" r:id="rId1"/>
   </p:sldMasterIdLst>
   <p:notesMasterIdLst>
-    <p:notesMasterId r:id="rId18"/>
+    <p:notesMasterId r:id="rId30"/>
   </p:notesMasterIdLst>
   <p:sldIdLst>
     <p:sldId id="256" r:id="rId2"/>
@@ -24,6 +24,18 @@
     <p:sldId id="366" r:id="rId15"/>
     <p:sldId id="367" r:id="rId16"/>
     <p:sldId id="368" r:id="rId17"/>
+    <p:sldId id="369" r:id="rId18"/>
+    <p:sldId id="370" r:id="rId19"/>
+    <p:sldId id="371" r:id="rId20"/>
+    <p:sldId id="372" r:id="rId21"/>
+    <p:sldId id="374" r:id="rId22"/>
+    <p:sldId id="373" r:id="rId23"/>
+    <p:sldId id="375" r:id="rId24"/>
+    <p:sldId id="376" r:id="rId25"/>
+    <p:sldId id="377" r:id="rId26"/>
+    <p:sldId id="378" r:id="rId27"/>
+    <p:sldId id="379" r:id="rId28"/>
+    <p:sldId id="380" r:id="rId29"/>
   </p:sldIdLst>
   <p:sldSz cx="9144000" cy="6858000" type="screen4x3"/>
   <p:notesSz cx="6858000" cy="9144000"/>
@@ -228,7 +240,7 @@
             <a:fld id="{4991502B-FFA8-47B9-B4E5-980CA415BAFF}" type="datetimeFigureOut">
               <a:rPr lang="en-US" smtClean="0"/>
               <a:pPr/>
-              <a:t>9/12/2017</a:t>
+              <a:t>9/13/2017</a:t>
             </a:fld>
             <a:endParaRPr lang="en-US"/>
           </a:p>
@@ -7273,6 +7285,2383 @@
 </p:sld>
 </file>
 
+<file path=ppt/slides/slide17.xml><?xml version="1.0" encoding="utf-8"?>
+<p:sld xmlns:a="http://schemas.openxmlformats.org/drawingml/2006/main" xmlns:r="http://schemas.openxmlformats.org/officeDocument/2006/relationships" xmlns:p="http://schemas.openxmlformats.org/presentationml/2006/main">
+  <p:cSld>
+    <p:spTree>
+      <p:nvGrpSpPr>
+        <p:cNvPr id="1" name=""/>
+        <p:cNvGrpSpPr/>
+        <p:nvPr/>
+      </p:nvGrpSpPr>
+      <p:grpSpPr>
+        <a:xfrm>
+          <a:off x="0" y="0"/>
+          <a:ext cx="0" cy="0"/>
+          <a:chOff x="0" y="0"/>
+          <a:chExt cx="0" cy="0"/>
+        </a:xfrm>
+      </p:grpSpPr>
+      <p:sp>
+        <p:nvSpPr>
+          <p:cNvPr id="2" name="Title 1">
+            <a:extLst>
+              <a:ext uri="{FF2B5EF4-FFF2-40B4-BE49-F238E27FC236}">
+                <a16:creationId xmlns:a16="http://schemas.microsoft.com/office/drawing/2014/main" id="{D10B0FBB-7B63-4900-89E1-8FEC17908B75}"/>
+              </a:ext>
+            </a:extLst>
+          </p:cNvPr>
+          <p:cNvSpPr>
+            <a:spLocks noGrp="1"/>
+          </p:cNvSpPr>
+          <p:nvPr>
+            <p:ph type="title"/>
+          </p:nvPr>
+        </p:nvSpPr>
+        <p:spPr/>
+        <p:txBody>
+          <a:bodyPr/>
+          <a:lstStyle/>
+          <a:p>
+            <a:r>
+              <a:rPr lang="en-US" dirty="0"/>
+              <a:t>String </a:t>
+            </a:r>
+            <a:r>
+              <a:rPr lang="en-US" dirty="0" err="1"/>
+              <a:t>Enums</a:t>
+            </a:r>
+            <a:endParaRPr lang="he-IL" dirty="0"/>
+          </a:p>
+        </p:txBody>
+      </p:sp>
+      <p:sp>
+        <p:nvSpPr>
+          <p:cNvPr id="3" name="Footer Placeholder 2">
+            <a:extLst>
+              <a:ext uri="{FF2B5EF4-FFF2-40B4-BE49-F238E27FC236}">
+                <a16:creationId xmlns:a16="http://schemas.microsoft.com/office/drawing/2014/main" id="{3F72CBB2-2C5A-4351-8C64-2FD479A63498}"/>
+              </a:ext>
+            </a:extLst>
+          </p:cNvPr>
+          <p:cNvSpPr>
+            <a:spLocks noGrp="1"/>
+          </p:cNvSpPr>
+          <p:nvPr>
+            <p:ph type="ftr" sz="quarter" idx="11"/>
+          </p:nvPr>
+        </p:nvSpPr>
+        <p:spPr/>
+        <p:txBody>
+          <a:bodyPr/>
+          <a:lstStyle/>
+          <a:p>
+            <a:r>
+              <a:rPr lang="en-US"/>
+              <a:t>© 2017 Ori Calvo</a:t>
+            </a:r>
+            <a:endParaRPr lang="en-US" dirty="0"/>
+          </a:p>
+        </p:txBody>
+      </p:sp>
+      <p:sp>
+        <p:nvSpPr>
+          <p:cNvPr id="4" name="Slide Number Placeholder 3">
+            <a:extLst>
+              <a:ext uri="{FF2B5EF4-FFF2-40B4-BE49-F238E27FC236}">
+                <a16:creationId xmlns:a16="http://schemas.microsoft.com/office/drawing/2014/main" id="{91B9D940-E166-418E-A680-C59A69A2E409}"/>
+              </a:ext>
+            </a:extLst>
+          </p:cNvPr>
+          <p:cNvSpPr>
+            <a:spLocks noGrp="1"/>
+          </p:cNvSpPr>
+          <p:nvPr>
+            <p:ph type="sldNum" sz="quarter" idx="12"/>
+          </p:nvPr>
+        </p:nvSpPr>
+        <p:spPr/>
+        <p:txBody>
+          <a:bodyPr>
+            <a:normAutofit fontScale="85000" lnSpcReduction="20000"/>
+          </a:bodyPr>
+          <a:lstStyle/>
+          <a:p>
+            <a:fld id="{6EDEC3BC-0694-4586-AE63-02B4D54ABF43}" type="slidenum">
+              <a:rPr lang="en-US" smtClean="0"/>
+              <a:pPr/>
+              <a:t>17</a:t>
+            </a:fld>
+            <a:endParaRPr lang="en-US"/>
+          </a:p>
+        </p:txBody>
+      </p:sp>
+      <p:sp>
+        <p:nvSpPr>
+          <p:cNvPr id="5" name="Content Placeholder 4">
+            <a:extLst>
+              <a:ext uri="{FF2B5EF4-FFF2-40B4-BE49-F238E27FC236}">
+                <a16:creationId xmlns:a16="http://schemas.microsoft.com/office/drawing/2014/main" id="{9BBBC70E-60BB-488D-ACA9-BFEEB8B318E3}"/>
+              </a:ext>
+            </a:extLst>
+          </p:cNvPr>
+          <p:cNvSpPr>
+            <a:spLocks noGrp="1"/>
+          </p:cNvSpPr>
+          <p:nvPr>
+            <p:ph sz="quarter" idx="1"/>
+          </p:nvPr>
+        </p:nvSpPr>
+        <p:spPr>
+          <a:xfrm>
+            <a:off x="612648" y="1600200"/>
+            <a:ext cx="8153400" cy="4495800"/>
+          </a:xfrm>
+        </p:spPr>
+        <p:txBody>
+          <a:bodyPr/>
+          <a:lstStyle/>
+          <a:p>
+            <a:r>
+              <a:rPr lang="en-US"/>
+              <a:t>Enums can now be of type string</a:t>
+            </a:r>
+            <a:endParaRPr lang="he-IL" dirty="0"/>
+          </a:p>
+        </p:txBody>
+      </p:sp>
+      <p:sp>
+        <p:nvSpPr>
+          <p:cNvPr id="7" name="Rectangle 6">
+            <a:extLst>
+              <a:ext uri="{FF2B5EF4-FFF2-40B4-BE49-F238E27FC236}">
+                <a16:creationId xmlns:a16="http://schemas.microsoft.com/office/drawing/2014/main" id="{C2C80533-500F-4DD0-9C4A-DD406902BCFF}"/>
+              </a:ext>
+            </a:extLst>
+          </p:cNvPr>
+          <p:cNvSpPr/>
+          <p:nvPr/>
+        </p:nvSpPr>
+        <p:spPr>
+          <a:xfrm>
+            <a:off x="1347492" y="2530334"/>
+            <a:ext cx="2646040" cy="2031325"/>
+          </a:xfrm>
+          <a:prstGeom prst="rect">
+            <a:avLst/>
+          </a:prstGeom>
+          <a:solidFill>
+            <a:schemeClr val="accent1">
+              <a:lumMod val="40000"/>
+              <a:lumOff val="60000"/>
+            </a:schemeClr>
+          </a:solidFill>
+          <a:ln>
+            <a:solidFill>
+              <a:schemeClr val="accent1"/>
+            </a:solidFill>
+          </a:ln>
+        </p:spPr>
+        <p:txBody>
+          <a:bodyPr wrap="square">
+            <a:spAutoFit/>
+          </a:bodyPr>
+          <a:lstStyle/>
+          <a:p>
+            <a:r>
+              <a:rPr lang="en-US" b="1" dirty="0" err="1">
+                <a:solidFill>
+                  <a:srgbClr val="000080"/>
+                </a:solidFill>
+                <a:latin typeface="Calibri" panose="020F0502020204030204" pitchFamily="34" charset="0"/>
+                <a:ea typeface="Calibri" panose="020F0502020204030204" pitchFamily="34" charset="0"/>
+                <a:cs typeface="Arial" panose="020B0604020202020204" pitchFamily="34" charset="0"/>
+              </a:rPr>
+              <a:t>enum</a:t>
+            </a:r>
+            <a:r>
+              <a:rPr lang="en-US" b="1" dirty="0">
+                <a:solidFill>
+                  <a:srgbClr val="000080"/>
+                </a:solidFill>
+                <a:latin typeface="Calibri" panose="020F0502020204030204" pitchFamily="34" charset="0"/>
+                <a:ea typeface="Calibri" panose="020F0502020204030204" pitchFamily="34" charset="0"/>
+                <a:cs typeface="Arial" panose="020B0604020202020204" pitchFamily="34" charset="0"/>
+              </a:rPr>
+              <a:t> </a:t>
+            </a:r>
+            <a:r>
+              <a:rPr lang="en-US" dirty="0">
+                <a:solidFill>
+                  <a:srgbClr val="000000"/>
+                </a:solidFill>
+                <a:latin typeface="Calibri" panose="020F0502020204030204" pitchFamily="34" charset="0"/>
+                <a:ea typeface="Calibri" panose="020F0502020204030204" pitchFamily="34" charset="0"/>
+                <a:cs typeface="Arial" panose="020B0604020202020204" pitchFamily="34" charset="0"/>
+              </a:rPr>
+              <a:t>Color {</a:t>
+            </a:r>
+            <a:br>
+              <a:rPr lang="en-US" dirty="0">
+                <a:solidFill>
+                  <a:srgbClr val="000000"/>
+                </a:solidFill>
+                <a:latin typeface="Calibri" panose="020F0502020204030204" pitchFamily="34" charset="0"/>
+                <a:ea typeface="Calibri" panose="020F0502020204030204" pitchFamily="34" charset="0"/>
+                <a:cs typeface="Arial" panose="020B0604020202020204" pitchFamily="34" charset="0"/>
+              </a:rPr>
+            </a:br>
+            <a:r>
+              <a:rPr lang="en-US" dirty="0">
+                <a:solidFill>
+                  <a:srgbClr val="000000"/>
+                </a:solidFill>
+                <a:latin typeface="Calibri" panose="020F0502020204030204" pitchFamily="34" charset="0"/>
+                <a:ea typeface="Calibri" panose="020F0502020204030204" pitchFamily="34" charset="0"/>
+                <a:cs typeface="Arial" panose="020B0604020202020204" pitchFamily="34" charset="0"/>
+              </a:rPr>
+              <a:t>    </a:t>
+            </a:r>
+            <a:r>
+              <a:rPr lang="en-US" i="1" dirty="0">
+                <a:solidFill>
+                  <a:srgbClr val="660E7A"/>
+                </a:solidFill>
+                <a:latin typeface="Calibri" panose="020F0502020204030204" pitchFamily="34" charset="0"/>
+                <a:ea typeface="Calibri" panose="020F0502020204030204" pitchFamily="34" charset="0"/>
+                <a:cs typeface="Arial" panose="020B0604020202020204" pitchFamily="34" charset="0"/>
+              </a:rPr>
+              <a:t>red </a:t>
+            </a:r>
+            <a:r>
+              <a:rPr lang="en-US" dirty="0">
+                <a:solidFill>
+                  <a:srgbClr val="000000"/>
+                </a:solidFill>
+                <a:latin typeface="Calibri" panose="020F0502020204030204" pitchFamily="34" charset="0"/>
+                <a:ea typeface="Calibri" panose="020F0502020204030204" pitchFamily="34" charset="0"/>
+                <a:cs typeface="Arial" panose="020B0604020202020204" pitchFamily="34" charset="0"/>
+              </a:rPr>
+              <a:t>= </a:t>
+            </a:r>
+            <a:r>
+              <a:rPr lang="en-US" b="1" dirty="0">
+                <a:solidFill>
+                  <a:srgbClr val="008000"/>
+                </a:solidFill>
+                <a:latin typeface="Calibri" panose="020F0502020204030204" pitchFamily="34" charset="0"/>
+                <a:ea typeface="Calibri" panose="020F0502020204030204" pitchFamily="34" charset="0"/>
+                <a:cs typeface="Arial" panose="020B0604020202020204" pitchFamily="34" charset="0"/>
+              </a:rPr>
+              <a:t>"Red"</a:t>
+            </a:r>
+            <a:r>
+              <a:rPr lang="en-US" dirty="0">
+                <a:solidFill>
+                  <a:srgbClr val="000000"/>
+                </a:solidFill>
+                <a:latin typeface="Calibri" panose="020F0502020204030204" pitchFamily="34" charset="0"/>
+                <a:ea typeface="Calibri" panose="020F0502020204030204" pitchFamily="34" charset="0"/>
+                <a:cs typeface="Arial" panose="020B0604020202020204" pitchFamily="34" charset="0"/>
+              </a:rPr>
+              <a:t>,</a:t>
+            </a:r>
+            <a:br>
+              <a:rPr lang="en-US" dirty="0">
+                <a:solidFill>
+                  <a:srgbClr val="000000"/>
+                </a:solidFill>
+                <a:latin typeface="Calibri" panose="020F0502020204030204" pitchFamily="34" charset="0"/>
+                <a:ea typeface="Calibri" panose="020F0502020204030204" pitchFamily="34" charset="0"/>
+                <a:cs typeface="Arial" panose="020B0604020202020204" pitchFamily="34" charset="0"/>
+              </a:rPr>
+            </a:br>
+            <a:r>
+              <a:rPr lang="en-US" dirty="0">
+                <a:solidFill>
+                  <a:srgbClr val="000000"/>
+                </a:solidFill>
+                <a:latin typeface="Calibri" panose="020F0502020204030204" pitchFamily="34" charset="0"/>
+                <a:ea typeface="Calibri" panose="020F0502020204030204" pitchFamily="34" charset="0"/>
+                <a:cs typeface="Arial" panose="020B0604020202020204" pitchFamily="34" charset="0"/>
+              </a:rPr>
+              <a:t>    </a:t>
+            </a:r>
+            <a:r>
+              <a:rPr lang="en-US" i="1" dirty="0">
+                <a:solidFill>
+                  <a:srgbClr val="660E7A"/>
+                </a:solidFill>
+                <a:latin typeface="Calibri" panose="020F0502020204030204" pitchFamily="34" charset="0"/>
+                <a:ea typeface="Calibri" panose="020F0502020204030204" pitchFamily="34" charset="0"/>
+                <a:cs typeface="Arial" panose="020B0604020202020204" pitchFamily="34" charset="0"/>
+              </a:rPr>
+              <a:t>green </a:t>
+            </a:r>
+            <a:r>
+              <a:rPr lang="en-US" dirty="0">
+                <a:solidFill>
+                  <a:srgbClr val="000000"/>
+                </a:solidFill>
+                <a:latin typeface="Calibri" panose="020F0502020204030204" pitchFamily="34" charset="0"/>
+                <a:ea typeface="Calibri" panose="020F0502020204030204" pitchFamily="34" charset="0"/>
+                <a:cs typeface="Arial" panose="020B0604020202020204" pitchFamily="34" charset="0"/>
+              </a:rPr>
+              <a:t>= </a:t>
+            </a:r>
+            <a:r>
+              <a:rPr lang="en-US" b="1" dirty="0">
+                <a:solidFill>
+                  <a:srgbClr val="008000"/>
+                </a:solidFill>
+                <a:latin typeface="Calibri" panose="020F0502020204030204" pitchFamily="34" charset="0"/>
+                <a:ea typeface="Calibri" panose="020F0502020204030204" pitchFamily="34" charset="0"/>
+                <a:cs typeface="Arial" panose="020B0604020202020204" pitchFamily="34" charset="0"/>
+              </a:rPr>
+              <a:t>"Green"</a:t>
+            </a:r>
+            <a:r>
+              <a:rPr lang="en-US" dirty="0">
+                <a:solidFill>
+                  <a:srgbClr val="000000"/>
+                </a:solidFill>
+                <a:latin typeface="Calibri" panose="020F0502020204030204" pitchFamily="34" charset="0"/>
+                <a:ea typeface="Calibri" panose="020F0502020204030204" pitchFamily="34" charset="0"/>
+                <a:cs typeface="Arial" panose="020B0604020202020204" pitchFamily="34" charset="0"/>
+              </a:rPr>
+              <a:t>,</a:t>
+            </a:r>
+            <a:br>
+              <a:rPr lang="en-US" dirty="0">
+                <a:solidFill>
+                  <a:srgbClr val="000000"/>
+                </a:solidFill>
+                <a:latin typeface="Calibri" panose="020F0502020204030204" pitchFamily="34" charset="0"/>
+                <a:ea typeface="Calibri" panose="020F0502020204030204" pitchFamily="34" charset="0"/>
+                <a:cs typeface="Arial" panose="020B0604020202020204" pitchFamily="34" charset="0"/>
+              </a:rPr>
+            </a:br>
+            <a:r>
+              <a:rPr lang="en-US" dirty="0">
+                <a:solidFill>
+                  <a:srgbClr val="000000"/>
+                </a:solidFill>
+                <a:latin typeface="Calibri" panose="020F0502020204030204" pitchFamily="34" charset="0"/>
+                <a:ea typeface="Calibri" panose="020F0502020204030204" pitchFamily="34" charset="0"/>
+                <a:cs typeface="Arial" panose="020B0604020202020204" pitchFamily="34" charset="0"/>
+              </a:rPr>
+              <a:t>    </a:t>
+            </a:r>
+            <a:r>
+              <a:rPr lang="en-US" i="1" dirty="0">
+                <a:solidFill>
+                  <a:srgbClr val="660E7A"/>
+                </a:solidFill>
+                <a:latin typeface="Calibri" panose="020F0502020204030204" pitchFamily="34" charset="0"/>
+                <a:ea typeface="Calibri" panose="020F0502020204030204" pitchFamily="34" charset="0"/>
+                <a:cs typeface="Arial" panose="020B0604020202020204" pitchFamily="34" charset="0"/>
+              </a:rPr>
+              <a:t>blue </a:t>
+            </a:r>
+            <a:r>
+              <a:rPr lang="en-US" dirty="0">
+                <a:solidFill>
+                  <a:srgbClr val="000000"/>
+                </a:solidFill>
+                <a:latin typeface="Calibri" panose="020F0502020204030204" pitchFamily="34" charset="0"/>
+                <a:ea typeface="Calibri" panose="020F0502020204030204" pitchFamily="34" charset="0"/>
+                <a:cs typeface="Arial" panose="020B0604020202020204" pitchFamily="34" charset="0"/>
+              </a:rPr>
+              <a:t>= </a:t>
+            </a:r>
+            <a:r>
+              <a:rPr lang="en-US" b="1" dirty="0">
+                <a:solidFill>
+                  <a:srgbClr val="008000"/>
+                </a:solidFill>
+                <a:latin typeface="Calibri" panose="020F0502020204030204" pitchFamily="34" charset="0"/>
+                <a:ea typeface="Calibri" panose="020F0502020204030204" pitchFamily="34" charset="0"/>
+                <a:cs typeface="Arial" panose="020B0604020202020204" pitchFamily="34" charset="0"/>
+              </a:rPr>
+              <a:t>"Blue"</a:t>
+            </a:r>
+            <a:r>
+              <a:rPr lang="en-US" dirty="0">
+                <a:solidFill>
+                  <a:srgbClr val="000000"/>
+                </a:solidFill>
+                <a:latin typeface="Calibri" panose="020F0502020204030204" pitchFamily="34" charset="0"/>
+                <a:ea typeface="Calibri" panose="020F0502020204030204" pitchFamily="34" charset="0"/>
+                <a:cs typeface="Arial" panose="020B0604020202020204" pitchFamily="34" charset="0"/>
+              </a:rPr>
+              <a:t>,</a:t>
+            </a:r>
+            <a:br>
+              <a:rPr lang="en-US" dirty="0">
+                <a:solidFill>
+                  <a:srgbClr val="000000"/>
+                </a:solidFill>
+                <a:latin typeface="Calibri" panose="020F0502020204030204" pitchFamily="34" charset="0"/>
+                <a:ea typeface="Calibri" panose="020F0502020204030204" pitchFamily="34" charset="0"/>
+                <a:cs typeface="Arial" panose="020B0604020202020204" pitchFamily="34" charset="0"/>
+              </a:rPr>
+            </a:br>
+            <a:r>
+              <a:rPr lang="en-US" dirty="0">
+                <a:solidFill>
+                  <a:srgbClr val="000000"/>
+                </a:solidFill>
+                <a:latin typeface="Calibri" panose="020F0502020204030204" pitchFamily="34" charset="0"/>
+                <a:ea typeface="Calibri" panose="020F0502020204030204" pitchFamily="34" charset="0"/>
+                <a:cs typeface="Arial" panose="020B0604020202020204" pitchFamily="34" charset="0"/>
+              </a:rPr>
+              <a:t>}</a:t>
+            </a:r>
+            <a:br>
+              <a:rPr lang="en-US" dirty="0">
+                <a:solidFill>
+                  <a:srgbClr val="000000"/>
+                </a:solidFill>
+                <a:latin typeface="Calibri" panose="020F0502020204030204" pitchFamily="34" charset="0"/>
+                <a:ea typeface="Calibri" panose="020F0502020204030204" pitchFamily="34" charset="0"/>
+                <a:cs typeface="Arial" panose="020B0604020202020204" pitchFamily="34" charset="0"/>
+              </a:rPr>
+            </a:br>
+            <a:br>
+              <a:rPr lang="en-US" dirty="0">
+                <a:solidFill>
+                  <a:srgbClr val="000000"/>
+                </a:solidFill>
+                <a:latin typeface="Calibri" panose="020F0502020204030204" pitchFamily="34" charset="0"/>
+                <a:ea typeface="Calibri" panose="020F0502020204030204" pitchFamily="34" charset="0"/>
+                <a:cs typeface="Arial" panose="020B0604020202020204" pitchFamily="34" charset="0"/>
+              </a:rPr>
+            </a:br>
+            <a:r>
+              <a:rPr lang="en-US" b="1" dirty="0" err="1">
+                <a:solidFill>
+                  <a:srgbClr val="000080"/>
+                </a:solidFill>
+                <a:latin typeface="Calibri" panose="020F0502020204030204" pitchFamily="34" charset="0"/>
+                <a:ea typeface="Calibri" panose="020F0502020204030204" pitchFamily="34" charset="0"/>
+                <a:cs typeface="Arial" panose="020B0604020202020204" pitchFamily="34" charset="0"/>
+              </a:rPr>
+              <a:t>const</a:t>
+            </a:r>
+            <a:r>
+              <a:rPr lang="en-US" b="1" dirty="0">
+                <a:solidFill>
+                  <a:srgbClr val="000080"/>
+                </a:solidFill>
+                <a:latin typeface="Calibri" panose="020F0502020204030204" pitchFamily="34" charset="0"/>
+                <a:ea typeface="Calibri" panose="020F0502020204030204" pitchFamily="34" charset="0"/>
+                <a:cs typeface="Arial" panose="020B0604020202020204" pitchFamily="34" charset="0"/>
+              </a:rPr>
+              <a:t> </a:t>
+            </a:r>
+            <a:r>
+              <a:rPr lang="en-US" dirty="0">
+                <a:solidFill>
+                  <a:srgbClr val="458383"/>
+                </a:solidFill>
+                <a:latin typeface="Calibri" panose="020F0502020204030204" pitchFamily="34" charset="0"/>
+                <a:ea typeface="Calibri" panose="020F0502020204030204" pitchFamily="34" charset="0"/>
+                <a:cs typeface="Arial" panose="020B0604020202020204" pitchFamily="34" charset="0"/>
+              </a:rPr>
+              <a:t>c</a:t>
+            </a:r>
+            <a:r>
+              <a:rPr lang="en-US" dirty="0">
+                <a:solidFill>
+                  <a:srgbClr val="000000"/>
+                </a:solidFill>
+                <a:latin typeface="Calibri" panose="020F0502020204030204" pitchFamily="34" charset="0"/>
+                <a:ea typeface="Calibri" panose="020F0502020204030204" pitchFamily="34" charset="0"/>
+                <a:cs typeface="Arial" panose="020B0604020202020204" pitchFamily="34" charset="0"/>
+              </a:rPr>
+              <a:t>: Color = </a:t>
+            </a:r>
+            <a:r>
+              <a:rPr lang="en-US" dirty="0" err="1">
+                <a:solidFill>
+                  <a:srgbClr val="000000"/>
+                </a:solidFill>
+                <a:latin typeface="Calibri" panose="020F0502020204030204" pitchFamily="34" charset="0"/>
+                <a:ea typeface="Calibri" panose="020F0502020204030204" pitchFamily="34" charset="0"/>
+                <a:cs typeface="Arial" panose="020B0604020202020204" pitchFamily="34" charset="0"/>
+              </a:rPr>
+              <a:t>Color.</a:t>
+            </a:r>
+            <a:r>
+              <a:rPr lang="en-US" i="1" dirty="0" err="1">
+                <a:solidFill>
+                  <a:srgbClr val="660E7A"/>
+                </a:solidFill>
+                <a:latin typeface="Calibri" panose="020F0502020204030204" pitchFamily="34" charset="0"/>
+                <a:ea typeface="Calibri" panose="020F0502020204030204" pitchFamily="34" charset="0"/>
+                <a:cs typeface="Arial" panose="020B0604020202020204" pitchFamily="34" charset="0"/>
+              </a:rPr>
+              <a:t>red</a:t>
+            </a:r>
+            <a:r>
+              <a:rPr lang="en-US" dirty="0">
+                <a:solidFill>
+                  <a:srgbClr val="000000"/>
+                </a:solidFill>
+                <a:latin typeface="Calibri" panose="020F0502020204030204" pitchFamily="34" charset="0"/>
+                <a:ea typeface="Calibri" panose="020F0502020204030204" pitchFamily="34" charset="0"/>
+                <a:cs typeface="Arial" panose="020B0604020202020204" pitchFamily="34" charset="0"/>
+              </a:rPr>
+              <a:t>;</a:t>
+            </a:r>
+            <a:endParaRPr lang="he-IL" dirty="0"/>
+          </a:p>
+        </p:txBody>
+      </p:sp>
+      <p:sp>
+        <p:nvSpPr>
+          <p:cNvPr id="9" name="Rectangle 8">
+            <a:extLst>
+              <a:ext uri="{FF2B5EF4-FFF2-40B4-BE49-F238E27FC236}">
+                <a16:creationId xmlns:a16="http://schemas.microsoft.com/office/drawing/2014/main" id="{0E81020F-5DC9-4A73-A011-6BDA8DC2E8E9}"/>
+              </a:ext>
+            </a:extLst>
+          </p:cNvPr>
+          <p:cNvSpPr/>
+          <p:nvPr/>
+        </p:nvSpPr>
+        <p:spPr>
+          <a:xfrm>
+            <a:off x="4678101" y="2530334"/>
+            <a:ext cx="2880320" cy="1754326"/>
+          </a:xfrm>
+          <a:prstGeom prst="rect">
+            <a:avLst/>
+          </a:prstGeom>
+          <a:solidFill>
+            <a:schemeClr val="accent1">
+              <a:lumMod val="40000"/>
+              <a:lumOff val="60000"/>
+            </a:schemeClr>
+          </a:solidFill>
+        </p:spPr>
+        <p:txBody>
+          <a:bodyPr wrap="square">
+            <a:spAutoFit/>
+          </a:bodyPr>
+          <a:lstStyle/>
+          <a:p>
+            <a:r>
+              <a:rPr lang="en-US" b="1" dirty="0" err="1">
+                <a:solidFill>
+                  <a:srgbClr val="000080"/>
+                </a:solidFill>
+                <a:latin typeface="Calibri" panose="020F0502020204030204" pitchFamily="34" charset="0"/>
+                <a:ea typeface="Calibri" panose="020F0502020204030204" pitchFamily="34" charset="0"/>
+                <a:cs typeface="Arial" panose="020B0604020202020204" pitchFamily="34" charset="0"/>
+              </a:rPr>
+              <a:t>var</a:t>
+            </a:r>
+            <a:r>
+              <a:rPr lang="en-US" b="1" dirty="0">
+                <a:solidFill>
+                  <a:srgbClr val="000080"/>
+                </a:solidFill>
+                <a:latin typeface="Calibri" panose="020F0502020204030204" pitchFamily="34" charset="0"/>
+                <a:ea typeface="Calibri" panose="020F0502020204030204" pitchFamily="34" charset="0"/>
+                <a:cs typeface="Arial" panose="020B0604020202020204" pitchFamily="34" charset="0"/>
+              </a:rPr>
+              <a:t> </a:t>
+            </a:r>
+            <a:r>
+              <a:rPr lang="en-US" dirty="0">
+                <a:solidFill>
+                  <a:srgbClr val="000000"/>
+                </a:solidFill>
+                <a:latin typeface="Calibri" panose="020F0502020204030204" pitchFamily="34" charset="0"/>
+                <a:ea typeface="Calibri" panose="020F0502020204030204" pitchFamily="34" charset="0"/>
+                <a:cs typeface="Arial" panose="020B0604020202020204" pitchFamily="34" charset="0"/>
+              </a:rPr>
+              <a:t>Color;</a:t>
+            </a:r>
+            <a:br>
+              <a:rPr lang="en-US" dirty="0">
+                <a:solidFill>
+                  <a:srgbClr val="000000"/>
+                </a:solidFill>
+                <a:latin typeface="Calibri" panose="020F0502020204030204" pitchFamily="34" charset="0"/>
+                <a:ea typeface="Calibri" panose="020F0502020204030204" pitchFamily="34" charset="0"/>
+                <a:cs typeface="Arial" panose="020B0604020202020204" pitchFamily="34" charset="0"/>
+              </a:rPr>
+            </a:br>
+            <a:r>
+              <a:rPr lang="en-US" dirty="0">
+                <a:solidFill>
+                  <a:srgbClr val="000000"/>
+                </a:solidFill>
+                <a:latin typeface="Calibri" panose="020F0502020204030204" pitchFamily="34" charset="0"/>
+                <a:ea typeface="Calibri" panose="020F0502020204030204" pitchFamily="34" charset="0"/>
+                <a:cs typeface="Arial" panose="020B0604020202020204" pitchFamily="34" charset="0"/>
+              </a:rPr>
+              <a:t>(</a:t>
+            </a:r>
+            <a:r>
+              <a:rPr lang="en-US" b="1" dirty="0">
+                <a:solidFill>
+                  <a:srgbClr val="000080"/>
+                </a:solidFill>
+                <a:latin typeface="Calibri" panose="020F0502020204030204" pitchFamily="34" charset="0"/>
+                <a:ea typeface="Calibri" panose="020F0502020204030204" pitchFamily="34" charset="0"/>
+                <a:cs typeface="Arial" panose="020B0604020202020204" pitchFamily="34" charset="0"/>
+              </a:rPr>
+              <a:t>function </a:t>
+            </a:r>
+            <a:r>
+              <a:rPr lang="en-US" dirty="0">
+                <a:solidFill>
+                  <a:srgbClr val="000000"/>
+                </a:solidFill>
+                <a:latin typeface="Calibri" panose="020F0502020204030204" pitchFamily="34" charset="0"/>
+                <a:ea typeface="Calibri" panose="020F0502020204030204" pitchFamily="34" charset="0"/>
+                <a:cs typeface="Arial" panose="020B0604020202020204" pitchFamily="34" charset="0"/>
+              </a:rPr>
+              <a:t>(Color) {</a:t>
+            </a:r>
+            <a:br>
+              <a:rPr lang="en-US" dirty="0">
+                <a:solidFill>
+                  <a:srgbClr val="000000"/>
+                </a:solidFill>
+                <a:latin typeface="Calibri" panose="020F0502020204030204" pitchFamily="34" charset="0"/>
+                <a:ea typeface="Calibri" panose="020F0502020204030204" pitchFamily="34" charset="0"/>
+                <a:cs typeface="Arial" panose="020B0604020202020204" pitchFamily="34" charset="0"/>
+              </a:rPr>
+            </a:br>
+            <a:r>
+              <a:rPr lang="en-US" dirty="0">
+                <a:solidFill>
+                  <a:srgbClr val="000000"/>
+                </a:solidFill>
+                <a:latin typeface="Calibri" panose="020F0502020204030204" pitchFamily="34" charset="0"/>
+                <a:ea typeface="Calibri" panose="020F0502020204030204" pitchFamily="34" charset="0"/>
+                <a:cs typeface="Arial" panose="020B0604020202020204" pitchFamily="34" charset="0"/>
+              </a:rPr>
+              <a:t>    Color[</a:t>
+            </a:r>
+            <a:r>
+              <a:rPr lang="en-US" b="1" dirty="0">
+                <a:solidFill>
+                  <a:srgbClr val="008000"/>
+                </a:solidFill>
+                <a:latin typeface="Calibri" panose="020F0502020204030204" pitchFamily="34" charset="0"/>
+                <a:ea typeface="Calibri" panose="020F0502020204030204" pitchFamily="34" charset="0"/>
+                <a:cs typeface="Arial" panose="020B0604020202020204" pitchFamily="34" charset="0"/>
+              </a:rPr>
+              <a:t>"red"</a:t>
+            </a:r>
+            <a:r>
+              <a:rPr lang="en-US" dirty="0">
+                <a:solidFill>
+                  <a:srgbClr val="000000"/>
+                </a:solidFill>
+                <a:latin typeface="Calibri" panose="020F0502020204030204" pitchFamily="34" charset="0"/>
+                <a:ea typeface="Calibri" panose="020F0502020204030204" pitchFamily="34" charset="0"/>
+                <a:cs typeface="Arial" panose="020B0604020202020204" pitchFamily="34" charset="0"/>
+              </a:rPr>
+              <a:t>] = </a:t>
+            </a:r>
+            <a:r>
+              <a:rPr lang="en-US" b="1" dirty="0">
+                <a:solidFill>
+                  <a:srgbClr val="008000"/>
+                </a:solidFill>
+                <a:latin typeface="Calibri" panose="020F0502020204030204" pitchFamily="34" charset="0"/>
+                <a:ea typeface="Calibri" panose="020F0502020204030204" pitchFamily="34" charset="0"/>
+                <a:cs typeface="Arial" panose="020B0604020202020204" pitchFamily="34" charset="0"/>
+              </a:rPr>
+              <a:t>"Red"</a:t>
+            </a:r>
+            <a:r>
+              <a:rPr lang="en-US" dirty="0">
+                <a:solidFill>
+                  <a:srgbClr val="000000"/>
+                </a:solidFill>
+                <a:latin typeface="Calibri" panose="020F0502020204030204" pitchFamily="34" charset="0"/>
+                <a:ea typeface="Calibri" panose="020F0502020204030204" pitchFamily="34" charset="0"/>
+                <a:cs typeface="Arial" panose="020B0604020202020204" pitchFamily="34" charset="0"/>
+              </a:rPr>
+              <a:t>;</a:t>
+            </a:r>
+            <a:br>
+              <a:rPr lang="en-US" dirty="0">
+                <a:solidFill>
+                  <a:srgbClr val="000000"/>
+                </a:solidFill>
+                <a:latin typeface="Calibri" panose="020F0502020204030204" pitchFamily="34" charset="0"/>
+                <a:ea typeface="Calibri" panose="020F0502020204030204" pitchFamily="34" charset="0"/>
+                <a:cs typeface="Arial" panose="020B0604020202020204" pitchFamily="34" charset="0"/>
+              </a:rPr>
+            </a:br>
+            <a:r>
+              <a:rPr lang="en-US" dirty="0">
+                <a:solidFill>
+                  <a:srgbClr val="000000"/>
+                </a:solidFill>
+                <a:latin typeface="Calibri" panose="020F0502020204030204" pitchFamily="34" charset="0"/>
+                <a:ea typeface="Calibri" panose="020F0502020204030204" pitchFamily="34" charset="0"/>
+                <a:cs typeface="Arial" panose="020B0604020202020204" pitchFamily="34" charset="0"/>
+              </a:rPr>
+              <a:t>    Color[</a:t>
+            </a:r>
+            <a:r>
+              <a:rPr lang="en-US" b="1" dirty="0">
+                <a:solidFill>
+                  <a:srgbClr val="008000"/>
+                </a:solidFill>
+                <a:latin typeface="Calibri" panose="020F0502020204030204" pitchFamily="34" charset="0"/>
+                <a:ea typeface="Calibri" panose="020F0502020204030204" pitchFamily="34" charset="0"/>
+                <a:cs typeface="Arial" panose="020B0604020202020204" pitchFamily="34" charset="0"/>
+              </a:rPr>
+              <a:t>"green"</a:t>
+            </a:r>
+            <a:r>
+              <a:rPr lang="en-US" dirty="0">
+                <a:solidFill>
+                  <a:srgbClr val="000000"/>
+                </a:solidFill>
+                <a:latin typeface="Calibri" panose="020F0502020204030204" pitchFamily="34" charset="0"/>
+                <a:ea typeface="Calibri" panose="020F0502020204030204" pitchFamily="34" charset="0"/>
+                <a:cs typeface="Arial" panose="020B0604020202020204" pitchFamily="34" charset="0"/>
+              </a:rPr>
+              <a:t>] = </a:t>
+            </a:r>
+            <a:r>
+              <a:rPr lang="en-US" b="1" dirty="0">
+                <a:solidFill>
+                  <a:srgbClr val="008000"/>
+                </a:solidFill>
+                <a:latin typeface="Calibri" panose="020F0502020204030204" pitchFamily="34" charset="0"/>
+                <a:ea typeface="Calibri" panose="020F0502020204030204" pitchFamily="34" charset="0"/>
+                <a:cs typeface="Arial" panose="020B0604020202020204" pitchFamily="34" charset="0"/>
+              </a:rPr>
+              <a:t>"Green"</a:t>
+            </a:r>
+            <a:r>
+              <a:rPr lang="en-US" dirty="0">
+                <a:solidFill>
+                  <a:srgbClr val="000000"/>
+                </a:solidFill>
+                <a:latin typeface="Calibri" panose="020F0502020204030204" pitchFamily="34" charset="0"/>
+                <a:ea typeface="Calibri" panose="020F0502020204030204" pitchFamily="34" charset="0"/>
+                <a:cs typeface="Arial" panose="020B0604020202020204" pitchFamily="34" charset="0"/>
+              </a:rPr>
+              <a:t>;</a:t>
+            </a:r>
+            <a:br>
+              <a:rPr lang="en-US" dirty="0">
+                <a:solidFill>
+                  <a:srgbClr val="000000"/>
+                </a:solidFill>
+                <a:latin typeface="Calibri" panose="020F0502020204030204" pitchFamily="34" charset="0"/>
+                <a:ea typeface="Calibri" panose="020F0502020204030204" pitchFamily="34" charset="0"/>
+                <a:cs typeface="Arial" panose="020B0604020202020204" pitchFamily="34" charset="0"/>
+              </a:rPr>
+            </a:br>
+            <a:r>
+              <a:rPr lang="en-US" dirty="0">
+                <a:solidFill>
+                  <a:srgbClr val="000000"/>
+                </a:solidFill>
+                <a:latin typeface="Calibri" panose="020F0502020204030204" pitchFamily="34" charset="0"/>
+                <a:ea typeface="Calibri" panose="020F0502020204030204" pitchFamily="34" charset="0"/>
+                <a:cs typeface="Arial" panose="020B0604020202020204" pitchFamily="34" charset="0"/>
+              </a:rPr>
+              <a:t>    Color[</a:t>
+            </a:r>
+            <a:r>
+              <a:rPr lang="en-US" b="1" dirty="0">
+                <a:solidFill>
+                  <a:srgbClr val="008000"/>
+                </a:solidFill>
+                <a:latin typeface="Calibri" panose="020F0502020204030204" pitchFamily="34" charset="0"/>
+                <a:ea typeface="Calibri" panose="020F0502020204030204" pitchFamily="34" charset="0"/>
+                <a:cs typeface="Arial" panose="020B0604020202020204" pitchFamily="34" charset="0"/>
+              </a:rPr>
+              <a:t>"blue"</a:t>
+            </a:r>
+            <a:r>
+              <a:rPr lang="en-US" dirty="0">
+                <a:solidFill>
+                  <a:srgbClr val="000000"/>
+                </a:solidFill>
+                <a:latin typeface="Calibri" panose="020F0502020204030204" pitchFamily="34" charset="0"/>
+                <a:ea typeface="Calibri" panose="020F0502020204030204" pitchFamily="34" charset="0"/>
+                <a:cs typeface="Arial" panose="020B0604020202020204" pitchFamily="34" charset="0"/>
+              </a:rPr>
+              <a:t>] = </a:t>
+            </a:r>
+            <a:r>
+              <a:rPr lang="en-US" b="1" dirty="0">
+                <a:solidFill>
+                  <a:srgbClr val="008000"/>
+                </a:solidFill>
+                <a:latin typeface="Calibri" panose="020F0502020204030204" pitchFamily="34" charset="0"/>
+                <a:ea typeface="Calibri" panose="020F0502020204030204" pitchFamily="34" charset="0"/>
+                <a:cs typeface="Arial" panose="020B0604020202020204" pitchFamily="34" charset="0"/>
+              </a:rPr>
+              <a:t>"Blue"</a:t>
+            </a:r>
+            <a:r>
+              <a:rPr lang="en-US" dirty="0">
+                <a:solidFill>
+                  <a:srgbClr val="000000"/>
+                </a:solidFill>
+                <a:latin typeface="Calibri" panose="020F0502020204030204" pitchFamily="34" charset="0"/>
+                <a:ea typeface="Calibri" panose="020F0502020204030204" pitchFamily="34" charset="0"/>
+                <a:cs typeface="Arial" panose="020B0604020202020204" pitchFamily="34" charset="0"/>
+              </a:rPr>
+              <a:t>;</a:t>
+            </a:r>
+            <a:br>
+              <a:rPr lang="en-US" dirty="0">
+                <a:solidFill>
+                  <a:srgbClr val="000000"/>
+                </a:solidFill>
+                <a:latin typeface="Calibri" panose="020F0502020204030204" pitchFamily="34" charset="0"/>
+                <a:ea typeface="Calibri" panose="020F0502020204030204" pitchFamily="34" charset="0"/>
+                <a:cs typeface="Arial" panose="020B0604020202020204" pitchFamily="34" charset="0"/>
+              </a:rPr>
+            </a:br>
+            <a:r>
+              <a:rPr lang="en-US" dirty="0">
+                <a:solidFill>
+                  <a:srgbClr val="000000"/>
+                </a:solidFill>
+                <a:latin typeface="Calibri" panose="020F0502020204030204" pitchFamily="34" charset="0"/>
+                <a:ea typeface="Calibri" panose="020F0502020204030204" pitchFamily="34" charset="0"/>
+                <a:cs typeface="Arial" panose="020B0604020202020204" pitchFamily="34" charset="0"/>
+              </a:rPr>
+              <a:t>})(Color || (Color = {}));</a:t>
+            </a:r>
+            <a:endParaRPr lang="he-IL" dirty="0"/>
+          </a:p>
+        </p:txBody>
+      </p:sp>
+    </p:spTree>
+    <p:extLst>
+      <p:ext uri="{BB962C8B-B14F-4D97-AF65-F5344CB8AC3E}">
+        <p14:creationId xmlns:p14="http://schemas.microsoft.com/office/powerpoint/2010/main" val="391531319"/>
+      </p:ext>
+    </p:extLst>
+  </p:cSld>
+  <p:clrMapOvr>
+    <a:masterClrMapping/>
+  </p:clrMapOvr>
+</p:sld>
+</file>
+
+<file path=ppt/slides/slide18.xml><?xml version="1.0" encoding="utf-8"?>
+<p:sld xmlns:a="http://schemas.openxmlformats.org/drawingml/2006/main" xmlns:r="http://schemas.openxmlformats.org/officeDocument/2006/relationships" xmlns:p="http://schemas.openxmlformats.org/presentationml/2006/main">
+  <p:cSld>
+    <p:spTree>
+      <p:nvGrpSpPr>
+        <p:cNvPr id="1" name=""/>
+        <p:cNvGrpSpPr/>
+        <p:nvPr/>
+      </p:nvGrpSpPr>
+      <p:grpSpPr>
+        <a:xfrm>
+          <a:off x="0" y="0"/>
+          <a:ext cx="0" cy="0"/>
+          <a:chOff x="0" y="0"/>
+          <a:chExt cx="0" cy="0"/>
+        </a:xfrm>
+      </p:grpSpPr>
+      <p:sp>
+        <p:nvSpPr>
+          <p:cNvPr id="2" name="Title 1">
+            <a:extLst>
+              <a:ext uri="{FF2B5EF4-FFF2-40B4-BE49-F238E27FC236}">
+                <a16:creationId xmlns:a16="http://schemas.microsoft.com/office/drawing/2014/main" id="{A0D2721D-8AF2-48E0-AAB8-B06DDDF2B96F}"/>
+              </a:ext>
+            </a:extLst>
+          </p:cNvPr>
+          <p:cNvSpPr>
+            <a:spLocks noGrp="1"/>
+          </p:cNvSpPr>
+          <p:nvPr>
+            <p:ph type="title"/>
+          </p:nvPr>
+        </p:nvSpPr>
+        <p:spPr/>
+        <p:txBody>
+          <a:bodyPr/>
+          <a:lstStyle/>
+          <a:p>
+            <a:r>
+              <a:rPr lang="en-US" dirty="0"/>
+              <a:t>Union Type</a:t>
+            </a:r>
+            <a:endParaRPr lang="he-IL" dirty="0"/>
+          </a:p>
+        </p:txBody>
+      </p:sp>
+      <p:sp>
+        <p:nvSpPr>
+          <p:cNvPr id="3" name="Footer Placeholder 2">
+            <a:extLst>
+              <a:ext uri="{FF2B5EF4-FFF2-40B4-BE49-F238E27FC236}">
+                <a16:creationId xmlns:a16="http://schemas.microsoft.com/office/drawing/2014/main" id="{CD100B6F-28B3-41DE-BE4F-906F4F9FB33F}"/>
+              </a:ext>
+            </a:extLst>
+          </p:cNvPr>
+          <p:cNvSpPr>
+            <a:spLocks noGrp="1"/>
+          </p:cNvSpPr>
+          <p:nvPr>
+            <p:ph type="ftr" sz="quarter" idx="11"/>
+          </p:nvPr>
+        </p:nvSpPr>
+        <p:spPr/>
+        <p:txBody>
+          <a:bodyPr/>
+          <a:lstStyle/>
+          <a:p>
+            <a:r>
+              <a:rPr lang="en-US"/>
+              <a:t>© 2017 Ori Calvo</a:t>
+            </a:r>
+            <a:endParaRPr lang="en-US" dirty="0"/>
+          </a:p>
+        </p:txBody>
+      </p:sp>
+      <p:sp>
+        <p:nvSpPr>
+          <p:cNvPr id="4" name="Slide Number Placeholder 3">
+            <a:extLst>
+              <a:ext uri="{FF2B5EF4-FFF2-40B4-BE49-F238E27FC236}">
+                <a16:creationId xmlns:a16="http://schemas.microsoft.com/office/drawing/2014/main" id="{339454CF-7175-43C7-A2A3-F27D81AB4439}"/>
+              </a:ext>
+            </a:extLst>
+          </p:cNvPr>
+          <p:cNvSpPr>
+            <a:spLocks noGrp="1"/>
+          </p:cNvSpPr>
+          <p:nvPr>
+            <p:ph type="sldNum" sz="quarter" idx="12"/>
+          </p:nvPr>
+        </p:nvSpPr>
+        <p:spPr/>
+        <p:txBody>
+          <a:bodyPr>
+            <a:normAutofit fontScale="85000" lnSpcReduction="20000"/>
+          </a:bodyPr>
+          <a:lstStyle/>
+          <a:p>
+            <a:fld id="{6EDEC3BC-0694-4586-AE63-02B4D54ABF43}" type="slidenum">
+              <a:rPr lang="en-US" smtClean="0"/>
+              <a:pPr/>
+              <a:t>18</a:t>
+            </a:fld>
+            <a:endParaRPr lang="en-US"/>
+          </a:p>
+        </p:txBody>
+      </p:sp>
+      <p:sp>
+        <p:nvSpPr>
+          <p:cNvPr id="5" name="Content Placeholder 4">
+            <a:extLst>
+              <a:ext uri="{FF2B5EF4-FFF2-40B4-BE49-F238E27FC236}">
+                <a16:creationId xmlns:a16="http://schemas.microsoft.com/office/drawing/2014/main" id="{715C727C-29DA-4F83-81BE-0DD6289ECC38}"/>
+              </a:ext>
+            </a:extLst>
+          </p:cNvPr>
+          <p:cNvSpPr>
+            <a:spLocks noGrp="1"/>
+          </p:cNvSpPr>
+          <p:nvPr>
+            <p:ph sz="quarter" idx="1"/>
+          </p:nvPr>
+        </p:nvSpPr>
+        <p:spPr/>
+        <p:txBody>
+          <a:bodyPr/>
+          <a:lstStyle/>
+          <a:p>
+            <a:r>
+              <a:rPr lang="en-US" dirty="0"/>
+              <a:t>Create a new type which one of the specified</a:t>
+            </a:r>
+            <a:endParaRPr lang="he-IL" dirty="0"/>
+          </a:p>
+        </p:txBody>
+      </p:sp>
+      <p:sp>
+        <p:nvSpPr>
+          <p:cNvPr id="8" name="Rectangle 7">
+            <a:extLst>
+              <a:ext uri="{FF2B5EF4-FFF2-40B4-BE49-F238E27FC236}">
+                <a16:creationId xmlns:a16="http://schemas.microsoft.com/office/drawing/2014/main" id="{ACE0AC15-A92A-435C-8BBD-E3FE65D4FC98}"/>
+              </a:ext>
+            </a:extLst>
+          </p:cNvPr>
+          <p:cNvSpPr/>
+          <p:nvPr/>
+        </p:nvSpPr>
+        <p:spPr>
+          <a:xfrm>
+            <a:off x="1475656" y="2708920"/>
+            <a:ext cx="1853952" cy="2862322"/>
+          </a:xfrm>
+          <a:prstGeom prst="rect">
+            <a:avLst/>
+          </a:prstGeom>
+          <a:solidFill>
+            <a:schemeClr val="accent1">
+              <a:lumMod val="40000"/>
+              <a:lumOff val="60000"/>
+            </a:schemeClr>
+          </a:solidFill>
+        </p:spPr>
+        <p:txBody>
+          <a:bodyPr wrap="square">
+            <a:spAutoFit/>
+          </a:bodyPr>
+          <a:lstStyle/>
+          <a:p>
+            <a:r>
+              <a:rPr lang="en-US" b="1" dirty="0">
+                <a:solidFill>
+                  <a:srgbClr val="000080"/>
+                </a:solidFill>
+                <a:latin typeface="Calibri" panose="020F0502020204030204" pitchFamily="34" charset="0"/>
+                <a:ea typeface="Calibri" panose="020F0502020204030204" pitchFamily="34" charset="0"/>
+                <a:cs typeface="Arial" panose="020B0604020202020204" pitchFamily="34" charset="0"/>
+              </a:rPr>
+              <a:t>interface </a:t>
+            </a:r>
+            <a:r>
+              <a:rPr lang="en-US" dirty="0">
+                <a:solidFill>
+                  <a:srgbClr val="000000"/>
+                </a:solidFill>
+                <a:latin typeface="Calibri" panose="020F0502020204030204" pitchFamily="34" charset="0"/>
+                <a:ea typeface="Calibri" panose="020F0502020204030204" pitchFamily="34" charset="0"/>
+                <a:cs typeface="Arial" panose="020B0604020202020204" pitchFamily="34" charset="0"/>
+              </a:rPr>
+              <a:t>A {</a:t>
+            </a:r>
+            <a:br>
+              <a:rPr lang="en-US" dirty="0">
+                <a:solidFill>
+                  <a:srgbClr val="000000"/>
+                </a:solidFill>
+                <a:latin typeface="Calibri" panose="020F0502020204030204" pitchFamily="34" charset="0"/>
+                <a:ea typeface="Calibri" panose="020F0502020204030204" pitchFamily="34" charset="0"/>
+                <a:cs typeface="Arial" panose="020B0604020202020204" pitchFamily="34" charset="0"/>
+              </a:rPr>
+            </a:br>
+            <a:r>
+              <a:rPr lang="en-US" dirty="0">
+                <a:solidFill>
+                  <a:srgbClr val="000000"/>
+                </a:solidFill>
+                <a:latin typeface="Calibri" panose="020F0502020204030204" pitchFamily="34" charset="0"/>
+                <a:ea typeface="Calibri" panose="020F0502020204030204" pitchFamily="34" charset="0"/>
+                <a:cs typeface="Arial" panose="020B0604020202020204" pitchFamily="34" charset="0"/>
+              </a:rPr>
+              <a:t>    </a:t>
+            </a:r>
+            <a:r>
+              <a:rPr lang="en-US" b="1" dirty="0">
+                <a:solidFill>
+                  <a:srgbClr val="660E7A"/>
+                </a:solidFill>
+                <a:latin typeface="Calibri" panose="020F0502020204030204" pitchFamily="34" charset="0"/>
+                <a:ea typeface="Calibri" panose="020F0502020204030204" pitchFamily="34" charset="0"/>
+                <a:cs typeface="Arial" panose="020B0604020202020204" pitchFamily="34" charset="0"/>
+              </a:rPr>
+              <a:t>id</a:t>
+            </a:r>
+            <a:r>
+              <a:rPr lang="en-US" dirty="0">
+                <a:solidFill>
+                  <a:srgbClr val="000000"/>
+                </a:solidFill>
+                <a:latin typeface="Calibri" panose="020F0502020204030204" pitchFamily="34" charset="0"/>
+                <a:ea typeface="Calibri" panose="020F0502020204030204" pitchFamily="34" charset="0"/>
+                <a:cs typeface="Arial" panose="020B0604020202020204" pitchFamily="34" charset="0"/>
+              </a:rPr>
+              <a:t>: </a:t>
+            </a:r>
+            <a:r>
+              <a:rPr lang="en-US" b="1" dirty="0">
+                <a:solidFill>
+                  <a:srgbClr val="000080"/>
+                </a:solidFill>
+                <a:latin typeface="Calibri" panose="020F0502020204030204" pitchFamily="34" charset="0"/>
+                <a:ea typeface="Calibri" panose="020F0502020204030204" pitchFamily="34" charset="0"/>
+                <a:cs typeface="Arial" panose="020B0604020202020204" pitchFamily="34" charset="0"/>
+              </a:rPr>
+              <a:t>number</a:t>
+            </a:r>
+            <a:r>
+              <a:rPr lang="en-US" dirty="0">
+                <a:solidFill>
+                  <a:srgbClr val="000000"/>
+                </a:solidFill>
+                <a:latin typeface="Calibri" panose="020F0502020204030204" pitchFamily="34" charset="0"/>
+                <a:ea typeface="Calibri" panose="020F0502020204030204" pitchFamily="34" charset="0"/>
+                <a:cs typeface="Arial" panose="020B0604020202020204" pitchFamily="34" charset="0"/>
+              </a:rPr>
+              <a:t>,</a:t>
+            </a:r>
+            <a:br>
+              <a:rPr lang="en-US" dirty="0">
+                <a:solidFill>
+                  <a:srgbClr val="000000"/>
+                </a:solidFill>
+                <a:latin typeface="Calibri" panose="020F0502020204030204" pitchFamily="34" charset="0"/>
+                <a:ea typeface="Calibri" panose="020F0502020204030204" pitchFamily="34" charset="0"/>
+                <a:cs typeface="Arial" panose="020B0604020202020204" pitchFamily="34" charset="0"/>
+              </a:rPr>
+            </a:br>
+            <a:r>
+              <a:rPr lang="en-US" dirty="0">
+                <a:solidFill>
+                  <a:srgbClr val="000000"/>
+                </a:solidFill>
+                <a:latin typeface="Calibri" panose="020F0502020204030204" pitchFamily="34" charset="0"/>
+                <a:ea typeface="Calibri" panose="020F0502020204030204" pitchFamily="34" charset="0"/>
+                <a:cs typeface="Arial" panose="020B0604020202020204" pitchFamily="34" charset="0"/>
+              </a:rPr>
+              <a:t>}</a:t>
+            </a:r>
+            <a:br>
+              <a:rPr lang="en-US" dirty="0">
+                <a:solidFill>
+                  <a:srgbClr val="000000"/>
+                </a:solidFill>
+                <a:latin typeface="Calibri" panose="020F0502020204030204" pitchFamily="34" charset="0"/>
+                <a:ea typeface="Calibri" panose="020F0502020204030204" pitchFamily="34" charset="0"/>
+                <a:cs typeface="Arial" panose="020B0604020202020204" pitchFamily="34" charset="0"/>
+              </a:rPr>
+            </a:br>
+            <a:br>
+              <a:rPr lang="en-US" dirty="0">
+                <a:solidFill>
+                  <a:srgbClr val="000000"/>
+                </a:solidFill>
+                <a:latin typeface="Calibri" panose="020F0502020204030204" pitchFamily="34" charset="0"/>
+                <a:ea typeface="Calibri" panose="020F0502020204030204" pitchFamily="34" charset="0"/>
+                <a:cs typeface="Arial" panose="020B0604020202020204" pitchFamily="34" charset="0"/>
+              </a:rPr>
+            </a:br>
+            <a:r>
+              <a:rPr lang="en-US" b="1" dirty="0">
+                <a:solidFill>
+                  <a:srgbClr val="000080"/>
+                </a:solidFill>
+                <a:latin typeface="Calibri" panose="020F0502020204030204" pitchFamily="34" charset="0"/>
+                <a:ea typeface="Calibri" panose="020F0502020204030204" pitchFamily="34" charset="0"/>
+                <a:cs typeface="Arial" panose="020B0604020202020204" pitchFamily="34" charset="0"/>
+              </a:rPr>
+              <a:t>interface </a:t>
+            </a:r>
+            <a:r>
+              <a:rPr lang="en-US" dirty="0">
+                <a:solidFill>
+                  <a:srgbClr val="000000"/>
+                </a:solidFill>
+                <a:latin typeface="Calibri" panose="020F0502020204030204" pitchFamily="34" charset="0"/>
+                <a:ea typeface="Calibri" panose="020F0502020204030204" pitchFamily="34" charset="0"/>
+                <a:cs typeface="Arial" panose="020B0604020202020204" pitchFamily="34" charset="0"/>
+              </a:rPr>
+              <a:t>B {</a:t>
+            </a:r>
+            <a:br>
+              <a:rPr lang="en-US" dirty="0">
+                <a:solidFill>
+                  <a:srgbClr val="000000"/>
+                </a:solidFill>
+                <a:latin typeface="Calibri" panose="020F0502020204030204" pitchFamily="34" charset="0"/>
+                <a:ea typeface="Calibri" panose="020F0502020204030204" pitchFamily="34" charset="0"/>
+                <a:cs typeface="Arial" panose="020B0604020202020204" pitchFamily="34" charset="0"/>
+              </a:rPr>
+            </a:br>
+            <a:r>
+              <a:rPr lang="en-US" dirty="0">
+                <a:solidFill>
+                  <a:srgbClr val="000000"/>
+                </a:solidFill>
+                <a:latin typeface="Calibri" panose="020F0502020204030204" pitchFamily="34" charset="0"/>
+                <a:ea typeface="Calibri" panose="020F0502020204030204" pitchFamily="34" charset="0"/>
+                <a:cs typeface="Arial" panose="020B0604020202020204" pitchFamily="34" charset="0"/>
+              </a:rPr>
+              <a:t>    </a:t>
+            </a:r>
+            <a:r>
+              <a:rPr lang="en-US" b="1" dirty="0">
+                <a:solidFill>
+                  <a:srgbClr val="660E7A"/>
+                </a:solidFill>
+                <a:latin typeface="Calibri" panose="020F0502020204030204" pitchFamily="34" charset="0"/>
+                <a:ea typeface="Calibri" panose="020F0502020204030204" pitchFamily="34" charset="0"/>
+                <a:cs typeface="Arial" panose="020B0604020202020204" pitchFamily="34" charset="0"/>
+              </a:rPr>
+              <a:t>name</a:t>
+            </a:r>
+            <a:r>
+              <a:rPr lang="en-US" dirty="0">
+                <a:solidFill>
+                  <a:srgbClr val="000000"/>
+                </a:solidFill>
+                <a:latin typeface="Calibri" panose="020F0502020204030204" pitchFamily="34" charset="0"/>
+                <a:ea typeface="Calibri" panose="020F0502020204030204" pitchFamily="34" charset="0"/>
+                <a:cs typeface="Arial" panose="020B0604020202020204" pitchFamily="34" charset="0"/>
+              </a:rPr>
+              <a:t>: </a:t>
+            </a:r>
+            <a:r>
+              <a:rPr lang="en-US" b="1" dirty="0">
+                <a:solidFill>
+                  <a:srgbClr val="000080"/>
+                </a:solidFill>
+                <a:latin typeface="Calibri" panose="020F0502020204030204" pitchFamily="34" charset="0"/>
+                <a:ea typeface="Calibri" panose="020F0502020204030204" pitchFamily="34" charset="0"/>
+                <a:cs typeface="Arial" panose="020B0604020202020204" pitchFamily="34" charset="0"/>
+              </a:rPr>
+              <a:t>string</a:t>
+            </a:r>
+            <a:r>
+              <a:rPr lang="en-US" dirty="0">
+                <a:solidFill>
+                  <a:srgbClr val="000000"/>
+                </a:solidFill>
+                <a:latin typeface="Calibri" panose="020F0502020204030204" pitchFamily="34" charset="0"/>
+                <a:ea typeface="Calibri" panose="020F0502020204030204" pitchFamily="34" charset="0"/>
+                <a:cs typeface="Arial" panose="020B0604020202020204" pitchFamily="34" charset="0"/>
+              </a:rPr>
+              <a:t>,</a:t>
+            </a:r>
+            <a:br>
+              <a:rPr lang="en-US" dirty="0">
+                <a:solidFill>
+                  <a:srgbClr val="000000"/>
+                </a:solidFill>
+                <a:latin typeface="Calibri" panose="020F0502020204030204" pitchFamily="34" charset="0"/>
+                <a:ea typeface="Calibri" panose="020F0502020204030204" pitchFamily="34" charset="0"/>
+                <a:cs typeface="Arial" panose="020B0604020202020204" pitchFamily="34" charset="0"/>
+              </a:rPr>
+            </a:br>
+            <a:r>
+              <a:rPr lang="en-US" dirty="0">
+                <a:solidFill>
+                  <a:srgbClr val="000000"/>
+                </a:solidFill>
+                <a:latin typeface="Calibri" panose="020F0502020204030204" pitchFamily="34" charset="0"/>
+                <a:ea typeface="Calibri" panose="020F0502020204030204" pitchFamily="34" charset="0"/>
+                <a:cs typeface="Arial" panose="020B0604020202020204" pitchFamily="34" charset="0"/>
+              </a:rPr>
+              <a:t>}</a:t>
+            </a:r>
+            <a:br>
+              <a:rPr lang="en-US" dirty="0">
+                <a:solidFill>
+                  <a:srgbClr val="000000"/>
+                </a:solidFill>
+                <a:latin typeface="Calibri" panose="020F0502020204030204" pitchFamily="34" charset="0"/>
+                <a:ea typeface="Calibri" panose="020F0502020204030204" pitchFamily="34" charset="0"/>
+                <a:cs typeface="Arial" panose="020B0604020202020204" pitchFamily="34" charset="0"/>
+              </a:rPr>
+            </a:br>
+            <a:br>
+              <a:rPr lang="en-US" dirty="0">
+                <a:solidFill>
+                  <a:srgbClr val="000000"/>
+                </a:solidFill>
+                <a:latin typeface="Calibri" panose="020F0502020204030204" pitchFamily="34" charset="0"/>
+                <a:ea typeface="Calibri" panose="020F0502020204030204" pitchFamily="34" charset="0"/>
+                <a:cs typeface="Arial" panose="020B0604020202020204" pitchFamily="34" charset="0"/>
+              </a:rPr>
+            </a:br>
+            <a:r>
+              <a:rPr lang="en-US" b="1" dirty="0">
+                <a:solidFill>
+                  <a:srgbClr val="000080"/>
+                </a:solidFill>
+                <a:latin typeface="Calibri" panose="020F0502020204030204" pitchFamily="34" charset="0"/>
+                <a:ea typeface="Calibri" panose="020F0502020204030204" pitchFamily="34" charset="0"/>
+                <a:cs typeface="Arial" panose="020B0604020202020204" pitchFamily="34" charset="0"/>
+              </a:rPr>
+              <a:t>type </a:t>
+            </a:r>
+            <a:r>
+              <a:rPr lang="en-US" dirty="0">
+                <a:solidFill>
+                  <a:srgbClr val="000000"/>
+                </a:solidFill>
+                <a:latin typeface="Calibri" panose="020F0502020204030204" pitchFamily="34" charset="0"/>
+                <a:ea typeface="Calibri" panose="020F0502020204030204" pitchFamily="34" charset="0"/>
+                <a:cs typeface="Arial" panose="020B0604020202020204" pitchFamily="34" charset="0"/>
+              </a:rPr>
+              <a:t>C = A | B;</a:t>
+            </a:r>
+            <a:br>
+              <a:rPr lang="en-US" dirty="0">
+                <a:solidFill>
+                  <a:srgbClr val="000000"/>
+                </a:solidFill>
+                <a:latin typeface="Calibri" panose="020F0502020204030204" pitchFamily="34" charset="0"/>
+                <a:ea typeface="Calibri" panose="020F0502020204030204" pitchFamily="34" charset="0"/>
+                <a:cs typeface="Arial" panose="020B0604020202020204" pitchFamily="34" charset="0"/>
+              </a:rPr>
+            </a:br>
+            <a:endParaRPr lang="he-IL" dirty="0"/>
+          </a:p>
+        </p:txBody>
+      </p:sp>
+      <p:sp>
+        <p:nvSpPr>
+          <p:cNvPr id="11" name="Rectangle 10">
+            <a:extLst>
+              <a:ext uri="{FF2B5EF4-FFF2-40B4-BE49-F238E27FC236}">
+                <a16:creationId xmlns:a16="http://schemas.microsoft.com/office/drawing/2014/main" id="{D49F3020-7AC7-4AB0-A856-34FD2C2B3C0B}"/>
+              </a:ext>
+            </a:extLst>
+          </p:cNvPr>
+          <p:cNvSpPr/>
+          <p:nvPr/>
+        </p:nvSpPr>
+        <p:spPr>
+          <a:xfrm>
+            <a:off x="4655762" y="2705390"/>
+            <a:ext cx="1906616" cy="2031325"/>
+          </a:xfrm>
+          <a:prstGeom prst="rect">
+            <a:avLst/>
+          </a:prstGeom>
+          <a:solidFill>
+            <a:schemeClr val="accent1">
+              <a:lumMod val="40000"/>
+              <a:lumOff val="60000"/>
+            </a:schemeClr>
+          </a:solidFill>
+        </p:spPr>
+        <p:txBody>
+          <a:bodyPr wrap="square">
+            <a:spAutoFit/>
+          </a:bodyPr>
+          <a:lstStyle/>
+          <a:p>
+            <a:r>
+              <a:rPr lang="en-US" b="1" dirty="0" err="1">
+                <a:solidFill>
+                  <a:srgbClr val="000080"/>
+                </a:solidFill>
+                <a:latin typeface="Calibri" panose="020F0502020204030204" pitchFamily="34" charset="0"/>
+                <a:ea typeface="Calibri" panose="020F0502020204030204" pitchFamily="34" charset="0"/>
+                <a:cs typeface="Arial" panose="020B0604020202020204" pitchFamily="34" charset="0"/>
+              </a:rPr>
+              <a:t>const</a:t>
+            </a:r>
+            <a:r>
+              <a:rPr lang="en-US" b="1" dirty="0">
+                <a:solidFill>
+                  <a:srgbClr val="000080"/>
+                </a:solidFill>
+                <a:latin typeface="Calibri" panose="020F0502020204030204" pitchFamily="34" charset="0"/>
+                <a:ea typeface="Calibri" panose="020F0502020204030204" pitchFamily="34" charset="0"/>
+                <a:cs typeface="Arial" panose="020B0604020202020204" pitchFamily="34" charset="0"/>
+              </a:rPr>
+              <a:t> </a:t>
+            </a:r>
+            <a:r>
+              <a:rPr lang="en-US" b="1" i="1" dirty="0">
+                <a:solidFill>
+                  <a:srgbClr val="660E7A"/>
+                </a:solidFill>
+                <a:latin typeface="Calibri" panose="020F0502020204030204" pitchFamily="34" charset="0"/>
+                <a:ea typeface="Calibri" panose="020F0502020204030204" pitchFamily="34" charset="0"/>
+                <a:cs typeface="Arial" panose="020B0604020202020204" pitchFamily="34" charset="0"/>
+              </a:rPr>
+              <a:t>c1</a:t>
+            </a:r>
+            <a:r>
+              <a:rPr lang="en-US" dirty="0">
+                <a:solidFill>
+                  <a:srgbClr val="000000"/>
+                </a:solidFill>
+                <a:latin typeface="Calibri" panose="020F0502020204030204" pitchFamily="34" charset="0"/>
+                <a:ea typeface="Calibri" panose="020F0502020204030204" pitchFamily="34" charset="0"/>
+                <a:cs typeface="Arial" panose="020B0604020202020204" pitchFamily="34" charset="0"/>
+              </a:rPr>
+              <a:t>: C = {</a:t>
+            </a:r>
+            <a:br>
+              <a:rPr lang="en-US" dirty="0">
+                <a:solidFill>
+                  <a:srgbClr val="000000"/>
+                </a:solidFill>
+                <a:latin typeface="Calibri" panose="020F0502020204030204" pitchFamily="34" charset="0"/>
+                <a:ea typeface="Calibri" panose="020F0502020204030204" pitchFamily="34" charset="0"/>
+                <a:cs typeface="Arial" panose="020B0604020202020204" pitchFamily="34" charset="0"/>
+              </a:rPr>
+            </a:br>
+            <a:r>
+              <a:rPr lang="en-US" dirty="0">
+                <a:solidFill>
+                  <a:srgbClr val="000000"/>
+                </a:solidFill>
+                <a:latin typeface="Calibri" panose="020F0502020204030204" pitchFamily="34" charset="0"/>
+                <a:ea typeface="Calibri" panose="020F0502020204030204" pitchFamily="34" charset="0"/>
+                <a:cs typeface="Arial" panose="020B0604020202020204" pitchFamily="34" charset="0"/>
+              </a:rPr>
+              <a:t>    </a:t>
+            </a:r>
+            <a:r>
+              <a:rPr lang="en-US" b="1" dirty="0">
+                <a:solidFill>
+                  <a:srgbClr val="660E7A"/>
+                </a:solidFill>
+                <a:latin typeface="Calibri" panose="020F0502020204030204" pitchFamily="34" charset="0"/>
+                <a:ea typeface="Calibri" panose="020F0502020204030204" pitchFamily="34" charset="0"/>
+                <a:cs typeface="Arial" panose="020B0604020202020204" pitchFamily="34" charset="0"/>
+              </a:rPr>
+              <a:t>id</a:t>
+            </a:r>
+            <a:r>
+              <a:rPr lang="en-US" dirty="0">
+                <a:solidFill>
+                  <a:srgbClr val="000000"/>
+                </a:solidFill>
+                <a:latin typeface="Calibri" panose="020F0502020204030204" pitchFamily="34" charset="0"/>
+                <a:ea typeface="Calibri" panose="020F0502020204030204" pitchFamily="34" charset="0"/>
+                <a:cs typeface="Arial" panose="020B0604020202020204" pitchFamily="34" charset="0"/>
+              </a:rPr>
+              <a:t>: </a:t>
+            </a:r>
+            <a:r>
+              <a:rPr lang="en-US" dirty="0">
+                <a:solidFill>
+                  <a:srgbClr val="0000FF"/>
+                </a:solidFill>
+                <a:latin typeface="Calibri" panose="020F0502020204030204" pitchFamily="34" charset="0"/>
+                <a:ea typeface="Calibri" panose="020F0502020204030204" pitchFamily="34" charset="0"/>
+                <a:cs typeface="Arial" panose="020B0604020202020204" pitchFamily="34" charset="0"/>
+              </a:rPr>
+              <a:t>1</a:t>
+            </a:r>
+            <a:r>
+              <a:rPr lang="en-US" dirty="0">
+                <a:solidFill>
+                  <a:srgbClr val="000000"/>
+                </a:solidFill>
+                <a:latin typeface="Calibri" panose="020F0502020204030204" pitchFamily="34" charset="0"/>
+                <a:ea typeface="Calibri" panose="020F0502020204030204" pitchFamily="34" charset="0"/>
+                <a:cs typeface="Arial" panose="020B0604020202020204" pitchFamily="34" charset="0"/>
+              </a:rPr>
+              <a:t>,</a:t>
+            </a:r>
+            <a:br>
+              <a:rPr lang="en-US" dirty="0">
+                <a:solidFill>
+                  <a:srgbClr val="000000"/>
+                </a:solidFill>
+                <a:latin typeface="Calibri" panose="020F0502020204030204" pitchFamily="34" charset="0"/>
+                <a:ea typeface="Calibri" panose="020F0502020204030204" pitchFamily="34" charset="0"/>
+                <a:cs typeface="Arial" panose="020B0604020202020204" pitchFamily="34" charset="0"/>
+              </a:rPr>
+            </a:br>
+            <a:r>
+              <a:rPr lang="en-US" dirty="0">
+                <a:solidFill>
+                  <a:srgbClr val="000000"/>
+                </a:solidFill>
+                <a:latin typeface="Calibri" panose="020F0502020204030204" pitchFamily="34" charset="0"/>
+                <a:ea typeface="Calibri" panose="020F0502020204030204" pitchFamily="34" charset="0"/>
+                <a:cs typeface="Arial" panose="020B0604020202020204" pitchFamily="34" charset="0"/>
+              </a:rPr>
+              <a:t>};</a:t>
+            </a:r>
+            <a:br>
+              <a:rPr lang="en-US" dirty="0">
+                <a:solidFill>
+                  <a:srgbClr val="000000"/>
+                </a:solidFill>
+                <a:latin typeface="Calibri" panose="020F0502020204030204" pitchFamily="34" charset="0"/>
+                <a:ea typeface="Calibri" panose="020F0502020204030204" pitchFamily="34" charset="0"/>
+                <a:cs typeface="Arial" panose="020B0604020202020204" pitchFamily="34" charset="0"/>
+              </a:rPr>
+            </a:br>
+            <a:br>
+              <a:rPr lang="en-US" dirty="0">
+                <a:solidFill>
+                  <a:srgbClr val="000000"/>
+                </a:solidFill>
+                <a:latin typeface="Calibri" panose="020F0502020204030204" pitchFamily="34" charset="0"/>
+                <a:ea typeface="Calibri" panose="020F0502020204030204" pitchFamily="34" charset="0"/>
+                <a:cs typeface="Arial" panose="020B0604020202020204" pitchFamily="34" charset="0"/>
+              </a:rPr>
+            </a:br>
+            <a:r>
+              <a:rPr lang="en-US" b="1" dirty="0" err="1">
+                <a:solidFill>
+                  <a:srgbClr val="000080"/>
+                </a:solidFill>
+                <a:latin typeface="Calibri" panose="020F0502020204030204" pitchFamily="34" charset="0"/>
+                <a:ea typeface="Calibri" panose="020F0502020204030204" pitchFamily="34" charset="0"/>
+                <a:cs typeface="Arial" panose="020B0604020202020204" pitchFamily="34" charset="0"/>
+              </a:rPr>
+              <a:t>const</a:t>
+            </a:r>
+            <a:r>
+              <a:rPr lang="en-US" b="1" dirty="0">
+                <a:solidFill>
+                  <a:srgbClr val="000080"/>
+                </a:solidFill>
+                <a:latin typeface="Calibri" panose="020F0502020204030204" pitchFamily="34" charset="0"/>
+                <a:ea typeface="Calibri" panose="020F0502020204030204" pitchFamily="34" charset="0"/>
+                <a:cs typeface="Arial" panose="020B0604020202020204" pitchFamily="34" charset="0"/>
+              </a:rPr>
+              <a:t> </a:t>
+            </a:r>
+            <a:r>
+              <a:rPr lang="en-US" b="1" i="1" dirty="0">
+                <a:solidFill>
+                  <a:srgbClr val="660E7A"/>
+                </a:solidFill>
+                <a:latin typeface="Calibri" panose="020F0502020204030204" pitchFamily="34" charset="0"/>
+                <a:ea typeface="Calibri" panose="020F0502020204030204" pitchFamily="34" charset="0"/>
+                <a:cs typeface="Arial" panose="020B0604020202020204" pitchFamily="34" charset="0"/>
+              </a:rPr>
+              <a:t>c2</a:t>
+            </a:r>
+            <a:r>
+              <a:rPr lang="en-US" dirty="0">
+                <a:solidFill>
+                  <a:srgbClr val="000000"/>
+                </a:solidFill>
+                <a:latin typeface="Calibri" panose="020F0502020204030204" pitchFamily="34" charset="0"/>
+                <a:ea typeface="Calibri" panose="020F0502020204030204" pitchFamily="34" charset="0"/>
+                <a:cs typeface="Arial" panose="020B0604020202020204" pitchFamily="34" charset="0"/>
+              </a:rPr>
+              <a:t>: C = {</a:t>
+            </a:r>
+            <a:br>
+              <a:rPr lang="en-US" dirty="0">
+                <a:solidFill>
+                  <a:srgbClr val="000000"/>
+                </a:solidFill>
+                <a:latin typeface="Calibri" panose="020F0502020204030204" pitchFamily="34" charset="0"/>
+                <a:ea typeface="Calibri" panose="020F0502020204030204" pitchFamily="34" charset="0"/>
+                <a:cs typeface="Arial" panose="020B0604020202020204" pitchFamily="34" charset="0"/>
+              </a:rPr>
+            </a:br>
+            <a:r>
+              <a:rPr lang="en-US" dirty="0">
+                <a:solidFill>
+                  <a:srgbClr val="000000"/>
+                </a:solidFill>
+                <a:latin typeface="Calibri" panose="020F0502020204030204" pitchFamily="34" charset="0"/>
+                <a:ea typeface="Calibri" panose="020F0502020204030204" pitchFamily="34" charset="0"/>
+                <a:cs typeface="Arial" panose="020B0604020202020204" pitchFamily="34" charset="0"/>
+              </a:rPr>
+              <a:t>    </a:t>
+            </a:r>
+            <a:r>
+              <a:rPr lang="en-US" b="1" dirty="0">
+                <a:solidFill>
+                  <a:srgbClr val="660E7A"/>
+                </a:solidFill>
+                <a:latin typeface="Calibri" panose="020F0502020204030204" pitchFamily="34" charset="0"/>
+                <a:ea typeface="Calibri" panose="020F0502020204030204" pitchFamily="34" charset="0"/>
+                <a:cs typeface="Arial" panose="020B0604020202020204" pitchFamily="34" charset="0"/>
+              </a:rPr>
+              <a:t>name</a:t>
+            </a:r>
+            <a:r>
+              <a:rPr lang="en-US" dirty="0">
+                <a:solidFill>
+                  <a:srgbClr val="000000"/>
+                </a:solidFill>
+                <a:latin typeface="Calibri" panose="020F0502020204030204" pitchFamily="34" charset="0"/>
+                <a:ea typeface="Calibri" panose="020F0502020204030204" pitchFamily="34" charset="0"/>
+                <a:cs typeface="Arial" panose="020B0604020202020204" pitchFamily="34" charset="0"/>
+              </a:rPr>
+              <a:t>: </a:t>
+            </a:r>
+            <a:r>
+              <a:rPr lang="en-US" b="1" dirty="0">
+                <a:solidFill>
+                  <a:srgbClr val="008000"/>
+                </a:solidFill>
+                <a:latin typeface="Calibri" panose="020F0502020204030204" pitchFamily="34" charset="0"/>
+                <a:ea typeface="Calibri" panose="020F0502020204030204" pitchFamily="34" charset="0"/>
+                <a:cs typeface="Arial" panose="020B0604020202020204" pitchFamily="34" charset="0"/>
+              </a:rPr>
+              <a:t>"Ori"</a:t>
+            </a:r>
+            <a:r>
+              <a:rPr lang="en-US" dirty="0">
+                <a:solidFill>
+                  <a:srgbClr val="000000"/>
+                </a:solidFill>
+                <a:latin typeface="Calibri" panose="020F0502020204030204" pitchFamily="34" charset="0"/>
+                <a:ea typeface="Calibri" panose="020F0502020204030204" pitchFamily="34" charset="0"/>
+                <a:cs typeface="Arial" panose="020B0604020202020204" pitchFamily="34" charset="0"/>
+              </a:rPr>
+              <a:t>,</a:t>
+            </a:r>
+            <a:br>
+              <a:rPr lang="en-US" dirty="0">
+                <a:solidFill>
+                  <a:srgbClr val="000000"/>
+                </a:solidFill>
+                <a:latin typeface="Calibri" panose="020F0502020204030204" pitchFamily="34" charset="0"/>
+                <a:ea typeface="Calibri" panose="020F0502020204030204" pitchFamily="34" charset="0"/>
+                <a:cs typeface="Arial" panose="020B0604020202020204" pitchFamily="34" charset="0"/>
+              </a:rPr>
+            </a:br>
+            <a:r>
+              <a:rPr lang="en-US" dirty="0">
+                <a:solidFill>
+                  <a:srgbClr val="000000"/>
+                </a:solidFill>
+                <a:latin typeface="Calibri" panose="020F0502020204030204" pitchFamily="34" charset="0"/>
+                <a:ea typeface="Calibri" panose="020F0502020204030204" pitchFamily="34" charset="0"/>
+                <a:cs typeface="Arial" panose="020B0604020202020204" pitchFamily="34" charset="0"/>
+              </a:rPr>
+              <a:t>};</a:t>
+            </a:r>
+            <a:endParaRPr lang="he-IL" dirty="0"/>
+          </a:p>
+        </p:txBody>
+      </p:sp>
+    </p:spTree>
+    <p:extLst>
+      <p:ext uri="{BB962C8B-B14F-4D97-AF65-F5344CB8AC3E}">
+        <p14:creationId xmlns:p14="http://schemas.microsoft.com/office/powerpoint/2010/main" val="1764714114"/>
+      </p:ext>
+    </p:extLst>
+  </p:cSld>
+  <p:clrMapOvr>
+    <a:masterClrMapping/>
+  </p:clrMapOvr>
+</p:sld>
+</file>
+
+<file path=ppt/slides/slide19.xml><?xml version="1.0" encoding="utf-8"?>
+<p:sld xmlns:a="http://schemas.openxmlformats.org/drawingml/2006/main" xmlns:r="http://schemas.openxmlformats.org/officeDocument/2006/relationships" xmlns:p="http://schemas.openxmlformats.org/presentationml/2006/main">
+  <p:cSld>
+    <p:spTree>
+      <p:nvGrpSpPr>
+        <p:cNvPr id="1" name=""/>
+        <p:cNvGrpSpPr/>
+        <p:nvPr/>
+      </p:nvGrpSpPr>
+      <p:grpSpPr>
+        <a:xfrm>
+          <a:off x="0" y="0"/>
+          <a:ext cx="0" cy="0"/>
+          <a:chOff x="0" y="0"/>
+          <a:chExt cx="0" cy="0"/>
+        </a:xfrm>
+      </p:grpSpPr>
+      <p:sp>
+        <p:nvSpPr>
+          <p:cNvPr id="2" name="Title 1">
+            <a:extLst>
+              <a:ext uri="{FF2B5EF4-FFF2-40B4-BE49-F238E27FC236}">
+                <a16:creationId xmlns:a16="http://schemas.microsoft.com/office/drawing/2014/main" id="{44E24855-DD6C-4CDB-8E9E-BD494EFDCB04}"/>
+              </a:ext>
+            </a:extLst>
+          </p:cNvPr>
+          <p:cNvSpPr>
+            <a:spLocks noGrp="1"/>
+          </p:cNvSpPr>
+          <p:nvPr>
+            <p:ph type="title"/>
+          </p:nvPr>
+        </p:nvSpPr>
+        <p:spPr/>
+        <p:txBody>
+          <a:bodyPr/>
+          <a:lstStyle/>
+          <a:p>
+            <a:r>
+              <a:rPr lang="en-US" dirty="0"/>
+              <a:t>Intersection Type</a:t>
+            </a:r>
+            <a:endParaRPr lang="he-IL" dirty="0"/>
+          </a:p>
+        </p:txBody>
+      </p:sp>
+      <p:sp>
+        <p:nvSpPr>
+          <p:cNvPr id="3" name="Footer Placeholder 2">
+            <a:extLst>
+              <a:ext uri="{FF2B5EF4-FFF2-40B4-BE49-F238E27FC236}">
+                <a16:creationId xmlns:a16="http://schemas.microsoft.com/office/drawing/2014/main" id="{9F22BCA0-A1DA-406E-A3B5-66213EB739E8}"/>
+              </a:ext>
+            </a:extLst>
+          </p:cNvPr>
+          <p:cNvSpPr>
+            <a:spLocks noGrp="1"/>
+          </p:cNvSpPr>
+          <p:nvPr>
+            <p:ph type="ftr" sz="quarter" idx="11"/>
+          </p:nvPr>
+        </p:nvSpPr>
+        <p:spPr/>
+        <p:txBody>
+          <a:bodyPr/>
+          <a:lstStyle/>
+          <a:p>
+            <a:r>
+              <a:rPr lang="en-US"/>
+              <a:t>© 2017 Ori Calvo</a:t>
+            </a:r>
+            <a:endParaRPr lang="en-US" dirty="0"/>
+          </a:p>
+        </p:txBody>
+      </p:sp>
+      <p:sp>
+        <p:nvSpPr>
+          <p:cNvPr id="4" name="Slide Number Placeholder 3">
+            <a:extLst>
+              <a:ext uri="{FF2B5EF4-FFF2-40B4-BE49-F238E27FC236}">
+                <a16:creationId xmlns:a16="http://schemas.microsoft.com/office/drawing/2014/main" id="{88F2E4B9-EEDA-4848-8505-DA57C6A7A15F}"/>
+              </a:ext>
+            </a:extLst>
+          </p:cNvPr>
+          <p:cNvSpPr>
+            <a:spLocks noGrp="1"/>
+          </p:cNvSpPr>
+          <p:nvPr>
+            <p:ph type="sldNum" sz="quarter" idx="12"/>
+          </p:nvPr>
+        </p:nvSpPr>
+        <p:spPr/>
+        <p:txBody>
+          <a:bodyPr>
+            <a:normAutofit fontScale="85000" lnSpcReduction="20000"/>
+          </a:bodyPr>
+          <a:lstStyle/>
+          <a:p>
+            <a:fld id="{6EDEC3BC-0694-4586-AE63-02B4D54ABF43}" type="slidenum">
+              <a:rPr lang="en-US" smtClean="0"/>
+              <a:pPr/>
+              <a:t>19</a:t>
+            </a:fld>
+            <a:endParaRPr lang="en-US"/>
+          </a:p>
+        </p:txBody>
+      </p:sp>
+      <p:sp>
+        <p:nvSpPr>
+          <p:cNvPr id="5" name="Content Placeholder 4">
+            <a:extLst>
+              <a:ext uri="{FF2B5EF4-FFF2-40B4-BE49-F238E27FC236}">
+                <a16:creationId xmlns:a16="http://schemas.microsoft.com/office/drawing/2014/main" id="{6F9229AE-9C06-440E-AF6E-0B982DDB1F42}"/>
+              </a:ext>
+            </a:extLst>
+          </p:cNvPr>
+          <p:cNvSpPr>
+            <a:spLocks noGrp="1"/>
+          </p:cNvSpPr>
+          <p:nvPr>
+            <p:ph sz="quarter" idx="1"/>
+          </p:nvPr>
+        </p:nvSpPr>
+        <p:spPr>
+          <a:xfrm>
+            <a:off x="612648" y="1600200"/>
+            <a:ext cx="8153400" cy="4495800"/>
+          </a:xfrm>
+        </p:spPr>
+        <p:txBody>
+          <a:bodyPr/>
+          <a:lstStyle/>
+          <a:p>
+            <a:r>
+              <a:rPr lang="en-US"/>
+              <a:t>Define new type which has properties of all the others</a:t>
+            </a:r>
+            <a:endParaRPr lang="he-IL" dirty="0"/>
+          </a:p>
+        </p:txBody>
+      </p:sp>
+      <p:sp>
+        <p:nvSpPr>
+          <p:cNvPr id="6" name="Rectangle 5">
+            <a:extLst>
+              <a:ext uri="{FF2B5EF4-FFF2-40B4-BE49-F238E27FC236}">
+                <a16:creationId xmlns:a16="http://schemas.microsoft.com/office/drawing/2014/main" id="{53AF9D92-8994-4DC9-A242-B53C9FED7FAB}"/>
+              </a:ext>
+            </a:extLst>
+          </p:cNvPr>
+          <p:cNvSpPr/>
+          <p:nvPr/>
+        </p:nvSpPr>
+        <p:spPr>
+          <a:xfrm>
+            <a:off x="1691680" y="2924944"/>
+            <a:ext cx="1997968" cy="2862322"/>
+          </a:xfrm>
+          <a:prstGeom prst="rect">
+            <a:avLst/>
+          </a:prstGeom>
+          <a:solidFill>
+            <a:schemeClr val="accent1">
+              <a:lumMod val="40000"/>
+              <a:lumOff val="60000"/>
+            </a:schemeClr>
+          </a:solidFill>
+        </p:spPr>
+        <p:txBody>
+          <a:bodyPr wrap="square">
+            <a:spAutoFit/>
+          </a:bodyPr>
+          <a:lstStyle/>
+          <a:p>
+            <a:r>
+              <a:rPr lang="en-US" b="1" dirty="0">
+                <a:solidFill>
+                  <a:srgbClr val="000080"/>
+                </a:solidFill>
+                <a:latin typeface="Calibri" panose="020F0502020204030204" pitchFamily="34" charset="0"/>
+                <a:ea typeface="Calibri" panose="020F0502020204030204" pitchFamily="34" charset="0"/>
+                <a:cs typeface="Arial" panose="020B0604020202020204" pitchFamily="34" charset="0"/>
+              </a:rPr>
+              <a:t>interface </a:t>
+            </a:r>
+            <a:r>
+              <a:rPr lang="en-US" dirty="0">
+                <a:solidFill>
+                  <a:srgbClr val="000000"/>
+                </a:solidFill>
+                <a:latin typeface="Calibri" panose="020F0502020204030204" pitchFamily="34" charset="0"/>
+                <a:ea typeface="Calibri" panose="020F0502020204030204" pitchFamily="34" charset="0"/>
+                <a:cs typeface="Arial" panose="020B0604020202020204" pitchFamily="34" charset="0"/>
+              </a:rPr>
+              <a:t>A {</a:t>
+            </a:r>
+            <a:br>
+              <a:rPr lang="en-US" dirty="0">
+                <a:solidFill>
+                  <a:srgbClr val="000000"/>
+                </a:solidFill>
+                <a:latin typeface="Calibri" panose="020F0502020204030204" pitchFamily="34" charset="0"/>
+                <a:ea typeface="Calibri" panose="020F0502020204030204" pitchFamily="34" charset="0"/>
+                <a:cs typeface="Arial" panose="020B0604020202020204" pitchFamily="34" charset="0"/>
+              </a:rPr>
+            </a:br>
+            <a:r>
+              <a:rPr lang="en-US" dirty="0">
+                <a:solidFill>
+                  <a:srgbClr val="000000"/>
+                </a:solidFill>
+                <a:latin typeface="Calibri" panose="020F0502020204030204" pitchFamily="34" charset="0"/>
+                <a:ea typeface="Calibri" panose="020F0502020204030204" pitchFamily="34" charset="0"/>
+                <a:cs typeface="Arial" panose="020B0604020202020204" pitchFamily="34" charset="0"/>
+              </a:rPr>
+              <a:t>    </a:t>
+            </a:r>
+            <a:r>
+              <a:rPr lang="en-US" b="1" dirty="0">
+                <a:solidFill>
+                  <a:srgbClr val="660E7A"/>
+                </a:solidFill>
+                <a:latin typeface="Calibri" panose="020F0502020204030204" pitchFamily="34" charset="0"/>
+                <a:ea typeface="Calibri" panose="020F0502020204030204" pitchFamily="34" charset="0"/>
+                <a:cs typeface="Arial" panose="020B0604020202020204" pitchFamily="34" charset="0"/>
+              </a:rPr>
+              <a:t>id</a:t>
+            </a:r>
+            <a:r>
+              <a:rPr lang="en-US" dirty="0">
+                <a:solidFill>
+                  <a:srgbClr val="000000"/>
+                </a:solidFill>
+                <a:latin typeface="Calibri" panose="020F0502020204030204" pitchFamily="34" charset="0"/>
+                <a:ea typeface="Calibri" panose="020F0502020204030204" pitchFamily="34" charset="0"/>
+                <a:cs typeface="Arial" panose="020B0604020202020204" pitchFamily="34" charset="0"/>
+              </a:rPr>
+              <a:t>: </a:t>
+            </a:r>
+            <a:r>
+              <a:rPr lang="en-US" b="1" dirty="0">
+                <a:solidFill>
+                  <a:srgbClr val="000080"/>
+                </a:solidFill>
+                <a:latin typeface="Calibri" panose="020F0502020204030204" pitchFamily="34" charset="0"/>
+                <a:ea typeface="Calibri" panose="020F0502020204030204" pitchFamily="34" charset="0"/>
+                <a:cs typeface="Arial" panose="020B0604020202020204" pitchFamily="34" charset="0"/>
+              </a:rPr>
+              <a:t>number</a:t>
+            </a:r>
+            <a:r>
+              <a:rPr lang="en-US" dirty="0">
+                <a:solidFill>
+                  <a:srgbClr val="000000"/>
+                </a:solidFill>
+                <a:latin typeface="Calibri" panose="020F0502020204030204" pitchFamily="34" charset="0"/>
+                <a:ea typeface="Calibri" panose="020F0502020204030204" pitchFamily="34" charset="0"/>
+                <a:cs typeface="Arial" panose="020B0604020202020204" pitchFamily="34" charset="0"/>
+              </a:rPr>
+              <a:t>,</a:t>
+            </a:r>
+            <a:br>
+              <a:rPr lang="en-US" dirty="0">
+                <a:solidFill>
+                  <a:srgbClr val="000000"/>
+                </a:solidFill>
+                <a:latin typeface="Calibri" panose="020F0502020204030204" pitchFamily="34" charset="0"/>
+                <a:ea typeface="Calibri" panose="020F0502020204030204" pitchFamily="34" charset="0"/>
+                <a:cs typeface="Arial" panose="020B0604020202020204" pitchFamily="34" charset="0"/>
+              </a:rPr>
+            </a:br>
+            <a:r>
+              <a:rPr lang="en-US" dirty="0">
+                <a:solidFill>
+                  <a:srgbClr val="000000"/>
+                </a:solidFill>
+                <a:latin typeface="Calibri" panose="020F0502020204030204" pitchFamily="34" charset="0"/>
+                <a:ea typeface="Calibri" panose="020F0502020204030204" pitchFamily="34" charset="0"/>
+                <a:cs typeface="Arial" panose="020B0604020202020204" pitchFamily="34" charset="0"/>
+              </a:rPr>
+              <a:t>}</a:t>
+            </a:r>
+            <a:br>
+              <a:rPr lang="en-US" dirty="0">
+                <a:solidFill>
+                  <a:srgbClr val="000000"/>
+                </a:solidFill>
+                <a:latin typeface="Calibri" panose="020F0502020204030204" pitchFamily="34" charset="0"/>
+                <a:ea typeface="Calibri" panose="020F0502020204030204" pitchFamily="34" charset="0"/>
+                <a:cs typeface="Arial" panose="020B0604020202020204" pitchFamily="34" charset="0"/>
+              </a:rPr>
+            </a:br>
+            <a:br>
+              <a:rPr lang="en-US" dirty="0">
+                <a:solidFill>
+                  <a:srgbClr val="000000"/>
+                </a:solidFill>
+                <a:latin typeface="Calibri" panose="020F0502020204030204" pitchFamily="34" charset="0"/>
+                <a:ea typeface="Calibri" panose="020F0502020204030204" pitchFamily="34" charset="0"/>
+                <a:cs typeface="Arial" panose="020B0604020202020204" pitchFamily="34" charset="0"/>
+              </a:rPr>
+            </a:br>
+            <a:r>
+              <a:rPr lang="en-US" b="1" dirty="0">
+                <a:solidFill>
+                  <a:srgbClr val="000080"/>
+                </a:solidFill>
+                <a:latin typeface="Calibri" panose="020F0502020204030204" pitchFamily="34" charset="0"/>
+                <a:ea typeface="Calibri" panose="020F0502020204030204" pitchFamily="34" charset="0"/>
+                <a:cs typeface="Arial" panose="020B0604020202020204" pitchFamily="34" charset="0"/>
+              </a:rPr>
+              <a:t>interface </a:t>
+            </a:r>
+            <a:r>
+              <a:rPr lang="en-US" dirty="0">
+                <a:solidFill>
+                  <a:srgbClr val="000000"/>
+                </a:solidFill>
+                <a:latin typeface="Calibri" panose="020F0502020204030204" pitchFamily="34" charset="0"/>
+                <a:ea typeface="Calibri" panose="020F0502020204030204" pitchFamily="34" charset="0"/>
+                <a:cs typeface="Arial" panose="020B0604020202020204" pitchFamily="34" charset="0"/>
+              </a:rPr>
+              <a:t>B {</a:t>
+            </a:r>
+            <a:br>
+              <a:rPr lang="en-US" dirty="0">
+                <a:solidFill>
+                  <a:srgbClr val="000000"/>
+                </a:solidFill>
+                <a:latin typeface="Calibri" panose="020F0502020204030204" pitchFamily="34" charset="0"/>
+                <a:ea typeface="Calibri" panose="020F0502020204030204" pitchFamily="34" charset="0"/>
+                <a:cs typeface="Arial" panose="020B0604020202020204" pitchFamily="34" charset="0"/>
+              </a:rPr>
+            </a:br>
+            <a:r>
+              <a:rPr lang="en-US" dirty="0">
+                <a:solidFill>
+                  <a:srgbClr val="000000"/>
+                </a:solidFill>
+                <a:latin typeface="Calibri" panose="020F0502020204030204" pitchFamily="34" charset="0"/>
+                <a:ea typeface="Calibri" panose="020F0502020204030204" pitchFamily="34" charset="0"/>
+                <a:cs typeface="Arial" panose="020B0604020202020204" pitchFamily="34" charset="0"/>
+              </a:rPr>
+              <a:t>    </a:t>
+            </a:r>
+            <a:r>
+              <a:rPr lang="en-US" b="1" dirty="0">
+                <a:solidFill>
+                  <a:srgbClr val="660E7A"/>
+                </a:solidFill>
+                <a:latin typeface="Calibri" panose="020F0502020204030204" pitchFamily="34" charset="0"/>
+                <a:ea typeface="Calibri" panose="020F0502020204030204" pitchFamily="34" charset="0"/>
+                <a:cs typeface="Arial" panose="020B0604020202020204" pitchFamily="34" charset="0"/>
+              </a:rPr>
+              <a:t>name</a:t>
+            </a:r>
+            <a:r>
+              <a:rPr lang="en-US" dirty="0">
+                <a:solidFill>
+                  <a:srgbClr val="000000"/>
+                </a:solidFill>
+                <a:latin typeface="Calibri" panose="020F0502020204030204" pitchFamily="34" charset="0"/>
+                <a:ea typeface="Calibri" panose="020F0502020204030204" pitchFamily="34" charset="0"/>
+                <a:cs typeface="Arial" panose="020B0604020202020204" pitchFamily="34" charset="0"/>
+              </a:rPr>
+              <a:t>: </a:t>
+            </a:r>
+            <a:r>
+              <a:rPr lang="en-US" b="1" dirty="0">
+                <a:solidFill>
+                  <a:srgbClr val="000080"/>
+                </a:solidFill>
+                <a:latin typeface="Calibri" panose="020F0502020204030204" pitchFamily="34" charset="0"/>
+                <a:ea typeface="Calibri" panose="020F0502020204030204" pitchFamily="34" charset="0"/>
+                <a:cs typeface="Arial" panose="020B0604020202020204" pitchFamily="34" charset="0"/>
+              </a:rPr>
+              <a:t>string</a:t>
+            </a:r>
+            <a:r>
+              <a:rPr lang="en-US" dirty="0">
+                <a:solidFill>
+                  <a:srgbClr val="000000"/>
+                </a:solidFill>
+                <a:latin typeface="Calibri" panose="020F0502020204030204" pitchFamily="34" charset="0"/>
+                <a:ea typeface="Calibri" panose="020F0502020204030204" pitchFamily="34" charset="0"/>
+                <a:cs typeface="Arial" panose="020B0604020202020204" pitchFamily="34" charset="0"/>
+              </a:rPr>
+              <a:t>,</a:t>
+            </a:r>
+            <a:br>
+              <a:rPr lang="en-US" dirty="0">
+                <a:solidFill>
+                  <a:srgbClr val="000000"/>
+                </a:solidFill>
+                <a:latin typeface="Calibri" panose="020F0502020204030204" pitchFamily="34" charset="0"/>
+                <a:ea typeface="Calibri" panose="020F0502020204030204" pitchFamily="34" charset="0"/>
+                <a:cs typeface="Arial" panose="020B0604020202020204" pitchFamily="34" charset="0"/>
+              </a:rPr>
+            </a:br>
+            <a:r>
+              <a:rPr lang="en-US" dirty="0">
+                <a:solidFill>
+                  <a:srgbClr val="000000"/>
+                </a:solidFill>
+                <a:latin typeface="Calibri" panose="020F0502020204030204" pitchFamily="34" charset="0"/>
+                <a:ea typeface="Calibri" panose="020F0502020204030204" pitchFamily="34" charset="0"/>
+                <a:cs typeface="Arial" panose="020B0604020202020204" pitchFamily="34" charset="0"/>
+              </a:rPr>
+              <a:t>}</a:t>
+            </a:r>
+            <a:br>
+              <a:rPr lang="en-US" dirty="0">
+                <a:solidFill>
+                  <a:srgbClr val="000000"/>
+                </a:solidFill>
+                <a:latin typeface="Calibri" panose="020F0502020204030204" pitchFamily="34" charset="0"/>
+                <a:ea typeface="Calibri" panose="020F0502020204030204" pitchFamily="34" charset="0"/>
+                <a:cs typeface="Arial" panose="020B0604020202020204" pitchFamily="34" charset="0"/>
+              </a:rPr>
+            </a:br>
+            <a:br>
+              <a:rPr lang="en-US" dirty="0">
+                <a:solidFill>
+                  <a:srgbClr val="000000"/>
+                </a:solidFill>
+                <a:latin typeface="Calibri" panose="020F0502020204030204" pitchFamily="34" charset="0"/>
+                <a:ea typeface="Calibri" panose="020F0502020204030204" pitchFamily="34" charset="0"/>
+                <a:cs typeface="Arial" panose="020B0604020202020204" pitchFamily="34" charset="0"/>
+              </a:rPr>
+            </a:br>
+            <a:r>
+              <a:rPr lang="en-US" b="1" dirty="0">
+                <a:solidFill>
+                  <a:srgbClr val="000080"/>
+                </a:solidFill>
+                <a:latin typeface="Calibri" panose="020F0502020204030204" pitchFamily="34" charset="0"/>
+                <a:ea typeface="Calibri" panose="020F0502020204030204" pitchFamily="34" charset="0"/>
+                <a:cs typeface="Arial" panose="020B0604020202020204" pitchFamily="34" charset="0"/>
+              </a:rPr>
+              <a:t>type </a:t>
+            </a:r>
+            <a:r>
+              <a:rPr lang="en-US" dirty="0">
+                <a:solidFill>
+                  <a:srgbClr val="000000"/>
+                </a:solidFill>
+                <a:latin typeface="Calibri" panose="020F0502020204030204" pitchFamily="34" charset="0"/>
+                <a:ea typeface="Calibri" panose="020F0502020204030204" pitchFamily="34" charset="0"/>
+                <a:cs typeface="Arial" panose="020B0604020202020204" pitchFamily="34" charset="0"/>
+              </a:rPr>
+              <a:t>C = A &amp; B;</a:t>
+            </a:r>
+            <a:br>
+              <a:rPr lang="en-US" dirty="0">
+                <a:solidFill>
+                  <a:srgbClr val="000000"/>
+                </a:solidFill>
+                <a:latin typeface="Calibri" panose="020F0502020204030204" pitchFamily="34" charset="0"/>
+                <a:ea typeface="Calibri" panose="020F0502020204030204" pitchFamily="34" charset="0"/>
+                <a:cs typeface="Arial" panose="020B0604020202020204" pitchFamily="34" charset="0"/>
+              </a:rPr>
+            </a:br>
+            <a:endParaRPr lang="he-IL" dirty="0"/>
+          </a:p>
+        </p:txBody>
+      </p:sp>
+      <p:sp>
+        <p:nvSpPr>
+          <p:cNvPr id="7" name="Rectangle 6">
+            <a:extLst>
+              <a:ext uri="{FF2B5EF4-FFF2-40B4-BE49-F238E27FC236}">
+                <a16:creationId xmlns:a16="http://schemas.microsoft.com/office/drawing/2014/main" id="{8903B8C3-5531-4AB3-83CA-30A634A9302E}"/>
+              </a:ext>
+            </a:extLst>
+          </p:cNvPr>
+          <p:cNvSpPr/>
+          <p:nvPr/>
+        </p:nvSpPr>
+        <p:spPr>
+          <a:xfrm>
+            <a:off x="5417840" y="2852936"/>
+            <a:ext cx="2141984" cy="1200329"/>
+          </a:xfrm>
+          <a:prstGeom prst="rect">
+            <a:avLst/>
+          </a:prstGeom>
+          <a:solidFill>
+            <a:schemeClr val="accent1">
+              <a:lumMod val="40000"/>
+              <a:lumOff val="60000"/>
+            </a:schemeClr>
+          </a:solidFill>
+        </p:spPr>
+        <p:txBody>
+          <a:bodyPr wrap="square">
+            <a:spAutoFit/>
+          </a:bodyPr>
+          <a:lstStyle/>
+          <a:p>
+            <a:r>
+              <a:rPr lang="en-US" b="1" dirty="0" err="1">
+                <a:solidFill>
+                  <a:srgbClr val="000080"/>
+                </a:solidFill>
+                <a:latin typeface="Calibri" panose="020F0502020204030204" pitchFamily="34" charset="0"/>
+                <a:ea typeface="Calibri" panose="020F0502020204030204" pitchFamily="34" charset="0"/>
+                <a:cs typeface="Arial" panose="020B0604020202020204" pitchFamily="34" charset="0"/>
+              </a:rPr>
+              <a:t>const</a:t>
+            </a:r>
+            <a:r>
+              <a:rPr lang="en-US" b="1" dirty="0">
+                <a:solidFill>
+                  <a:srgbClr val="000080"/>
+                </a:solidFill>
+                <a:latin typeface="Calibri" panose="020F0502020204030204" pitchFamily="34" charset="0"/>
+                <a:ea typeface="Calibri" panose="020F0502020204030204" pitchFamily="34" charset="0"/>
+                <a:cs typeface="Arial" panose="020B0604020202020204" pitchFamily="34" charset="0"/>
+              </a:rPr>
+              <a:t> </a:t>
+            </a:r>
+            <a:r>
+              <a:rPr lang="en-US" b="1" i="1" dirty="0">
+                <a:solidFill>
+                  <a:srgbClr val="660E7A"/>
+                </a:solidFill>
+                <a:latin typeface="Calibri" panose="020F0502020204030204" pitchFamily="34" charset="0"/>
+                <a:ea typeface="Calibri" panose="020F0502020204030204" pitchFamily="34" charset="0"/>
+                <a:cs typeface="Arial" panose="020B0604020202020204" pitchFamily="34" charset="0"/>
+              </a:rPr>
+              <a:t>c1</a:t>
+            </a:r>
+            <a:r>
+              <a:rPr lang="en-US" dirty="0">
+                <a:solidFill>
+                  <a:srgbClr val="000000"/>
+                </a:solidFill>
+                <a:latin typeface="Calibri" panose="020F0502020204030204" pitchFamily="34" charset="0"/>
+                <a:ea typeface="Calibri" panose="020F0502020204030204" pitchFamily="34" charset="0"/>
+                <a:cs typeface="Arial" panose="020B0604020202020204" pitchFamily="34" charset="0"/>
+              </a:rPr>
+              <a:t>: C = {</a:t>
+            </a:r>
+            <a:br>
+              <a:rPr lang="en-US" dirty="0">
+                <a:solidFill>
+                  <a:srgbClr val="000000"/>
+                </a:solidFill>
+                <a:latin typeface="Calibri" panose="020F0502020204030204" pitchFamily="34" charset="0"/>
+                <a:ea typeface="Calibri" panose="020F0502020204030204" pitchFamily="34" charset="0"/>
+                <a:cs typeface="Arial" panose="020B0604020202020204" pitchFamily="34" charset="0"/>
+              </a:rPr>
+            </a:br>
+            <a:r>
+              <a:rPr lang="en-US" dirty="0">
+                <a:solidFill>
+                  <a:srgbClr val="000000"/>
+                </a:solidFill>
+                <a:latin typeface="Calibri" panose="020F0502020204030204" pitchFamily="34" charset="0"/>
+                <a:ea typeface="Calibri" panose="020F0502020204030204" pitchFamily="34" charset="0"/>
+                <a:cs typeface="Arial" panose="020B0604020202020204" pitchFamily="34" charset="0"/>
+              </a:rPr>
+              <a:t>    </a:t>
+            </a:r>
+            <a:r>
+              <a:rPr lang="en-US" b="1" dirty="0">
+                <a:solidFill>
+                  <a:srgbClr val="660E7A"/>
+                </a:solidFill>
+                <a:latin typeface="Calibri" panose="020F0502020204030204" pitchFamily="34" charset="0"/>
+                <a:ea typeface="Calibri" panose="020F0502020204030204" pitchFamily="34" charset="0"/>
+                <a:cs typeface="Arial" panose="020B0604020202020204" pitchFamily="34" charset="0"/>
+              </a:rPr>
+              <a:t>id</a:t>
+            </a:r>
+            <a:r>
+              <a:rPr lang="en-US" dirty="0">
+                <a:solidFill>
+                  <a:srgbClr val="000000"/>
+                </a:solidFill>
+                <a:latin typeface="Calibri" panose="020F0502020204030204" pitchFamily="34" charset="0"/>
+                <a:ea typeface="Calibri" panose="020F0502020204030204" pitchFamily="34" charset="0"/>
+                <a:cs typeface="Arial" panose="020B0604020202020204" pitchFamily="34" charset="0"/>
+              </a:rPr>
+              <a:t>: </a:t>
+            </a:r>
+            <a:r>
+              <a:rPr lang="en-US" dirty="0">
+                <a:solidFill>
+                  <a:srgbClr val="0000FF"/>
+                </a:solidFill>
+                <a:latin typeface="Calibri" panose="020F0502020204030204" pitchFamily="34" charset="0"/>
+                <a:ea typeface="Calibri" panose="020F0502020204030204" pitchFamily="34" charset="0"/>
+                <a:cs typeface="Arial" panose="020B0604020202020204" pitchFamily="34" charset="0"/>
+              </a:rPr>
+              <a:t>1</a:t>
+            </a:r>
+            <a:r>
+              <a:rPr lang="en-US" dirty="0">
+                <a:solidFill>
+                  <a:srgbClr val="000000"/>
+                </a:solidFill>
+                <a:latin typeface="Calibri" panose="020F0502020204030204" pitchFamily="34" charset="0"/>
+                <a:ea typeface="Calibri" panose="020F0502020204030204" pitchFamily="34" charset="0"/>
+                <a:cs typeface="Arial" panose="020B0604020202020204" pitchFamily="34" charset="0"/>
+              </a:rPr>
+              <a:t>,</a:t>
+            </a:r>
+            <a:br>
+              <a:rPr lang="en-US" dirty="0">
+                <a:solidFill>
+                  <a:srgbClr val="000000"/>
+                </a:solidFill>
+                <a:latin typeface="Calibri" panose="020F0502020204030204" pitchFamily="34" charset="0"/>
+                <a:ea typeface="Calibri" panose="020F0502020204030204" pitchFamily="34" charset="0"/>
+                <a:cs typeface="Arial" panose="020B0604020202020204" pitchFamily="34" charset="0"/>
+              </a:rPr>
+            </a:br>
+            <a:r>
+              <a:rPr lang="en-US" dirty="0">
+                <a:solidFill>
+                  <a:srgbClr val="000000"/>
+                </a:solidFill>
+                <a:latin typeface="Calibri" panose="020F0502020204030204" pitchFamily="34" charset="0"/>
+                <a:ea typeface="Calibri" panose="020F0502020204030204" pitchFamily="34" charset="0"/>
+                <a:cs typeface="Arial" panose="020B0604020202020204" pitchFamily="34" charset="0"/>
+              </a:rPr>
+              <a:t>    </a:t>
+            </a:r>
+            <a:r>
+              <a:rPr lang="en-US" b="1" dirty="0">
+                <a:solidFill>
+                  <a:srgbClr val="660E7A"/>
+                </a:solidFill>
+                <a:latin typeface="Calibri" panose="020F0502020204030204" pitchFamily="34" charset="0"/>
+                <a:ea typeface="Calibri" panose="020F0502020204030204" pitchFamily="34" charset="0"/>
+                <a:cs typeface="Arial" panose="020B0604020202020204" pitchFamily="34" charset="0"/>
+              </a:rPr>
+              <a:t>name</a:t>
+            </a:r>
+            <a:r>
+              <a:rPr lang="en-US" dirty="0">
+                <a:solidFill>
+                  <a:srgbClr val="000000"/>
+                </a:solidFill>
+                <a:latin typeface="Calibri" panose="020F0502020204030204" pitchFamily="34" charset="0"/>
+                <a:ea typeface="Calibri" panose="020F0502020204030204" pitchFamily="34" charset="0"/>
+                <a:cs typeface="Arial" panose="020B0604020202020204" pitchFamily="34" charset="0"/>
+              </a:rPr>
+              <a:t>: </a:t>
+            </a:r>
+            <a:r>
+              <a:rPr lang="en-US" b="1" dirty="0">
+                <a:solidFill>
+                  <a:srgbClr val="008000"/>
+                </a:solidFill>
+                <a:latin typeface="Calibri" panose="020F0502020204030204" pitchFamily="34" charset="0"/>
+                <a:ea typeface="Calibri" panose="020F0502020204030204" pitchFamily="34" charset="0"/>
+                <a:cs typeface="Arial" panose="020B0604020202020204" pitchFamily="34" charset="0"/>
+              </a:rPr>
+              <a:t>"Ori"</a:t>
+            </a:r>
+            <a:r>
+              <a:rPr lang="en-US" dirty="0">
+                <a:solidFill>
+                  <a:srgbClr val="000000"/>
+                </a:solidFill>
+                <a:latin typeface="Calibri" panose="020F0502020204030204" pitchFamily="34" charset="0"/>
+                <a:ea typeface="Calibri" panose="020F0502020204030204" pitchFamily="34" charset="0"/>
+                <a:cs typeface="Arial" panose="020B0604020202020204" pitchFamily="34" charset="0"/>
+              </a:rPr>
+              <a:t>,</a:t>
+            </a:r>
+            <a:br>
+              <a:rPr lang="en-US" dirty="0">
+                <a:solidFill>
+                  <a:srgbClr val="000000"/>
+                </a:solidFill>
+                <a:latin typeface="Calibri" panose="020F0502020204030204" pitchFamily="34" charset="0"/>
+                <a:ea typeface="Calibri" panose="020F0502020204030204" pitchFamily="34" charset="0"/>
+                <a:cs typeface="Arial" panose="020B0604020202020204" pitchFamily="34" charset="0"/>
+              </a:rPr>
+            </a:br>
+            <a:r>
+              <a:rPr lang="en-US" dirty="0">
+                <a:solidFill>
+                  <a:srgbClr val="000000"/>
+                </a:solidFill>
+                <a:latin typeface="Calibri" panose="020F0502020204030204" pitchFamily="34" charset="0"/>
+                <a:ea typeface="Calibri" panose="020F0502020204030204" pitchFamily="34" charset="0"/>
+                <a:cs typeface="Arial" panose="020B0604020202020204" pitchFamily="34" charset="0"/>
+              </a:rPr>
+              <a:t>};</a:t>
+            </a:r>
+            <a:endParaRPr lang="he-IL" dirty="0"/>
+          </a:p>
+        </p:txBody>
+      </p:sp>
+    </p:spTree>
+    <p:extLst>
+      <p:ext uri="{BB962C8B-B14F-4D97-AF65-F5344CB8AC3E}">
+        <p14:creationId xmlns:p14="http://schemas.microsoft.com/office/powerpoint/2010/main" val="1085774492"/>
+      </p:ext>
+    </p:extLst>
+  </p:cSld>
+  <p:clrMapOvr>
+    <a:masterClrMapping/>
+  </p:clrMapOvr>
+</p:sld>
+</file>
+
 <file path=ppt/slides/slide2.xml><?xml version="1.0" encoding="utf-8"?>
 <p:sld xmlns:a="http://schemas.openxmlformats.org/drawingml/2006/main" xmlns:r="http://schemas.openxmlformats.org/officeDocument/2006/relationships" xmlns:p="http://schemas.openxmlformats.org/presentationml/2006/main">
   <p:cSld>
@@ -7400,6 +9789,6152 @@
     <p:extLst>
       <p:ext uri="{BB962C8B-B14F-4D97-AF65-F5344CB8AC3E}">
         <p14:creationId xmlns:p14="http://schemas.microsoft.com/office/powerpoint/2010/main" val="2565481441"/>
+      </p:ext>
+    </p:extLst>
+  </p:cSld>
+  <p:clrMapOvr>
+    <a:masterClrMapping/>
+  </p:clrMapOvr>
+</p:sld>
+</file>
+
+<file path=ppt/slides/slide20.xml><?xml version="1.0" encoding="utf-8"?>
+<p:sld xmlns:a="http://schemas.openxmlformats.org/drawingml/2006/main" xmlns:r="http://schemas.openxmlformats.org/officeDocument/2006/relationships" xmlns:p="http://schemas.openxmlformats.org/presentationml/2006/main">
+  <p:cSld>
+    <p:spTree>
+      <p:nvGrpSpPr>
+        <p:cNvPr id="1" name=""/>
+        <p:cNvGrpSpPr/>
+        <p:nvPr/>
+      </p:nvGrpSpPr>
+      <p:grpSpPr>
+        <a:xfrm>
+          <a:off x="0" y="0"/>
+          <a:ext cx="0" cy="0"/>
+          <a:chOff x="0" y="0"/>
+          <a:chExt cx="0" cy="0"/>
+        </a:xfrm>
+      </p:grpSpPr>
+      <p:sp>
+        <p:nvSpPr>
+          <p:cNvPr id="2" name="Title 1">
+            <a:extLst>
+              <a:ext uri="{FF2B5EF4-FFF2-40B4-BE49-F238E27FC236}">
+                <a16:creationId xmlns:a16="http://schemas.microsoft.com/office/drawing/2014/main" id="{B515751F-05EA-424E-AA47-708693712A00}"/>
+              </a:ext>
+            </a:extLst>
+          </p:cNvPr>
+          <p:cNvSpPr>
+            <a:spLocks noGrp="1"/>
+          </p:cNvSpPr>
+          <p:nvPr>
+            <p:ph type="title"/>
+          </p:nvPr>
+        </p:nvSpPr>
+        <p:spPr/>
+        <p:txBody>
+          <a:bodyPr/>
+          <a:lstStyle/>
+          <a:p>
+            <a:r>
+              <a:rPr lang="en-US" dirty="0" err="1"/>
+              <a:t>Object.assign</a:t>
+            </a:r>
+            <a:endParaRPr lang="he-IL" dirty="0"/>
+          </a:p>
+        </p:txBody>
+      </p:sp>
+      <p:sp>
+        <p:nvSpPr>
+          <p:cNvPr id="3" name="Footer Placeholder 2">
+            <a:extLst>
+              <a:ext uri="{FF2B5EF4-FFF2-40B4-BE49-F238E27FC236}">
+                <a16:creationId xmlns:a16="http://schemas.microsoft.com/office/drawing/2014/main" id="{65CEA62D-3027-410A-AB45-708EE9B15ED1}"/>
+              </a:ext>
+            </a:extLst>
+          </p:cNvPr>
+          <p:cNvSpPr>
+            <a:spLocks noGrp="1"/>
+          </p:cNvSpPr>
+          <p:nvPr>
+            <p:ph type="ftr" sz="quarter" idx="11"/>
+          </p:nvPr>
+        </p:nvSpPr>
+        <p:spPr/>
+        <p:txBody>
+          <a:bodyPr/>
+          <a:lstStyle/>
+          <a:p>
+            <a:r>
+              <a:rPr lang="en-US"/>
+              <a:t>© 2017 Ori Calvo</a:t>
+            </a:r>
+            <a:endParaRPr lang="en-US" dirty="0"/>
+          </a:p>
+        </p:txBody>
+      </p:sp>
+      <p:sp>
+        <p:nvSpPr>
+          <p:cNvPr id="4" name="Slide Number Placeholder 3">
+            <a:extLst>
+              <a:ext uri="{FF2B5EF4-FFF2-40B4-BE49-F238E27FC236}">
+                <a16:creationId xmlns:a16="http://schemas.microsoft.com/office/drawing/2014/main" id="{C6467328-A6D4-4265-8E25-E16D980FF3EF}"/>
+              </a:ext>
+            </a:extLst>
+          </p:cNvPr>
+          <p:cNvSpPr>
+            <a:spLocks noGrp="1"/>
+          </p:cNvSpPr>
+          <p:nvPr>
+            <p:ph type="sldNum" sz="quarter" idx="12"/>
+          </p:nvPr>
+        </p:nvSpPr>
+        <p:spPr/>
+        <p:txBody>
+          <a:bodyPr>
+            <a:normAutofit fontScale="85000" lnSpcReduction="20000"/>
+          </a:bodyPr>
+          <a:lstStyle/>
+          <a:p>
+            <a:fld id="{6EDEC3BC-0694-4586-AE63-02B4D54ABF43}" type="slidenum">
+              <a:rPr lang="en-US" smtClean="0"/>
+              <a:pPr/>
+              <a:t>20</a:t>
+            </a:fld>
+            <a:endParaRPr lang="en-US"/>
+          </a:p>
+        </p:txBody>
+      </p:sp>
+      <p:sp>
+        <p:nvSpPr>
+          <p:cNvPr id="5" name="Content Placeholder 4">
+            <a:extLst>
+              <a:ext uri="{FF2B5EF4-FFF2-40B4-BE49-F238E27FC236}">
+                <a16:creationId xmlns:a16="http://schemas.microsoft.com/office/drawing/2014/main" id="{540B0856-6F06-4B5F-B429-FFC479CD083C}"/>
+              </a:ext>
+            </a:extLst>
+          </p:cNvPr>
+          <p:cNvSpPr>
+            <a:spLocks noGrp="1"/>
+          </p:cNvSpPr>
+          <p:nvPr>
+            <p:ph sz="quarter" idx="1"/>
+          </p:nvPr>
+        </p:nvSpPr>
+        <p:spPr/>
+        <p:txBody>
+          <a:bodyPr/>
+          <a:lstStyle/>
+          <a:p>
+            <a:r>
+              <a:rPr lang="en-US" dirty="0"/>
+              <a:t>Using previous syntax we can now define </a:t>
+            </a:r>
+            <a:r>
+              <a:rPr lang="en-US" dirty="0" err="1"/>
+              <a:t>Object.assign</a:t>
+            </a:r>
+            <a:r>
+              <a:rPr lang="en-US" dirty="0"/>
+              <a:t> in a type safe way</a:t>
+            </a:r>
+            <a:endParaRPr lang="he-IL" dirty="0"/>
+          </a:p>
+        </p:txBody>
+      </p:sp>
+      <p:sp>
+        <p:nvSpPr>
+          <p:cNvPr id="6" name="Rectangle 5">
+            <a:extLst>
+              <a:ext uri="{FF2B5EF4-FFF2-40B4-BE49-F238E27FC236}">
+                <a16:creationId xmlns:a16="http://schemas.microsoft.com/office/drawing/2014/main" id="{72FCF2E0-B84D-4750-8714-1CFF9B5ECC2D}"/>
+              </a:ext>
+            </a:extLst>
+          </p:cNvPr>
+          <p:cNvSpPr/>
+          <p:nvPr/>
+        </p:nvSpPr>
+        <p:spPr>
+          <a:xfrm>
+            <a:off x="683568" y="2996952"/>
+            <a:ext cx="7866456" cy="2031325"/>
+          </a:xfrm>
+          <a:prstGeom prst="rect">
+            <a:avLst/>
+          </a:prstGeom>
+          <a:solidFill>
+            <a:schemeClr val="accent1">
+              <a:lumMod val="40000"/>
+              <a:lumOff val="60000"/>
+            </a:schemeClr>
+          </a:solidFill>
+        </p:spPr>
+        <p:txBody>
+          <a:bodyPr wrap="square">
+            <a:spAutoFit/>
+          </a:bodyPr>
+          <a:lstStyle/>
+          <a:p>
+            <a:r>
+              <a:rPr lang="en-US" b="1" dirty="0">
+                <a:solidFill>
+                  <a:srgbClr val="000080"/>
+                </a:solidFill>
+                <a:latin typeface="Calibri" panose="020F0502020204030204" pitchFamily="34" charset="0"/>
+                <a:ea typeface="Calibri" panose="020F0502020204030204" pitchFamily="34" charset="0"/>
+                <a:cs typeface="Arial" panose="020B0604020202020204" pitchFamily="34" charset="0"/>
+              </a:rPr>
+              <a:t>interface </a:t>
+            </a:r>
+            <a:r>
+              <a:rPr lang="en-US" dirty="0" err="1">
+                <a:solidFill>
+                  <a:srgbClr val="000000"/>
+                </a:solidFill>
+                <a:latin typeface="Calibri" panose="020F0502020204030204" pitchFamily="34" charset="0"/>
+                <a:ea typeface="Calibri" panose="020F0502020204030204" pitchFamily="34" charset="0"/>
+                <a:cs typeface="Arial" panose="020B0604020202020204" pitchFamily="34" charset="0"/>
+              </a:rPr>
+              <a:t>ObjectConstructor</a:t>
+            </a:r>
+            <a:r>
+              <a:rPr lang="en-US" dirty="0">
+                <a:solidFill>
+                  <a:srgbClr val="000000"/>
+                </a:solidFill>
+                <a:latin typeface="Calibri" panose="020F0502020204030204" pitchFamily="34" charset="0"/>
+                <a:ea typeface="Calibri" panose="020F0502020204030204" pitchFamily="34" charset="0"/>
+                <a:cs typeface="Arial" panose="020B0604020202020204" pitchFamily="34" charset="0"/>
+              </a:rPr>
+              <a:t> {</a:t>
+            </a:r>
+            <a:br>
+              <a:rPr lang="en-US" dirty="0">
+                <a:solidFill>
+                  <a:srgbClr val="000000"/>
+                </a:solidFill>
+                <a:latin typeface="Calibri" panose="020F0502020204030204" pitchFamily="34" charset="0"/>
+                <a:ea typeface="Calibri" panose="020F0502020204030204" pitchFamily="34" charset="0"/>
+                <a:cs typeface="Arial" panose="020B0604020202020204" pitchFamily="34" charset="0"/>
+              </a:rPr>
+            </a:br>
+            <a:r>
+              <a:rPr lang="en-US" dirty="0">
+                <a:solidFill>
+                  <a:srgbClr val="000000"/>
+                </a:solidFill>
+                <a:latin typeface="Calibri" panose="020F0502020204030204" pitchFamily="34" charset="0"/>
+                <a:ea typeface="Calibri" panose="020F0502020204030204" pitchFamily="34" charset="0"/>
+                <a:cs typeface="Arial" panose="020B0604020202020204" pitchFamily="34" charset="0"/>
+              </a:rPr>
+              <a:t>    </a:t>
+            </a:r>
+            <a:r>
+              <a:rPr lang="en-US" dirty="0">
+                <a:solidFill>
+                  <a:srgbClr val="7A7A43"/>
+                </a:solidFill>
+                <a:latin typeface="Calibri" panose="020F0502020204030204" pitchFamily="34" charset="0"/>
+                <a:ea typeface="Calibri" panose="020F0502020204030204" pitchFamily="34" charset="0"/>
+                <a:cs typeface="Arial" panose="020B0604020202020204" pitchFamily="34" charset="0"/>
+              </a:rPr>
+              <a:t>assign</a:t>
+            </a:r>
+            <a:r>
+              <a:rPr lang="en-US" dirty="0">
+                <a:solidFill>
+                  <a:srgbClr val="000000"/>
+                </a:solidFill>
+                <a:latin typeface="Calibri" panose="020F0502020204030204" pitchFamily="34" charset="0"/>
+                <a:ea typeface="Calibri" panose="020F0502020204030204" pitchFamily="34" charset="0"/>
+                <a:cs typeface="Arial" panose="020B0604020202020204" pitchFamily="34" charset="0"/>
+              </a:rPr>
+              <a:t>&lt;T, U&gt;(target: T, source: U): T &amp; U;</a:t>
+            </a:r>
+            <a:br>
+              <a:rPr lang="en-US" dirty="0">
+                <a:solidFill>
+                  <a:srgbClr val="000000"/>
+                </a:solidFill>
+                <a:latin typeface="Calibri" panose="020F0502020204030204" pitchFamily="34" charset="0"/>
+                <a:ea typeface="Calibri" panose="020F0502020204030204" pitchFamily="34" charset="0"/>
+                <a:cs typeface="Arial" panose="020B0604020202020204" pitchFamily="34" charset="0"/>
+              </a:rPr>
+            </a:br>
+            <a:r>
+              <a:rPr lang="en-US" dirty="0">
+                <a:solidFill>
+                  <a:srgbClr val="000000"/>
+                </a:solidFill>
+                <a:latin typeface="Calibri" panose="020F0502020204030204" pitchFamily="34" charset="0"/>
+                <a:ea typeface="Calibri" panose="020F0502020204030204" pitchFamily="34" charset="0"/>
+                <a:cs typeface="Arial" panose="020B0604020202020204" pitchFamily="34" charset="0"/>
+              </a:rPr>
+              <a:t>    </a:t>
+            </a:r>
+            <a:br>
+              <a:rPr lang="en-US" dirty="0">
+                <a:solidFill>
+                  <a:srgbClr val="000000"/>
+                </a:solidFill>
+                <a:latin typeface="Calibri" panose="020F0502020204030204" pitchFamily="34" charset="0"/>
+                <a:ea typeface="Calibri" panose="020F0502020204030204" pitchFamily="34" charset="0"/>
+                <a:cs typeface="Arial" panose="020B0604020202020204" pitchFamily="34" charset="0"/>
+              </a:rPr>
+            </a:br>
+            <a:r>
+              <a:rPr lang="en-US" dirty="0">
+                <a:solidFill>
+                  <a:srgbClr val="000000"/>
+                </a:solidFill>
+                <a:latin typeface="Calibri" panose="020F0502020204030204" pitchFamily="34" charset="0"/>
+                <a:ea typeface="Calibri" panose="020F0502020204030204" pitchFamily="34" charset="0"/>
+                <a:cs typeface="Arial" panose="020B0604020202020204" pitchFamily="34" charset="0"/>
+              </a:rPr>
+              <a:t>    </a:t>
+            </a:r>
+            <a:r>
+              <a:rPr lang="en-US" dirty="0">
+                <a:solidFill>
+                  <a:srgbClr val="7A7A43"/>
+                </a:solidFill>
+                <a:latin typeface="Calibri" panose="020F0502020204030204" pitchFamily="34" charset="0"/>
+                <a:ea typeface="Calibri" panose="020F0502020204030204" pitchFamily="34" charset="0"/>
+                <a:cs typeface="Arial" panose="020B0604020202020204" pitchFamily="34" charset="0"/>
+              </a:rPr>
+              <a:t>assign</a:t>
+            </a:r>
+            <a:r>
+              <a:rPr lang="en-US" dirty="0">
+                <a:solidFill>
+                  <a:srgbClr val="000000"/>
+                </a:solidFill>
+                <a:latin typeface="Calibri" panose="020F0502020204030204" pitchFamily="34" charset="0"/>
+                <a:ea typeface="Calibri" panose="020F0502020204030204" pitchFamily="34" charset="0"/>
+                <a:cs typeface="Arial" panose="020B0604020202020204" pitchFamily="34" charset="0"/>
+              </a:rPr>
+              <a:t>&lt;T, U, V&gt;(target: T, source1: U, source2: V): T &amp; U &amp; V;</a:t>
+            </a:r>
+            <a:br>
+              <a:rPr lang="en-US" dirty="0">
+                <a:solidFill>
+                  <a:srgbClr val="000000"/>
+                </a:solidFill>
+                <a:latin typeface="Calibri" panose="020F0502020204030204" pitchFamily="34" charset="0"/>
+                <a:ea typeface="Calibri" panose="020F0502020204030204" pitchFamily="34" charset="0"/>
+                <a:cs typeface="Arial" panose="020B0604020202020204" pitchFamily="34" charset="0"/>
+              </a:rPr>
+            </a:br>
+            <a:r>
+              <a:rPr lang="en-US" dirty="0">
+                <a:solidFill>
+                  <a:srgbClr val="000000"/>
+                </a:solidFill>
+                <a:latin typeface="Calibri" panose="020F0502020204030204" pitchFamily="34" charset="0"/>
+                <a:ea typeface="Calibri" panose="020F0502020204030204" pitchFamily="34" charset="0"/>
+                <a:cs typeface="Arial" panose="020B0604020202020204" pitchFamily="34" charset="0"/>
+              </a:rPr>
+              <a:t>    </a:t>
+            </a:r>
+            <a:br>
+              <a:rPr lang="en-US" dirty="0">
+                <a:solidFill>
+                  <a:srgbClr val="000000"/>
+                </a:solidFill>
+                <a:latin typeface="Calibri" panose="020F0502020204030204" pitchFamily="34" charset="0"/>
+                <a:ea typeface="Calibri" panose="020F0502020204030204" pitchFamily="34" charset="0"/>
+                <a:cs typeface="Arial" panose="020B0604020202020204" pitchFamily="34" charset="0"/>
+              </a:rPr>
+            </a:br>
+            <a:r>
+              <a:rPr lang="en-US" dirty="0">
+                <a:solidFill>
+                  <a:srgbClr val="000000"/>
+                </a:solidFill>
+                <a:latin typeface="Calibri" panose="020F0502020204030204" pitchFamily="34" charset="0"/>
+                <a:ea typeface="Calibri" panose="020F0502020204030204" pitchFamily="34" charset="0"/>
+                <a:cs typeface="Arial" panose="020B0604020202020204" pitchFamily="34" charset="0"/>
+              </a:rPr>
+              <a:t>    </a:t>
+            </a:r>
+            <a:r>
+              <a:rPr lang="en-US" dirty="0">
+                <a:solidFill>
+                  <a:srgbClr val="7A7A43"/>
+                </a:solidFill>
+                <a:latin typeface="Calibri" panose="020F0502020204030204" pitchFamily="34" charset="0"/>
+                <a:ea typeface="Calibri" panose="020F0502020204030204" pitchFamily="34" charset="0"/>
+                <a:cs typeface="Arial" panose="020B0604020202020204" pitchFamily="34" charset="0"/>
+              </a:rPr>
+              <a:t>assign</a:t>
+            </a:r>
+            <a:r>
+              <a:rPr lang="en-US" dirty="0">
+                <a:solidFill>
+                  <a:srgbClr val="000000"/>
+                </a:solidFill>
+                <a:latin typeface="Calibri" panose="020F0502020204030204" pitchFamily="34" charset="0"/>
+                <a:ea typeface="Calibri" panose="020F0502020204030204" pitchFamily="34" charset="0"/>
+                <a:cs typeface="Arial" panose="020B0604020202020204" pitchFamily="34" charset="0"/>
+              </a:rPr>
+              <a:t>&lt;T, U, V, W&gt;(target: T, source1: U, source2: V, source3: W): T &amp; U &amp; V &amp; W;</a:t>
+            </a:r>
+            <a:br>
+              <a:rPr lang="en-US" dirty="0">
+                <a:solidFill>
+                  <a:srgbClr val="000000"/>
+                </a:solidFill>
+                <a:latin typeface="Calibri" panose="020F0502020204030204" pitchFamily="34" charset="0"/>
+                <a:ea typeface="Calibri" panose="020F0502020204030204" pitchFamily="34" charset="0"/>
+                <a:cs typeface="Arial" panose="020B0604020202020204" pitchFamily="34" charset="0"/>
+              </a:rPr>
+            </a:br>
+            <a:r>
+              <a:rPr lang="en-US" dirty="0">
+                <a:solidFill>
+                  <a:srgbClr val="000000"/>
+                </a:solidFill>
+                <a:latin typeface="Calibri" panose="020F0502020204030204" pitchFamily="34" charset="0"/>
+                <a:ea typeface="Calibri" panose="020F0502020204030204" pitchFamily="34" charset="0"/>
+                <a:cs typeface="Arial" panose="020B0604020202020204" pitchFamily="34" charset="0"/>
+              </a:rPr>
+              <a:t>}</a:t>
+            </a:r>
+            <a:endParaRPr lang="he-IL" dirty="0"/>
+          </a:p>
+        </p:txBody>
+      </p:sp>
+    </p:spTree>
+    <p:extLst>
+      <p:ext uri="{BB962C8B-B14F-4D97-AF65-F5344CB8AC3E}">
+        <p14:creationId xmlns:p14="http://schemas.microsoft.com/office/powerpoint/2010/main" val="397103549"/>
+      </p:ext>
+    </p:extLst>
+  </p:cSld>
+  <p:clrMapOvr>
+    <a:masterClrMapping/>
+  </p:clrMapOvr>
+</p:sld>
+</file>
+
+<file path=ppt/slides/slide21.xml><?xml version="1.0" encoding="utf-8"?>
+<p:sld xmlns:a="http://schemas.openxmlformats.org/drawingml/2006/main" xmlns:r="http://schemas.openxmlformats.org/officeDocument/2006/relationships" xmlns:p="http://schemas.openxmlformats.org/presentationml/2006/main">
+  <p:cSld>
+    <p:spTree>
+      <p:nvGrpSpPr>
+        <p:cNvPr id="1" name=""/>
+        <p:cNvGrpSpPr/>
+        <p:nvPr/>
+      </p:nvGrpSpPr>
+      <p:grpSpPr>
+        <a:xfrm>
+          <a:off x="0" y="0"/>
+          <a:ext cx="0" cy="0"/>
+          <a:chOff x="0" y="0"/>
+          <a:chExt cx="0" cy="0"/>
+        </a:xfrm>
+      </p:grpSpPr>
+      <p:sp>
+        <p:nvSpPr>
+          <p:cNvPr id="2" name="Title 1">
+            <a:extLst>
+              <a:ext uri="{FF2B5EF4-FFF2-40B4-BE49-F238E27FC236}">
+                <a16:creationId xmlns:a16="http://schemas.microsoft.com/office/drawing/2014/main" id="{F7F745EB-99E5-45F6-8E97-287D6B0266AA}"/>
+              </a:ext>
+            </a:extLst>
+          </p:cNvPr>
+          <p:cNvSpPr>
+            <a:spLocks noGrp="1"/>
+          </p:cNvSpPr>
+          <p:nvPr>
+            <p:ph type="title"/>
+          </p:nvPr>
+        </p:nvSpPr>
+        <p:spPr/>
+        <p:txBody>
+          <a:bodyPr/>
+          <a:lstStyle/>
+          <a:p>
+            <a:r>
+              <a:rPr lang="en-US" dirty="0"/>
+              <a:t>Type Guard</a:t>
+            </a:r>
+            <a:endParaRPr lang="he-IL" dirty="0"/>
+          </a:p>
+        </p:txBody>
+      </p:sp>
+      <p:sp>
+        <p:nvSpPr>
+          <p:cNvPr id="3" name="Footer Placeholder 2">
+            <a:extLst>
+              <a:ext uri="{FF2B5EF4-FFF2-40B4-BE49-F238E27FC236}">
+                <a16:creationId xmlns:a16="http://schemas.microsoft.com/office/drawing/2014/main" id="{80000845-C65A-483C-9BFA-495D9CADDBA1}"/>
+              </a:ext>
+            </a:extLst>
+          </p:cNvPr>
+          <p:cNvSpPr>
+            <a:spLocks noGrp="1"/>
+          </p:cNvSpPr>
+          <p:nvPr>
+            <p:ph type="ftr" sz="quarter" idx="11"/>
+          </p:nvPr>
+        </p:nvSpPr>
+        <p:spPr/>
+        <p:txBody>
+          <a:bodyPr/>
+          <a:lstStyle/>
+          <a:p>
+            <a:r>
+              <a:rPr lang="en-US"/>
+              <a:t>© 2017 Ori Calvo</a:t>
+            </a:r>
+            <a:endParaRPr lang="en-US" dirty="0"/>
+          </a:p>
+        </p:txBody>
+      </p:sp>
+      <p:sp>
+        <p:nvSpPr>
+          <p:cNvPr id="4" name="Slide Number Placeholder 3">
+            <a:extLst>
+              <a:ext uri="{FF2B5EF4-FFF2-40B4-BE49-F238E27FC236}">
+                <a16:creationId xmlns:a16="http://schemas.microsoft.com/office/drawing/2014/main" id="{05EF8FEE-0526-478C-BB4D-BC5F51FE33F8}"/>
+              </a:ext>
+            </a:extLst>
+          </p:cNvPr>
+          <p:cNvSpPr>
+            <a:spLocks noGrp="1"/>
+          </p:cNvSpPr>
+          <p:nvPr>
+            <p:ph type="sldNum" sz="quarter" idx="12"/>
+          </p:nvPr>
+        </p:nvSpPr>
+        <p:spPr/>
+        <p:txBody>
+          <a:bodyPr>
+            <a:normAutofit fontScale="85000" lnSpcReduction="20000"/>
+          </a:bodyPr>
+          <a:lstStyle/>
+          <a:p>
+            <a:fld id="{6EDEC3BC-0694-4586-AE63-02B4D54ABF43}" type="slidenum">
+              <a:rPr lang="en-US" smtClean="0"/>
+              <a:pPr/>
+              <a:t>21</a:t>
+            </a:fld>
+            <a:endParaRPr lang="en-US"/>
+          </a:p>
+        </p:txBody>
+      </p:sp>
+      <p:sp>
+        <p:nvSpPr>
+          <p:cNvPr id="5" name="Content Placeholder 4">
+            <a:extLst>
+              <a:ext uri="{FF2B5EF4-FFF2-40B4-BE49-F238E27FC236}">
+                <a16:creationId xmlns:a16="http://schemas.microsoft.com/office/drawing/2014/main" id="{F48B697E-E44A-49D2-809D-4F8E406BBBD4}"/>
+              </a:ext>
+            </a:extLst>
+          </p:cNvPr>
+          <p:cNvSpPr>
+            <a:spLocks noGrp="1"/>
+          </p:cNvSpPr>
+          <p:nvPr>
+            <p:ph sz="quarter" idx="1"/>
+          </p:nvPr>
+        </p:nvSpPr>
+        <p:spPr/>
+        <p:txBody>
+          <a:bodyPr/>
+          <a:lstStyle/>
+          <a:p>
+            <a:r>
+              <a:rPr lang="en-US" dirty="0"/>
+              <a:t>The following compiles successfully</a:t>
+            </a:r>
+            <a:endParaRPr lang="he-IL" dirty="0"/>
+          </a:p>
+        </p:txBody>
+      </p:sp>
+      <p:sp>
+        <p:nvSpPr>
+          <p:cNvPr id="6" name="Rectangle 5">
+            <a:extLst>
+              <a:ext uri="{FF2B5EF4-FFF2-40B4-BE49-F238E27FC236}">
+                <a16:creationId xmlns:a16="http://schemas.microsoft.com/office/drawing/2014/main" id="{9CC76DD2-2865-436D-B917-65FFE26477CA}"/>
+              </a:ext>
+            </a:extLst>
+          </p:cNvPr>
+          <p:cNvSpPr/>
+          <p:nvPr/>
+        </p:nvSpPr>
+        <p:spPr>
+          <a:xfrm>
+            <a:off x="3141176" y="2420825"/>
+            <a:ext cx="3096344" cy="3693319"/>
+          </a:xfrm>
+          <a:prstGeom prst="rect">
+            <a:avLst/>
+          </a:prstGeom>
+          <a:solidFill>
+            <a:schemeClr val="accent1">
+              <a:lumMod val="40000"/>
+              <a:lumOff val="60000"/>
+            </a:schemeClr>
+          </a:solidFill>
+        </p:spPr>
+        <p:txBody>
+          <a:bodyPr wrap="square">
+            <a:spAutoFit/>
+          </a:bodyPr>
+          <a:lstStyle/>
+          <a:p>
+            <a:r>
+              <a:rPr lang="en-US" b="1" dirty="0">
+                <a:solidFill>
+                  <a:srgbClr val="000080"/>
+                </a:solidFill>
+                <a:latin typeface="Calibri" panose="020F0502020204030204" pitchFamily="34" charset="0"/>
+                <a:ea typeface="Calibri" panose="020F0502020204030204" pitchFamily="34" charset="0"/>
+                <a:cs typeface="Arial" panose="020B0604020202020204" pitchFamily="34" charset="0"/>
+              </a:rPr>
+              <a:t>class </a:t>
+            </a:r>
+            <a:r>
+              <a:rPr lang="en-US" dirty="0">
+                <a:solidFill>
+                  <a:srgbClr val="000000"/>
+                </a:solidFill>
+                <a:latin typeface="Calibri" panose="020F0502020204030204" pitchFamily="34" charset="0"/>
+                <a:ea typeface="Calibri" panose="020F0502020204030204" pitchFamily="34" charset="0"/>
+                <a:cs typeface="Arial" panose="020B0604020202020204" pitchFamily="34" charset="0"/>
+              </a:rPr>
+              <a:t>A {</a:t>
+            </a:r>
+            <a:br>
+              <a:rPr lang="en-US" dirty="0">
+                <a:solidFill>
+                  <a:srgbClr val="000000"/>
+                </a:solidFill>
+                <a:latin typeface="Calibri" panose="020F0502020204030204" pitchFamily="34" charset="0"/>
+                <a:ea typeface="Calibri" panose="020F0502020204030204" pitchFamily="34" charset="0"/>
+                <a:cs typeface="Arial" panose="020B0604020202020204" pitchFamily="34" charset="0"/>
+              </a:rPr>
+            </a:br>
+            <a:r>
+              <a:rPr lang="en-US" dirty="0">
+                <a:solidFill>
+                  <a:srgbClr val="000000"/>
+                </a:solidFill>
+                <a:latin typeface="Calibri" panose="020F0502020204030204" pitchFamily="34" charset="0"/>
+                <a:ea typeface="Calibri" panose="020F0502020204030204" pitchFamily="34" charset="0"/>
+                <a:cs typeface="Arial" panose="020B0604020202020204" pitchFamily="34" charset="0"/>
+              </a:rPr>
+              <a:t>}</a:t>
+            </a:r>
+            <a:br>
+              <a:rPr lang="en-US" dirty="0">
+                <a:solidFill>
+                  <a:srgbClr val="000000"/>
+                </a:solidFill>
+                <a:latin typeface="Calibri" panose="020F0502020204030204" pitchFamily="34" charset="0"/>
+                <a:ea typeface="Calibri" panose="020F0502020204030204" pitchFamily="34" charset="0"/>
+                <a:cs typeface="Arial" panose="020B0604020202020204" pitchFamily="34" charset="0"/>
+              </a:rPr>
+            </a:br>
+            <a:br>
+              <a:rPr lang="en-US" dirty="0">
+                <a:solidFill>
+                  <a:srgbClr val="000000"/>
+                </a:solidFill>
+                <a:latin typeface="Calibri" panose="020F0502020204030204" pitchFamily="34" charset="0"/>
+                <a:ea typeface="Calibri" panose="020F0502020204030204" pitchFamily="34" charset="0"/>
+                <a:cs typeface="Arial" panose="020B0604020202020204" pitchFamily="34" charset="0"/>
+              </a:rPr>
+            </a:br>
+            <a:r>
+              <a:rPr lang="en-US" b="1" dirty="0">
+                <a:solidFill>
+                  <a:srgbClr val="000080"/>
+                </a:solidFill>
+                <a:latin typeface="Calibri" panose="020F0502020204030204" pitchFamily="34" charset="0"/>
+                <a:ea typeface="Calibri" panose="020F0502020204030204" pitchFamily="34" charset="0"/>
+                <a:cs typeface="Arial" panose="020B0604020202020204" pitchFamily="34" charset="0"/>
+              </a:rPr>
+              <a:t>class </a:t>
+            </a:r>
+            <a:r>
+              <a:rPr lang="en-US" dirty="0">
+                <a:solidFill>
+                  <a:srgbClr val="000000"/>
+                </a:solidFill>
+                <a:latin typeface="Calibri" panose="020F0502020204030204" pitchFamily="34" charset="0"/>
+                <a:ea typeface="Calibri" panose="020F0502020204030204" pitchFamily="34" charset="0"/>
+                <a:cs typeface="Arial" panose="020B0604020202020204" pitchFamily="34" charset="0"/>
+              </a:rPr>
+              <a:t>B </a:t>
+            </a:r>
+            <a:r>
+              <a:rPr lang="en-US" b="1" dirty="0">
+                <a:solidFill>
+                  <a:srgbClr val="000080"/>
+                </a:solidFill>
+                <a:latin typeface="Calibri" panose="020F0502020204030204" pitchFamily="34" charset="0"/>
+                <a:ea typeface="Calibri" panose="020F0502020204030204" pitchFamily="34" charset="0"/>
+                <a:cs typeface="Arial" panose="020B0604020202020204" pitchFamily="34" charset="0"/>
+              </a:rPr>
+              <a:t>extends </a:t>
+            </a:r>
+            <a:r>
+              <a:rPr lang="en-US" dirty="0">
+                <a:solidFill>
+                  <a:srgbClr val="000000"/>
+                </a:solidFill>
+                <a:latin typeface="Calibri" panose="020F0502020204030204" pitchFamily="34" charset="0"/>
+                <a:ea typeface="Calibri" panose="020F0502020204030204" pitchFamily="34" charset="0"/>
+                <a:cs typeface="Arial" panose="020B0604020202020204" pitchFamily="34" charset="0"/>
+              </a:rPr>
+              <a:t>A {</a:t>
+            </a:r>
+            <a:br>
+              <a:rPr lang="en-US" dirty="0">
+                <a:solidFill>
+                  <a:srgbClr val="000000"/>
+                </a:solidFill>
+                <a:latin typeface="Calibri" panose="020F0502020204030204" pitchFamily="34" charset="0"/>
+                <a:ea typeface="Calibri" panose="020F0502020204030204" pitchFamily="34" charset="0"/>
+                <a:cs typeface="Arial" panose="020B0604020202020204" pitchFamily="34" charset="0"/>
+              </a:rPr>
+            </a:br>
+            <a:r>
+              <a:rPr lang="en-US" dirty="0">
+                <a:solidFill>
+                  <a:srgbClr val="000000"/>
+                </a:solidFill>
+                <a:latin typeface="Calibri" panose="020F0502020204030204" pitchFamily="34" charset="0"/>
+                <a:ea typeface="Calibri" panose="020F0502020204030204" pitchFamily="34" charset="0"/>
+                <a:cs typeface="Arial" panose="020B0604020202020204" pitchFamily="34" charset="0"/>
+              </a:rPr>
+              <a:t>    </a:t>
+            </a:r>
+            <a:r>
+              <a:rPr lang="en-US" dirty="0">
+                <a:solidFill>
+                  <a:srgbClr val="7A7A43"/>
+                </a:solidFill>
+                <a:latin typeface="Calibri" panose="020F0502020204030204" pitchFamily="34" charset="0"/>
+                <a:ea typeface="Calibri" panose="020F0502020204030204" pitchFamily="34" charset="0"/>
+                <a:cs typeface="Arial" panose="020B0604020202020204" pitchFamily="34" charset="0"/>
+              </a:rPr>
+              <a:t>run</a:t>
+            </a:r>
+            <a:r>
+              <a:rPr lang="en-US" dirty="0">
+                <a:solidFill>
+                  <a:srgbClr val="000000"/>
+                </a:solidFill>
+                <a:latin typeface="Calibri" panose="020F0502020204030204" pitchFamily="34" charset="0"/>
+                <a:ea typeface="Calibri" panose="020F0502020204030204" pitchFamily="34" charset="0"/>
+                <a:cs typeface="Arial" panose="020B0604020202020204" pitchFamily="34" charset="0"/>
+              </a:rPr>
+              <a:t>() {</a:t>
+            </a:r>
+            <a:br>
+              <a:rPr lang="en-US" dirty="0">
+                <a:solidFill>
+                  <a:srgbClr val="000000"/>
+                </a:solidFill>
+                <a:latin typeface="Calibri" panose="020F0502020204030204" pitchFamily="34" charset="0"/>
+                <a:ea typeface="Calibri" panose="020F0502020204030204" pitchFamily="34" charset="0"/>
+                <a:cs typeface="Arial" panose="020B0604020202020204" pitchFamily="34" charset="0"/>
+              </a:rPr>
+            </a:br>
+            <a:r>
+              <a:rPr lang="en-US" dirty="0">
+                <a:solidFill>
+                  <a:srgbClr val="000000"/>
+                </a:solidFill>
+                <a:latin typeface="Calibri" panose="020F0502020204030204" pitchFamily="34" charset="0"/>
+                <a:ea typeface="Calibri" panose="020F0502020204030204" pitchFamily="34" charset="0"/>
+                <a:cs typeface="Arial" panose="020B0604020202020204" pitchFamily="34" charset="0"/>
+              </a:rPr>
+              <a:t>    }</a:t>
+            </a:r>
+            <a:br>
+              <a:rPr lang="en-US" dirty="0">
+                <a:solidFill>
+                  <a:srgbClr val="000000"/>
+                </a:solidFill>
+                <a:latin typeface="Calibri" panose="020F0502020204030204" pitchFamily="34" charset="0"/>
+                <a:ea typeface="Calibri" panose="020F0502020204030204" pitchFamily="34" charset="0"/>
+                <a:cs typeface="Arial" panose="020B0604020202020204" pitchFamily="34" charset="0"/>
+              </a:rPr>
+            </a:br>
+            <a:r>
+              <a:rPr lang="en-US" dirty="0">
+                <a:solidFill>
+                  <a:srgbClr val="000000"/>
+                </a:solidFill>
+                <a:latin typeface="Calibri" panose="020F0502020204030204" pitchFamily="34" charset="0"/>
+                <a:ea typeface="Calibri" panose="020F0502020204030204" pitchFamily="34" charset="0"/>
+                <a:cs typeface="Arial" panose="020B0604020202020204" pitchFamily="34" charset="0"/>
+              </a:rPr>
+              <a:t>}</a:t>
+            </a:r>
+            <a:br>
+              <a:rPr lang="en-US" dirty="0">
+                <a:solidFill>
+                  <a:srgbClr val="000000"/>
+                </a:solidFill>
+                <a:latin typeface="Calibri" panose="020F0502020204030204" pitchFamily="34" charset="0"/>
+                <a:ea typeface="Calibri" panose="020F0502020204030204" pitchFamily="34" charset="0"/>
+                <a:cs typeface="Arial" panose="020B0604020202020204" pitchFamily="34" charset="0"/>
+              </a:rPr>
+            </a:br>
+            <a:br>
+              <a:rPr lang="en-US" dirty="0">
+                <a:solidFill>
+                  <a:srgbClr val="000000"/>
+                </a:solidFill>
+                <a:latin typeface="Calibri" panose="020F0502020204030204" pitchFamily="34" charset="0"/>
+                <a:ea typeface="Calibri" panose="020F0502020204030204" pitchFamily="34" charset="0"/>
+                <a:cs typeface="Arial" panose="020B0604020202020204" pitchFamily="34" charset="0"/>
+              </a:rPr>
+            </a:br>
+            <a:r>
+              <a:rPr lang="en-US" b="1" dirty="0">
+                <a:solidFill>
+                  <a:srgbClr val="000080"/>
+                </a:solidFill>
+                <a:latin typeface="Calibri" panose="020F0502020204030204" pitchFamily="34" charset="0"/>
+                <a:ea typeface="Calibri" panose="020F0502020204030204" pitchFamily="34" charset="0"/>
+                <a:cs typeface="Arial" panose="020B0604020202020204" pitchFamily="34" charset="0"/>
+              </a:rPr>
+              <a:t>function </a:t>
+            </a:r>
+            <a:r>
+              <a:rPr lang="en-US" i="1" dirty="0" err="1">
+                <a:solidFill>
+                  <a:srgbClr val="000000"/>
+                </a:solidFill>
+                <a:latin typeface="Calibri" panose="020F0502020204030204" pitchFamily="34" charset="0"/>
+                <a:ea typeface="Calibri" panose="020F0502020204030204" pitchFamily="34" charset="0"/>
+                <a:cs typeface="Arial" panose="020B0604020202020204" pitchFamily="34" charset="0"/>
+              </a:rPr>
+              <a:t>doSomething</a:t>
+            </a:r>
+            <a:r>
+              <a:rPr lang="en-US" dirty="0">
+                <a:solidFill>
+                  <a:srgbClr val="000000"/>
+                </a:solidFill>
+                <a:latin typeface="Calibri" panose="020F0502020204030204" pitchFamily="34" charset="0"/>
+                <a:ea typeface="Calibri" panose="020F0502020204030204" pitchFamily="34" charset="0"/>
+                <a:cs typeface="Arial" panose="020B0604020202020204" pitchFamily="34" charset="0"/>
+              </a:rPr>
+              <a:t>(a: A) {</a:t>
+            </a:r>
+            <a:br>
+              <a:rPr lang="en-US" dirty="0">
+                <a:solidFill>
+                  <a:srgbClr val="000000"/>
+                </a:solidFill>
+                <a:latin typeface="Calibri" panose="020F0502020204030204" pitchFamily="34" charset="0"/>
+                <a:ea typeface="Calibri" panose="020F0502020204030204" pitchFamily="34" charset="0"/>
+                <a:cs typeface="Arial" panose="020B0604020202020204" pitchFamily="34" charset="0"/>
+              </a:rPr>
+            </a:br>
+            <a:r>
+              <a:rPr lang="en-US" dirty="0">
+                <a:solidFill>
+                  <a:srgbClr val="000000"/>
+                </a:solidFill>
+                <a:latin typeface="Calibri" panose="020F0502020204030204" pitchFamily="34" charset="0"/>
+                <a:ea typeface="Calibri" panose="020F0502020204030204" pitchFamily="34" charset="0"/>
+                <a:cs typeface="Arial" panose="020B0604020202020204" pitchFamily="34" charset="0"/>
+              </a:rPr>
+              <a:t>    </a:t>
+            </a:r>
+            <a:r>
+              <a:rPr lang="en-US" b="1" dirty="0">
+                <a:solidFill>
+                  <a:srgbClr val="000080"/>
+                </a:solidFill>
+                <a:latin typeface="Calibri" panose="020F0502020204030204" pitchFamily="34" charset="0"/>
+                <a:ea typeface="Calibri" panose="020F0502020204030204" pitchFamily="34" charset="0"/>
+                <a:cs typeface="Arial" panose="020B0604020202020204" pitchFamily="34" charset="0"/>
+              </a:rPr>
+              <a:t>if</a:t>
+            </a:r>
+            <a:r>
+              <a:rPr lang="en-US" dirty="0">
+                <a:solidFill>
+                  <a:srgbClr val="000000"/>
+                </a:solidFill>
+                <a:latin typeface="Calibri" panose="020F0502020204030204" pitchFamily="34" charset="0"/>
+                <a:ea typeface="Calibri" panose="020F0502020204030204" pitchFamily="34" charset="0"/>
+                <a:cs typeface="Arial" panose="020B0604020202020204" pitchFamily="34" charset="0"/>
+              </a:rPr>
+              <a:t>(a </a:t>
+            </a:r>
+            <a:r>
+              <a:rPr lang="en-US" b="1" dirty="0" err="1">
+                <a:solidFill>
+                  <a:srgbClr val="000080"/>
+                </a:solidFill>
+                <a:latin typeface="Calibri" panose="020F0502020204030204" pitchFamily="34" charset="0"/>
+                <a:ea typeface="Calibri" panose="020F0502020204030204" pitchFamily="34" charset="0"/>
+                <a:cs typeface="Arial" panose="020B0604020202020204" pitchFamily="34" charset="0"/>
+              </a:rPr>
+              <a:t>instanceof</a:t>
+            </a:r>
+            <a:r>
+              <a:rPr lang="en-US" b="1" dirty="0">
+                <a:solidFill>
+                  <a:srgbClr val="000080"/>
+                </a:solidFill>
+                <a:latin typeface="Calibri" panose="020F0502020204030204" pitchFamily="34" charset="0"/>
+                <a:ea typeface="Calibri" panose="020F0502020204030204" pitchFamily="34" charset="0"/>
+                <a:cs typeface="Arial" panose="020B0604020202020204" pitchFamily="34" charset="0"/>
+              </a:rPr>
+              <a:t> </a:t>
+            </a:r>
+            <a:r>
+              <a:rPr lang="en-US" dirty="0">
+                <a:solidFill>
+                  <a:srgbClr val="000000"/>
+                </a:solidFill>
+                <a:latin typeface="Calibri" panose="020F0502020204030204" pitchFamily="34" charset="0"/>
+                <a:ea typeface="Calibri" panose="020F0502020204030204" pitchFamily="34" charset="0"/>
+                <a:cs typeface="Arial" panose="020B0604020202020204" pitchFamily="34" charset="0"/>
+              </a:rPr>
+              <a:t>B) {</a:t>
+            </a:r>
+            <a:br>
+              <a:rPr lang="en-US" dirty="0">
+                <a:solidFill>
+                  <a:srgbClr val="000000"/>
+                </a:solidFill>
+                <a:latin typeface="Calibri" panose="020F0502020204030204" pitchFamily="34" charset="0"/>
+                <a:ea typeface="Calibri" panose="020F0502020204030204" pitchFamily="34" charset="0"/>
+                <a:cs typeface="Arial" panose="020B0604020202020204" pitchFamily="34" charset="0"/>
+              </a:rPr>
+            </a:br>
+            <a:r>
+              <a:rPr lang="en-US" dirty="0">
+                <a:solidFill>
+                  <a:srgbClr val="000000"/>
+                </a:solidFill>
+                <a:latin typeface="Calibri" panose="020F0502020204030204" pitchFamily="34" charset="0"/>
+                <a:ea typeface="Calibri" panose="020F0502020204030204" pitchFamily="34" charset="0"/>
+                <a:cs typeface="Arial" panose="020B0604020202020204" pitchFamily="34" charset="0"/>
+              </a:rPr>
+              <a:t>        </a:t>
+            </a:r>
+            <a:r>
+              <a:rPr lang="en-US" dirty="0" err="1">
+                <a:solidFill>
+                  <a:srgbClr val="000000"/>
+                </a:solidFill>
+                <a:latin typeface="Calibri" panose="020F0502020204030204" pitchFamily="34" charset="0"/>
+                <a:ea typeface="Calibri" panose="020F0502020204030204" pitchFamily="34" charset="0"/>
+                <a:cs typeface="Arial" panose="020B0604020202020204" pitchFamily="34" charset="0"/>
+              </a:rPr>
+              <a:t>a.</a:t>
+            </a:r>
+            <a:r>
+              <a:rPr lang="en-US" dirty="0" err="1">
+                <a:solidFill>
+                  <a:srgbClr val="7A7A43"/>
+                </a:solidFill>
+                <a:latin typeface="Calibri" panose="020F0502020204030204" pitchFamily="34" charset="0"/>
+                <a:ea typeface="Calibri" panose="020F0502020204030204" pitchFamily="34" charset="0"/>
+                <a:cs typeface="Arial" panose="020B0604020202020204" pitchFamily="34" charset="0"/>
+              </a:rPr>
+              <a:t>run</a:t>
+            </a:r>
+            <a:r>
+              <a:rPr lang="en-US" dirty="0">
+                <a:solidFill>
+                  <a:srgbClr val="000000"/>
+                </a:solidFill>
+                <a:latin typeface="Calibri" panose="020F0502020204030204" pitchFamily="34" charset="0"/>
+                <a:ea typeface="Calibri" panose="020F0502020204030204" pitchFamily="34" charset="0"/>
+                <a:cs typeface="Arial" panose="020B0604020202020204" pitchFamily="34" charset="0"/>
+              </a:rPr>
+              <a:t>();</a:t>
+            </a:r>
+            <a:br>
+              <a:rPr lang="en-US" dirty="0">
+                <a:solidFill>
+                  <a:srgbClr val="000000"/>
+                </a:solidFill>
+                <a:latin typeface="Calibri" panose="020F0502020204030204" pitchFamily="34" charset="0"/>
+                <a:ea typeface="Calibri" panose="020F0502020204030204" pitchFamily="34" charset="0"/>
+                <a:cs typeface="Arial" panose="020B0604020202020204" pitchFamily="34" charset="0"/>
+              </a:rPr>
+            </a:br>
+            <a:r>
+              <a:rPr lang="en-US" dirty="0">
+                <a:solidFill>
+                  <a:srgbClr val="000000"/>
+                </a:solidFill>
+                <a:latin typeface="Calibri" panose="020F0502020204030204" pitchFamily="34" charset="0"/>
+                <a:ea typeface="Calibri" panose="020F0502020204030204" pitchFamily="34" charset="0"/>
+                <a:cs typeface="Arial" panose="020B0604020202020204" pitchFamily="34" charset="0"/>
+              </a:rPr>
+              <a:t>    }</a:t>
+            </a:r>
+            <a:br>
+              <a:rPr lang="en-US" dirty="0">
+                <a:solidFill>
+                  <a:srgbClr val="000000"/>
+                </a:solidFill>
+                <a:latin typeface="Calibri" panose="020F0502020204030204" pitchFamily="34" charset="0"/>
+                <a:ea typeface="Calibri" panose="020F0502020204030204" pitchFamily="34" charset="0"/>
+                <a:cs typeface="Arial" panose="020B0604020202020204" pitchFamily="34" charset="0"/>
+              </a:rPr>
+            </a:br>
+            <a:r>
+              <a:rPr lang="en-US" dirty="0">
+                <a:solidFill>
+                  <a:srgbClr val="000000"/>
+                </a:solidFill>
+                <a:latin typeface="Calibri" panose="020F0502020204030204" pitchFamily="34" charset="0"/>
+                <a:ea typeface="Calibri" panose="020F0502020204030204" pitchFamily="34" charset="0"/>
+                <a:cs typeface="Arial" panose="020B0604020202020204" pitchFamily="34" charset="0"/>
+              </a:rPr>
+              <a:t>}</a:t>
+            </a:r>
+            <a:endParaRPr lang="he-IL" dirty="0"/>
+          </a:p>
+        </p:txBody>
+      </p:sp>
+    </p:spTree>
+    <p:extLst>
+      <p:ext uri="{BB962C8B-B14F-4D97-AF65-F5344CB8AC3E}">
+        <p14:creationId xmlns:p14="http://schemas.microsoft.com/office/powerpoint/2010/main" val="2367746704"/>
+      </p:ext>
+    </p:extLst>
+  </p:cSld>
+  <p:clrMapOvr>
+    <a:masterClrMapping/>
+  </p:clrMapOvr>
+</p:sld>
+</file>
+
+<file path=ppt/slides/slide22.xml><?xml version="1.0" encoding="utf-8"?>
+<p:sld xmlns:a="http://schemas.openxmlformats.org/drawingml/2006/main" xmlns:r="http://schemas.openxmlformats.org/officeDocument/2006/relationships" xmlns:p="http://schemas.openxmlformats.org/presentationml/2006/main">
+  <p:cSld>
+    <p:spTree>
+      <p:nvGrpSpPr>
+        <p:cNvPr id="1" name=""/>
+        <p:cNvGrpSpPr/>
+        <p:nvPr/>
+      </p:nvGrpSpPr>
+      <p:grpSpPr>
+        <a:xfrm>
+          <a:off x="0" y="0"/>
+          <a:ext cx="0" cy="0"/>
+          <a:chOff x="0" y="0"/>
+          <a:chExt cx="0" cy="0"/>
+        </a:xfrm>
+      </p:grpSpPr>
+      <p:sp>
+        <p:nvSpPr>
+          <p:cNvPr id="2" name="Title 1">
+            <a:extLst>
+              <a:ext uri="{FF2B5EF4-FFF2-40B4-BE49-F238E27FC236}">
+                <a16:creationId xmlns:a16="http://schemas.microsoft.com/office/drawing/2014/main" id="{8A583452-1272-4B60-B80F-B939CEF94DB9}"/>
+              </a:ext>
+            </a:extLst>
+          </p:cNvPr>
+          <p:cNvSpPr>
+            <a:spLocks noGrp="1"/>
+          </p:cNvSpPr>
+          <p:nvPr>
+            <p:ph type="title"/>
+          </p:nvPr>
+        </p:nvSpPr>
+        <p:spPr/>
+        <p:txBody>
+          <a:bodyPr/>
+          <a:lstStyle/>
+          <a:p>
+            <a:r>
+              <a:rPr lang="en-US" dirty="0"/>
+              <a:t>Challenge</a:t>
+            </a:r>
+            <a:endParaRPr lang="he-IL" dirty="0"/>
+          </a:p>
+        </p:txBody>
+      </p:sp>
+      <p:sp>
+        <p:nvSpPr>
+          <p:cNvPr id="3" name="Footer Placeholder 2">
+            <a:extLst>
+              <a:ext uri="{FF2B5EF4-FFF2-40B4-BE49-F238E27FC236}">
+                <a16:creationId xmlns:a16="http://schemas.microsoft.com/office/drawing/2014/main" id="{D5B84E21-EEAD-4682-B1C5-724ACBC853C4}"/>
+              </a:ext>
+            </a:extLst>
+          </p:cNvPr>
+          <p:cNvSpPr>
+            <a:spLocks noGrp="1"/>
+          </p:cNvSpPr>
+          <p:nvPr>
+            <p:ph type="ftr" sz="quarter" idx="11"/>
+          </p:nvPr>
+        </p:nvSpPr>
+        <p:spPr/>
+        <p:txBody>
+          <a:bodyPr/>
+          <a:lstStyle/>
+          <a:p>
+            <a:r>
+              <a:rPr lang="en-US"/>
+              <a:t>© 2017 Ori Calvo</a:t>
+            </a:r>
+            <a:endParaRPr lang="en-US" dirty="0"/>
+          </a:p>
+        </p:txBody>
+      </p:sp>
+      <p:sp>
+        <p:nvSpPr>
+          <p:cNvPr id="4" name="Slide Number Placeholder 3">
+            <a:extLst>
+              <a:ext uri="{FF2B5EF4-FFF2-40B4-BE49-F238E27FC236}">
+                <a16:creationId xmlns:a16="http://schemas.microsoft.com/office/drawing/2014/main" id="{C7E26F32-E260-49EB-BC62-612E3DA3CE9B}"/>
+              </a:ext>
+            </a:extLst>
+          </p:cNvPr>
+          <p:cNvSpPr>
+            <a:spLocks noGrp="1"/>
+          </p:cNvSpPr>
+          <p:nvPr>
+            <p:ph type="sldNum" sz="quarter" idx="12"/>
+          </p:nvPr>
+        </p:nvSpPr>
+        <p:spPr/>
+        <p:txBody>
+          <a:bodyPr>
+            <a:normAutofit fontScale="85000" lnSpcReduction="20000"/>
+          </a:bodyPr>
+          <a:lstStyle/>
+          <a:p>
+            <a:fld id="{6EDEC3BC-0694-4586-AE63-02B4D54ABF43}" type="slidenum">
+              <a:rPr lang="en-US" smtClean="0"/>
+              <a:pPr/>
+              <a:t>22</a:t>
+            </a:fld>
+            <a:endParaRPr lang="en-US"/>
+          </a:p>
+        </p:txBody>
+      </p:sp>
+      <p:sp>
+        <p:nvSpPr>
+          <p:cNvPr id="5" name="Content Placeholder 4">
+            <a:extLst>
+              <a:ext uri="{FF2B5EF4-FFF2-40B4-BE49-F238E27FC236}">
+                <a16:creationId xmlns:a16="http://schemas.microsoft.com/office/drawing/2014/main" id="{E9FFBA85-6C50-439B-B79F-01B5DF5A28F4}"/>
+              </a:ext>
+            </a:extLst>
+          </p:cNvPr>
+          <p:cNvSpPr>
+            <a:spLocks noGrp="1"/>
+          </p:cNvSpPr>
+          <p:nvPr>
+            <p:ph sz="quarter" idx="1"/>
+          </p:nvPr>
+        </p:nvSpPr>
+        <p:spPr/>
+        <p:txBody>
+          <a:bodyPr/>
+          <a:lstStyle/>
+          <a:p>
+            <a:r>
+              <a:rPr lang="en-US" dirty="0"/>
+              <a:t>However, the following does not compile successfully</a:t>
+            </a:r>
+            <a:endParaRPr lang="he-IL" dirty="0"/>
+          </a:p>
+        </p:txBody>
+      </p:sp>
+      <p:sp>
+        <p:nvSpPr>
+          <p:cNvPr id="6" name="Rectangle 5">
+            <a:extLst>
+              <a:ext uri="{FF2B5EF4-FFF2-40B4-BE49-F238E27FC236}">
+                <a16:creationId xmlns:a16="http://schemas.microsoft.com/office/drawing/2014/main" id="{5B5DF36B-EB76-45DB-834D-10BB7F84D9ED}"/>
+              </a:ext>
+            </a:extLst>
+          </p:cNvPr>
+          <p:cNvSpPr/>
+          <p:nvPr/>
+        </p:nvSpPr>
+        <p:spPr>
+          <a:xfrm>
+            <a:off x="2898276" y="2276872"/>
+            <a:ext cx="3582144" cy="4278094"/>
+          </a:xfrm>
+          <a:prstGeom prst="rect">
+            <a:avLst/>
+          </a:prstGeom>
+          <a:solidFill>
+            <a:schemeClr val="accent1">
+              <a:lumMod val="40000"/>
+              <a:lumOff val="60000"/>
+            </a:schemeClr>
+          </a:solidFill>
+        </p:spPr>
+        <p:txBody>
+          <a:bodyPr wrap="square">
+            <a:spAutoFit/>
+          </a:bodyPr>
+          <a:lstStyle/>
+          <a:p>
+            <a:r>
+              <a:rPr lang="en-US" sz="1600" b="1" dirty="0">
+                <a:solidFill>
+                  <a:srgbClr val="000080"/>
+                </a:solidFill>
+                <a:latin typeface="Calibri" panose="020F0502020204030204" pitchFamily="34" charset="0"/>
+                <a:ea typeface="Calibri" panose="020F0502020204030204" pitchFamily="34" charset="0"/>
+                <a:cs typeface="Arial" panose="020B0604020202020204" pitchFamily="34" charset="0"/>
+              </a:rPr>
+              <a:t>class </a:t>
+            </a:r>
+            <a:r>
+              <a:rPr lang="en-US" sz="1600" dirty="0">
+                <a:solidFill>
+                  <a:srgbClr val="000000"/>
+                </a:solidFill>
+                <a:latin typeface="Calibri" panose="020F0502020204030204" pitchFamily="34" charset="0"/>
+                <a:ea typeface="Calibri" panose="020F0502020204030204" pitchFamily="34" charset="0"/>
+                <a:cs typeface="Arial" panose="020B0604020202020204" pitchFamily="34" charset="0"/>
+              </a:rPr>
+              <a:t>A {</a:t>
+            </a:r>
+            <a:br>
+              <a:rPr lang="en-US" sz="1600" dirty="0">
+                <a:solidFill>
+                  <a:srgbClr val="000000"/>
+                </a:solidFill>
+                <a:latin typeface="Calibri" panose="020F0502020204030204" pitchFamily="34" charset="0"/>
+                <a:ea typeface="Calibri" panose="020F0502020204030204" pitchFamily="34" charset="0"/>
+                <a:cs typeface="Arial" panose="020B0604020202020204" pitchFamily="34" charset="0"/>
+              </a:rPr>
+            </a:br>
+            <a:r>
+              <a:rPr lang="en-US" sz="1600" dirty="0">
+                <a:solidFill>
+                  <a:srgbClr val="000000"/>
+                </a:solidFill>
+                <a:latin typeface="Calibri" panose="020F0502020204030204" pitchFamily="34" charset="0"/>
+                <a:ea typeface="Calibri" panose="020F0502020204030204" pitchFamily="34" charset="0"/>
+                <a:cs typeface="Arial" panose="020B0604020202020204" pitchFamily="34" charset="0"/>
+              </a:rPr>
+              <a:t>}</a:t>
+            </a:r>
+            <a:br>
+              <a:rPr lang="en-US" sz="1600" dirty="0">
+                <a:solidFill>
+                  <a:srgbClr val="000000"/>
+                </a:solidFill>
+                <a:latin typeface="Calibri" panose="020F0502020204030204" pitchFamily="34" charset="0"/>
+                <a:ea typeface="Calibri" panose="020F0502020204030204" pitchFamily="34" charset="0"/>
+                <a:cs typeface="Arial" panose="020B0604020202020204" pitchFamily="34" charset="0"/>
+              </a:rPr>
+            </a:br>
+            <a:br>
+              <a:rPr lang="en-US" sz="1600" dirty="0">
+                <a:solidFill>
+                  <a:srgbClr val="000000"/>
+                </a:solidFill>
+                <a:latin typeface="Calibri" panose="020F0502020204030204" pitchFamily="34" charset="0"/>
+                <a:ea typeface="Calibri" panose="020F0502020204030204" pitchFamily="34" charset="0"/>
+                <a:cs typeface="Arial" panose="020B0604020202020204" pitchFamily="34" charset="0"/>
+              </a:rPr>
+            </a:br>
+            <a:r>
+              <a:rPr lang="en-US" sz="1600" b="1" dirty="0">
+                <a:solidFill>
+                  <a:srgbClr val="000080"/>
+                </a:solidFill>
+                <a:latin typeface="Calibri" panose="020F0502020204030204" pitchFamily="34" charset="0"/>
+                <a:ea typeface="Calibri" panose="020F0502020204030204" pitchFamily="34" charset="0"/>
+                <a:cs typeface="Arial" panose="020B0604020202020204" pitchFamily="34" charset="0"/>
+              </a:rPr>
+              <a:t>class </a:t>
+            </a:r>
+            <a:r>
+              <a:rPr lang="en-US" sz="1600" dirty="0">
+                <a:solidFill>
+                  <a:srgbClr val="000000"/>
+                </a:solidFill>
+                <a:latin typeface="Calibri" panose="020F0502020204030204" pitchFamily="34" charset="0"/>
+                <a:ea typeface="Calibri" panose="020F0502020204030204" pitchFamily="34" charset="0"/>
+                <a:cs typeface="Arial" panose="020B0604020202020204" pitchFamily="34" charset="0"/>
+              </a:rPr>
+              <a:t>B </a:t>
+            </a:r>
+            <a:r>
+              <a:rPr lang="en-US" sz="1600" b="1" dirty="0">
+                <a:solidFill>
+                  <a:srgbClr val="000080"/>
+                </a:solidFill>
+                <a:latin typeface="Calibri" panose="020F0502020204030204" pitchFamily="34" charset="0"/>
+                <a:ea typeface="Calibri" panose="020F0502020204030204" pitchFamily="34" charset="0"/>
+                <a:cs typeface="Arial" panose="020B0604020202020204" pitchFamily="34" charset="0"/>
+              </a:rPr>
+              <a:t>extends </a:t>
+            </a:r>
+            <a:r>
+              <a:rPr lang="en-US" sz="1600" dirty="0">
+                <a:solidFill>
+                  <a:srgbClr val="000000"/>
+                </a:solidFill>
+                <a:latin typeface="Calibri" panose="020F0502020204030204" pitchFamily="34" charset="0"/>
+                <a:ea typeface="Calibri" panose="020F0502020204030204" pitchFamily="34" charset="0"/>
+                <a:cs typeface="Arial" panose="020B0604020202020204" pitchFamily="34" charset="0"/>
+              </a:rPr>
+              <a:t>A {</a:t>
+            </a:r>
+            <a:br>
+              <a:rPr lang="en-US" sz="1600" dirty="0">
+                <a:solidFill>
+                  <a:srgbClr val="000000"/>
+                </a:solidFill>
+                <a:latin typeface="Calibri" panose="020F0502020204030204" pitchFamily="34" charset="0"/>
+                <a:ea typeface="Calibri" panose="020F0502020204030204" pitchFamily="34" charset="0"/>
+                <a:cs typeface="Arial" panose="020B0604020202020204" pitchFamily="34" charset="0"/>
+              </a:rPr>
+            </a:br>
+            <a:r>
+              <a:rPr lang="en-US" sz="1600" dirty="0">
+                <a:solidFill>
+                  <a:srgbClr val="000000"/>
+                </a:solidFill>
+                <a:latin typeface="Calibri" panose="020F0502020204030204" pitchFamily="34" charset="0"/>
+                <a:ea typeface="Calibri" panose="020F0502020204030204" pitchFamily="34" charset="0"/>
+                <a:cs typeface="Arial" panose="020B0604020202020204" pitchFamily="34" charset="0"/>
+              </a:rPr>
+              <a:t>    </a:t>
+            </a:r>
+            <a:r>
+              <a:rPr lang="en-US" sz="1600" dirty="0">
+                <a:solidFill>
+                  <a:srgbClr val="7A7A43"/>
+                </a:solidFill>
+                <a:latin typeface="Calibri" panose="020F0502020204030204" pitchFamily="34" charset="0"/>
+                <a:ea typeface="Calibri" panose="020F0502020204030204" pitchFamily="34" charset="0"/>
+                <a:cs typeface="Arial" panose="020B0604020202020204" pitchFamily="34" charset="0"/>
+              </a:rPr>
+              <a:t>run</a:t>
+            </a:r>
+            <a:r>
+              <a:rPr lang="en-US" sz="1600" dirty="0">
+                <a:solidFill>
+                  <a:srgbClr val="000000"/>
+                </a:solidFill>
+                <a:latin typeface="Calibri" panose="020F0502020204030204" pitchFamily="34" charset="0"/>
+                <a:ea typeface="Calibri" panose="020F0502020204030204" pitchFamily="34" charset="0"/>
+                <a:cs typeface="Arial" panose="020B0604020202020204" pitchFamily="34" charset="0"/>
+              </a:rPr>
+              <a:t>() {</a:t>
+            </a:r>
+            <a:br>
+              <a:rPr lang="en-US" sz="1600" dirty="0">
+                <a:solidFill>
+                  <a:srgbClr val="000000"/>
+                </a:solidFill>
+                <a:latin typeface="Calibri" panose="020F0502020204030204" pitchFamily="34" charset="0"/>
+                <a:ea typeface="Calibri" panose="020F0502020204030204" pitchFamily="34" charset="0"/>
+                <a:cs typeface="Arial" panose="020B0604020202020204" pitchFamily="34" charset="0"/>
+              </a:rPr>
+            </a:br>
+            <a:r>
+              <a:rPr lang="en-US" sz="1600" dirty="0">
+                <a:solidFill>
+                  <a:srgbClr val="000000"/>
+                </a:solidFill>
+                <a:latin typeface="Calibri" panose="020F0502020204030204" pitchFamily="34" charset="0"/>
+                <a:ea typeface="Calibri" panose="020F0502020204030204" pitchFamily="34" charset="0"/>
+                <a:cs typeface="Arial" panose="020B0604020202020204" pitchFamily="34" charset="0"/>
+              </a:rPr>
+              <a:t>    }</a:t>
+            </a:r>
+            <a:br>
+              <a:rPr lang="en-US" sz="1600" dirty="0">
+                <a:solidFill>
+                  <a:srgbClr val="000000"/>
+                </a:solidFill>
+                <a:latin typeface="Calibri" panose="020F0502020204030204" pitchFamily="34" charset="0"/>
+                <a:ea typeface="Calibri" panose="020F0502020204030204" pitchFamily="34" charset="0"/>
+                <a:cs typeface="Arial" panose="020B0604020202020204" pitchFamily="34" charset="0"/>
+              </a:rPr>
+            </a:br>
+            <a:r>
+              <a:rPr lang="en-US" sz="1600" dirty="0">
+                <a:solidFill>
+                  <a:srgbClr val="000000"/>
+                </a:solidFill>
+                <a:latin typeface="Calibri" panose="020F0502020204030204" pitchFamily="34" charset="0"/>
+                <a:ea typeface="Calibri" panose="020F0502020204030204" pitchFamily="34" charset="0"/>
+                <a:cs typeface="Arial" panose="020B0604020202020204" pitchFamily="34" charset="0"/>
+              </a:rPr>
+              <a:t>}</a:t>
+            </a:r>
+            <a:br>
+              <a:rPr lang="en-US" sz="1600" dirty="0">
+                <a:solidFill>
+                  <a:srgbClr val="000000"/>
+                </a:solidFill>
+                <a:latin typeface="Calibri" panose="020F0502020204030204" pitchFamily="34" charset="0"/>
+                <a:ea typeface="Calibri" panose="020F0502020204030204" pitchFamily="34" charset="0"/>
+                <a:cs typeface="Arial" panose="020B0604020202020204" pitchFamily="34" charset="0"/>
+              </a:rPr>
+            </a:br>
+            <a:br>
+              <a:rPr lang="en-US" sz="1600" dirty="0">
+                <a:solidFill>
+                  <a:srgbClr val="000000"/>
+                </a:solidFill>
+                <a:latin typeface="Calibri" panose="020F0502020204030204" pitchFamily="34" charset="0"/>
+                <a:ea typeface="Calibri" panose="020F0502020204030204" pitchFamily="34" charset="0"/>
+                <a:cs typeface="Arial" panose="020B0604020202020204" pitchFamily="34" charset="0"/>
+              </a:rPr>
+            </a:br>
+            <a:r>
+              <a:rPr lang="en-US" sz="1600" b="1" dirty="0">
+                <a:solidFill>
+                  <a:srgbClr val="000080"/>
+                </a:solidFill>
+                <a:latin typeface="Calibri" panose="020F0502020204030204" pitchFamily="34" charset="0"/>
+                <a:ea typeface="Calibri" panose="020F0502020204030204" pitchFamily="34" charset="0"/>
+                <a:cs typeface="Arial" panose="020B0604020202020204" pitchFamily="34" charset="0"/>
+              </a:rPr>
+              <a:t>function </a:t>
+            </a:r>
+            <a:r>
+              <a:rPr lang="en-US" sz="1600" i="1" dirty="0" err="1">
+                <a:solidFill>
+                  <a:srgbClr val="000000"/>
+                </a:solidFill>
+                <a:latin typeface="Calibri" panose="020F0502020204030204" pitchFamily="34" charset="0"/>
+                <a:ea typeface="Calibri" panose="020F0502020204030204" pitchFamily="34" charset="0"/>
+                <a:cs typeface="Arial" panose="020B0604020202020204" pitchFamily="34" charset="0"/>
+              </a:rPr>
+              <a:t>isB</a:t>
+            </a:r>
+            <a:r>
+              <a:rPr lang="en-US" sz="1600" dirty="0">
+                <a:solidFill>
+                  <a:srgbClr val="000000"/>
+                </a:solidFill>
+                <a:latin typeface="Calibri" panose="020F0502020204030204" pitchFamily="34" charset="0"/>
+                <a:ea typeface="Calibri" panose="020F0502020204030204" pitchFamily="34" charset="0"/>
+                <a:cs typeface="Arial" panose="020B0604020202020204" pitchFamily="34" charset="0"/>
+              </a:rPr>
+              <a:t>(a: A) {</a:t>
+            </a:r>
+            <a:br>
+              <a:rPr lang="en-US" sz="1600" dirty="0">
+                <a:solidFill>
+                  <a:srgbClr val="000000"/>
+                </a:solidFill>
+                <a:latin typeface="Calibri" panose="020F0502020204030204" pitchFamily="34" charset="0"/>
+                <a:ea typeface="Calibri" panose="020F0502020204030204" pitchFamily="34" charset="0"/>
+                <a:cs typeface="Arial" panose="020B0604020202020204" pitchFamily="34" charset="0"/>
+              </a:rPr>
+            </a:br>
+            <a:r>
+              <a:rPr lang="en-US" sz="1600" dirty="0">
+                <a:solidFill>
+                  <a:srgbClr val="000000"/>
+                </a:solidFill>
+                <a:latin typeface="Calibri" panose="020F0502020204030204" pitchFamily="34" charset="0"/>
+                <a:ea typeface="Calibri" panose="020F0502020204030204" pitchFamily="34" charset="0"/>
+                <a:cs typeface="Arial" panose="020B0604020202020204" pitchFamily="34" charset="0"/>
+              </a:rPr>
+              <a:t>    </a:t>
+            </a:r>
+            <a:r>
+              <a:rPr lang="en-US" sz="1600" b="1" dirty="0">
+                <a:solidFill>
+                  <a:srgbClr val="000080"/>
+                </a:solidFill>
+                <a:latin typeface="Calibri" panose="020F0502020204030204" pitchFamily="34" charset="0"/>
+                <a:ea typeface="Calibri" panose="020F0502020204030204" pitchFamily="34" charset="0"/>
+                <a:cs typeface="Arial" panose="020B0604020202020204" pitchFamily="34" charset="0"/>
+              </a:rPr>
+              <a:t>return </a:t>
+            </a:r>
+            <a:r>
+              <a:rPr lang="en-US" sz="1600" dirty="0">
+                <a:solidFill>
+                  <a:srgbClr val="000000"/>
+                </a:solidFill>
+                <a:latin typeface="Calibri" panose="020F0502020204030204" pitchFamily="34" charset="0"/>
+                <a:ea typeface="Calibri" panose="020F0502020204030204" pitchFamily="34" charset="0"/>
+                <a:cs typeface="Arial" panose="020B0604020202020204" pitchFamily="34" charset="0"/>
+              </a:rPr>
+              <a:t>a </a:t>
+            </a:r>
+            <a:r>
+              <a:rPr lang="en-US" sz="1600" b="1" dirty="0" err="1">
+                <a:solidFill>
+                  <a:srgbClr val="000080"/>
+                </a:solidFill>
+                <a:latin typeface="Calibri" panose="020F0502020204030204" pitchFamily="34" charset="0"/>
+                <a:ea typeface="Calibri" panose="020F0502020204030204" pitchFamily="34" charset="0"/>
+                <a:cs typeface="Arial" panose="020B0604020202020204" pitchFamily="34" charset="0"/>
+              </a:rPr>
+              <a:t>instanceof</a:t>
+            </a:r>
+            <a:r>
+              <a:rPr lang="en-US" sz="1600" b="1" dirty="0">
+                <a:solidFill>
+                  <a:srgbClr val="000080"/>
+                </a:solidFill>
+                <a:latin typeface="Calibri" panose="020F0502020204030204" pitchFamily="34" charset="0"/>
+                <a:ea typeface="Calibri" panose="020F0502020204030204" pitchFamily="34" charset="0"/>
+                <a:cs typeface="Arial" panose="020B0604020202020204" pitchFamily="34" charset="0"/>
+              </a:rPr>
+              <a:t> </a:t>
+            </a:r>
+            <a:r>
+              <a:rPr lang="en-US" sz="1600" dirty="0">
+                <a:solidFill>
+                  <a:srgbClr val="000000"/>
+                </a:solidFill>
+                <a:latin typeface="Calibri" panose="020F0502020204030204" pitchFamily="34" charset="0"/>
+                <a:ea typeface="Calibri" panose="020F0502020204030204" pitchFamily="34" charset="0"/>
+                <a:cs typeface="Arial" panose="020B0604020202020204" pitchFamily="34" charset="0"/>
+              </a:rPr>
+              <a:t>B;</a:t>
+            </a:r>
+            <a:br>
+              <a:rPr lang="en-US" sz="1600" dirty="0">
+                <a:solidFill>
+                  <a:srgbClr val="000000"/>
+                </a:solidFill>
+                <a:latin typeface="Calibri" panose="020F0502020204030204" pitchFamily="34" charset="0"/>
+                <a:ea typeface="Calibri" panose="020F0502020204030204" pitchFamily="34" charset="0"/>
+                <a:cs typeface="Arial" panose="020B0604020202020204" pitchFamily="34" charset="0"/>
+              </a:rPr>
+            </a:br>
+            <a:r>
+              <a:rPr lang="en-US" sz="1600" dirty="0">
+                <a:solidFill>
+                  <a:srgbClr val="000000"/>
+                </a:solidFill>
+                <a:latin typeface="Calibri" panose="020F0502020204030204" pitchFamily="34" charset="0"/>
+                <a:ea typeface="Calibri" panose="020F0502020204030204" pitchFamily="34" charset="0"/>
+                <a:cs typeface="Arial" panose="020B0604020202020204" pitchFamily="34" charset="0"/>
+              </a:rPr>
+              <a:t>}</a:t>
+            </a:r>
+            <a:br>
+              <a:rPr lang="en-US" sz="1600" dirty="0">
+                <a:solidFill>
+                  <a:srgbClr val="000000"/>
+                </a:solidFill>
+                <a:latin typeface="Calibri" panose="020F0502020204030204" pitchFamily="34" charset="0"/>
+                <a:ea typeface="Calibri" panose="020F0502020204030204" pitchFamily="34" charset="0"/>
+                <a:cs typeface="Arial" panose="020B0604020202020204" pitchFamily="34" charset="0"/>
+              </a:rPr>
+            </a:br>
+            <a:br>
+              <a:rPr lang="en-US" sz="1600" dirty="0">
+                <a:solidFill>
+                  <a:srgbClr val="000000"/>
+                </a:solidFill>
+                <a:latin typeface="Calibri" panose="020F0502020204030204" pitchFamily="34" charset="0"/>
+                <a:ea typeface="Calibri" panose="020F0502020204030204" pitchFamily="34" charset="0"/>
+                <a:cs typeface="Arial" panose="020B0604020202020204" pitchFamily="34" charset="0"/>
+              </a:rPr>
+            </a:br>
+            <a:r>
+              <a:rPr lang="en-US" sz="1600" b="1" dirty="0">
+                <a:solidFill>
+                  <a:srgbClr val="000080"/>
+                </a:solidFill>
+                <a:latin typeface="Calibri" panose="020F0502020204030204" pitchFamily="34" charset="0"/>
+                <a:ea typeface="Calibri" panose="020F0502020204030204" pitchFamily="34" charset="0"/>
+                <a:cs typeface="Arial" panose="020B0604020202020204" pitchFamily="34" charset="0"/>
+              </a:rPr>
+              <a:t>function </a:t>
+            </a:r>
+            <a:r>
+              <a:rPr lang="en-US" sz="1600" i="1" dirty="0" err="1">
+                <a:solidFill>
+                  <a:srgbClr val="000000"/>
+                </a:solidFill>
+                <a:latin typeface="Calibri" panose="020F0502020204030204" pitchFamily="34" charset="0"/>
+                <a:ea typeface="Calibri" panose="020F0502020204030204" pitchFamily="34" charset="0"/>
+                <a:cs typeface="Arial" panose="020B0604020202020204" pitchFamily="34" charset="0"/>
+              </a:rPr>
+              <a:t>doSomething</a:t>
+            </a:r>
+            <a:r>
+              <a:rPr lang="en-US" sz="1600" dirty="0">
+                <a:solidFill>
+                  <a:srgbClr val="000000"/>
+                </a:solidFill>
+                <a:latin typeface="Calibri" panose="020F0502020204030204" pitchFamily="34" charset="0"/>
+                <a:ea typeface="Calibri" panose="020F0502020204030204" pitchFamily="34" charset="0"/>
+                <a:cs typeface="Arial" panose="020B0604020202020204" pitchFamily="34" charset="0"/>
+              </a:rPr>
+              <a:t>(a: A) {</a:t>
+            </a:r>
+            <a:br>
+              <a:rPr lang="en-US" sz="1600" dirty="0">
+                <a:solidFill>
+                  <a:srgbClr val="000000"/>
+                </a:solidFill>
+                <a:latin typeface="Calibri" panose="020F0502020204030204" pitchFamily="34" charset="0"/>
+                <a:ea typeface="Calibri" panose="020F0502020204030204" pitchFamily="34" charset="0"/>
+                <a:cs typeface="Arial" panose="020B0604020202020204" pitchFamily="34" charset="0"/>
+              </a:rPr>
+            </a:br>
+            <a:r>
+              <a:rPr lang="en-US" sz="1600" dirty="0">
+                <a:solidFill>
+                  <a:srgbClr val="000000"/>
+                </a:solidFill>
+                <a:latin typeface="Calibri" panose="020F0502020204030204" pitchFamily="34" charset="0"/>
+                <a:ea typeface="Calibri" panose="020F0502020204030204" pitchFamily="34" charset="0"/>
+                <a:cs typeface="Arial" panose="020B0604020202020204" pitchFamily="34" charset="0"/>
+              </a:rPr>
+              <a:t>    </a:t>
+            </a:r>
+            <a:r>
+              <a:rPr lang="en-US" sz="1600" b="1" dirty="0">
+                <a:solidFill>
+                  <a:srgbClr val="000080"/>
+                </a:solidFill>
+                <a:latin typeface="Calibri" panose="020F0502020204030204" pitchFamily="34" charset="0"/>
+                <a:ea typeface="Calibri" panose="020F0502020204030204" pitchFamily="34" charset="0"/>
+                <a:cs typeface="Arial" panose="020B0604020202020204" pitchFamily="34" charset="0"/>
+              </a:rPr>
+              <a:t>if</a:t>
+            </a:r>
+            <a:r>
+              <a:rPr lang="en-US" sz="1600" dirty="0">
+                <a:solidFill>
+                  <a:srgbClr val="000000"/>
+                </a:solidFill>
+                <a:latin typeface="Calibri" panose="020F0502020204030204" pitchFamily="34" charset="0"/>
+                <a:ea typeface="Calibri" panose="020F0502020204030204" pitchFamily="34" charset="0"/>
+                <a:cs typeface="Arial" panose="020B0604020202020204" pitchFamily="34" charset="0"/>
+              </a:rPr>
+              <a:t>(</a:t>
+            </a:r>
+            <a:r>
+              <a:rPr lang="en-US" sz="1600" i="1" dirty="0" err="1">
+                <a:solidFill>
+                  <a:srgbClr val="000000"/>
+                </a:solidFill>
+                <a:latin typeface="Calibri" panose="020F0502020204030204" pitchFamily="34" charset="0"/>
+                <a:ea typeface="Calibri" panose="020F0502020204030204" pitchFamily="34" charset="0"/>
+                <a:cs typeface="Arial" panose="020B0604020202020204" pitchFamily="34" charset="0"/>
+              </a:rPr>
+              <a:t>isB</a:t>
+            </a:r>
+            <a:r>
+              <a:rPr lang="en-US" sz="1600" dirty="0">
+                <a:solidFill>
+                  <a:srgbClr val="000000"/>
+                </a:solidFill>
+                <a:latin typeface="Calibri" panose="020F0502020204030204" pitchFamily="34" charset="0"/>
+                <a:ea typeface="Calibri" panose="020F0502020204030204" pitchFamily="34" charset="0"/>
+                <a:cs typeface="Arial" panose="020B0604020202020204" pitchFamily="34" charset="0"/>
+              </a:rPr>
+              <a:t>(a)) {</a:t>
+            </a:r>
+            <a:br>
+              <a:rPr lang="en-US" sz="1600" dirty="0">
+                <a:solidFill>
+                  <a:srgbClr val="000000"/>
+                </a:solidFill>
+                <a:latin typeface="Calibri" panose="020F0502020204030204" pitchFamily="34" charset="0"/>
+                <a:ea typeface="Calibri" panose="020F0502020204030204" pitchFamily="34" charset="0"/>
+                <a:cs typeface="Arial" panose="020B0604020202020204" pitchFamily="34" charset="0"/>
+              </a:rPr>
+            </a:br>
+            <a:r>
+              <a:rPr lang="en-US" sz="1600" dirty="0">
+                <a:solidFill>
+                  <a:srgbClr val="000000"/>
+                </a:solidFill>
+                <a:latin typeface="Calibri" panose="020F0502020204030204" pitchFamily="34" charset="0"/>
+                <a:ea typeface="Calibri" panose="020F0502020204030204" pitchFamily="34" charset="0"/>
+                <a:cs typeface="Arial" panose="020B0604020202020204" pitchFamily="34" charset="0"/>
+              </a:rPr>
+              <a:t>        </a:t>
+            </a:r>
+            <a:r>
+              <a:rPr lang="en-US" sz="1600" dirty="0" err="1">
+                <a:solidFill>
+                  <a:srgbClr val="000000"/>
+                </a:solidFill>
+                <a:latin typeface="Calibri" panose="020F0502020204030204" pitchFamily="34" charset="0"/>
+                <a:ea typeface="Calibri" panose="020F0502020204030204" pitchFamily="34" charset="0"/>
+                <a:cs typeface="Arial" panose="020B0604020202020204" pitchFamily="34" charset="0"/>
+              </a:rPr>
+              <a:t>a.run</a:t>
+            </a:r>
+            <a:r>
+              <a:rPr lang="en-US" sz="1600" dirty="0">
+                <a:solidFill>
+                  <a:srgbClr val="000000"/>
+                </a:solidFill>
+                <a:latin typeface="Calibri" panose="020F0502020204030204" pitchFamily="34" charset="0"/>
+                <a:ea typeface="Calibri" panose="020F0502020204030204" pitchFamily="34" charset="0"/>
+                <a:cs typeface="Arial" panose="020B0604020202020204" pitchFamily="34" charset="0"/>
+              </a:rPr>
+              <a:t>();</a:t>
+            </a:r>
+            <a:br>
+              <a:rPr lang="en-US" sz="1600" dirty="0">
+                <a:solidFill>
+                  <a:srgbClr val="000000"/>
+                </a:solidFill>
+                <a:latin typeface="Calibri" panose="020F0502020204030204" pitchFamily="34" charset="0"/>
+                <a:ea typeface="Calibri" panose="020F0502020204030204" pitchFamily="34" charset="0"/>
+                <a:cs typeface="Arial" panose="020B0604020202020204" pitchFamily="34" charset="0"/>
+              </a:rPr>
+            </a:br>
+            <a:r>
+              <a:rPr lang="en-US" sz="1600" dirty="0">
+                <a:solidFill>
+                  <a:srgbClr val="000000"/>
+                </a:solidFill>
+                <a:latin typeface="Calibri" panose="020F0502020204030204" pitchFamily="34" charset="0"/>
+                <a:ea typeface="Calibri" panose="020F0502020204030204" pitchFamily="34" charset="0"/>
+                <a:cs typeface="Arial" panose="020B0604020202020204" pitchFamily="34" charset="0"/>
+              </a:rPr>
+              <a:t>    }</a:t>
+            </a:r>
+            <a:br>
+              <a:rPr lang="en-US" sz="1600" dirty="0">
+                <a:solidFill>
+                  <a:srgbClr val="000000"/>
+                </a:solidFill>
+                <a:latin typeface="Calibri" panose="020F0502020204030204" pitchFamily="34" charset="0"/>
+                <a:ea typeface="Calibri" panose="020F0502020204030204" pitchFamily="34" charset="0"/>
+                <a:cs typeface="Arial" panose="020B0604020202020204" pitchFamily="34" charset="0"/>
+              </a:rPr>
+            </a:br>
+            <a:r>
+              <a:rPr lang="en-US" sz="1600" dirty="0">
+                <a:solidFill>
+                  <a:srgbClr val="000000"/>
+                </a:solidFill>
+                <a:latin typeface="Calibri" panose="020F0502020204030204" pitchFamily="34" charset="0"/>
+                <a:ea typeface="Calibri" panose="020F0502020204030204" pitchFamily="34" charset="0"/>
+                <a:cs typeface="Arial" panose="020B0604020202020204" pitchFamily="34" charset="0"/>
+              </a:rPr>
+              <a:t>}</a:t>
+            </a:r>
+            <a:endParaRPr lang="he-IL" sz="1600" dirty="0"/>
+          </a:p>
+        </p:txBody>
+      </p:sp>
+      <p:sp>
+        <p:nvSpPr>
+          <p:cNvPr id="7" name="Rectangle: Rounded Corners 6">
+            <a:extLst>
+              <a:ext uri="{FF2B5EF4-FFF2-40B4-BE49-F238E27FC236}">
+                <a16:creationId xmlns:a16="http://schemas.microsoft.com/office/drawing/2014/main" id="{E8F3CB33-F0C2-4F06-9510-70E557DE0AF7}"/>
+              </a:ext>
+            </a:extLst>
+          </p:cNvPr>
+          <p:cNvSpPr/>
+          <p:nvPr/>
+        </p:nvSpPr>
+        <p:spPr>
+          <a:xfrm>
+            <a:off x="533400" y="4365104"/>
+            <a:ext cx="1224136" cy="1008112"/>
+          </a:xfrm>
+          <a:prstGeom prst="roundRect">
+            <a:avLst/>
+          </a:prstGeom>
+        </p:spPr>
+        <p:style>
+          <a:lnRef idx="2">
+            <a:schemeClr val="accent2">
+              <a:shade val="50000"/>
+            </a:schemeClr>
+          </a:lnRef>
+          <a:fillRef idx="1">
+            <a:schemeClr val="accent2"/>
+          </a:fillRef>
+          <a:effectRef idx="0">
+            <a:schemeClr val="accent2"/>
+          </a:effectRef>
+          <a:fontRef idx="minor">
+            <a:schemeClr val="lt1"/>
+          </a:fontRef>
+        </p:style>
+        <p:txBody>
+          <a:bodyPr rtlCol="1" anchor="ctr"/>
+          <a:lstStyle/>
+          <a:p>
+            <a:pPr algn="ctr"/>
+            <a:r>
+              <a:rPr lang="en-US" sz="1400" dirty="0"/>
+              <a:t>Property 'run' does not exist on type 'A'.</a:t>
+            </a:r>
+            <a:endParaRPr lang="he-IL" sz="1400" dirty="0"/>
+          </a:p>
+        </p:txBody>
+      </p:sp>
+      <p:cxnSp>
+        <p:nvCxnSpPr>
+          <p:cNvPr id="9" name="Straight Arrow Connector 8">
+            <a:extLst>
+              <a:ext uri="{FF2B5EF4-FFF2-40B4-BE49-F238E27FC236}">
+                <a16:creationId xmlns:a16="http://schemas.microsoft.com/office/drawing/2014/main" id="{7AA38C04-7934-48F8-839B-B4980CAF29D8}"/>
+              </a:ext>
+            </a:extLst>
+          </p:cNvPr>
+          <p:cNvCxnSpPr>
+            <a:cxnSpLocks/>
+            <a:stCxn id="7" idx="3"/>
+          </p:cNvCxnSpPr>
+          <p:nvPr/>
+        </p:nvCxnSpPr>
+        <p:spPr>
+          <a:xfrm>
+            <a:off x="1757536" y="4869160"/>
+            <a:ext cx="1518320" cy="1016870"/>
+          </a:xfrm>
+          <a:prstGeom prst="straightConnector1">
+            <a:avLst/>
+          </a:prstGeom>
+          <a:ln w="28575">
+            <a:tailEnd type="triangle"/>
+          </a:ln>
+        </p:spPr>
+        <p:style>
+          <a:lnRef idx="1">
+            <a:schemeClr val="accent2"/>
+          </a:lnRef>
+          <a:fillRef idx="0">
+            <a:schemeClr val="accent2"/>
+          </a:fillRef>
+          <a:effectRef idx="0">
+            <a:schemeClr val="accent2"/>
+          </a:effectRef>
+          <a:fontRef idx="minor">
+            <a:schemeClr val="tx1"/>
+          </a:fontRef>
+        </p:style>
+      </p:cxnSp>
+    </p:spTree>
+    <p:extLst>
+      <p:ext uri="{BB962C8B-B14F-4D97-AF65-F5344CB8AC3E}">
+        <p14:creationId xmlns:p14="http://schemas.microsoft.com/office/powerpoint/2010/main" val="1599727034"/>
+      </p:ext>
+    </p:extLst>
+  </p:cSld>
+  <p:clrMapOvr>
+    <a:masterClrMapping/>
+  </p:clrMapOvr>
+</p:sld>
+</file>
+
+<file path=ppt/slides/slide23.xml><?xml version="1.0" encoding="utf-8"?>
+<p:sld xmlns:a="http://schemas.openxmlformats.org/drawingml/2006/main" xmlns:r="http://schemas.openxmlformats.org/officeDocument/2006/relationships" xmlns:p="http://schemas.openxmlformats.org/presentationml/2006/main">
+  <p:cSld>
+    <p:spTree>
+      <p:nvGrpSpPr>
+        <p:cNvPr id="1" name=""/>
+        <p:cNvGrpSpPr/>
+        <p:nvPr/>
+      </p:nvGrpSpPr>
+      <p:grpSpPr>
+        <a:xfrm>
+          <a:off x="0" y="0"/>
+          <a:ext cx="0" cy="0"/>
+          <a:chOff x="0" y="0"/>
+          <a:chExt cx="0" cy="0"/>
+        </a:xfrm>
+      </p:grpSpPr>
+      <p:sp>
+        <p:nvSpPr>
+          <p:cNvPr id="2" name="Title 1">
+            <a:extLst>
+              <a:ext uri="{FF2B5EF4-FFF2-40B4-BE49-F238E27FC236}">
+                <a16:creationId xmlns:a16="http://schemas.microsoft.com/office/drawing/2014/main" id="{033E7BD3-2933-4CC8-9DEF-D16C8EAF3CFC}"/>
+              </a:ext>
+            </a:extLst>
+          </p:cNvPr>
+          <p:cNvSpPr>
+            <a:spLocks noGrp="1"/>
+          </p:cNvSpPr>
+          <p:nvPr>
+            <p:ph type="title"/>
+          </p:nvPr>
+        </p:nvSpPr>
+        <p:spPr/>
+        <p:txBody>
+          <a:bodyPr/>
+          <a:lstStyle/>
+          <a:p>
+            <a:r>
+              <a:rPr lang="en-US" dirty="0"/>
+              <a:t>User Type Guard</a:t>
+            </a:r>
+            <a:endParaRPr lang="he-IL" dirty="0"/>
+          </a:p>
+        </p:txBody>
+      </p:sp>
+      <p:sp>
+        <p:nvSpPr>
+          <p:cNvPr id="3" name="Footer Placeholder 2">
+            <a:extLst>
+              <a:ext uri="{FF2B5EF4-FFF2-40B4-BE49-F238E27FC236}">
+                <a16:creationId xmlns:a16="http://schemas.microsoft.com/office/drawing/2014/main" id="{7CAB3CC4-5408-4D81-9721-90C548F012DD}"/>
+              </a:ext>
+            </a:extLst>
+          </p:cNvPr>
+          <p:cNvSpPr>
+            <a:spLocks noGrp="1"/>
+          </p:cNvSpPr>
+          <p:nvPr>
+            <p:ph type="ftr" sz="quarter" idx="11"/>
+          </p:nvPr>
+        </p:nvSpPr>
+        <p:spPr/>
+        <p:txBody>
+          <a:bodyPr/>
+          <a:lstStyle/>
+          <a:p>
+            <a:r>
+              <a:rPr lang="en-US"/>
+              <a:t>© 2017 Ori Calvo</a:t>
+            </a:r>
+            <a:endParaRPr lang="en-US" dirty="0"/>
+          </a:p>
+        </p:txBody>
+      </p:sp>
+      <p:sp>
+        <p:nvSpPr>
+          <p:cNvPr id="4" name="Slide Number Placeholder 3">
+            <a:extLst>
+              <a:ext uri="{FF2B5EF4-FFF2-40B4-BE49-F238E27FC236}">
+                <a16:creationId xmlns:a16="http://schemas.microsoft.com/office/drawing/2014/main" id="{57DA321F-9DC0-4CF1-9784-BA2AF4631FCC}"/>
+              </a:ext>
+            </a:extLst>
+          </p:cNvPr>
+          <p:cNvSpPr>
+            <a:spLocks noGrp="1"/>
+          </p:cNvSpPr>
+          <p:nvPr>
+            <p:ph type="sldNum" sz="quarter" idx="12"/>
+          </p:nvPr>
+        </p:nvSpPr>
+        <p:spPr/>
+        <p:txBody>
+          <a:bodyPr>
+            <a:normAutofit fontScale="85000" lnSpcReduction="20000"/>
+          </a:bodyPr>
+          <a:lstStyle/>
+          <a:p>
+            <a:fld id="{6EDEC3BC-0694-4586-AE63-02B4D54ABF43}" type="slidenum">
+              <a:rPr lang="en-US" smtClean="0"/>
+              <a:pPr/>
+              <a:t>23</a:t>
+            </a:fld>
+            <a:endParaRPr lang="en-US"/>
+          </a:p>
+        </p:txBody>
+      </p:sp>
+      <p:sp>
+        <p:nvSpPr>
+          <p:cNvPr id="5" name="Content Placeholder 4">
+            <a:extLst>
+              <a:ext uri="{FF2B5EF4-FFF2-40B4-BE49-F238E27FC236}">
+                <a16:creationId xmlns:a16="http://schemas.microsoft.com/office/drawing/2014/main" id="{052D0633-373D-41E2-8302-5EB75A7B3AB0}"/>
+              </a:ext>
+            </a:extLst>
+          </p:cNvPr>
+          <p:cNvSpPr>
+            <a:spLocks noGrp="1"/>
+          </p:cNvSpPr>
+          <p:nvPr>
+            <p:ph sz="quarter" idx="1"/>
+          </p:nvPr>
+        </p:nvSpPr>
+        <p:spPr/>
+        <p:txBody>
+          <a:bodyPr/>
+          <a:lstStyle/>
+          <a:p>
+            <a:r>
+              <a:rPr lang="en-US" dirty="0"/>
+              <a:t>We can fix that</a:t>
+            </a:r>
+            <a:endParaRPr lang="he-IL" dirty="0"/>
+          </a:p>
+        </p:txBody>
+      </p:sp>
+      <p:sp>
+        <p:nvSpPr>
+          <p:cNvPr id="6" name="Rectangle 5">
+            <a:extLst>
+              <a:ext uri="{FF2B5EF4-FFF2-40B4-BE49-F238E27FC236}">
+                <a16:creationId xmlns:a16="http://schemas.microsoft.com/office/drawing/2014/main" id="{5ECCB184-FC2A-4C53-BDB9-68D009D9FD59}"/>
+              </a:ext>
+            </a:extLst>
+          </p:cNvPr>
+          <p:cNvSpPr/>
+          <p:nvPr/>
+        </p:nvSpPr>
+        <p:spPr>
+          <a:xfrm>
+            <a:off x="3114300" y="2211407"/>
+            <a:ext cx="3150096" cy="4278094"/>
+          </a:xfrm>
+          <a:prstGeom prst="rect">
+            <a:avLst/>
+          </a:prstGeom>
+          <a:solidFill>
+            <a:schemeClr val="accent1">
+              <a:lumMod val="40000"/>
+              <a:lumOff val="60000"/>
+            </a:schemeClr>
+          </a:solidFill>
+        </p:spPr>
+        <p:txBody>
+          <a:bodyPr wrap="square">
+            <a:spAutoFit/>
+          </a:bodyPr>
+          <a:lstStyle/>
+          <a:p>
+            <a:r>
+              <a:rPr lang="en-US" sz="1600" b="1" dirty="0">
+                <a:solidFill>
+                  <a:srgbClr val="000080"/>
+                </a:solidFill>
+                <a:latin typeface="Calibri" panose="020F0502020204030204" pitchFamily="34" charset="0"/>
+                <a:ea typeface="Calibri" panose="020F0502020204030204" pitchFamily="34" charset="0"/>
+                <a:cs typeface="Arial" panose="020B0604020202020204" pitchFamily="34" charset="0"/>
+              </a:rPr>
+              <a:t>class </a:t>
+            </a:r>
+            <a:r>
+              <a:rPr lang="en-US" sz="1600" dirty="0">
+                <a:solidFill>
+                  <a:srgbClr val="000000"/>
+                </a:solidFill>
+                <a:latin typeface="Calibri" panose="020F0502020204030204" pitchFamily="34" charset="0"/>
+                <a:ea typeface="Calibri" panose="020F0502020204030204" pitchFamily="34" charset="0"/>
+                <a:cs typeface="Arial" panose="020B0604020202020204" pitchFamily="34" charset="0"/>
+              </a:rPr>
+              <a:t>A {</a:t>
+            </a:r>
+            <a:br>
+              <a:rPr lang="en-US" sz="1600" dirty="0">
+                <a:solidFill>
+                  <a:srgbClr val="000000"/>
+                </a:solidFill>
+                <a:latin typeface="Calibri" panose="020F0502020204030204" pitchFamily="34" charset="0"/>
+                <a:ea typeface="Calibri" panose="020F0502020204030204" pitchFamily="34" charset="0"/>
+                <a:cs typeface="Arial" panose="020B0604020202020204" pitchFamily="34" charset="0"/>
+              </a:rPr>
+            </a:br>
+            <a:r>
+              <a:rPr lang="en-US" sz="1600" dirty="0">
+                <a:solidFill>
+                  <a:srgbClr val="000000"/>
+                </a:solidFill>
+                <a:latin typeface="Calibri" panose="020F0502020204030204" pitchFamily="34" charset="0"/>
+                <a:ea typeface="Calibri" panose="020F0502020204030204" pitchFamily="34" charset="0"/>
+                <a:cs typeface="Arial" panose="020B0604020202020204" pitchFamily="34" charset="0"/>
+              </a:rPr>
+              <a:t>}</a:t>
+            </a:r>
+            <a:br>
+              <a:rPr lang="en-US" sz="1600" dirty="0">
+                <a:solidFill>
+                  <a:srgbClr val="000000"/>
+                </a:solidFill>
+                <a:latin typeface="Calibri" panose="020F0502020204030204" pitchFamily="34" charset="0"/>
+                <a:ea typeface="Calibri" panose="020F0502020204030204" pitchFamily="34" charset="0"/>
+                <a:cs typeface="Arial" panose="020B0604020202020204" pitchFamily="34" charset="0"/>
+              </a:rPr>
+            </a:br>
+            <a:br>
+              <a:rPr lang="en-US" sz="1600" dirty="0">
+                <a:solidFill>
+                  <a:srgbClr val="000000"/>
+                </a:solidFill>
+                <a:latin typeface="Calibri" panose="020F0502020204030204" pitchFamily="34" charset="0"/>
+                <a:ea typeface="Calibri" panose="020F0502020204030204" pitchFamily="34" charset="0"/>
+                <a:cs typeface="Arial" panose="020B0604020202020204" pitchFamily="34" charset="0"/>
+              </a:rPr>
+            </a:br>
+            <a:r>
+              <a:rPr lang="en-US" sz="1600" b="1" dirty="0">
+                <a:solidFill>
+                  <a:srgbClr val="000080"/>
+                </a:solidFill>
+                <a:latin typeface="Calibri" panose="020F0502020204030204" pitchFamily="34" charset="0"/>
+                <a:ea typeface="Calibri" panose="020F0502020204030204" pitchFamily="34" charset="0"/>
+                <a:cs typeface="Arial" panose="020B0604020202020204" pitchFamily="34" charset="0"/>
+              </a:rPr>
+              <a:t>class </a:t>
+            </a:r>
+            <a:r>
+              <a:rPr lang="en-US" sz="1600" dirty="0">
+                <a:solidFill>
+                  <a:srgbClr val="000000"/>
+                </a:solidFill>
+                <a:latin typeface="Calibri" panose="020F0502020204030204" pitchFamily="34" charset="0"/>
+                <a:ea typeface="Calibri" panose="020F0502020204030204" pitchFamily="34" charset="0"/>
+                <a:cs typeface="Arial" panose="020B0604020202020204" pitchFamily="34" charset="0"/>
+              </a:rPr>
+              <a:t>B </a:t>
+            </a:r>
+            <a:r>
+              <a:rPr lang="en-US" sz="1600" b="1" dirty="0">
+                <a:solidFill>
+                  <a:srgbClr val="000080"/>
+                </a:solidFill>
+                <a:latin typeface="Calibri" panose="020F0502020204030204" pitchFamily="34" charset="0"/>
+                <a:ea typeface="Calibri" panose="020F0502020204030204" pitchFamily="34" charset="0"/>
+                <a:cs typeface="Arial" panose="020B0604020202020204" pitchFamily="34" charset="0"/>
+              </a:rPr>
+              <a:t>extends </a:t>
+            </a:r>
+            <a:r>
+              <a:rPr lang="en-US" sz="1600" dirty="0">
+                <a:solidFill>
+                  <a:srgbClr val="000000"/>
+                </a:solidFill>
+                <a:latin typeface="Calibri" panose="020F0502020204030204" pitchFamily="34" charset="0"/>
+                <a:ea typeface="Calibri" panose="020F0502020204030204" pitchFamily="34" charset="0"/>
+                <a:cs typeface="Arial" panose="020B0604020202020204" pitchFamily="34" charset="0"/>
+              </a:rPr>
+              <a:t>A {</a:t>
+            </a:r>
+            <a:br>
+              <a:rPr lang="en-US" sz="1600" dirty="0">
+                <a:solidFill>
+                  <a:srgbClr val="000000"/>
+                </a:solidFill>
+                <a:latin typeface="Calibri" panose="020F0502020204030204" pitchFamily="34" charset="0"/>
+                <a:ea typeface="Calibri" panose="020F0502020204030204" pitchFamily="34" charset="0"/>
+                <a:cs typeface="Arial" panose="020B0604020202020204" pitchFamily="34" charset="0"/>
+              </a:rPr>
+            </a:br>
+            <a:r>
+              <a:rPr lang="en-US" sz="1600" dirty="0">
+                <a:solidFill>
+                  <a:srgbClr val="000000"/>
+                </a:solidFill>
+                <a:latin typeface="Calibri" panose="020F0502020204030204" pitchFamily="34" charset="0"/>
+                <a:ea typeface="Calibri" panose="020F0502020204030204" pitchFamily="34" charset="0"/>
+                <a:cs typeface="Arial" panose="020B0604020202020204" pitchFamily="34" charset="0"/>
+              </a:rPr>
+              <a:t>    </a:t>
+            </a:r>
+            <a:r>
+              <a:rPr lang="en-US" sz="1600" dirty="0">
+                <a:solidFill>
+                  <a:srgbClr val="7A7A43"/>
+                </a:solidFill>
+                <a:latin typeface="Calibri" panose="020F0502020204030204" pitchFamily="34" charset="0"/>
+                <a:ea typeface="Calibri" panose="020F0502020204030204" pitchFamily="34" charset="0"/>
+                <a:cs typeface="Arial" panose="020B0604020202020204" pitchFamily="34" charset="0"/>
+              </a:rPr>
+              <a:t>run</a:t>
+            </a:r>
+            <a:r>
+              <a:rPr lang="en-US" sz="1600" dirty="0">
+                <a:solidFill>
+                  <a:srgbClr val="000000"/>
+                </a:solidFill>
+                <a:latin typeface="Calibri" panose="020F0502020204030204" pitchFamily="34" charset="0"/>
+                <a:ea typeface="Calibri" panose="020F0502020204030204" pitchFamily="34" charset="0"/>
+                <a:cs typeface="Arial" panose="020B0604020202020204" pitchFamily="34" charset="0"/>
+              </a:rPr>
+              <a:t>() {</a:t>
+            </a:r>
+            <a:br>
+              <a:rPr lang="en-US" sz="1600" dirty="0">
+                <a:solidFill>
+                  <a:srgbClr val="000000"/>
+                </a:solidFill>
+                <a:latin typeface="Calibri" panose="020F0502020204030204" pitchFamily="34" charset="0"/>
+                <a:ea typeface="Calibri" panose="020F0502020204030204" pitchFamily="34" charset="0"/>
+                <a:cs typeface="Arial" panose="020B0604020202020204" pitchFamily="34" charset="0"/>
+              </a:rPr>
+            </a:br>
+            <a:r>
+              <a:rPr lang="en-US" sz="1600" dirty="0">
+                <a:solidFill>
+                  <a:srgbClr val="000000"/>
+                </a:solidFill>
+                <a:latin typeface="Calibri" panose="020F0502020204030204" pitchFamily="34" charset="0"/>
+                <a:ea typeface="Calibri" panose="020F0502020204030204" pitchFamily="34" charset="0"/>
+                <a:cs typeface="Arial" panose="020B0604020202020204" pitchFamily="34" charset="0"/>
+              </a:rPr>
+              <a:t>    }</a:t>
+            </a:r>
+            <a:br>
+              <a:rPr lang="en-US" sz="1600" dirty="0">
+                <a:solidFill>
+                  <a:srgbClr val="000000"/>
+                </a:solidFill>
+                <a:latin typeface="Calibri" panose="020F0502020204030204" pitchFamily="34" charset="0"/>
+                <a:ea typeface="Calibri" panose="020F0502020204030204" pitchFamily="34" charset="0"/>
+                <a:cs typeface="Arial" panose="020B0604020202020204" pitchFamily="34" charset="0"/>
+              </a:rPr>
+            </a:br>
+            <a:r>
+              <a:rPr lang="en-US" sz="1600" dirty="0">
+                <a:solidFill>
+                  <a:srgbClr val="000000"/>
+                </a:solidFill>
+                <a:latin typeface="Calibri" panose="020F0502020204030204" pitchFamily="34" charset="0"/>
+                <a:ea typeface="Calibri" panose="020F0502020204030204" pitchFamily="34" charset="0"/>
+                <a:cs typeface="Arial" panose="020B0604020202020204" pitchFamily="34" charset="0"/>
+              </a:rPr>
+              <a:t>}</a:t>
+            </a:r>
+            <a:br>
+              <a:rPr lang="en-US" sz="1600" dirty="0">
+                <a:solidFill>
+                  <a:srgbClr val="000000"/>
+                </a:solidFill>
+                <a:latin typeface="Calibri" panose="020F0502020204030204" pitchFamily="34" charset="0"/>
+                <a:ea typeface="Calibri" panose="020F0502020204030204" pitchFamily="34" charset="0"/>
+                <a:cs typeface="Arial" panose="020B0604020202020204" pitchFamily="34" charset="0"/>
+              </a:rPr>
+            </a:br>
+            <a:br>
+              <a:rPr lang="en-US" sz="1600" dirty="0">
+                <a:solidFill>
+                  <a:srgbClr val="000000"/>
+                </a:solidFill>
+                <a:latin typeface="Calibri" panose="020F0502020204030204" pitchFamily="34" charset="0"/>
+                <a:ea typeface="Calibri" panose="020F0502020204030204" pitchFamily="34" charset="0"/>
+                <a:cs typeface="Arial" panose="020B0604020202020204" pitchFamily="34" charset="0"/>
+              </a:rPr>
+            </a:br>
+            <a:r>
+              <a:rPr lang="en-US" sz="1600" b="1" dirty="0">
+                <a:solidFill>
+                  <a:srgbClr val="000080"/>
+                </a:solidFill>
+                <a:latin typeface="Calibri" panose="020F0502020204030204" pitchFamily="34" charset="0"/>
+                <a:ea typeface="Calibri" panose="020F0502020204030204" pitchFamily="34" charset="0"/>
+                <a:cs typeface="Arial" panose="020B0604020202020204" pitchFamily="34" charset="0"/>
+              </a:rPr>
+              <a:t>function </a:t>
+            </a:r>
+            <a:r>
+              <a:rPr lang="en-US" sz="1600" i="1" dirty="0" err="1">
+                <a:solidFill>
+                  <a:srgbClr val="000000"/>
+                </a:solidFill>
+                <a:latin typeface="Calibri" panose="020F0502020204030204" pitchFamily="34" charset="0"/>
+                <a:ea typeface="Calibri" panose="020F0502020204030204" pitchFamily="34" charset="0"/>
+                <a:cs typeface="Arial" panose="020B0604020202020204" pitchFamily="34" charset="0"/>
+              </a:rPr>
+              <a:t>isB</a:t>
+            </a:r>
+            <a:r>
+              <a:rPr lang="en-US" sz="1600" dirty="0">
+                <a:solidFill>
+                  <a:srgbClr val="000000"/>
+                </a:solidFill>
+                <a:latin typeface="Calibri" panose="020F0502020204030204" pitchFamily="34" charset="0"/>
+                <a:ea typeface="Calibri" panose="020F0502020204030204" pitchFamily="34" charset="0"/>
+                <a:cs typeface="Arial" panose="020B0604020202020204" pitchFamily="34" charset="0"/>
+              </a:rPr>
+              <a:t>(a: A): a is B {</a:t>
+            </a:r>
+            <a:br>
+              <a:rPr lang="en-US" sz="1600" dirty="0">
+                <a:solidFill>
+                  <a:srgbClr val="000000"/>
+                </a:solidFill>
+                <a:latin typeface="Calibri" panose="020F0502020204030204" pitchFamily="34" charset="0"/>
+                <a:ea typeface="Calibri" panose="020F0502020204030204" pitchFamily="34" charset="0"/>
+                <a:cs typeface="Arial" panose="020B0604020202020204" pitchFamily="34" charset="0"/>
+              </a:rPr>
+            </a:br>
+            <a:r>
+              <a:rPr lang="en-US" sz="1600" dirty="0">
+                <a:solidFill>
+                  <a:srgbClr val="000000"/>
+                </a:solidFill>
+                <a:latin typeface="Calibri" panose="020F0502020204030204" pitchFamily="34" charset="0"/>
+                <a:ea typeface="Calibri" panose="020F0502020204030204" pitchFamily="34" charset="0"/>
+                <a:cs typeface="Arial" panose="020B0604020202020204" pitchFamily="34" charset="0"/>
+              </a:rPr>
+              <a:t>    </a:t>
+            </a:r>
+            <a:r>
+              <a:rPr lang="en-US" sz="1600" b="1" dirty="0">
+                <a:solidFill>
+                  <a:srgbClr val="000080"/>
+                </a:solidFill>
+                <a:latin typeface="Calibri" panose="020F0502020204030204" pitchFamily="34" charset="0"/>
+                <a:ea typeface="Calibri" panose="020F0502020204030204" pitchFamily="34" charset="0"/>
+                <a:cs typeface="Arial" panose="020B0604020202020204" pitchFamily="34" charset="0"/>
+              </a:rPr>
+              <a:t>return </a:t>
+            </a:r>
+            <a:r>
+              <a:rPr lang="en-US" sz="1600" dirty="0">
+                <a:solidFill>
+                  <a:srgbClr val="000000"/>
+                </a:solidFill>
+                <a:latin typeface="Calibri" panose="020F0502020204030204" pitchFamily="34" charset="0"/>
+                <a:ea typeface="Calibri" panose="020F0502020204030204" pitchFamily="34" charset="0"/>
+                <a:cs typeface="Arial" panose="020B0604020202020204" pitchFamily="34" charset="0"/>
+              </a:rPr>
+              <a:t>a </a:t>
+            </a:r>
+            <a:r>
+              <a:rPr lang="en-US" sz="1600" b="1" dirty="0" err="1">
+                <a:solidFill>
+                  <a:srgbClr val="000080"/>
+                </a:solidFill>
+                <a:latin typeface="Calibri" panose="020F0502020204030204" pitchFamily="34" charset="0"/>
+                <a:ea typeface="Calibri" panose="020F0502020204030204" pitchFamily="34" charset="0"/>
+                <a:cs typeface="Arial" panose="020B0604020202020204" pitchFamily="34" charset="0"/>
+              </a:rPr>
+              <a:t>instanceof</a:t>
+            </a:r>
+            <a:r>
+              <a:rPr lang="en-US" sz="1600" b="1" dirty="0">
+                <a:solidFill>
+                  <a:srgbClr val="000080"/>
+                </a:solidFill>
+                <a:latin typeface="Calibri" panose="020F0502020204030204" pitchFamily="34" charset="0"/>
+                <a:ea typeface="Calibri" panose="020F0502020204030204" pitchFamily="34" charset="0"/>
+                <a:cs typeface="Arial" panose="020B0604020202020204" pitchFamily="34" charset="0"/>
+              </a:rPr>
+              <a:t> </a:t>
+            </a:r>
+            <a:r>
+              <a:rPr lang="en-US" sz="1600" dirty="0">
+                <a:solidFill>
+                  <a:srgbClr val="000000"/>
+                </a:solidFill>
+                <a:latin typeface="Calibri" panose="020F0502020204030204" pitchFamily="34" charset="0"/>
+                <a:ea typeface="Calibri" panose="020F0502020204030204" pitchFamily="34" charset="0"/>
+                <a:cs typeface="Arial" panose="020B0604020202020204" pitchFamily="34" charset="0"/>
+              </a:rPr>
+              <a:t>B;</a:t>
+            </a:r>
+            <a:br>
+              <a:rPr lang="en-US" sz="1600" dirty="0">
+                <a:solidFill>
+                  <a:srgbClr val="000000"/>
+                </a:solidFill>
+                <a:latin typeface="Calibri" panose="020F0502020204030204" pitchFamily="34" charset="0"/>
+                <a:ea typeface="Calibri" panose="020F0502020204030204" pitchFamily="34" charset="0"/>
+                <a:cs typeface="Arial" panose="020B0604020202020204" pitchFamily="34" charset="0"/>
+              </a:rPr>
+            </a:br>
+            <a:r>
+              <a:rPr lang="en-US" sz="1600" dirty="0">
+                <a:solidFill>
+                  <a:srgbClr val="000000"/>
+                </a:solidFill>
+                <a:latin typeface="Calibri" panose="020F0502020204030204" pitchFamily="34" charset="0"/>
+                <a:ea typeface="Calibri" panose="020F0502020204030204" pitchFamily="34" charset="0"/>
+                <a:cs typeface="Arial" panose="020B0604020202020204" pitchFamily="34" charset="0"/>
+              </a:rPr>
+              <a:t>}</a:t>
+            </a:r>
+            <a:br>
+              <a:rPr lang="en-US" sz="1600" dirty="0">
+                <a:solidFill>
+                  <a:srgbClr val="000000"/>
+                </a:solidFill>
+                <a:latin typeface="Calibri" panose="020F0502020204030204" pitchFamily="34" charset="0"/>
+                <a:ea typeface="Calibri" panose="020F0502020204030204" pitchFamily="34" charset="0"/>
+                <a:cs typeface="Arial" panose="020B0604020202020204" pitchFamily="34" charset="0"/>
+              </a:rPr>
+            </a:br>
+            <a:br>
+              <a:rPr lang="en-US" sz="1600" dirty="0">
+                <a:solidFill>
+                  <a:srgbClr val="000000"/>
+                </a:solidFill>
+                <a:latin typeface="Calibri" panose="020F0502020204030204" pitchFamily="34" charset="0"/>
+                <a:ea typeface="Calibri" panose="020F0502020204030204" pitchFamily="34" charset="0"/>
+                <a:cs typeface="Arial" panose="020B0604020202020204" pitchFamily="34" charset="0"/>
+              </a:rPr>
+            </a:br>
+            <a:r>
+              <a:rPr lang="en-US" sz="1600" b="1" dirty="0">
+                <a:solidFill>
+                  <a:srgbClr val="000080"/>
+                </a:solidFill>
+                <a:latin typeface="Calibri" panose="020F0502020204030204" pitchFamily="34" charset="0"/>
+                <a:ea typeface="Calibri" panose="020F0502020204030204" pitchFamily="34" charset="0"/>
+                <a:cs typeface="Arial" panose="020B0604020202020204" pitchFamily="34" charset="0"/>
+              </a:rPr>
+              <a:t>function </a:t>
+            </a:r>
+            <a:r>
+              <a:rPr lang="en-US" sz="1600" i="1" dirty="0" err="1">
+                <a:solidFill>
+                  <a:srgbClr val="000000"/>
+                </a:solidFill>
+                <a:latin typeface="Calibri" panose="020F0502020204030204" pitchFamily="34" charset="0"/>
+                <a:ea typeface="Calibri" panose="020F0502020204030204" pitchFamily="34" charset="0"/>
+                <a:cs typeface="Arial" panose="020B0604020202020204" pitchFamily="34" charset="0"/>
+              </a:rPr>
+              <a:t>doSomething</a:t>
+            </a:r>
+            <a:r>
+              <a:rPr lang="en-US" sz="1600" dirty="0">
+                <a:solidFill>
+                  <a:srgbClr val="000000"/>
+                </a:solidFill>
+                <a:latin typeface="Calibri" panose="020F0502020204030204" pitchFamily="34" charset="0"/>
+                <a:ea typeface="Calibri" panose="020F0502020204030204" pitchFamily="34" charset="0"/>
+                <a:cs typeface="Arial" panose="020B0604020202020204" pitchFamily="34" charset="0"/>
+              </a:rPr>
+              <a:t>(a: A) {</a:t>
+            </a:r>
+            <a:br>
+              <a:rPr lang="en-US" sz="1600" dirty="0">
+                <a:solidFill>
+                  <a:srgbClr val="000000"/>
+                </a:solidFill>
+                <a:latin typeface="Calibri" panose="020F0502020204030204" pitchFamily="34" charset="0"/>
+                <a:ea typeface="Calibri" panose="020F0502020204030204" pitchFamily="34" charset="0"/>
+                <a:cs typeface="Arial" panose="020B0604020202020204" pitchFamily="34" charset="0"/>
+              </a:rPr>
+            </a:br>
+            <a:r>
+              <a:rPr lang="en-US" sz="1600" dirty="0">
+                <a:solidFill>
+                  <a:srgbClr val="000000"/>
+                </a:solidFill>
+                <a:latin typeface="Calibri" panose="020F0502020204030204" pitchFamily="34" charset="0"/>
+                <a:ea typeface="Calibri" panose="020F0502020204030204" pitchFamily="34" charset="0"/>
+                <a:cs typeface="Arial" panose="020B0604020202020204" pitchFamily="34" charset="0"/>
+              </a:rPr>
+              <a:t>    </a:t>
+            </a:r>
+            <a:r>
+              <a:rPr lang="en-US" sz="1600" b="1" dirty="0">
+                <a:solidFill>
+                  <a:srgbClr val="000080"/>
+                </a:solidFill>
+                <a:latin typeface="Calibri" panose="020F0502020204030204" pitchFamily="34" charset="0"/>
+                <a:ea typeface="Calibri" panose="020F0502020204030204" pitchFamily="34" charset="0"/>
+                <a:cs typeface="Arial" panose="020B0604020202020204" pitchFamily="34" charset="0"/>
+              </a:rPr>
+              <a:t>if</a:t>
+            </a:r>
+            <a:r>
+              <a:rPr lang="en-US" sz="1600" dirty="0">
+                <a:solidFill>
+                  <a:srgbClr val="000000"/>
+                </a:solidFill>
+                <a:latin typeface="Calibri" panose="020F0502020204030204" pitchFamily="34" charset="0"/>
+                <a:ea typeface="Calibri" panose="020F0502020204030204" pitchFamily="34" charset="0"/>
+                <a:cs typeface="Arial" panose="020B0604020202020204" pitchFamily="34" charset="0"/>
+              </a:rPr>
+              <a:t>(</a:t>
+            </a:r>
+            <a:r>
+              <a:rPr lang="en-US" sz="1600" i="1" dirty="0" err="1">
+                <a:solidFill>
+                  <a:srgbClr val="000000"/>
+                </a:solidFill>
+                <a:latin typeface="Calibri" panose="020F0502020204030204" pitchFamily="34" charset="0"/>
+                <a:ea typeface="Calibri" panose="020F0502020204030204" pitchFamily="34" charset="0"/>
+                <a:cs typeface="Arial" panose="020B0604020202020204" pitchFamily="34" charset="0"/>
+              </a:rPr>
+              <a:t>isB</a:t>
+            </a:r>
+            <a:r>
+              <a:rPr lang="en-US" sz="1600" dirty="0">
+                <a:solidFill>
+                  <a:srgbClr val="000000"/>
+                </a:solidFill>
+                <a:latin typeface="Calibri" panose="020F0502020204030204" pitchFamily="34" charset="0"/>
+                <a:ea typeface="Calibri" panose="020F0502020204030204" pitchFamily="34" charset="0"/>
+                <a:cs typeface="Arial" panose="020B0604020202020204" pitchFamily="34" charset="0"/>
+              </a:rPr>
+              <a:t>(a)) {</a:t>
+            </a:r>
+            <a:br>
+              <a:rPr lang="en-US" sz="1600" dirty="0">
+                <a:solidFill>
+                  <a:srgbClr val="000000"/>
+                </a:solidFill>
+                <a:latin typeface="Calibri" panose="020F0502020204030204" pitchFamily="34" charset="0"/>
+                <a:ea typeface="Calibri" panose="020F0502020204030204" pitchFamily="34" charset="0"/>
+                <a:cs typeface="Arial" panose="020B0604020202020204" pitchFamily="34" charset="0"/>
+              </a:rPr>
+            </a:br>
+            <a:r>
+              <a:rPr lang="en-US" sz="1600" dirty="0">
+                <a:solidFill>
+                  <a:srgbClr val="000000"/>
+                </a:solidFill>
+                <a:latin typeface="Calibri" panose="020F0502020204030204" pitchFamily="34" charset="0"/>
+                <a:ea typeface="Calibri" panose="020F0502020204030204" pitchFamily="34" charset="0"/>
+                <a:cs typeface="Arial" panose="020B0604020202020204" pitchFamily="34" charset="0"/>
+              </a:rPr>
+              <a:t>        </a:t>
+            </a:r>
+            <a:r>
+              <a:rPr lang="en-US" sz="1600" dirty="0" err="1">
+                <a:solidFill>
+                  <a:srgbClr val="000000"/>
+                </a:solidFill>
+                <a:latin typeface="Calibri" panose="020F0502020204030204" pitchFamily="34" charset="0"/>
+                <a:ea typeface="Calibri" panose="020F0502020204030204" pitchFamily="34" charset="0"/>
+                <a:cs typeface="Arial" panose="020B0604020202020204" pitchFamily="34" charset="0"/>
+              </a:rPr>
+              <a:t>a.</a:t>
+            </a:r>
+            <a:r>
+              <a:rPr lang="en-US" sz="1600" dirty="0" err="1">
+                <a:solidFill>
+                  <a:srgbClr val="7A7A43"/>
+                </a:solidFill>
+                <a:latin typeface="Calibri" panose="020F0502020204030204" pitchFamily="34" charset="0"/>
+                <a:ea typeface="Calibri" panose="020F0502020204030204" pitchFamily="34" charset="0"/>
+                <a:cs typeface="Arial" panose="020B0604020202020204" pitchFamily="34" charset="0"/>
+              </a:rPr>
+              <a:t>run</a:t>
+            </a:r>
+            <a:r>
+              <a:rPr lang="en-US" sz="1600" dirty="0">
+                <a:solidFill>
+                  <a:srgbClr val="000000"/>
+                </a:solidFill>
+                <a:latin typeface="Calibri" panose="020F0502020204030204" pitchFamily="34" charset="0"/>
+                <a:ea typeface="Calibri" panose="020F0502020204030204" pitchFamily="34" charset="0"/>
+                <a:cs typeface="Arial" panose="020B0604020202020204" pitchFamily="34" charset="0"/>
+              </a:rPr>
+              <a:t>();</a:t>
+            </a:r>
+            <a:br>
+              <a:rPr lang="en-US" sz="1600" dirty="0">
+                <a:solidFill>
+                  <a:srgbClr val="000000"/>
+                </a:solidFill>
+                <a:latin typeface="Calibri" panose="020F0502020204030204" pitchFamily="34" charset="0"/>
+                <a:ea typeface="Calibri" panose="020F0502020204030204" pitchFamily="34" charset="0"/>
+                <a:cs typeface="Arial" panose="020B0604020202020204" pitchFamily="34" charset="0"/>
+              </a:rPr>
+            </a:br>
+            <a:r>
+              <a:rPr lang="en-US" sz="1600" dirty="0">
+                <a:solidFill>
+                  <a:srgbClr val="000000"/>
+                </a:solidFill>
+                <a:latin typeface="Calibri" panose="020F0502020204030204" pitchFamily="34" charset="0"/>
+                <a:ea typeface="Calibri" panose="020F0502020204030204" pitchFamily="34" charset="0"/>
+                <a:cs typeface="Arial" panose="020B0604020202020204" pitchFamily="34" charset="0"/>
+              </a:rPr>
+              <a:t>    }</a:t>
+            </a:r>
+            <a:br>
+              <a:rPr lang="en-US" sz="1600" dirty="0">
+                <a:solidFill>
+                  <a:srgbClr val="000000"/>
+                </a:solidFill>
+                <a:latin typeface="Calibri" panose="020F0502020204030204" pitchFamily="34" charset="0"/>
+                <a:ea typeface="Calibri" panose="020F0502020204030204" pitchFamily="34" charset="0"/>
+                <a:cs typeface="Arial" panose="020B0604020202020204" pitchFamily="34" charset="0"/>
+              </a:rPr>
+            </a:br>
+            <a:r>
+              <a:rPr lang="en-US" sz="1600" dirty="0">
+                <a:solidFill>
+                  <a:srgbClr val="000000"/>
+                </a:solidFill>
+                <a:latin typeface="Calibri" panose="020F0502020204030204" pitchFamily="34" charset="0"/>
+                <a:ea typeface="Calibri" panose="020F0502020204030204" pitchFamily="34" charset="0"/>
+                <a:cs typeface="Arial" panose="020B0604020202020204" pitchFamily="34" charset="0"/>
+              </a:rPr>
+              <a:t>}</a:t>
+            </a:r>
+            <a:endParaRPr lang="he-IL" sz="1600" dirty="0"/>
+          </a:p>
+        </p:txBody>
+      </p:sp>
+    </p:spTree>
+    <p:extLst>
+      <p:ext uri="{BB962C8B-B14F-4D97-AF65-F5344CB8AC3E}">
+        <p14:creationId xmlns:p14="http://schemas.microsoft.com/office/powerpoint/2010/main" val="3040977951"/>
+      </p:ext>
+    </p:extLst>
+  </p:cSld>
+  <p:clrMapOvr>
+    <a:masterClrMapping/>
+  </p:clrMapOvr>
+</p:sld>
+</file>
+
+<file path=ppt/slides/slide24.xml><?xml version="1.0" encoding="utf-8"?>
+<p:sld xmlns:a="http://schemas.openxmlformats.org/drawingml/2006/main" xmlns:r="http://schemas.openxmlformats.org/officeDocument/2006/relationships" xmlns:p="http://schemas.openxmlformats.org/presentationml/2006/main">
+  <p:cSld>
+    <p:spTree>
+      <p:nvGrpSpPr>
+        <p:cNvPr id="1" name=""/>
+        <p:cNvGrpSpPr/>
+        <p:nvPr/>
+      </p:nvGrpSpPr>
+      <p:grpSpPr>
+        <a:xfrm>
+          <a:off x="0" y="0"/>
+          <a:ext cx="0" cy="0"/>
+          <a:chOff x="0" y="0"/>
+          <a:chExt cx="0" cy="0"/>
+        </a:xfrm>
+      </p:grpSpPr>
+      <p:sp>
+        <p:nvSpPr>
+          <p:cNvPr id="2" name="Title 1">
+            <a:extLst>
+              <a:ext uri="{FF2B5EF4-FFF2-40B4-BE49-F238E27FC236}">
+                <a16:creationId xmlns:a16="http://schemas.microsoft.com/office/drawing/2014/main" id="{33F275F1-C706-4CBD-8C4D-FF6CE9351471}"/>
+              </a:ext>
+            </a:extLst>
+          </p:cNvPr>
+          <p:cNvSpPr>
+            <a:spLocks noGrp="1"/>
+          </p:cNvSpPr>
+          <p:nvPr>
+            <p:ph type="title"/>
+          </p:nvPr>
+        </p:nvSpPr>
+        <p:spPr/>
+        <p:txBody>
+          <a:bodyPr/>
+          <a:lstStyle/>
+          <a:p>
+            <a:r>
+              <a:rPr lang="en-US" dirty="0"/>
+              <a:t>Class Augmentation</a:t>
+            </a:r>
+            <a:endParaRPr lang="he-IL" dirty="0"/>
+          </a:p>
+        </p:txBody>
+      </p:sp>
+      <p:sp>
+        <p:nvSpPr>
+          <p:cNvPr id="3" name="Footer Placeholder 2">
+            <a:extLst>
+              <a:ext uri="{FF2B5EF4-FFF2-40B4-BE49-F238E27FC236}">
+                <a16:creationId xmlns:a16="http://schemas.microsoft.com/office/drawing/2014/main" id="{CE7482D4-865A-4138-B109-E0455EDB533A}"/>
+              </a:ext>
+            </a:extLst>
+          </p:cNvPr>
+          <p:cNvSpPr>
+            <a:spLocks noGrp="1"/>
+          </p:cNvSpPr>
+          <p:nvPr>
+            <p:ph type="ftr" sz="quarter" idx="11"/>
+          </p:nvPr>
+        </p:nvSpPr>
+        <p:spPr/>
+        <p:txBody>
+          <a:bodyPr/>
+          <a:lstStyle/>
+          <a:p>
+            <a:r>
+              <a:rPr lang="en-US"/>
+              <a:t>© 2017 Ori Calvo</a:t>
+            </a:r>
+            <a:endParaRPr lang="en-US" dirty="0"/>
+          </a:p>
+        </p:txBody>
+      </p:sp>
+      <p:sp>
+        <p:nvSpPr>
+          <p:cNvPr id="4" name="Slide Number Placeholder 3">
+            <a:extLst>
+              <a:ext uri="{FF2B5EF4-FFF2-40B4-BE49-F238E27FC236}">
+                <a16:creationId xmlns:a16="http://schemas.microsoft.com/office/drawing/2014/main" id="{9833B40D-0314-4544-ADC2-21709761F276}"/>
+              </a:ext>
+            </a:extLst>
+          </p:cNvPr>
+          <p:cNvSpPr>
+            <a:spLocks noGrp="1"/>
+          </p:cNvSpPr>
+          <p:nvPr>
+            <p:ph type="sldNum" sz="quarter" idx="12"/>
+          </p:nvPr>
+        </p:nvSpPr>
+        <p:spPr/>
+        <p:txBody>
+          <a:bodyPr>
+            <a:normAutofit fontScale="85000" lnSpcReduction="20000"/>
+          </a:bodyPr>
+          <a:lstStyle/>
+          <a:p>
+            <a:fld id="{6EDEC3BC-0694-4586-AE63-02B4D54ABF43}" type="slidenum">
+              <a:rPr lang="en-US" smtClean="0"/>
+              <a:pPr/>
+              <a:t>24</a:t>
+            </a:fld>
+            <a:endParaRPr lang="en-US"/>
+          </a:p>
+        </p:txBody>
+      </p:sp>
+      <p:sp>
+        <p:nvSpPr>
+          <p:cNvPr id="5" name="Content Placeholder 4">
+            <a:extLst>
+              <a:ext uri="{FF2B5EF4-FFF2-40B4-BE49-F238E27FC236}">
+                <a16:creationId xmlns:a16="http://schemas.microsoft.com/office/drawing/2014/main" id="{31A70E76-A43F-47C5-B474-D594AFABCDFD}"/>
+              </a:ext>
+            </a:extLst>
+          </p:cNvPr>
+          <p:cNvSpPr>
+            <a:spLocks noGrp="1"/>
+          </p:cNvSpPr>
+          <p:nvPr>
+            <p:ph sz="quarter" idx="1"/>
+          </p:nvPr>
+        </p:nvSpPr>
+        <p:spPr/>
+        <p:txBody>
+          <a:bodyPr/>
+          <a:lstStyle/>
+          <a:p>
+            <a:r>
+              <a:rPr lang="en-US" dirty="0"/>
+              <a:t>An interface can extend existing class</a:t>
+            </a:r>
+            <a:endParaRPr lang="he-IL" dirty="0"/>
+          </a:p>
+        </p:txBody>
+      </p:sp>
+      <p:sp>
+        <p:nvSpPr>
+          <p:cNvPr id="6" name="Rectangle 5">
+            <a:extLst>
+              <a:ext uri="{FF2B5EF4-FFF2-40B4-BE49-F238E27FC236}">
+                <a16:creationId xmlns:a16="http://schemas.microsoft.com/office/drawing/2014/main" id="{5D074A18-305F-42BE-A814-699D210A1CE2}"/>
+              </a:ext>
+            </a:extLst>
+          </p:cNvPr>
+          <p:cNvSpPr/>
+          <p:nvPr/>
+        </p:nvSpPr>
+        <p:spPr>
+          <a:xfrm>
+            <a:off x="3438336" y="2348880"/>
+            <a:ext cx="2502024" cy="4031873"/>
+          </a:xfrm>
+          <a:prstGeom prst="rect">
+            <a:avLst/>
+          </a:prstGeom>
+          <a:solidFill>
+            <a:schemeClr val="accent1">
+              <a:lumMod val="40000"/>
+              <a:lumOff val="60000"/>
+            </a:schemeClr>
+          </a:solidFill>
+        </p:spPr>
+        <p:txBody>
+          <a:bodyPr wrap="square">
+            <a:spAutoFit/>
+          </a:bodyPr>
+          <a:lstStyle/>
+          <a:p>
+            <a:r>
+              <a:rPr lang="en-US" sz="1600" b="1" dirty="0">
+                <a:solidFill>
+                  <a:srgbClr val="000080"/>
+                </a:solidFill>
+                <a:latin typeface="Calibri" panose="020F0502020204030204" pitchFamily="34" charset="0"/>
+                <a:ea typeface="Calibri" panose="020F0502020204030204" pitchFamily="34" charset="0"/>
+                <a:cs typeface="Arial" panose="020B0604020202020204" pitchFamily="34" charset="0"/>
+              </a:rPr>
+              <a:t>class </a:t>
+            </a:r>
+            <a:r>
+              <a:rPr lang="en-US" sz="1600" dirty="0">
+                <a:solidFill>
+                  <a:srgbClr val="000000"/>
+                </a:solidFill>
+                <a:latin typeface="Calibri" panose="020F0502020204030204" pitchFamily="34" charset="0"/>
+                <a:ea typeface="Calibri" panose="020F0502020204030204" pitchFamily="34" charset="0"/>
+                <a:cs typeface="Arial" panose="020B0604020202020204" pitchFamily="34" charset="0"/>
+              </a:rPr>
+              <a:t>A {</a:t>
+            </a:r>
+            <a:br>
+              <a:rPr lang="en-US" sz="1600" dirty="0">
+                <a:solidFill>
+                  <a:srgbClr val="000000"/>
+                </a:solidFill>
+                <a:latin typeface="Calibri" panose="020F0502020204030204" pitchFamily="34" charset="0"/>
+                <a:ea typeface="Calibri" panose="020F0502020204030204" pitchFamily="34" charset="0"/>
+                <a:cs typeface="Arial" panose="020B0604020202020204" pitchFamily="34" charset="0"/>
+              </a:rPr>
+            </a:br>
+            <a:r>
+              <a:rPr lang="en-US" sz="1600" dirty="0">
+                <a:solidFill>
+                  <a:srgbClr val="000000"/>
+                </a:solidFill>
+                <a:latin typeface="Calibri" panose="020F0502020204030204" pitchFamily="34" charset="0"/>
+                <a:ea typeface="Calibri" panose="020F0502020204030204" pitchFamily="34" charset="0"/>
+                <a:cs typeface="Arial" panose="020B0604020202020204" pitchFamily="34" charset="0"/>
+              </a:rPr>
+              <a:t>    </a:t>
+            </a:r>
+            <a:r>
+              <a:rPr lang="en-US" sz="1600" dirty="0">
+                <a:solidFill>
+                  <a:srgbClr val="7A7A43"/>
+                </a:solidFill>
+                <a:latin typeface="Calibri" panose="020F0502020204030204" pitchFamily="34" charset="0"/>
+                <a:ea typeface="Calibri" panose="020F0502020204030204" pitchFamily="34" charset="0"/>
+                <a:cs typeface="Arial" panose="020B0604020202020204" pitchFamily="34" charset="0"/>
+              </a:rPr>
+              <a:t>run</a:t>
+            </a:r>
+            <a:r>
+              <a:rPr lang="en-US" sz="1600" dirty="0">
+                <a:solidFill>
+                  <a:srgbClr val="000000"/>
+                </a:solidFill>
+                <a:latin typeface="Calibri" panose="020F0502020204030204" pitchFamily="34" charset="0"/>
+                <a:ea typeface="Calibri" panose="020F0502020204030204" pitchFamily="34" charset="0"/>
+                <a:cs typeface="Arial" panose="020B0604020202020204" pitchFamily="34" charset="0"/>
+              </a:rPr>
+              <a:t>() {</a:t>
+            </a:r>
+            <a:br>
+              <a:rPr lang="en-US" sz="1600" dirty="0">
+                <a:solidFill>
+                  <a:srgbClr val="000000"/>
+                </a:solidFill>
+                <a:latin typeface="Calibri" panose="020F0502020204030204" pitchFamily="34" charset="0"/>
+                <a:ea typeface="Calibri" panose="020F0502020204030204" pitchFamily="34" charset="0"/>
+                <a:cs typeface="Arial" panose="020B0604020202020204" pitchFamily="34" charset="0"/>
+              </a:rPr>
+            </a:br>
+            <a:r>
+              <a:rPr lang="en-US" sz="1600" dirty="0">
+                <a:solidFill>
+                  <a:srgbClr val="000000"/>
+                </a:solidFill>
+                <a:latin typeface="Calibri" panose="020F0502020204030204" pitchFamily="34" charset="0"/>
+                <a:ea typeface="Calibri" panose="020F0502020204030204" pitchFamily="34" charset="0"/>
+                <a:cs typeface="Arial" panose="020B0604020202020204" pitchFamily="34" charset="0"/>
+              </a:rPr>
+              <a:t>    }</a:t>
+            </a:r>
+            <a:br>
+              <a:rPr lang="en-US" sz="1600" dirty="0">
+                <a:solidFill>
+                  <a:srgbClr val="000000"/>
+                </a:solidFill>
+                <a:latin typeface="Calibri" panose="020F0502020204030204" pitchFamily="34" charset="0"/>
+                <a:ea typeface="Calibri" panose="020F0502020204030204" pitchFamily="34" charset="0"/>
+                <a:cs typeface="Arial" panose="020B0604020202020204" pitchFamily="34" charset="0"/>
+              </a:rPr>
+            </a:br>
+            <a:r>
+              <a:rPr lang="en-US" sz="1600" dirty="0">
+                <a:solidFill>
+                  <a:srgbClr val="000000"/>
+                </a:solidFill>
+                <a:latin typeface="Calibri" panose="020F0502020204030204" pitchFamily="34" charset="0"/>
+                <a:ea typeface="Calibri" panose="020F0502020204030204" pitchFamily="34" charset="0"/>
+                <a:cs typeface="Arial" panose="020B0604020202020204" pitchFamily="34" charset="0"/>
+              </a:rPr>
+              <a:t>}</a:t>
+            </a:r>
+            <a:br>
+              <a:rPr lang="en-US" sz="1600" dirty="0">
+                <a:solidFill>
+                  <a:srgbClr val="000000"/>
+                </a:solidFill>
+                <a:latin typeface="Calibri" panose="020F0502020204030204" pitchFamily="34" charset="0"/>
+                <a:ea typeface="Calibri" panose="020F0502020204030204" pitchFamily="34" charset="0"/>
+                <a:cs typeface="Arial" panose="020B0604020202020204" pitchFamily="34" charset="0"/>
+              </a:rPr>
+            </a:br>
+            <a:br>
+              <a:rPr lang="en-US" sz="1600" dirty="0">
+                <a:solidFill>
+                  <a:srgbClr val="000000"/>
+                </a:solidFill>
+                <a:latin typeface="Calibri" panose="020F0502020204030204" pitchFamily="34" charset="0"/>
+                <a:ea typeface="Calibri" panose="020F0502020204030204" pitchFamily="34" charset="0"/>
+                <a:cs typeface="Arial" panose="020B0604020202020204" pitchFamily="34" charset="0"/>
+              </a:rPr>
+            </a:br>
+            <a:r>
+              <a:rPr lang="en-US" sz="1600" b="1" dirty="0">
+                <a:solidFill>
+                  <a:srgbClr val="000080"/>
+                </a:solidFill>
+                <a:latin typeface="Calibri" panose="020F0502020204030204" pitchFamily="34" charset="0"/>
+                <a:ea typeface="Calibri" panose="020F0502020204030204" pitchFamily="34" charset="0"/>
+                <a:cs typeface="Arial" panose="020B0604020202020204" pitchFamily="34" charset="0"/>
+              </a:rPr>
+              <a:t>interface </a:t>
+            </a:r>
+            <a:r>
+              <a:rPr lang="en-US" sz="1600" dirty="0">
+                <a:solidFill>
+                  <a:srgbClr val="000000"/>
+                </a:solidFill>
+                <a:latin typeface="Calibri" panose="020F0502020204030204" pitchFamily="34" charset="0"/>
+                <a:ea typeface="Calibri" panose="020F0502020204030204" pitchFamily="34" charset="0"/>
+                <a:cs typeface="Arial" panose="020B0604020202020204" pitchFamily="34" charset="0"/>
+              </a:rPr>
+              <a:t>A {</a:t>
+            </a:r>
+            <a:br>
+              <a:rPr lang="en-US" sz="1600" dirty="0">
+                <a:solidFill>
+                  <a:srgbClr val="000000"/>
+                </a:solidFill>
+                <a:latin typeface="Calibri" panose="020F0502020204030204" pitchFamily="34" charset="0"/>
+                <a:ea typeface="Calibri" panose="020F0502020204030204" pitchFamily="34" charset="0"/>
+                <a:cs typeface="Arial" panose="020B0604020202020204" pitchFamily="34" charset="0"/>
+              </a:rPr>
+            </a:br>
+            <a:r>
+              <a:rPr lang="en-US" sz="1600" dirty="0">
+                <a:solidFill>
+                  <a:srgbClr val="000000"/>
+                </a:solidFill>
+                <a:latin typeface="Calibri" panose="020F0502020204030204" pitchFamily="34" charset="0"/>
+                <a:ea typeface="Calibri" panose="020F0502020204030204" pitchFamily="34" charset="0"/>
+                <a:cs typeface="Arial" panose="020B0604020202020204" pitchFamily="34" charset="0"/>
+              </a:rPr>
+              <a:t>    </a:t>
+            </a:r>
+            <a:r>
+              <a:rPr lang="en-US" sz="1600" dirty="0" err="1">
+                <a:solidFill>
+                  <a:srgbClr val="7A7A43"/>
+                </a:solidFill>
+                <a:latin typeface="Calibri" panose="020F0502020204030204" pitchFamily="34" charset="0"/>
+                <a:ea typeface="Calibri" panose="020F0502020204030204" pitchFamily="34" charset="0"/>
+                <a:cs typeface="Arial" panose="020B0604020202020204" pitchFamily="34" charset="0"/>
+              </a:rPr>
+              <a:t>doSomething</a:t>
+            </a:r>
+            <a:r>
+              <a:rPr lang="en-US" sz="1600" dirty="0">
+                <a:solidFill>
+                  <a:srgbClr val="000000"/>
+                </a:solidFill>
+                <a:latin typeface="Calibri" panose="020F0502020204030204" pitchFamily="34" charset="0"/>
+                <a:ea typeface="Calibri" panose="020F0502020204030204" pitchFamily="34" charset="0"/>
+                <a:cs typeface="Arial" panose="020B0604020202020204" pitchFamily="34" charset="0"/>
+              </a:rPr>
+              <a:t>();</a:t>
+            </a:r>
+            <a:br>
+              <a:rPr lang="en-US" sz="1600" dirty="0">
+                <a:solidFill>
+                  <a:srgbClr val="000000"/>
+                </a:solidFill>
+                <a:latin typeface="Calibri" panose="020F0502020204030204" pitchFamily="34" charset="0"/>
+                <a:ea typeface="Calibri" panose="020F0502020204030204" pitchFamily="34" charset="0"/>
+                <a:cs typeface="Arial" panose="020B0604020202020204" pitchFamily="34" charset="0"/>
+              </a:rPr>
+            </a:br>
+            <a:r>
+              <a:rPr lang="en-US" sz="1600" dirty="0">
+                <a:solidFill>
+                  <a:srgbClr val="000000"/>
+                </a:solidFill>
+                <a:latin typeface="Calibri" panose="020F0502020204030204" pitchFamily="34" charset="0"/>
+                <a:ea typeface="Calibri" panose="020F0502020204030204" pitchFamily="34" charset="0"/>
+                <a:cs typeface="Arial" panose="020B0604020202020204" pitchFamily="34" charset="0"/>
+              </a:rPr>
+              <a:t>}</a:t>
+            </a:r>
+            <a:br>
+              <a:rPr lang="en-US" sz="1600" dirty="0">
+                <a:solidFill>
+                  <a:srgbClr val="000000"/>
+                </a:solidFill>
+                <a:latin typeface="Calibri" panose="020F0502020204030204" pitchFamily="34" charset="0"/>
+                <a:ea typeface="Calibri" panose="020F0502020204030204" pitchFamily="34" charset="0"/>
+                <a:cs typeface="Arial" panose="020B0604020202020204" pitchFamily="34" charset="0"/>
+              </a:rPr>
+            </a:br>
+            <a:br>
+              <a:rPr lang="en-US" sz="1600" dirty="0">
+                <a:solidFill>
+                  <a:srgbClr val="000000"/>
+                </a:solidFill>
+                <a:latin typeface="Calibri" panose="020F0502020204030204" pitchFamily="34" charset="0"/>
+                <a:ea typeface="Calibri" panose="020F0502020204030204" pitchFamily="34" charset="0"/>
+                <a:cs typeface="Arial" panose="020B0604020202020204" pitchFamily="34" charset="0"/>
+              </a:rPr>
+            </a:br>
+            <a:r>
+              <a:rPr lang="en-US" sz="1600" b="1" dirty="0">
+                <a:solidFill>
+                  <a:srgbClr val="000080"/>
+                </a:solidFill>
+                <a:latin typeface="Calibri" panose="020F0502020204030204" pitchFamily="34" charset="0"/>
+                <a:ea typeface="Calibri" panose="020F0502020204030204" pitchFamily="34" charset="0"/>
+                <a:cs typeface="Arial" panose="020B0604020202020204" pitchFamily="34" charset="0"/>
+              </a:rPr>
+              <a:t>function </a:t>
+            </a:r>
+            <a:r>
+              <a:rPr lang="en-US" sz="1600" i="1" dirty="0">
+                <a:solidFill>
+                  <a:srgbClr val="000000"/>
+                </a:solidFill>
+                <a:latin typeface="Calibri" panose="020F0502020204030204" pitchFamily="34" charset="0"/>
+                <a:ea typeface="Calibri" panose="020F0502020204030204" pitchFamily="34" charset="0"/>
+                <a:cs typeface="Arial" panose="020B0604020202020204" pitchFamily="34" charset="0"/>
+              </a:rPr>
+              <a:t>main</a:t>
+            </a:r>
+            <a:r>
+              <a:rPr lang="en-US" sz="1600" dirty="0">
+                <a:solidFill>
+                  <a:srgbClr val="000000"/>
+                </a:solidFill>
+                <a:latin typeface="Calibri" panose="020F0502020204030204" pitchFamily="34" charset="0"/>
+                <a:ea typeface="Calibri" panose="020F0502020204030204" pitchFamily="34" charset="0"/>
+                <a:cs typeface="Arial" panose="020B0604020202020204" pitchFamily="34" charset="0"/>
+              </a:rPr>
+              <a:t>() {</a:t>
+            </a:r>
+            <a:br>
+              <a:rPr lang="en-US" sz="1600" dirty="0">
+                <a:solidFill>
+                  <a:srgbClr val="000000"/>
+                </a:solidFill>
+                <a:latin typeface="Calibri" panose="020F0502020204030204" pitchFamily="34" charset="0"/>
+                <a:ea typeface="Calibri" panose="020F0502020204030204" pitchFamily="34" charset="0"/>
+                <a:cs typeface="Arial" panose="020B0604020202020204" pitchFamily="34" charset="0"/>
+              </a:rPr>
+            </a:br>
+            <a:r>
+              <a:rPr lang="en-US" sz="1600" dirty="0">
+                <a:solidFill>
+                  <a:srgbClr val="000000"/>
+                </a:solidFill>
+                <a:latin typeface="Calibri" panose="020F0502020204030204" pitchFamily="34" charset="0"/>
+                <a:ea typeface="Calibri" panose="020F0502020204030204" pitchFamily="34" charset="0"/>
+                <a:cs typeface="Arial" panose="020B0604020202020204" pitchFamily="34" charset="0"/>
+              </a:rPr>
+              <a:t>    </a:t>
+            </a:r>
+            <a:r>
+              <a:rPr lang="en-US" sz="1600" b="1" dirty="0" err="1">
+                <a:solidFill>
+                  <a:srgbClr val="000080"/>
+                </a:solidFill>
+                <a:latin typeface="Calibri" panose="020F0502020204030204" pitchFamily="34" charset="0"/>
+                <a:ea typeface="Calibri" panose="020F0502020204030204" pitchFamily="34" charset="0"/>
+                <a:cs typeface="Arial" panose="020B0604020202020204" pitchFamily="34" charset="0"/>
+              </a:rPr>
+              <a:t>const</a:t>
+            </a:r>
+            <a:r>
+              <a:rPr lang="en-US" sz="1600" b="1" dirty="0">
+                <a:solidFill>
+                  <a:srgbClr val="000080"/>
+                </a:solidFill>
+                <a:latin typeface="Calibri" panose="020F0502020204030204" pitchFamily="34" charset="0"/>
+                <a:ea typeface="Calibri" panose="020F0502020204030204" pitchFamily="34" charset="0"/>
+                <a:cs typeface="Arial" panose="020B0604020202020204" pitchFamily="34" charset="0"/>
+              </a:rPr>
+              <a:t> </a:t>
+            </a:r>
+            <a:r>
+              <a:rPr lang="en-US" sz="1600" dirty="0">
+                <a:solidFill>
+                  <a:srgbClr val="458383"/>
+                </a:solidFill>
+                <a:latin typeface="Calibri" panose="020F0502020204030204" pitchFamily="34" charset="0"/>
+                <a:ea typeface="Calibri" panose="020F0502020204030204" pitchFamily="34" charset="0"/>
+                <a:cs typeface="Arial" panose="020B0604020202020204" pitchFamily="34" charset="0"/>
+              </a:rPr>
+              <a:t>a </a:t>
+            </a:r>
+            <a:r>
+              <a:rPr lang="en-US" sz="1600" dirty="0">
+                <a:solidFill>
+                  <a:srgbClr val="000000"/>
+                </a:solidFill>
+                <a:latin typeface="Calibri" panose="020F0502020204030204" pitchFamily="34" charset="0"/>
+                <a:ea typeface="Calibri" panose="020F0502020204030204" pitchFamily="34" charset="0"/>
+                <a:cs typeface="Arial" panose="020B0604020202020204" pitchFamily="34" charset="0"/>
+              </a:rPr>
+              <a:t>= </a:t>
+            </a:r>
+            <a:r>
+              <a:rPr lang="en-US" sz="1600" b="1" dirty="0">
+                <a:solidFill>
+                  <a:srgbClr val="000080"/>
+                </a:solidFill>
+                <a:latin typeface="Calibri" panose="020F0502020204030204" pitchFamily="34" charset="0"/>
+                <a:ea typeface="Calibri" panose="020F0502020204030204" pitchFamily="34" charset="0"/>
+                <a:cs typeface="Arial" panose="020B0604020202020204" pitchFamily="34" charset="0"/>
+              </a:rPr>
+              <a:t>new </a:t>
+            </a:r>
+            <a:r>
+              <a:rPr lang="en-US" sz="1600" dirty="0">
+                <a:solidFill>
+                  <a:srgbClr val="000000"/>
+                </a:solidFill>
+                <a:latin typeface="Calibri" panose="020F0502020204030204" pitchFamily="34" charset="0"/>
+                <a:ea typeface="Calibri" panose="020F0502020204030204" pitchFamily="34" charset="0"/>
+                <a:cs typeface="Arial" panose="020B0604020202020204" pitchFamily="34" charset="0"/>
+              </a:rPr>
+              <a:t>A();</a:t>
+            </a:r>
+            <a:br>
+              <a:rPr lang="en-US" sz="1600" dirty="0">
+                <a:solidFill>
+                  <a:srgbClr val="000000"/>
+                </a:solidFill>
+                <a:latin typeface="Calibri" panose="020F0502020204030204" pitchFamily="34" charset="0"/>
+                <a:ea typeface="Calibri" panose="020F0502020204030204" pitchFamily="34" charset="0"/>
+                <a:cs typeface="Arial" panose="020B0604020202020204" pitchFamily="34" charset="0"/>
+              </a:rPr>
+            </a:br>
+            <a:br>
+              <a:rPr lang="en-US" sz="1600" dirty="0">
+                <a:solidFill>
+                  <a:srgbClr val="000000"/>
+                </a:solidFill>
+                <a:latin typeface="Calibri" panose="020F0502020204030204" pitchFamily="34" charset="0"/>
+                <a:ea typeface="Calibri" panose="020F0502020204030204" pitchFamily="34" charset="0"/>
+                <a:cs typeface="Arial" panose="020B0604020202020204" pitchFamily="34" charset="0"/>
+              </a:rPr>
+            </a:br>
+            <a:r>
+              <a:rPr lang="en-US" sz="1600" dirty="0">
+                <a:solidFill>
+                  <a:srgbClr val="000000"/>
+                </a:solidFill>
+                <a:latin typeface="Calibri" panose="020F0502020204030204" pitchFamily="34" charset="0"/>
+                <a:ea typeface="Calibri" panose="020F0502020204030204" pitchFamily="34" charset="0"/>
+                <a:cs typeface="Arial" panose="020B0604020202020204" pitchFamily="34" charset="0"/>
+              </a:rPr>
+              <a:t>    </a:t>
+            </a:r>
+            <a:r>
+              <a:rPr lang="en-US" sz="1600" dirty="0" err="1">
+                <a:solidFill>
+                  <a:srgbClr val="458383"/>
+                </a:solidFill>
+                <a:latin typeface="Calibri" panose="020F0502020204030204" pitchFamily="34" charset="0"/>
+                <a:ea typeface="Calibri" panose="020F0502020204030204" pitchFamily="34" charset="0"/>
+                <a:cs typeface="Arial" panose="020B0604020202020204" pitchFamily="34" charset="0"/>
+              </a:rPr>
+              <a:t>a</a:t>
+            </a:r>
+            <a:r>
+              <a:rPr lang="en-US" sz="1600" dirty="0" err="1">
+                <a:solidFill>
+                  <a:srgbClr val="000000"/>
+                </a:solidFill>
+                <a:latin typeface="Calibri" panose="020F0502020204030204" pitchFamily="34" charset="0"/>
+                <a:ea typeface="Calibri" panose="020F0502020204030204" pitchFamily="34" charset="0"/>
+                <a:cs typeface="Arial" panose="020B0604020202020204" pitchFamily="34" charset="0"/>
+              </a:rPr>
+              <a:t>.</a:t>
+            </a:r>
+            <a:r>
+              <a:rPr lang="en-US" sz="1600" dirty="0" err="1">
+                <a:solidFill>
+                  <a:srgbClr val="7A7A43"/>
+                </a:solidFill>
+                <a:latin typeface="Calibri" panose="020F0502020204030204" pitchFamily="34" charset="0"/>
+                <a:ea typeface="Calibri" panose="020F0502020204030204" pitchFamily="34" charset="0"/>
+                <a:cs typeface="Arial" panose="020B0604020202020204" pitchFamily="34" charset="0"/>
+              </a:rPr>
+              <a:t>doSomething</a:t>
+            </a:r>
+            <a:r>
+              <a:rPr lang="en-US" sz="1600" dirty="0">
+                <a:solidFill>
+                  <a:srgbClr val="000000"/>
+                </a:solidFill>
+                <a:latin typeface="Calibri" panose="020F0502020204030204" pitchFamily="34" charset="0"/>
+                <a:ea typeface="Calibri" panose="020F0502020204030204" pitchFamily="34" charset="0"/>
+                <a:cs typeface="Arial" panose="020B0604020202020204" pitchFamily="34" charset="0"/>
+              </a:rPr>
+              <a:t>();</a:t>
+            </a:r>
+            <a:br>
+              <a:rPr lang="en-US" sz="1600" dirty="0">
+                <a:solidFill>
+                  <a:srgbClr val="000000"/>
+                </a:solidFill>
+                <a:latin typeface="Calibri" panose="020F0502020204030204" pitchFamily="34" charset="0"/>
+                <a:ea typeface="Calibri" panose="020F0502020204030204" pitchFamily="34" charset="0"/>
+                <a:cs typeface="Arial" panose="020B0604020202020204" pitchFamily="34" charset="0"/>
+              </a:rPr>
+            </a:br>
+            <a:r>
+              <a:rPr lang="en-US" sz="1600" dirty="0">
+                <a:solidFill>
+                  <a:srgbClr val="000000"/>
+                </a:solidFill>
+                <a:latin typeface="Calibri" panose="020F0502020204030204" pitchFamily="34" charset="0"/>
+                <a:ea typeface="Calibri" panose="020F0502020204030204" pitchFamily="34" charset="0"/>
+                <a:cs typeface="Arial" panose="020B0604020202020204" pitchFamily="34" charset="0"/>
+              </a:rPr>
+              <a:t>}</a:t>
+            </a:r>
+            <a:br>
+              <a:rPr lang="en-US" sz="1600" dirty="0">
+                <a:solidFill>
+                  <a:srgbClr val="000000"/>
+                </a:solidFill>
+                <a:latin typeface="Calibri" panose="020F0502020204030204" pitchFamily="34" charset="0"/>
+                <a:ea typeface="Calibri" panose="020F0502020204030204" pitchFamily="34" charset="0"/>
+                <a:cs typeface="Arial" panose="020B0604020202020204" pitchFamily="34" charset="0"/>
+              </a:rPr>
+            </a:br>
+            <a:br>
+              <a:rPr lang="en-US" sz="1600" dirty="0">
+                <a:solidFill>
+                  <a:srgbClr val="000000"/>
+                </a:solidFill>
+                <a:latin typeface="Calibri" panose="020F0502020204030204" pitchFamily="34" charset="0"/>
+                <a:ea typeface="Calibri" panose="020F0502020204030204" pitchFamily="34" charset="0"/>
+                <a:cs typeface="Arial" panose="020B0604020202020204" pitchFamily="34" charset="0"/>
+              </a:rPr>
+            </a:br>
+            <a:r>
+              <a:rPr lang="en-US" sz="1600" i="1" dirty="0">
+                <a:solidFill>
+                  <a:srgbClr val="000000"/>
+                </a:solidFill>
+                <a:latin typeface="Calibri" panose="020F0502020204030204" pitchFamily="34" charset="0"/>
+                <a:ea typeface="Calibri" panose="020F0502020204030204" pitchFamily="34" charset="0"/>
+                <a:cs typeface="Arial" panose="020B0604020202020204" pitchFamily="34" charset="0"/>
+              </a:rPr>
+              <a:t>main</a:t>
+            </a:r>
+            <a:r>
+              <a:rPr lang="en-US" sz="1600" dirty="0">
+                <a:solidFill>
+                  <a:srgbClr val="000000"/>
+                </a:solidFill>
+                <a:latin typeface="Calibri" panose="020F0502020204030204" pitchFamily="34" charset="0"/>
+                <a:ea typeface="Calibri" panose="020F0502020204030204" pitchFamily="34" charset="0"/>
+                <a:cs typeface="Arial" panose="020B0604020202020204" pitchFamily="34" charset="0"/>
+              </a:rPr>
+              <a:t>();</a:t>
+            </a:r>
+            <a:endParaRPr lang="he-IL" sz="1600" dirty="0"/>
+          </a:p>
+        </p:txBody>
+      </p:sp>
+    </p:spTree>
+    <p:extLst>
+      <p:ext uri="{BB962C8B-B14F-4D97-AF65-F5344CB8AC3E}">
+        <p14:creationId xmlns:p14="http://schemas.microsoft.com/office/powerpoint/2010/main" val="3579886357"/>
+      </p:ext>
+    </p:extLst>
+  </p:cSld>
+  <p:clrMapOvr>
+    <a:masterClrMapping/>
+  </p:clrMapOvr>
+</p:sld>
+</file>
+
+<file path=ppt/slides/slide25.xml><?xml version="1.0" encoding="utf-8"?>
+<p:sld xmlns:a="http://schemas.openxmlformats.org/drawingml/2006/main" xmlns:r="http://schemas.openxmlformats.org/officeDocument/2006/relationships" xmlns:p="http://schemas.openxmlformats.org/presentationml/2006/main">
+  <p:cSld>
+    <p:spTree>
+      <p:nvGrpSpPr>
+        <p:cNvPr id="1" name=""/>
+        <p:cNvGrpSpPr/>
+        <p:nvPr/>
+      </p:nvGrpSpPr>
+      <p:grpSpPr>
+        <a:xfrm>
+          <a:off x="0" y="0"/>
+          <a:ext cx="0" cy="0"/>
+          <a:chOff x="0" y="0"/>
+          <a:chExt cx="0" cy="0"/>
+        </a:xfrm>
+      </p:grpSpPr>
+      <p:sp>
+        <p:nvSpPr>
+          <p:cNvPr id="2" name="Title 1">
+            <a:extLst>
+              <a:ext uri="{FF2B5EF4-FFF2-40B4-BE49-F238E27FC236}">
+                <a16:creationId xmlns:a16="http://schemas.microsoft.com/office/drawing/2014/main" id="{D1BCB311-AABD-410F-AAC3-77B25FAFA214}"/>
+              </a:ext>
+            </a:extLst>
+          </p:cNvPr>
+          <p:cNvSpPr>
+            <a:spLocks noGrp="1"/>
+          </p:cNvSpPr>
+          <p:nvPr>
+            <p:ph type="title"/>
+          </p:nvPr>
+        </p:nvSpPr>
+        <p:spPr/>
+        <p:txBody>
+          <a:bodyPr/>
+          <a:lstStyle/>
+          <a:p>
+            <a:r>
+              <a:rPr lang="en-US" dirty="0"/>
+              <a:t>Module Augmentation</a:t>
+            </a:r>
+            <a:endParaRPr lang="he-IL" dirty="0"/>
+          </a:p>
+        </p:txBody>
+      </p:sp>
+      <p:sp>
+        <p:nvSpPr>
+          <p:cNvPr id="3" name="Footer Placeholder 2">
+            <a:extLst>
+              <a:ext uri="{FF2B5EF4-FFF2-40B4-BE49-F238E27FC236}">
+                <a16:creationId xmlns:a16="http://schemas.microsoft.com/office/drawing/2014/main" id="{F7C455A5-B6D0-4119-AF32-24D4206C3843}"/>
+              </a:ext>
+            </a:extLst>
+          </p:cNvPr>
+          <p:cNvSpPr>
+            <a:spLocks noGrp="1"/>
+          </p:cNvSpPr>
+          <p:nvPr>
+            <p:ph type="ftr" sz="quarter" idx="11"/>
+          </p:nvPr>
+        </p:nvSpPr>
+        <p:spPr/>
+        <p:txBody>
+          <a:bodyPr/>
+          <a:lstStyle/>
+          <a:p>
+            <a:r>
+              <a:rPr lang="en-US"/>
+              <a:t>© 2017 Ori Calvo</a:t>
+            </a:r>
+            <a:endParaRPr lang="en-US" dirty="0"/>
+          </a:p>
+        </p:txBody>
+      </p:sp>
+      <p:sp>
+        <p:nvSpPr>
+          <p:cNvPr id="4" name="Slide Number Placeholder 3">
+            <a:extLst>
+              <a:ext uri="{FF2B5EF4-FFF2-40B4-BE49-F238E27FC236}">
+                <a16:creationId xmlns:a16="http://schemas.microsoft.com/office/drawing/2014/main" id="{06229209-B841-453C-A5EE-ABB06B71FBDA}"/>
+              </a:ext>
+            </a:extLst>
+          </p:cNvPr>
+          <p:cNvSpPr>
+            <a:spLocks noGrp="1"/>
+          </p:cNvSpPr>
+          <p:nvPr>
+            <p:ph type="sldNum" sz="quarter" idx="12"/>
+          </p:nvPr>
+        </p:nvSpPr>
+        <p:spPr/>
+        <p:txBody>
+          <a:bodyPr>
+            <a:normAutofit fontScale="85000" lnSpcReduction="20000"/>
+          </a:bodyPr>
+          <a:lstStyle/>
+          <a:p>
+            <a:fld id="{6EDEC3BC-0694-4586-AE63-02B4D54ABF43}" type="slidenum">
+              <a:rPr lang="en-US" smtClean="0"/>
+              <a:pPr/>
+              <a:t>25</a:t>
+            </a:fld>
+            <a:endParaRPr lang="en-US"/>
+          </a:p>
+        </p:txBody>
+      </p:sp>
+      <p:sp>
+        <p:nvSpPr>
+          <p:cNvPr id="5" name="Content Placeholder 4">
+            <a:extLst>
+              <a:ext uri="{FF2B5EF4-FFF2-40B4-BE49-F238E27FC236}">
+                <a16:creationId xmlns:a16="http://schemas.microsoft.com/office/drawing/2014/main" id="{B6B3B531-7CC3-488A-A9C0-00852375E974}"/>
+              </a:ext>
+            </a:extLst>
+          </p:cNvPr>
+          <p:cNvSpPr>
+            <a:spLocks noGrp="1"/>
+          </p:cNvSpPr>
+          <p:nvPr>
+            <p:ph sz="quarter" idx="1"/>
+          </p:nvPr>
+        </p:nvSpPr>
+        <p:spPr/>
+        <p:txBody>
+          <a:bodyPr/>
+          <a:lstStyle/>
+          <a:p>
+            <a:r>
+              <a:rPr lang="en-US" dirty="0"/>
+              <a:t>Extend a class exported from a module</a:t>
+            </a:r>
+            <a:endParaRPr lang="he-IL" dirty="0"/>
+          </a:p>
+        </p:txBody>
+      </p:sp>
+      <p:sp>
+        <p:nvSpPr>
+          <p:cNvPr id="6" name="Rectangle 5">
+            <a:extLst>
+              <a:ext uri="{FF2B5EF4-FFF2-40B4-BE49-F238E27FC236}">
+                <a16:creationId xmlns:a16="http://schemas.microsoft.com/office/drawing/2014/main" id="{4A3FB35A-E8AF-4BB4-9116-2A321F74BD8F}"/>
+              </a:ext>
+            </a:extLst>
+          </p:cNvPr>
+          <p:cNvSpPr/>
+          <p:nvPr/>
+        </p:nvSpPr>
+        <p:spPr>
+          <a:xfrm>
+            <a:off x="1547664" y="2492896"/>
+            <a:ext cx="2069976" cy="1200329"/>
+          </a:xfrm>
+          <a:prstGeom prst="rect">
+            <a:avLst/>
+          </a:prstGeom>
+          <a:solidFill>
+            <a:schemeClr val="accent1">
+              <a:lumMod val="40000"/>
+              <a:lumOff val="60000"/>
+            </a:schemeClr>
+          </a:solidFill>
+        </p:spPr>
+        <p:txBody>
+          <a:bodyPr wrap="square">
+            <a:spAutoFit/>
+          </a:bodyPr>
+          <a:lstStyle/>
+          <a:p>
+            <a:r>
+              <a:rPr lang="en-US" b="1" dirty="0">
+                <a:solidFill>
+                  <a:srgbClr val="000080"/>
+                </a:solidFill>
+                <a:latin typeface="Calibri" panose="020F0502020204030204" pitchFamily="34" charset="0"/>
+                <a:ea typeface="Calibri" panose="020F0502020204030204" pitchFamily="34" charset="0"/>
+                <a:cs typeface="Arial" panose="020B0604020202020204" pitchFamily="34" charset="0"/>
+              </a:rPr>
+              <a:t>export class </a:t>
+            </a:r>
+            <a:r>
+              <a:rPr lang="en-US" dirty="0">
+                <a:solidFill>
+                  <a:srgbClr val="000000"/>
+                </a:solidFill>
+                <a:latin typeface="Calibri" panose="020F0502020204030204" pitchFamily="34" charset="0"/>
+                <a:ea typeface="Calibri" panose="020F0502020204030204" pitchFamily="34" charset="0"/>
+                <a:cs typeface="Arial" panose="020B0604020202020204" pitchFamily="34" charset="0"/>
+              </a:rPr>
+              <a:t>A {</a:t>
+            </a:r>
+            <a:br>
+              <a:rPr lang="en-US" dirty="0">
+                <a:solidFill>
+                  <a:srgbClr val="000000"/>
+                </a:solidFill>
+                <a:latin typeface="Calibri" panose="020F0502020204030204" pitchFamily="34" charset="0"/>
+                <a:ea typeface="Calibri" panose="020F0502020204030204" pitchFamily="34" charset="0"/>
+                <a:cs typeface="Arial" panose="020B0604020202020204" pitchFamily="34" charset="0"/>
+              </a:rPr>
+            </a:br>
+            <a:r>
+              <a:rPr lang="en-US" dirty="0">
+                <a:solidFill>
+                  <a:srgbClr val="000000"/>
+                </a:solidFill>
+                <a:latin typeface="Calibri" panose="020F0502020204030204" pitchFamily="34" charset="0"/>
+                <a:ea typeface="Calibri" panose="020F0502020204030204" pitchFamily="34" charset="0"/>
+                <a:cs typeface="Arial" panose="020B0604020202020204" pitchFamily="34" charset="0"/>
+              </a:rPr>
+              <a:t>    </a:t>
+            </a:r>
+            <a:r>
+              <a:rPr lang="en-US" dirty="0">
+                <a:solidFill>
+                  <a:srgbClr val="7A7A43"/>
+                </a:solidFill>
+                <a:latin typeface="Calibri" panose="020F0502020204030204" pitchFamily="34" charset="0"/>
+                <a:ea typeface="Calibri" panose="020F0502020204030204" pitchFamily="34" charset="0"/>
+                <a:cs typeface="Arial" panose="020B0604020202020204" pitchFamily="34" charset="0"/>
+              </a:rPr>
+              <a:t>run</a:t>
+            </a:r>
+            <a:r>
+              <a:rPr lang="en-US" dirty="0">
+                <a:solidFill>
+                  <a:srgbClr val="000000"/>
+                </a:solidFill>
+                <a:latin typeface="Calibri" panose="020F0502020204030204" pitchFamily="34" charset="0"/>
+                <a:ea typeface="Calibri" panose="020F0502020204030204" pitchFamily="34" charset="0"/>
+                <a:cs typeface="Arial" panose="020B0604020202020204" pitchFamily="34" charset="0"/>
+              </a:rPr>
+              <a:t>() {</a:t>
+            </a:r>
+            <a:br>
+              <a:rPr lang="en-US" dirty="0">
+                <a:solidFill>
+                  <a:srgbClr val="000000"/>
+                </a:solidFill>
+                <a:latin typeface="Calibri" panose="020F0502020204030204" pitchFamily="34" charset="0"/>
+                <a:ea typeface="Calibri" panose="020F0502020204030204" pitchFamily="34" charset="0"/>
+                <a:cs typeface="Arial" panose="020B0604020202020204" pitchFamily="34" charset="0"/>
+              </a:rPr>
+            </a:br>
+            <a:r>
+              <a:rPr lang="en-US" dirty="0">
+                <a:solidFill>
+                  <a:srgbClr val="000000"/>
+                </a:solidFill>
+                <a:latin typeface="Calibri" panose="020F0502020204030204" pitchFamily="34" charset="0"/>
+                <a:ea typeface="Calibri" panose="020F0502020204030204" pitchFamily="34" charset="0"/>
+                <a:cs typeface="Arial" panose="020B0604020202020204" pitchFamily="34" charset="0"/>
+              </a:rPr>
+              <a:t>    }</a:t>
+            </a:r>
+            <a:br>
+              <a:rPr lang="en-US" dirty="0">
+                <a:solidFill>
+                  <a:srgbClr val="000000"/>
+                </a:solidFill>
+                <a:latin typeface="Calibri" panose="020F0502020204030204" pitchFamily="34" charset="0"/>
+                <a:ea typeface="Calibri" panose="020F0502020204030204" pitchFamily="34" charset="0"/>
+                <a:cs typeface="Arial" panose="020B0604020202020204" pitchFamily="34" charset="0"/>
+              </a:rPr>
+            </a:br>
+            <a:r>
+              <a:rPr lang="en-US" dirty="0">
+                <a:solidFill>
+                  <a:srgbClr val="000000"/>
+                </a:solidFill>
+                <a:latin typeface="Calibri" panose="020F0502020204030204" pitchFamily="34" charset="0"/>
+                <a:ea typeface="Calibri" panose="020F0502020204030204" pitchFamily="34" charset="0"/>
+                <a:cs typeface="Arial" panose="020B0604020202020204" pitchFamily="34" charset="0"/>
+              </a:rPr>
+              <a:t>}</a:t>
+            </a:r>
+            <a:endParaRPr lang="he-IL" dirty="0"/>
+          </a:p>
+        </p:txBody>
+      </p:sp>
+      <p:sp>
+        <p:nvSpPr>
+          <p:cNvPr id="7" name="Rectangle: Rounded Corners 6">
+            <a:extLst>
+              <a:ext uri="{FF2B5EF4-FFF2-40B4-BE49-F238E27FC236}">
+                <a16:creationId xmlns:a16="http://schemas.microsoft.com/office/drawing/2014/main" id="{2250DF67-A4E1-4B08-AE6F-6B6B79B3EEFF}"/>
+              </a:ext>
+            </a:extLst>
+          </p:cNvPr>
+          <p:cNvSpPr/>
+          <p:nvPr/>
+        </p:nvSpPr>
+        <p:spPr>
+          <a:xfrm>
+            <a:off x="5364088" y="2564904"/>
+            <a:ext cx="942256" cy="432048"/>
+          </a:xfrm>
+          <a:prstGeom prst="roundRect">
+            <a:avLst/>
+          </a:prstGeom>
+        </p:spPr>
+        <p:style>
+          <a:lnRef idx="2">
+            <a:schemeClr val="accent2">
+              <a:shade val="50000"/>
+            </a:schemeClr>
+          </a:lnRef>
+          <a:fillRef idx="1">
+            <a:schemeClr val="accent2"/>
+          </a:fillRef>
+          <a:effectRef idx="0">
+            <a:schemeClr val="accent2"/>
+          </a:effectRef>
+          <a:fontRef idx="minor">
+            <a:schemeClr val="lt1"/>
+          </a:fontRef>
+        </p:style>
+        <p:txBody>
+          <a:bodyPr rtlCol="1" anchor="ctr"/>
+          <a:lstStyle/>
+          <a:p>
+            <a:pPr algn="ctr"/>
+            <a:r>
+              <a:rPr lang="en-US" sz="1400" dirty="0"/>
+              <a:t>module1</a:t>
+            </a:r>
+            <a:endParaRPr lang="he-IL" sz="1400" dirty="0"/>
+          </a:p>
+        </p:txBody>
+      </p:sp>
+      <p:cxnSp>
+        <p:nvCxnSpPr>
+          <p:cNvPr id="8" name="Straight Arrow Connector 7">
+            <a:extLst>
+              <a:ext uri="{FF2B5EF4-FFF2-40B4-BE49-F238E27FC236}">
+                <a16:creationId xmlns:a16="http://schemas.microsoft.com/office/drawing/2014/main" id="{EA0BBC39-E466-449E-BDED-C727601AEC10}"/>
+              </a:ext>
+            </a:extLst>
+          </p:cNvPr>
+          <p:cNvCxnSpPr>
+            <a:cxnSpLocks/>
+            <a:stCxn id="7" idx="1"/>
+          </p:cNvCxnSpPr>
+          <p:nvPr/>
+        </p:nvCxnSpPr>
+        <p:spPr>
+          <a:xfrm flipH="1">
+            <a:off x="3662772" y="2780928"/>
+            <a:ext cx="1701316" cy="21863"/>
+          </a:xfrm>
+          <a:prstGeom prst="straightConnector1">
+            <a:avLst/>
+          </a:prstGeom>
+          <a:ln w="28575">
+            <a:tailEnd type="triangle"/>
+          </a:ln>
+        </p:spPr>
+        <p:style>
+          <a:lnRef idx="1">
+            <a:schemeClr val="accent2"/>
+          </a:lnRef>
+          <a:fillRef idx="0">
+            <a:schemeClr val="accent2"/>
+          </a:fillRef>
+          <a:effectRef idx="0">
+            <a:schemeClr val="accent2"/>
+          </a:effectRef>
+          <a:fontRef idx="minor">
+            <a:schemeClr val="tx1"/>
+          </a:fontRef>
+        </p:style>
+      </p:cxnSp>
+      <p:sp>
+        <p:nvSpPr>
+          <p:cNvPr id="12" name="Rectangle 11">
+            <a:extLst>
+              <a:ext uri="{FF2B5EF4-FFF2-40B4-BE49-F238E27FC236}">
+                <a16:creationId xmlns:a16="http://schemas.microsoft.com/office/drawing/2014/main" id="{AE9E0140-D151-44B5-839C-22CD4A403C2F}"/>
+              </a:ext>
+            </a:extLst>
+          </p:cNvPr>
+          <p:cNvSpPr/>
+          <p:nvPr/>
+        </p:nvSpPr>
+        <p:spPr>
+          <a:xfrm>
+            <a:off x="3013612" y="3248008"/>
+            <a:ext cx="3078088" cy="3293209"/>
+          </a:xfrm>
+          <a:prstGeom prst="rect">
+            <a:avLst/>
+          </a:prstGeom>
+          <a:solidFill>
+            <a:schemeClr val="accent1">
+              <a:lumMod val="40000"/>
+              <a:lumOff val="60000"/>
+            </a:schemeClr>
+          </a:solidFill>
+          <a:effectLst>
+            <a:outerShdw blurRad="63500" sx="102000" sy="102000" algn="ctr" rotWithShape="0">
+              <a:prstClr val="black">
+                <a:alpha val="40000"/>
+              </a:prstClr>
+            </a:outerShdw>
+          </a:effectLst>
+        </p:spPr>
+        <p:txBody>
+          <a:bodyPr wrap="square">
+            <a:spAutoFit/>
+          </a:bodyPr>
+          <a:lstStyle/>
+          <a:p>
+            <a:r>
+              <a:rPr lang="en-US" sz="1600" b="1" dirty="0">
+                <a:solidFill>
+                  <a:srgbClr val="000080"/>
+                </a:solidFill>
+                <a:latin typeface="Calibri" panose="020F0502020204030204" pitchFamily="34" charset="0"/>
+                <a:ea typeface="Calibri" panose="020F0502020204030204" pitchFamily="34" charset="0"/>
+                <a:cs typeface="Arial" panose="020B0604020202020204" pitchFamily="34" charset="0"/>
+              </a:rPr>
+              <a:t>import </a:t>
+            </a:r>
+            <a:r>
+              <a:rPr lang="en-US" sz="1600" dirty="0">
+                <a:solidFill>
+                  <a:srgbClr val="000000"/>
+                </a:solidFill>
+                <a:latin typeface="Calibri" panose="020F0502020204030204" pitchFamily="34" charset="0"/>
+                <a:ea typeface="Calibri" panose="020F0502020204030204" pitchFamily="34" charset="0"/>
+                <a:cs typeface="Arial" panose="020B0604020202020204" pitchFamily="34" charset="0"/>
+              </a:rPr>
+              <a:t>{A} </a:t>
+            </a:r>
+            <a:r>
+              <a:rPr lang="en-US" sz="1600" b="1" dirty="0">
+                <a:solidFill>
+                  <a:srgbClr val="000080"/>
+                </a:solidFill>
+                <a:latin typeface="Calibri" panose="020F0502020204030204" pitchFamily="34" charset="0"/>
+                <a:ea typeface="Calibri" panose="020F0502020204030204" pitchFamily="34" charset="0"/>
+                <a:cs typeface="Arial" panose="020B0604020202020204" pitchFamily="34" charset="0"/>
+              </a:rPr>
+              <a:t>from </a:t>
+            </a:r>
+            <a:r>
+              <a:rPr lang="en-US" sz="1600" b="1" dirty="0">
+                <a:solidFill>
+                  <a:srgbClr val="008000"/>
+                </a:solidFill>
+                <a:latin typeface="Calibri" panose="020F0502020204030204" pitchFamily="34" charset="0"/>
+                <a:ea typeface="Calibri" panose="020F0502020204030204" pitchFamily="34" charset="0"/>
+                <a:cs typeface="Arial" panose="020B0604020202020204" pitchFamily="34" charset="0"/>
+              </a:rPr>
+              <a:t>"./module1"</a:t>
+            </a:r>
+            <a:r>
+              <a:rPr lang="en-US" sz="1600" dirty="0">
+                <a:solidFill>
+                  <a:srgbClr val="000000"/>
+                </a:solidFill>
+                <a:latin typeface="Calibri" panose="020F0502020204030204" pitchFamily="34" charset="0"/>
+                <a:ea typeface="Calibri" panose="020F0502020204030204" pitchFamily="34" charset="0"/>
+                <a:cs typeface="Arial" panose="020B0604020202020204" pitchFamily="34" charset="0"/>
+              </a:rPr>
+              <a:t>;</a:t>
+            </a:r>
+            <a:br>
+              <a:rPr lang="en-US" sz="1600" dirty="0">
+                <a:solidFill>
+                  <a:srgbClr val="000000"/>
+                </a:solidFill>
+                <a:latin typeface="Calibri" panose="020F0502020204030204" pitchFamily="34" charset="0"/>
+                <a:ea typeface="Calibri" panose="020F0502020204030204" pitchFamily="34" charset="0"/>
+                <a:cs typeface="Arial" panose="020B0604020202020204" pitchFamily="34" charset="0"/>
+              </a:rPr>
+            </a:br>
+            <a:br>
+              <a:rPr lang="en-US" sz="1600" dirty="0">
+                <a:solidFill>
+                  <a:srgbClr val="000000"/>
+                </a:solidFill>
+                <a:latin typeface="Calibri" panose="020F0502020204030204" pitchFamily="34" charset="0"/>
+                <a:ea typeface="Calibri" panose="020F0502020204030204" pitchFamily="34" charset="0"/>
+                <a:cs typeface="Arial" panose="020B0604020202020204" pitchFamily="34" charset="0"/>
+              </a:rPr>
+            </a:br>
+            <a:r>
+              <a:rPr lang="en-US" sz="1600" b="1" dirty="0">
+                <a:solidFill>
+                  <a:srgbClr val="000080"/>
+                </a:solidFill>
+                <a:latin typeface="Calibri" panose="020F0502020204030204" pitchFamily="34" charset="0"/>
+                <a:ea typeface="Calibri" panose="020F0502020204030204" pitchFamily="34" charset="0"/>
+                <a:cs typeface="Arial" panose="020B0604020202020204" pitchFamily="34" charset="0"/>
+              </a:rPr>
+              <a:t>declare module </a:t>
+            </a:r>
+            <a:r>
+              <a:rPr lang="en-US" sz="1600" b="1" dirty="0">
+                <a:solidFill>
+                  <a:srgbClr val="008000"/>
+                </a:solidFill>
+                <a:latin typeface="Calibri" panose="020F0502020204030204" pitchFamily="34" charset="0"/>
+                <a:ea typeface="Calibri" panose="020F0502020204030204" pitchFamily="34" charset="0"/>
+                <a:cs typeface="Arial" panose="020B0604020202020204" pitchFamily="34" charset="0"/>
+              </a:rPr>
+              <a:t>"./module1" </a:t>
+            </a:r>
+            <a:r>
+              <a:rPr lang="en-US" sz="1600" dirty="0">
+                <a:solidFill>
+                  <a:srgbClr val="000000"/>
+                </a:solidFill>
+                <a:latin typeface="Calibri" panose="020F0502020204030204" pitchFamily="34" charset="0"/>
+                <a:ea typeface="Calibri" panose="020F0502020204030204" pitchFamily="34" charset="0"/>
+                <a:cs typeface="Arial" panose="020B0604020202020204" pitchFamily="34" charset="0"/>
+              </a:rPr>
+              <a:t>{</a:t>
+            </a:r>
+            <a:br>
+              <a:rPr lang="en-US" sz="1600" dirty="0">
+                <a:solidFill>
+                  <a:srgbClr val="000000"/>
+                </a:solidFill>
+                <a:latin typeface="Calibri" panose="020F0502020204030204" pitchFamily="34" charset="0"/>
+                <a:ea typeface="Calibri" panose="020F0502020204030204" pitchFamily="34" charset="0"/>
+                <a:cs typeface="Arial" panose="020B0604020202020204" pitchFamily="34" charset="0"/>
+              </a:rPr>
+            </a:br>
+            <a:r>
+              <a:rPr lang="en-US" sz="1600" dirty="0">
+                <a:solidFill>
+                  <a:srgbClr val="000000"/>
+                </a:solidFill>
+                <a:latin typeface="Calibri" panose="020F0502020204030204" pitchFamily="34" charset="0"/>
+                <a:ea typeface="Calibri" panose="020F0502020204030204" pitchFamily="34" charset="0"/>
+                <a:cs typeface="Arial" panose="020B0604020202020204" pitchFamily="34" charset="0"/>
+              </a:rPr>
+              <a:t>    </a:t>
+            </a:r>
+            <a:r>
+              <a:rPr lang="en-US" sz="1600" b="1" dirty="0">
+                <a:solidFill>
+                  <a:srgbClr val="000080"/>
+                </a:solidFill>
+                <a:latin typeface="Calibri" panose="020F0502020204030204" pitchFamily="34" charset="0"/>
+                <a:ea typeface="Calibri" panose="020F0502020204030204" pitchFamily="34" charset="0"/>
+                <a:cs typeface="Arial" panose="020B0604020202020204" pitchFamily="34" charset="0"/>
+              </a:rPr>
+              <a:t>interface </a:t>
+            </a:r>
+            <a:r>
+              <a:rPr lang="en-US" sz="1600" dirty="0">
+                <a:solidFill>
+                  <a:srgbClr val="000000"/>
+                </a:solidFill>
+                <a:latin typeface="Calibri" panose="020F0502020204030204" pitchFamily="34" charset="0"/>
+                <a:ea typeface="Calibri" panose="020F0502020204030204" pitchFamily="34" charset="0"/>
+                <a:cs typeface="Arial" panose="020B0604020202020204" pitchFamily="34" charset="0"/>
+              </a:rPr>
+              <a:t>A {</a:t>
+            </a:r>
+            <a:br>
+              <a:rPr lang="en-US" sz="1600" dirty="0">
+                <a:solidFill>
+                  <a:srgbClr val="000000"/>
+                </a:solidFill>
+                <a:latin typeface="Calibri" panose="020F0502020204030204" pitchFamily="34" charset="0"/>
+                <a:ea typeface="Calibri" panose="020F0502020204030204" pitchFamily="34" charset="0"/>
+                <a:cs typeface="Arial" panose="020B0604020202020204" pitchFamily="34" charset="0"/>
+              </a:rPr>
+            </a:br>
+            <a:r>
+              <a:rPr lang="en-US" sz="1600" dirty="0">
+                <a:solidFill>
+                  <a:srgbClr val="000000"/>
+                </a:solidFill>
+                <a:latin typeface="Calibri" panose="020F0502020204030204" pitchFamily="34" charset="0"/>
+                <a:ea typeface="Calibri" panose="020F0502020204030204" pitchFamily="34" charset="0"/>
+                <a:cs typeface="Arial" panose="020B0604020202020204" pitchFamily="34" charset="0"/>
+              </a:rPr>
+              <a:t>        </a:t>
+            </a:r>
+            <a:r>
+              <a:rPr lang="en-US" sz="1600" dirty="0" err="1">
+                <a:solidFill>
+                  <a:srgbClr val="7A7A43"/>
+                </a:solidFill>
+                <a:latin typeface="Calibri" panose="020F0502020204030204" pitchFamily="34" charset="0"/>
+                <a:ea typeface="Calibri" panose="020F0502020204030204" pitchFamily="34" charset="0"/>
+                <a:cs typeface="Arial" panose="020B0604020202020204" pitchFamily="34" charset="0"/>
+              </a:rPr>
+              <a:t>doSomething</a:t>
+            </a:r>
+            <a:r>
+              <a:rPr lang="en-US" sz="1600" dirty="0">
+                <a:solidFill>
+                  <a:srgbClr val="000000"/>
+                </a:solidFill>
+                <a:latin typeface="Calibri" panose="020F0502020204030204" pitchFamily="34" charset="0"/>
+                <a:ea typeface="Calibri" panose="020F0502020204030204" pitchFamily="34" charset="0"/>
+                <a:cs typeface="Arial" panose="020B0604020202020204" pitchFamily="34" charset="0"/>
+              </a:rPr>
+              <a:t>();</a:t>
+            </a:r>
+            <a:br>
+              <a:rPr lang="en-US" sz="1600" dirty="0">
+                <a:solidFill>
+                  <a:srgbClr val="000000"/>
+                </a:solidFill>
+                <a:latin typeface="Calibri" panose="020F0502020204030204" pitchFamily="34" charset="0"/>
+                <a:ea typeface="Calibri" panose="020F0502020204030204" pitchFamily="34" charset="0"/>
+                <a:cs typeface="Arial" panose="020B0604020202020204" pitchFamily="34" charset="0"/>
+              </a:rPr>
+            </a:br>
+            <a:r>
+              <a:rPr lang="en-US" sz="1600" dirty="0">
+                <a:solidFill>
+                  <a:srgbClr val="000000"/>
+                </a:solidFill>
+                <a:latin typeface="Calibri" panose="020F0502020204030204" pitchFamily="34" charset="0"/>
+                <a:ea typeface="Calibri" panose="020F0502020204030204" pitchFamily="34" charset="0"/>
+                <a:cs typeface="Arial" panose="020B0604020202020204" pitchFamily="34" charset="0"/>
+              </a:rPr>
+              <a:t>    }</a:t>
+            </a:r>
+            <a:br>
+              <a:rPr lang="en-US" sz="1600" dirty="0">
+                <a:solidFill>
+                  <a:srgbClr val="000000"/>
+                </a:solidFill>
+                <a:latin typeface="Calibri" panose="020F0502020204030204" pitchFamily="34" charset="0"/>
+                <a:ea typeface="Calibri" panose="020F0502020204030204" pitchFamily="34" charset="0"/>
+                <a:cs typeface="Arial" panose="020B0604020202020204" pitchFamily="34" charset="0"/>
+              </a:rPr>
+            </a:br>
+            <a:r>
+              <a:rPr lang="en-US" sz="1600" dirty="0">
+                <a:solidFill>
+                  <a:srgbClr val="000000"/>
+                </a:solidFill>
+                <a:latin typeface="Calibri" panose="020F0502020204030204" pitchFamily="34" charset="0"/>
+                <a:ea typeface="Calibri" panose="020F0502020204030204" pitchFamily="34" charset="0"/>
+                <a:cs typeface="Arial" panose="020B0604020202020204" pitchFamily="34" charset="0"/>
+              </a:rPr>
+              <a:t>}</a:t>
+            </a:r>
+            <a:br>
+              <a:rPr lang="en-US" sz="1600" dirty="0">
+                <a:solidFill>
+                  <a:srgbClr val="000000"/>
+                </a:solidFill>
+                <a:latin typeface="Calibri" panose="020F0502020204030204" pitchFamily="34" charset="0"/>
+                <a:ea typeface="Calibri" panose="020F0502020204030204" pitchFamily="34" charset="0"/>
+                <a:cs typeface="Arial" panose="020B0604020202020204" pitchFamily="34" charset="0"/>
+              </a:rPr>
+            </a:br>
+            <a:br>
+              <a:rPr lang="en-US" sz="1600" dirty="0">
+                <a:solidFill>
+                  <a:srgbClr val="000000"/>
+                </a:solidFill>
+                <a:latin typeface="Calibri" panose="020F0502020204030204" pitchFamily="34" charset="0"/>
+                <a:ea typeface="Calibri" panose="020F0502020204030204" pitchFamily="34" charset="0"/>
+                <a:cs typeface="Arial" panose="020B0604020202020204" pitchFamily="34" charset="0"/>
+              </a:rPr>
+            </a:br>
+            <a:r>
+              <a:rPr lang="en-US" sz="1600" b="1" dirty="0">
+                <a:solidFill>
+                  <a:srgbClr val="000080"/>
+                </a:solidFill>
+                <a:latin typeface="Calibri" panose="020F0502020204030204" pitchFamily="34" charset="0"/>
+                <a:ea typeface="Calibri" panose="020F0502020204030204" pitchFamily="34" charset="0"/>
+                <a:cs typeface="Arial" panose="020B0604020202020204" pitchFamily="34" charset="0"/>
+              </a:rPr>
+              <a:t>function </a:t>
+            </a:r>
+            <a:r>
+              <a:rPr lang="en-US" sz="1600" i="1" dirty="0">
+                <a:solidFill>
+                  <a:srgbClr val="000000"/>
+                </a:solidFill>
+                <a:latin typeface="Calibri" panose="020F0502020204030204" pitchFamily="34" charset="0"/>
+                <a:ea typeface="Calibri" panose="020F0502020204030204" pitchFamily="34" charset="0"/>
+                <a:cs typeface="Arial" panose="020B0604020202020204" pitchFamily="34" charset="0"/>
+              </a:rPr>
+              <a:t>main</a:t>
+            </a:r>
+            <a:r>
+              <a:rPr lang="en-US" sz="1600" dirty="0">
+                <a:solidFill>
+                  <a:srgbClr val="000000"/>
+                </a:solidFill>
+                <a:latin typeface="Calibri" panose="020F0502020204030204" pitchFamily="34" charset="0"/>
+                <a:ea typeface="Calibri" panose="020F0502020204030204" pitchFamily="34" charset="0"/>
+                <a:cs typeface="Arial" panose="020B0604020202020204" pitchFamily="34" charset="0"/>
+              </a:rPr>
+              <a:t>() {</a:t>
+            </a:r>
+            <a:br>
+              <a:rPr lang="en-US" sz="1600" dirty="0">
+                <a:solidFill>
+                  <a:srgbClr val="000000"/>
+                </a:solidFill>
+                <a:latin typeface="Calibri" panose="020F0502020204030204" pitchFamily="34" charset="0"/>
+                <a:ea typeface="Calibri" panose="020F0502020204030204" pitchFamily="34" charset="0"/>
+                <a:cs typeface="Arial" panose="020B0604020202020204" pitchFamily="34" charset="0"/>
+              </a:rPr>
+            </a:br>
+            <a:r>
+              <a:rPr lang="en-US" sz="1600" dirty="0">
+                <a:solidFill>
+                  <a:srgbClr val="000000"/>
+                </a:solidFill>
+                <a:latin typeface="Calibri" panose="020F0502020204030204" pitchFamily="34" charset="0"/>
+                <a:ea typeface="Calibri" panose="020F0502020204030204" pitchFamily="34" charset="0"/>
+                <a:cs typeface="Arial" panose="020B0604020202020204" pitchFamily="34" charset="0"/>
+              </a:rPr>
+              <a:t>    </a:t>
+            </a:r>
+            <a:r>
+              <a:rPr lang="en-US" sz="1600" b="1" dirty="0" err="1">
+                <a:solidFill>
+                  <a:srgbClr val="000080"/>
+                </a:solidFill>
+                <a:latin typeface="Calibri" panose="020F0502020204030204" pitchFamily="34" charset="0"/>
+                <a:ea typeface="Calibri" panose="020F0502020204030204" pitchFamily="34" charset="0"/>
+                <a:cs typeface="Arial" panose="020B0604020202020204" pitchFamily="34" charset="0"/>
+              </a:rPr>
+              <a:t>const</a:t>
+            </a:r>
+            <a:r>
+              <a:rPr lang="en-US" sz="1600" b="1" dirty="0">
+                <a:solidFill>
+                  <a:srgbClr val="000080"/>
+                </a:solidFill>
+                <a:latin typeface="Calibri" panose="020F0502020204030204" pitchFamily="34" charset="0"/>
+                <a:ea typeface="Calibri" panose="020F0502020204030204" pitchFamily="34" charset="0"/>
+                <a:cs typeface="Arial" panose="020B0604020202020204" pitchFamily="34" charset="0"/>
+              </a:rPr>
+              <a:t> </a:t>
+            </a:r>
+            <a:r>
+              <a:rPr lang="en-US" sz="1600" dirty="0">
+                <a:solidFill>
+                  <a:srgbClr val="458383"/>
+                </a:solidFill>
+                <a:latin typeface="Calibri" panose="020F0502020204030204" pitchFamily="34" charset="0"/>
+                <a:ea typeface="Calibri" panose="020F0502020204030204" pitchFamily="34" charset="0"/>
+                <a:cs typeface="Arial" panose="020B0604020202020204" pitchFamily="34" charset="0"/>
+              </a:rPr>
+              <a:t>a </a:t>
+            </a:r>
+            <a:r>
+              <a:rPr lang="en-US" sz="1600" dirty="0">
+                <a:solidFill>
+                  <a:srgbClr val="000000"/>
+                </a:solidFill>
+                <a:latin typeface="Calibri" panose="020F0502020204030204" pitchFamily="34" charset="0"/>
+                <a:ea typeface="Calibri" panose="020F0502020204030204" pitchFamily="34" charset="0"/>
+                <a:cs typeface="Arial" panose="020B0604020202020204" pitchFamily="34" charset="0"/>
+              </a:rPr>
+              <a:t>= </a:t>
+            </a:r>
+            <a:r>
+              <a:rPr lang="en-US" sz="1600" b="1" dirty="0">
+                <a:solidFill>
+                  <a:srgbClr val="000080"/>
+                </a:solidFill>
+                <a:latin typeface="Calibri" panose="020F0502020204030204" pitchFamily="34" charset="0"/>
+                <a:ea typeface="Calibri" panose="020F0502020204030204" pitchFamily="34" charset="0"/>
+                <a:cs typeface="Arial" panose="020B0604020202020204" pitchFamily="34" charset="0"/>
+              </a:rPr>
+              <a:t>new </a:t>
+            </a:r>
+            <a:r>
+              <a:rPr lang="en-US" sz="1600" dirty="0">
+                <a:solidFill>
+                  <a:srgbClr val="000000"/>
+                </a:solidFill>
+                <a:latin typeface="Calibri" panose="020F0502020204030204" pitchFamily="34" charset="0"/>
+                <a:ea typeface="Calibri" panose="020F0502020204030204" pitchFamily="34" charset="0"/>
+                <a:cs typeface="Arial" panose="020B0604020202020204" pitchFamily="34" charset="0"/>
+              </a:rPr>
+              <a:t>A();</a:t>
+            </a:r>
+            <a:br>
+              <a:rPr lang="en-US" sz="1600" dirty="0">
+                <a:solidFill>
+                  <a:srgbClr val="000000"/>
+                </a:solidFill>
+                <a:latin typeface="Calibri" panose="020F0502020204030204" pitchFamily="34" charset="0"/>
+                <a:ea typeface="Calibri" panose="020F0502020204030204" pitchFamily="34" charset="0"/>
+                <a:cs typeface="Arial" panose="020B0604020202020204" pitchFamily="34" charset="0"/>
+              </a:rPr>
+            </a:br>
+            <a:br>
+              <a:rPr lang="en-US" sz="1600" dirty="0">
+                <a:solidFill>
+                  <a:srgbClr val="000000"/>
+                </a:solidFill>
+                <a:latin typeface="Calibri" panose="020F0502020204030204" pitchFamily="34" charset="0"/>
+                <a:ea typeface="Calibri" panose="020F0502020204030204" pitchFamily="34" charset="0"/>
+                <a:cs typeface="Arial" panose="020B0604020202020204" pitchFamily="34" charset="0"/>
+              </a:rPr>
+            </a:br>
+            <a:r>
+              <a:rPr lang="en-US" sz="1600" dirty="0">
+                <a:solidFill>
+                  <a:srgbClr val="000000"/>
+                </a:solidFill>
+                <a:latin typeface="Calibri" panose="020F0502020204030204" pitchFamily="34" charset="0"/>
+                <a:ea typeface="Calibri" panose="020F0502020204030204" pitchFamily="34" charset="0"/>
+                <a:cs typeface="Arial" panose="020B0604020202020204" pitchFamily="34" charset="0"/>
+              </a:rPr>
+              <a:t>    </a:t>
+            </a:r>
+            <a:r>
+              <a:rPr lang="en-US" sz="1600" dirty="0" err="1">
+                <a:solidFill>
+                  <a:srgbClr val="458383"/>
+                </a:solidFill>
+                <a:latin typeface="Calibri" panose="020F0502020204030204" pitchFamily="34" charset="0"/>
+                <a:ea typeface="Calibri" panose="020F0502020204030204" pitchFamily="34" charset="0"/>
+                <a:cs typeface="Arial" panose="020B0604020202020204" pitchFamily="34" charset="0"/>
+              </a:rPr>
+              <a:t>a</a:t>
+            </a:r>
+            <a:r>
+              <a:rPr lang="en-US" sz="1600" dirty="0" err="1">
+                <a:solidFill>
+                  <a:srgbClr val="000000"/>
+                </a:solidFill>
+                <a:latin typeface="Calibri" panose="020F0502020204030204" pitchFamily="34" charset="0"/>
+                <a:ea typeface="Calibri" panose="020F0502020204030204" pitchFamily="34" charset="0"/>
+                <a:cs typeface="Arial" panose="020B0604020202020204" pitchFamily="34" charset="0"/>
+              </a:rPr>
+              <a:t>.</a:t>
+            </a:r>
+            <a:r>
+              <a:rPr lang="en-US" sz="1600" dirty="0" err="1">
+                <a:solidFill>
+                  <a:srgbClr val="7A7A43"/>
+                </a:solidFill>
+                <a:latin typeface="Calibri" panose="020F0502020204030204" pitchFamily="34" charset="0"/>
+                <a:ea typeface="Calibri" panose="020F0502020204030204" pitchFamily="34" charset="0"/>
+                <a:cs typeface="Arial" panose="020B0604020202020204" pitchFamily="34" charset="0"/>
+              </a:rPr>
+              <a:t>doSomething</a:t>
+            </a:r>
+            <a:r>
+              <a:rPr lang="en-US" sz="1600" dirty="0">
+                <a:solidFill>
+                  <a:srgbClr val="000000"/>
+                </a:solidFill>
+                <a:latin typeface="Calibri" panose="020F0502020204030204" pitchFamily="34" charset="0"/>
+                <a:ea typeface="Calibri" panose="020F0502020204030204" pitchFamily="34" charset="0"/>
+                <a:cs typeface="Arial" panose="020B0604020202020204" pitchFamily="34" charset="0"/>
+              </a:rPr>
+              <a:t>();</a:t>
+            </a:r>
+            <a:br>
+              <a:rPr lang="en-US" sz="1600" dirty="0">
+                <a:solidFill>
+                  <a:srgbClr val="000000"/>
+                </a:solidFill>
+                <a:latin typeface="Calibri" panose="020F0502020204030204" pitchFamily="34" charset="0"/>
+                <a:ea typeface="Calibri" panose="020F0502020204030204" pitchFamily="34" charset="0"/>
+                <a:cs typeface="Arial" panose="020B0604020202020204" pitchFamily="34" charset="0"/>
+              </a:rPr>
+            </a:br>
+            <a:r>
+              <a:rPr lang="en-US" sz="1600" dirty="0">
+                <a:solidFill>
+                  <a:srgbClr val="000000"/>
+                </a:solidFill>
+                <a:latin typeface="Calibri" panose="020F0502020204030204" pitchFamily="34" charset="0"/>
+                <a:ea typeface="Calibri" panose="020F0502020204030204" pitchFamily="34" charset="0"/>
+                <a:cs typeface="Arial" panose="020B0604020202020204" pitchFamily="34" charset="0"/>
+              </a:rPr>
+              <a:t>}</a:t>
+            </a:r>
+            <a:endParaRPr lang="he-IL" sz="1600" dirty="0"/>
+          </a:p>
+        </p:txBody>
+      </p:sp>
+      <p:sp>
+        <p:nvSpPr>
+          <p:cNvPr id="14" name="Rectangle: Rounded Corners 13">
+            <a:extLst>
+              <a:ext uri="{FF2B5EF4-FFF2-40B4-BE49-F238E27FC236}">
+                <a16:creationId xmlns:a16="http://schemas.microsoft.com/office/drawing/2014/main" id="{1AC27A29-A404-4BEE-8770-7DE937B3D440}"/>
+              </a:ext>
+            </a:extLst>
+          </p:cNvPr>
+          <p:cNvSpPr/>
+          <p:nvPr/>
+        </p:nvSpPr>
+        <p:spPr>
+          <a:xfrm>
+            <a:off x="7557648" y="4223306"/>
+            <a:ext cx="1055860" cy="646340"/>
+          </a:xfrm>
+          <a:prstGeom prst="roundRect">
+            <a:avLst/>
+          </a:prstGeom>
+        </p:spPr>
+        <p:style>
+          <a:lnRef idx="2">
+            <a:schemeClr val="accent2">
+              <a:shade val="50000"/>
+            </a:schemeClr>
+          </a:lnRef>
+          <a:fillRef idx="1">
+            <a:schemeClr val="accent2"/>
+          </a:fillRef>
+          <a:effectRef idx="0">
+            <a:schemeClr val="accent2"/>
+          </a:effectRef>
+          <a:fontRef idx="minor">
+            <a:schemeClr val="lt1"/>
+          </a:fontRef>
+        </p:style>
+        <p:txBody>
+          <a:bodyPr rtlCol="1" anchor="ctr"/>
+          <a:lstStyle/>
+          <a:p>
+            <a:pPr algn="ctr"/>
+            <a:r>
+              <a:rPr lang="en-US" sz="1400" dirty="0"/>
+              <a:t>Application code</a:t>
+            </a:r>
+            <a:endParaRPr lang="he-IL" sz="1400" dirty="0"/>
+          </a:p>
+        </p:txBody>
+      </p:sp>
+      <p:cxnSp>
+        <p:nvCxnSpPr>
+          <p:cNvPr id="15" name="Straight Arrow Connector 14">
+            <a:extLst>
+              <a:ext uri="{FF2B5EF4-FFF2-40B4-BE49-F238E27FC236}">
+                <a16:creationId xmlns:a16="http://schemas.microsoft.com/office/drawing/2014/main" id="{82B1CB0E-D805-4639-B56C-4460498EE754}"/>
+              </a:ext>
+            </a:extLst>
+          </p:cNvPr>
+          <p:cNvCxnSpPr>
+            <a:cxnSpLocks/>
+            <a:stCxn id="14" idx="1"/>
+          </p:cNvCxnSpPr>
+          <p:nvPr/>
+        </p:nvCxnSpPr>
+        <p:spPr>
+          <a:xfrm flipH="1">
+            <a:off x="6153804" y="4546476"/>
+            <a:ext cx="1403844" cy="323170"/>
+          </a:xfrm>
+          <a:prstGeom prst="straightConnector1">
+            <a:avLst/>
+          </a:prstGeom>
+          <a:ln w="28575">
+            <a:tailEnd type="triangle"/>
+          </a:ln>
+        </p:spPr>
+        <p:style>
+          <a:lnRef idx="1">
+            <a:schemeClr val="accent2"/>
+          </a:lnRef>
+          <a:fillRef idx="0">
+            <a:schemeClr val="accent2"/>
+          </a:fillRef>
+          <a:effectRef idx="0">
+            <a:schemeClr val="accent2"/>
+          </a:effectRef>
+          <a:fontRef idx="minor">
+            <a:schemeClr val="tx1"/>
+          </a:fontRef>
+        </p:style>
+      </p:cxnSp>
+    </p:spTree>
+    <p:extLst>
+      <p:ext uri="{BB962C8B-B14F-4D97-AF65-F5344CB8AC3E}">
+        <p14:creationId xmlns:p14="http://schemas.microsoft.com/office/powerpoint/2010/main" val="3883870311"/>
+      </p:ext>
+    </p:extLst>
+  </p:cSld>
+  <p:clrMapOvr>
+    <a:masterClrMapping/>
+  </p:clrMapOvr>
+</p:sld>
+</file>
+
+<file path=ppt/slides/slide26.xml><?xml version="1.0" encoding="utf-8"?>
+<p:sld xmlns:a="http://schemas.openxmlformats.org/drawingml/2006/main" xmlns:r="http://schemas.openxmlformats.org/officeDocument/2006/relationships" xmlns:p="http://schemas.openxmlformats.org/presentationml/2006/main">
+  <p:cSld>
+    <p:spTree>
+      <p:nvGrpSpPr>
+        <p:cNvPr id="1" name=""/>
+        <p:cNvGrpSpPr/>
+        <p:nvPr/>
+      </p:nvGrpSpPr>
+      <p:grpSpPr>
+        <a:xfrm>
+          <a:off x="0" y="0"/>
+          <a:ext cx="0" cy="0"/>
+          <a:chOff x="0" y="0"/>
+          <a:chExt cx="0" cy="0"/>
+        </a:xfrm>
+      </p:grpSpPr>
+      <p:sp>
+        <p:nvSpPr>
+          <p:cNvPr id="2" name="Title 1">
+            <a:extLst>
+              <a:ext uri="{FF2B5EF4-FFF2-40B4-BE49-F238E27FC236}">
+                <a16:creationId xmlns:a16="http://schemas.microsoft.com/office/drawing/2014/main" id="{354A83CF-856E-467A-9EFC-D6916233DB1F}"/>
+              </a:ext>
+            </a:extLst>
+          </p:cNvPr>
+          <p:cNvSpPr>
+            <a:spLocks noGrp="1"/>
+          </p:cNvSpPr>
+          <p:nvPr>
+            <p:ph type="title"/>
+          </p:nvPr>
+        </p:nvSpPr>
+        <p:spPr/>
+        <p:txBody>
+          <a:bodyPr/>
+          <a:lstStyle/>
+          <a:p>
+            <a:r>
+              <a:rPr lang="en-US" dirty="0"/>
+              <a:t>Null Checks</a:t>
+            </a:r>
+            <a:endParaRPr lang="he-IL" dirty="0"/>
+          </a:p>
+        </p:txBody>
+      </p:sp>
+      <p:sp>
+        <p:nvSpPr>
+          <p:cNvPr id="3" name="Footer Placeholder 2">
+            <a:extLst>
+              <a:ext uri="{FF2B5EF4-FFF2-40B4-BE49-F238E27FC236}">
+                <a16:creationId xmlns:a16="http://schemas.microsoft.com/office/drawing/2014/main" id="{A5AE23AD-8FE4-41B0-9935-7EAA7D46C334}"/>
+              </a:ext>
+            </a:extLst>
+          </p:cNvPr>
+          <p:cNvSpPr>
+            <a:spLocks noGrp="1"/>
+          </p:cNvSpPr>
+          <p:nvPr>
+            <p:ph type="ftr" sz="quarter" idx="11"/>
+          </p:nvPr>
+        </p:nvSpPr>
+        <p:spPr/>
+        <p:txBody>
+          <a:bodyPr/>
+          <a:lstStyle/>
+          <a:p>
+            <a:r>
+              <a:rPr lang="en-US"/>
+              <a:t>© 2017 Ori Calvo</a:t>
+            </a:r>
+            <a:endParaRPr lang="en-US" dirty="0"/>
+          </a:p>
+        </p:txBody>
+      </p:sp>
+      <p:sp>
+        <p:nvSpPr>
+          <p:cNvPr id="4" name="Slide Number Placeholder 3">
+            <a:extLst>
+              <a:ext uri="{FF2B5EF4-FFF2-40B4-BE49-F238E27FC236}">
+                <a16:creationId xmlns:a16="http://schemas.microsoft.com/office/drawing/2014/main" id="{09F2BBF7-3922-449A-9DDD-42ACC2C37A44}"/>
+              </a:ext>
+            </a:extLst>
+          </p:cNvPr>
+          <p:cNvSpPr>
+            <a:spLocks noGrp="1"/>
+          </p:cNvSpPr>
+          <p:nvPr>
+            <p:ph type="sldNum" sz="quarter" idx="12"/>
+          </p:nvPr>
+        </p:nvSpPr>
+        <p:spPr/>
+        <p:txBody>
+          <a:bodyPr>
+            <a:normAutofit fontScale="85000" lnSpcReduction="20000"/>
+          </a:bodyPr>
+          <a:lstStyle/>
+          <a:p>
+            <a:fld id="{6EDEC3BC-0694-4586-AE63-02B4D54ABF43}" type="slidenum">
+              <a:rPr lang="en-US" smtClean="0"/>
+              <a:pPr/>
+              <a:t>26</a:t>
+            </a:fld>
+            <a:endParaRPr lang="en-US"/>
+          </a:p>
+        </p:txBody>
+      </p:sp>
+      <p:sp>
+        <p:nvSpPr>
+          <p:cNvPr id="5" name="Content Placeholder 4">
+            <a:extLst>
+              <a:ext uri="{FF2B5EF4-FFF2-40B4-BE49-F238E27FC236}">
+                <a16:creationId xmlns:a16="http://schemas.microsoft.com/office/drawing/2014/main" id="{549F53A6-1607-41AC-88A7-47480DFCBF74}"/>
+              </a:ext>
+            </a:extLst>
+          </p:cNvPr>
+          <p:cNvSpPr>
+            <a:spLocks noGrp="1"/>
+          </p:cNvSpPr>
+          <p:nvPr>
+            <p:ph sz="quarter" idx="1"/>
+          </p:nvPr>
+        </p:nvSpPr>
+        <p:spPr/>
+        <p:txBody>
+          <a:bodyPr/>
+          <a:lstStyle/>
+          <a:p>
+            <a:r>
+              <a:rPr lang="en-US" dirty="0"/>
+              <a:t>The following does compile successfully</a:t>
+            </a:r>
+            <a:endParaRPr lang="he-IL" dirty="0"/>
+          </a:p>
+        </p:txBody>
+      </p:sp>
+      <p:sp>
+        <p:nvSpPr>
+          <p:cNvPr id="6" name="Rectangle 5">
+            <a:extLst>
+              <a:ext uri="{FF2B5EF4-FFF2-40B4-BE49-F238E27FC236}">
+                <a16:creationId xmlns:a16="http://schemas.microsoft.com/office/drawing/2014/main" id="{31606BAE-3B2E-4C53-B034-421A47904DAF}"/>
+              </a:ext>
+            </a:extLst>
+          </p:cNvPr>
+          <p:cNvSpPr/>
+          <p:nvPr/>
+        </p:nvSpPr>
+        <p:spPr>
+          <a:xfrm>
+            <a:off x="3357200" y="2492896"/>
+            <a:ext cx="2664296" cy="3416320"/>
+          </a:xfrm>
+          <a:prstGeom prst="rect">
+            <a:avLst/>
+          </a:prstGeom>
+          <a:solidFill>
+            <a:schemeClr val="accent1">
+              <a:lumMod val="40000"/>
+              <a:lumOff val="60000"/>
+            </a:schemeClr>
+          </a:solidFill>
+        </p:spPr>
+        <p:txBody>
+          <a:bodyPr wrap="square">
+            <a:spAutoFit/>
+          </a:bodyPr>
+          <a:lstStyle/>
+          <a:p>
+            <a:r>
+              <a:rPr lang="en-US" b="1" dirty="0">
+                <a:solidFill>
+                  <a:srgbClr val="000080"/>
+                </a:solidFill>
+                <a:latin typeface="Calibri" panose="020F0502020204030204" pitchFamily="34" charset="0"/>
+                <a:ea typeface="Calibri" panose="020F0502020204030204" pitchFamily="34" charset="0"/>
+                <a:cs typeface="Arial" panose="020B0604020202020204" pitchFamily="34" charset="0"/>
+              </a:rPr>
+              <a:t>class </a:t>
+            </a:r>
+            <a:r>
+              <a:rPr lang="en-US" dirty="0">
+                <a:solidFill>
+                  <a:srgbClr val="000000"/>
+                </a:solidFill>
+                <a:latin typeface="Calibri" panose="020F0502020204030204" pitchFamily="34" charset="0"/>
+                <a:ea typeface="Calibri" panose="020F0502020204030204" pitchFamily="34" charset="0"/>
+                <a:cs typeface="Arial" panose="020B0604020202020204" pitchFamily="34" charset="0"/>
+              </a:rPr>
+              <a:t>A {</a:t>
+            </a:r>
+            <a:br>
+              <a:rPr lang="en-US" dirty="0">
+                <a:solidFill>
+                  <a:srgbClr val="000000"/>
+                </a:solidFill>
+                <a:latin typeface="Calibri" panose="020F0502020204030204" pitchFamily="34" charset="0"/>
+                <a:ea typeface="Calibri" panose="020F0502020204030204" pitchFamily="34" charset="0"/>
+                <a:cs typeface="Arial" panose="020B0604020202020204" pitchFamily="34" charset="0"/>
+              </a:rPr>
+            </a:br>
+            <a:r>
+              <a:rPr lang="en-US" dirty="0">
+                <a:solidFill>
+                  <a:srgbClr val="000000"/>
+                </a:solidFill>
+                <a:latin typeface="Calibri" panose="020F0502020204030204" pitchFamily="34" charset="0"/>
+                <a:ea typeface="Calibri" panose="020F0502020204030204" pitchFamily="34" charset="0"/>
+                <a:cs typeface="Arial" panose="020B0604020202020204" pitchFamily="34" charset="0"/>
+              </a:rPr>
+              <a:t>    </a:t>
+            </a:r>
+            <a:r>
+              <a:rPr lang="en-US" dirty="0">
+                <a:solidFill>
+                  <a:srgbClr val="7A7A43"/>
+                </a:solidFill>
+                <a:latin typeface="Calibri" panose="020F0502020204030204" pitchFamily="34" charset="0"/>
+                <a:ea typeface="Calibri" panose="020F0502020204030204" pitchFamily="34" charset="0"/>
+                <a:cs typeface="Arial" panose="020B0604020202020204" pitchFamily="34" charset="0"/>
+              </a:rPr>
+              <a:t>run</a:t>
+            </a:r>
+            <a:r>
+              <a:rPr lang="en-US" dirty="0">
+                <a:solidFill>
+                  <a:srgbClr val="000000"/>
+                </a:solidFill>
+                <a:latin typeface="Calibri" panose="020F0502020204030204" pitchFamily="34" charset="0"/>
+                <a:ea typeface="Calibri" panose="020F0502020204030204" pitchFamily="34" charset="0"/>
+                <a:cs typeface="Arial" panose="020B0604020202020204" pitchFamily="34" charset="0"/>
+              </a:rPr>
+              <a:t>() {</a:t>
+            </a:r>
+            <a:br>
+              <a:rPr lang="en-US" dirty="0">
+                <a:solidFill>
+                  <a:srgbClr val="000000"/>
+                </a:solidFill>
+                <a:latin typeface="Calibri" panose="020F0502020204030204" pitchFamily="34" charset="0"/>
+                <a:ea typeface="Calibri" panose="020F0502020204030204" pitchFamily="34" charset="0"/>
+                <a:cs typeface="Arial" panose="020B0604020202020204" pitchFamily="34" charset="0"/>
+              </a:rPr>
+            </a:br>
+            <a:r>
+              <a:rPr lang="en-US" dirty="0">
+                <a:solidFill>
+                  <a:srgbClr val="000000"/>
+                </a:solidFill>
+                <a:latin typeface="Calibri" panose="020F0502020204030204" pitchFamily="34" charset="0"/>
+                <a:ea typeface="Calibri" panose="020F0502020204030204" pitchFamily="34" charset="0"/>
+                <a:cs typeface="Arial" panose="020B0604020202020204" pitchFamily="34" charset="0"/>
+              </a:rPr>
+              <a:t>    }</a:t>
+            </a:r>
+            <a:br>
+              <a:rPr lang="en-US" dirty="0">
+                <a:solidFill>
+                  <a:srgbClr val="000000"/>
+                </a:solidFill>
+                <a:latin typeface="Calibri" panose="020F0502020204030204" pitchFamily="34" charset="0"/>
+                <a:ea typeface="Calibri" panose="020F0502020204030204" pitchFamily="34" charset="0"/>
+                <a:cs typeface="Arial" panose="020B0604020202020204" pitchFamily="34" charset="0"/>
+              </a:rPr>
+            </a:br>
+            <a:r>
+              <a:rPr lang="en-US" dirty="0">
+                <a:solidFill>
+                  <a:srgbClr val="000000"/>
+                </a:solidFill>
+                <a:latin typeface="Calibri" panose="020F0502020204030204" pitchFamily="34" charset="0"/>
+                <a:ea typeface="Calibri" panose="020F0502020204030204" pitchFamily="34" charset="0"/>
+                <a:cs typeface="Arial" panose="020B0604020202020204" pitchFamily="34" charset="0"/>
+              </a:rPr>
+              <a:t>}</a:t>
+            </a:r>
+            <a:br>
+              <a:rPr lang="en-US" dirty="0">
+                <a:solidFill>
+                  <a:srgbClr val="000000"/>
+                </a:solidFill>
+                <a:latin typeface="Calibri" panose="020F0502020204030204" pitchFamily="34" charset="0"/>
+                <a:ea typeface="Calibri" panose="020F0502020204030204" pitchFamily="34" charset="0"/>
+                <a:cs typeface="Arial" panose="020B0604020202020204" pitchFamily="34" charset="0"/>
+              </a:rPr>
+            </a:br>
+            <a:br>
+              <a:rPr lang="en-US" dirty="0">
+                <a:solidFill>
+                  <a:srgbClr val="000000"/>
+                </a:solidFill>
+                <a:latin typeface="Calibri" panose="020F0502020204030204" pitchFamily="34" charset="0"/>
+                <a:ea typeface="Calibri" panose="020F0502020204030204" pitchFamily="34" charset="0"/>
+                <a:cs typeface="Arial" panose="020B0604020202020204" pitchFamily="34" charset="0"/>
+              </a:rPr>
+            </a:br>
+            <a:r>
+              <a:rPr lang="en-US" b="1" dirty="0">
+                <a:solidFill>
+                  <a:srgbClr val="000080"/>
+                </a:solidFill>
+                <a:latin typeface="Calibri" panose="020F0502020204030204" pitchFamily="34" charset="0"/>
+                <a:ea typeface="Calibri" panose="020F0502020204030204" pitchFamily="34" charset="0"/>
+                <a:cs typeface="Arial" panose="020B0604020202020204" pitchFamily="34" charset="0"/>
+              </a:rPr>
+              <a:t>function </a:t>
+            </a:r>
+            <a:r>
+              <a:rPr lang="en-US" i="1" dirty="0">
+                <a:solidFill>
+                  <a:srgbClr val="000000"/>
+                </a:solidFill>
+                <a:latin typeface="Calibri" panose="020F0502020204030204" pitchFamily="34" charset="0"/>
+                <a:ea typeface="Calibri" panose="020F0502020204030204" pitchFamily="34" charset="0"/>
+                <a:cs typeface="Arial" panose="020B0604020202020204" pitchFamily="34" charset="0"/>
+              </a:rPr>
+              <a:t>run</a:t>
+            </a:r>
+            <a:r>
+              <a:rPr lang="en-US" dirty="0">
+                <a:solidFill>
+                  <a:srgbClr val="000000"/>
+                </a:solidFill>
+                <a:latin typeface="Calibri" panose="020F0502020204030204" pitchFamily="34" charset="0"/>
+                <a:ea typeface="Calibri" panose="020F0502020204030204" pitchFamily="34" charset="0"/>
+                <a:cs typeface="Arial" panose="020B0604020202020204" pitchFamily="34" charset="0"/>
+              </a:rPr>
+              <a:t>(a: A) {</a:t>
+            </a:r>
+            <a:br>
+              <a:rPr lang="en-US" dirty="0">
+                <a:solidFill>
+                  <a:srgbClr val="000000"/>
+                </a:solidFill>
+                <a:latin typeface="Calibri" panose="020F0502020204030204" pitchFamily="34" charset="0"/>
+                <a:ea typeface="Calibri" panose="020F0502020204030204" pitchFamily="34" charset="0"/>
+                <a:cs typeface="Arial" panose="020B0604020202020204" pitchFamily="34" charset="0"/>
+              </a:rPr>
+            </a:br>
+            <a:r>
+              <a:rPr lang="en-US" dirty="0">
+                <a:solidFill>
+                  <a:srgbClr val="000000"/>
+                </a:solidFill>
+                <a:latin typeface="Calibri" panose="020F0502020204030204" pitchFamily="34" charset="0"/>
+                <a:ea typeface="Calibri" panose="020F0502020204030204" pitchFamily="34" charset="0"/>
+                <a:cs typeface="Arial" panose="020B0604020202020204" pitchFamily="34" charset="0"/>
+              </a:rPr>
+              <a:t>    </a:t>
+            </a:r>
+            <a:r>
+              <a:rPr lang="en-US" dirty="0" err="1">
+                <a:solidFill>
+                  <a:srgbClr val="000000"/>
+                </a:solidFill>
+                <a:latin typeface="Calibri" panose="020F0502020204030204" pitchFamily="34" charset="0"/>
+                <a:ea typeface="Calibri" panose="020F0502020204030204" pitchFamily="34" charset="0"/>
+                <a:cs typeface="Arial" panose="020B0604020202020204" pitchFamily="34" charset="0"/>
+              </a:rPr>
+              <a:t>a.</a:t>
+            </a:r>
+            <a:r>
+              <a:rPr lang="en-US" dirty="0" err="1">
+                <a:solidFill>
+                  <a:srgbClr val="7A7A43"/>
+                </a:solidFill>
+                <a:latin typeface="Calibri" panose="020F0502020204030204" pitchFamily="34" charset="0"/>
+                <a:ea typeface="Calibri" panose="020F0502020204030204" pitchFamily="34" charset="0"/>
+                <a:cs typeface="Arial" panose="020B0604020202020204" pitchFamily="34" charset="0"/>
+              </a:rPr>
+              <a:t>run</a:t>
+            </a:r>
+            <a:r>
+              <a:rPr lang="en-US" dirty="0">
+                <a:solidFill>
+                  <a:srgbClr val="000000"/>
+                </a:solidFill>
+                <a:latin typeface="Calibri" panose="020F0502020204030204" pitchFamily="34" charset="0"/>
+                <a:ea typeface="Calibri" panose="020F0502020204030204" pitchFamily="34" charset="0"/>
+                <a:cs typeface="Arial" panose="020B0604020202020204" pitchFamily="34" charset="0"/>
+              </a:rPr>
+              <a:t>();</a:t>
+            </a:r>
+            <a:br>
+              <a:rPr lang="en-US" dirty="0">
+                <a:solidFill>
+                  <a:srgbClr val="000000"/>
+                </a:solidFill>
+                <a:latin typeface="Calibri" panose="020F0502020204030204" pitchFamily="34" charset="0"/>
+                <a:ea typeface="Calibri" panose="020F0502020204030204" pitchFamily="34" charset="0"/>
+                <a:cs typeface="Arial" panose="020B0604020202020204" pitchFamily="34" charset="0"/>
+              </a:rPr>
+            </a:br>
+            <a:r>
+              <a:rPr lang="en-US" dirty="0">
+                <a:solidFill>
+                  <a:srgbClr val="000000"/>
+                </a:solidFill>
+                <a:latin typeface="Calibri" panose="020F0502020204030204" pitchFamily="34" charset="0"/>
+                <a:ea typeface="Calibri" panose="020F0502020204030204" pitchFamily="34" charset="0"/>
+                <a:cs typeface="Arial" panose="020B0604020202020204" pitchFamily="34" charset="0"/>
+              </a:rPr>
+              <a:t>}</a:t>
+            </a:r>
+            <a:br>
+              <a:rPr lang="en-US" dirty="0">
+                <a:solidFill>
+                  <a:srgbClr val="000000"/>
+                </a:solidFill>
+                <a:latin typeface="Calibri" panose="020F0502020204030204" pitchFamily="34" charset="0"/>
+                <a:ea typeface="Calibri" panose="020F0502020204030204" pitchFamily="34" charset="0"/>
+                <a:cs typeface="Arial" panose="020B0604020202020204" pitchFamily="34" charset="0"/>
+              </a:rPr>
+            </a:br>
+            <a:br>
+              <a:rPr lang="en-US" dirty="0">
+                <a:solidFill>
+                  <a:srgbClr val="000000"/>
+                </a:solidFill>
+                <a:latin typeface="Calibri" panose="020F0502020204030204" pitchFamily="34" charset="0"/>
+                <a:ea typeface="Calibri" panose="020F0502020204030204" pitchFamily="34" charset="0"/>
+                <a:cs typeface="Arial" panose="020B0604020202020204" pitchFamily="34" charset="0"/>
+              </a:rPr>
+            </a:br>
+            <a:r>
+              <a:rPr lang="en-US" b="1" dirty="0">
+                <a:solidFill>
+                  <a:srgbClr val="000080"/>
+                </a:solidFill>
+                <a:latin typeface="Calibri" panose="020F0502020204030204" pitchFamily="34" charset="0"/>
+                <a:ea typeface="Calibri" panose="020F0502020204030204" pitchFamily="34" charset="0"/>
+                <a:cs typeface="Arial" panose="020B0604020202020204" pitchFamily="34" charset="0"/>
+              </a:rPr>
+              <a:t>function </a:t>
+            </a:r>
+            <a:r>
+              <a:rPr lang="en-US" i="1" dirty="0">
+                <a:solidFill>
+                  <a:srgbClr val="000000"/>
+                </a:solidFill>
+                <a:latin typeface="Calibri" panose="020F0502020204030204" pitchFamily="34" charset="0"/>
+                <a:ea typeface="Calibri" panose="020F0502020204030204" pitchFamily="34" charset="0"/>
+                <a:cs typeface="Arial" panose="020B0604020202020204" pitchFamily="34" charset="0"/>
+              </a:rPr>
+              <a:t>main</a:t>
+            </a:r>
+            <a:r>
+              <a:rPr lang="en-US" dirty="0">
+                <a:solidFill>
+                  <a:srgbClr val="000000"/>
+                </a:solidFill>
+                <a:latin typeface="Calibri" panose="020F0502020204030204" pitchFamily="34" charset="0"/>
+                <a:ea typeface="Calibri" panose="020F0502020204030204" pitchFamily="34" charset="0"/>
+                <a:cs typeface="Arial" panose="020B0604020202020204" pitchFamily="34" charset="0"/>
+              </a:rPr>
+              <a:t>() {</a:t>
+            </a:r>
+            <a:br>
+              <a:rPr lang="en-US" dirty="0">
+                <a:solidFill>
+                  <a:srgbClr val="000000"/>
+                </a:solidFill>
+                <a:latin typeface="Calibri" panose="020F0502020204030204" pitchFamily="34" charset="0"/>
+                <a:ea typeface="Calibri" panose="020F0502020204030204" pitchFamily="34" charset="0"/>
+                <a:cs typeface="Arial" panose="020B0604020202020204" pitchFamily="34" charset="0"/>
+              </a:rPr>
+            </a:br>
+            <a:r>
+              <a:rPr lang="en-US" dirty="0">
+                <a:solidFill>
+                  <a:srgbClr val="000000"/>
+                </a:solidFill>
+                <a:latin typeface="Calibri" panose="020F0502020204030204" pitchFamily="34" charset="0"/>
+                <a:ea typeface="Calibri" panose="020F0502020204030204" pitchFamily="34" charset="0"/>
+                <a:cs typeface="Arial" panose="020B0604020202020204" pitchFamily="34" charset="0"/>
+              </a:rPr>
+              <a:t>    </a:t>
+            </a:r>
+            <a:r>
+              <a:rPr lang="en-US" i="1" dirty="0">
+                <a:solidFill>
+                  <a:srgbClr val="000000"/>
+                </a:solidFill>
+                <a:latin typeface="Calibri" panose="020F0502020204030204" pitchFamily="34" charset="0"/>
+                <a:ea typeface="Calibri" panose="020F0502020204030204" pitchFamily="34" charset="0"/>
+                <a:cs typeface="Arial" panose="020B0604020202020204" pitchFamily="34" charset="0"/>
+              </a:rPr>
+              <a:t>run</a:t>
+            </a:r>
+            <a:r>
+              <a:rPr lang="en-US" dirty="0">
+                <a:solidFill>
+                  <a:srgbClr val="000000"/>
+                </a:solidFill>
+                <a:latin typeface="Calibri" panose="020F0502020204030204" pitchFamily="34" charset="0"/>
+                <a:ea typeface="Calibri" panose="020F0502020204030204" pitchFamily="34" charset="0"/>
+                <a:cs typeface="Arial" panose="020B0604020202020204" pitchFamily="34" charset="0"/>
+              </a:rPr>
+              <a:t>(</a:t>
+            </a:r>
+            <a:r>
+              <a:rPr lang="en-US" b="1" dirty="0">
+                <a:solidFill>
+                  <a:srgbClr val="000080"/>
+                </a:solidFill>
+                <a:latin typeface="Calibri" panose="020F0502020204030204" pitchFamily="34" charset="0"/>
+                <a:ea typeface="Calibri" panose="020F0502020204030204" pitchFamily="34" charset="0"/>
+                <a:cs typeface="Arial" panose="020B0604020202020204" pitchFamily="34" charset="0"/>
+              </a:rPr>
+              <a:t>null</a:t>
+            </a:r>
+            <a:r>
+              <a:rPr lang="en-US" dirty="0">
+                <a:solidFill>
+                  <a:srgbClr val="000000"/>
+                </a:solidFill>
+                <a:latin typeface="Calibri" panose="020F0502020204030204" pitchFamily="34" charset="0"/>
+                <a:ea typeface="Calibri" panose="020F0502020204030204" pitchFamily="34" charset="0"/>
+                <a:cs typeface="Arial" panose="020B0604020202020204" pitchFamily="34" charset="0"/>
+              </a:rPr>
+              <a:t>);</a:t>
+            </a:r>
+            <a:br>
+              <a:rPr lang="en-US" dirty="0">
+                <a:solidFill>
+                  <a:srgbClr val="000000"/>
+                </a:solidFill>
+                <a:latin typeface="Calibri" panose="020F0502020204030204" pitchFamily="34" charset="0"/>
+                <a:ea typeface="Calibri" panose="020F0502020204030204" pitchFamily="34" charset="0"/>
+                <a:cs typeface="Arial" panose="020B0604020202020204" pitchFamily="34" charset="0"/>
+              </a:rPr>
+            </a:br>
+            <a:r>
+              <a:rPr lang="en-US" dirty="0">
+                <a:solidFill>
+                  <a:srgbClr val="000000"/>
+                </a:solidFill>
+                <a:latin typeface="Calibri" panose="020F0502020204030204" pitchFamily="34" charset="0"/>
+                <a:ea typeface="Calibri" panose="020F0502020204030204" pitchFamily="34" charset="0"/>
+                <a:cs typeface="Arial" panose="020B0604020202020204" pitchFamily="34" charset="0"/>
+              </a:rPr>
+              <a:t>}</a:t>
+            </a:r>
+            <a:endParaRPr lang="he-IL" dirty="0"/>
+          </a:p>
+        </p:txBody>
+      </p:sp>
+    </p:spTree>
+    <p:extLst>
+      <p:ext uri="{BB962C8B-B14F-4D97-AF65-F5344CB8AC3E}">
+        <p14:creationId xmlns:p14="http://schemas.microsoft.com/office/powerpoint/2010/main" val="1659322011"/>
+      </p:ext>
+    </p:extLst>
+  </p:cSld>
+  <p:clrMapOvr>
+    <a:masterClrMapping/>
+  </p:clrMapOvr>
+</p:sld>
+</file>
+
+<file path=ppt/slides/slide27.xml><?xml version="1.0" encoding="utf-8"?>
+<p:sld xmlns:a="http://schemas.openxmlformats.org/drawingml/2006/main" xmlns:r="http://schemas.openxmlformats.org/officeDocument/2006/relationships" xmlns:p="http://schemas.openxmlformats.org/presentationml/2006/main">
+  <p:cSld>
+    <p:spTree>
+      <p:nvGrpSpPr>
+        <p:cNvPr id="1" name=""/>
+        <p:cNvGrpSpPr/>
+        <p:nvPr/>
+      </p:nvGrpSpPr>
+      <p:grpSpPr>
+        <a:xfrm>
+          <a:off x="0" y="0"/>
+          <a:ext cx="0" cy="0"/>
+          <a:chOff x="0" y="0"/>
+          <a:chExt cx="0" cy="0"/>
+        </a:xfrm>
+      </p:grpSpPr>
+      <p:sp>
+        <p:nvSpPr>
+          <p:cNvPr id="2" name="Title 1">
+            <a:extLst>
+              <a:ext uri="{FF2B5EF4-FFF2-40B4-BE49-F238E27FC236}">
+                <a16:creationId xmlns:a16="http://schemas.microsoft.com/office/drawing/2014/main" id="{122522D7-7BCB-4D62-9AE0-9BE20D656432}"/>
+              </a:ext>
+            </a:extLst>
+          </p:cNvPr>
+          <p:cNvSpPr>
+            <a:spLocks noGrp="1"/>
+          </p:cNvSpPr>
+          <p:nvPr>
+            <p:ph type="title"/>
+          </p:nvPr>
+        </p:nvSpPr>
+        <p:spPr/>
+        <p:txBody>
+          <a:bodyPr/>
+          <a:lstStyle/>
+          <a:p>
+            <a:r>
+              <a:rPr lang="en-US" dirty="0"/>
+              <a:t>--</a:t>
+            </a:r>
+            <a:r>
+              <a:rPr lang="en-US" dirty="0" err="1"/>
+              <a:t>strictNullChecks</a:t>
+            </a:r>
+            <a:endParaRPr lang="he-IL" dirty="0"/>
+          </a:p>
+        </p:txBody>
+      </p:sp>
+      <p:sp>
+        <p:nvSpPr>
+          <p:cNvPr id="3" name="Footer Placeholder 2">
+            <a:extLst>
+              <a:ext uri="{FF2B5EF4-FFF2-40B4-BE49-F238E27FC236}">
+                <a16:creationId xmlns:a16="http://schemas.microsoft.com/office/drawing/2014/main" id="{B102837E-1594-4849-B203-2F82E81651BD}"/>
+              </a:ext>
+            </a:extLst>
+          </p:cNvPr>
+          <p:cNvSpPr>
+            <a:spLocks noGrp="1"/>
+          </p:cNvSpPr>
+          <p:nvPr>
+            <p:ph type="ftr" sz="quarter" idx="11"/>
+          </p:nvPr>
+        </p:nvSpPr>
+        <p:spPr/>
+        <p:txBody>
+          <a:bodyPr/>
+          <a:lstStyle/>
+          <a:p>
+            <a:r>
+              <a:rPr lang="en-US"/>
+              <a:t>© 2017 Ori Calvo</a:t>
+            </a:r>
+            <a:endParaRPr lang="en-US" dirty="0"/>
+          </a:p>
+        </p:txBody>
+      </p:sp>
+      <p:sp>
+        <p:nvSpPr>
+          <p:cNvPr id="4" name="Slide Number Placeholder 3">
+            <a:extLst>
+              <a:ext uri="{FF2B5EF4-FFF2-40B4-BE49-F238E27FC236}">
+                <a16:creationId xmlns:a16="http://schemas.microsoft.com/office/drawing/2014/main" id="{DEB438C1-5971-4484-B97D-9E3D66583BBA}"/>
+              </a:ext>
+            </a:extLst>
+          </p:cNvPr>
+          <p:cNvSpPr>
+            <a:spLocks noGrp="1"/>
+          </p:cNvSpPr>
+          <p:nvPr>
+            <p:ph type="sldNum" sz="quarter" idx="12"/>
+          </p:nvPr>
+        </p:nvSpPr>
+        <p:spPr/>
+        <p:txBody>
+          <a:bodyPr>
+            <a:normAutofit fontScale="85000" lnSpcReduction="20000"/>
+          </a:bodyPr>
+          <a:lstStyle/>
+          <a:p>
+            <a:fld id="{6EDEC3BC-0694-4586-AE63-02B4D54ABF43}" type="slidenum">
+              <a:rPr lang="en-US" smtClean="0"/>
+              <a:pPr/>
+              <a:t>27</a:t>
+            </a:fld>
+            <a:endParaRPr lang="en-US"/>
+          </a:p>
+        </p:txBody>
+      </p:sp>
+      <p:sp>
+        <p:nvSpPr>
+          <p:cNvPr id="5" name="Content Placeholder 4">
+            <a:extLst>
+              <a:ext uri="{FF2B5EF4-FFF2-40B4-BE49-F238E27FC236}">
+                <a16:creationId xmlns:a16="http://schemas.microsoft.com/office/drawing/2014/main" id="{F70C5A8B-3A91-47C7-B827-45A2B48534D1}"/>
+              </a:ext>
+            </a:extLst>
+          </p:cNvPr>
+          <p:cNvSpPr>
+            <a:spLocks noGrp="1"/>
+          </p:cNvSpPr>
+          <p:nvPr>
+            <p:ph sz="quarter" idx="1"/>
+          </p:nvPr>
+        </p:nvSpPr>
+        <p:spPr/>
+        <p:txBody>
+          <a:bodyPr/>
+          <a:lstStyle/>
+          <a:p>
+            <a:r>
+              <a:rPr lang="en-US" dirty="0"/>
+              <a:t>If on (default is off), the compiler assume that any type </a:t>
+            </a:r>
+            <a:r>
+              <a:rPr lang="en-US" u="sng" dirty="0"/>
+              <a:t>is not assignable </a:t>
+            </a:r>
+            <a:r>
+              <a:rPr lang="en-US" dirty="0"/>
+              <a:t>with </a:t>
+            </a:r>
+            <a:r>
+              <a:rPr lang="en-US" dirty="0">
+                <a:solidFill>
+                  <a:srgbClr val="FF0000"/>
+                </a:solidFill>
+              </a:rPr>
+              <a:t>null</a:t>
+            </a:r>
+            <a:r>
+              <a:rPr lang="en-US" dirty="0"/>
+              <a:t> or </a:t>
+            </a:r>
+            <a:r>
+              <a:rPr lang="en-US" dirty="0">
+                <a:solidFill>
+                  <a:srgbClr val="FF0000"/>
+                </a:solidFill>
+              </a:rPr>
+              <a:t>undefined</a:t>
+            </a:r>
+          </a:p>
+          <a:p>
+            <a:endParaRPr lang="en-US" dirty="0">
+              <a:solidFill>
+                <a:srgbClr val="FF0000"/>
+              </a:solidFill>
+            </a:endParaRPr>
+          </a:p>
+          <a:p>
+            <a:endParaRPr lang="en-US" dirty="0">
+              <a:solidFill>
+                <a:srgbClr val="FF0000"/>
+              </a:solidFill>
+            </a:endParaRPr>
+          </a:p>
+          <a:p>
+            <a:endParaRPr lang="en-US" dirty="0">
+              <a:solidFill>
+                <a:srgbClr val="FF0000"/>
+              </a:solidFill>
+            </a:endParaRPr>
+          </a:p>
+          <a:p>
+            <a:endParaRPr lang="en-US" dirty="0"/>
+          </a:p>
+          <a:p>
+            <a:r>
+              <a:rPr lang="en-US" dirty="0"/>
+              <a:t>Now, the following code does not compile</a:t>
+            </a:r>
+            <a:endParaRPr lang="he-IL" dirty="0"/>
+          </a:p>
+        </p:txBody>
+      </p:sp>
+      <p:sp>
+        <p:nvSpPr>
+          <p:cNvPr id="6" name="Rectangle 5">
+            <a:extLst>
+              <a:ext uri="{FF2B5EF4-FFF2-40B4-BE49-F238E27FC236}">
+                <a16:creationId xmlns:a16="http://schemas.microsoft.com/office/drawing/2014/main" id="{957F5683-62A6-45E4-BE3E-2B74EAAC77DC}"/>
+              </a:ext>
+            </a:extLst>
+          </p:cNvPr>
+          <p:cNvSpPr/>
+          <p:nvPr/>
+        </p:nvSpPr>
+        <p:spPr>
+          <a:xfrm>
+            <a:off x="3330324" y="2708920"/>
+            <a:ext cx="2718048" cy="1477328"/>
+          </a:xfrm>
+          <a:prstGeom prst="rect">
+            <a:avLst/>
+          </a:prstGeom>
+          <a:solidFill>
+            <a:schemeClr val="accent1">
+              <a:lumMod val="40000"/>
+              <a:lumOff val="60000"/>
+            </a:schemeClr>
+          </a:solidFill>
+        </p:spPr>
+        <p:txBody>
+          <a:bodyPr wrap="square">
+            <a:spAutoFit/>
+          </a:bodyPr>
+          <a:lstStyle/>
+          <a:p>
+            <a:r>
+              <a:rPr lang="en-US" dirty="0">
+                <a:solidFill>
+                  <a:srgbClr val="000000"/>
+                </a:solidFill>
+                <a:latin typeface="Calibri" panose="020F0502020204030204" pitchFamily="34" charset="0"/>
+                <a:ea typeface="Calibri" panose="020F0502020204030204" pitchFamily="34" charset="0"/>
+                <a:cs typeface="Arial" panose="020B0604020202020204" pitchFamily="34" charset="0"/>
+              </a:rPr>
+              <a:t>{</a:t>
+            </a:r>
+            <a:br>
+              <a:rPr lang="en-US" dirty="0">
+                <a:solidFill>
+                  <a:srgbClr val="000000"/>
+                </a:solidFill>
+                <a:latin typeface="Calibri" panose="020F0502020204030204" pitchFamily="34" charset="0"/>
+                <a:ea typeface="Calibri" panose="020F0502020204030204" pitchFamily="34" charset="0"/>
+                <a:cs typeface="Arial" panose="020B0604020202020204" pitchFamily="34" charset="0"/>
+              </a:rPr>
+            </a:br>
+            <a:r>
+              <a:rPr lang="en-US" dirty="0">
+                <a:solidFill>
+                  <a:srgbClr val="000000"/>
+                </a:solidFill>
+                <a:latin typeface="Calibri" panose="020F0502020204030204" pitchFamily="34" charset="0"/>
+                <a:ea typeface="Calibri" panose="020F0502020204030204" pitchFamily="34" charset="0"/>
+                <a:cs typeface="Arial" panose="020B0604020202020204" pitchFamily="34" charset="0"/>
+              </a:rPr>
+              <a:t>  </a:t>
+            </a:r>
+            <a:r>
+              <a:rPr lang="en-US" b="1" dirty="0">
+                <a:solidFill>
+                  <a:srgbClr val="660E7A"/>
+                </a:solidFill>
+                <a:latin typeface="Calibri" panose="020F0502020204030204" pitchFamily="34" charset="0"/>
+                <a:ea typeface="Calibri" panose="020F0502020204030204" pitchFamily="34" charset="0"/>
+                <a:cs typeface="Arial" panose="020B0604020202020204" pitchFamily="34" charset="0"/>
+              </a:rPr>
+              <a:t>"</a:t>
+            </a:r>
+            <a:r>
+              <a:rPr lang="en-US" b="1" dirty="0" err="1">
+                <a:solidFill>
+                  <a:srgbClr val="660E7A"/>
+                </a:solidFill>
+                <a:latin typeface="Calibri" panose="020F0502020204030204" pitchFamily="34" charset="0"/>
+                <a:ea typeface="Calibri" panose="020F0502020204030204" pitchFamily="34" charset="0"/>
+                <a:cs typeface="Arial" panose="020B0604020202020204" pitchFamily="34" charset="0"/>
+              </a:rPr>
+              <a:t>compilerOptions</a:t>
+            </a:r>
+            <a:r>
+              <a:rPr lang="en-US" b="1" dirty="0">
+                <a:solidFill>
+                  <a:srgbClr val="660E7A"/>
+                </a:solidFill>
+                <a:latin typeface="Calibri" panose="020F0502020204030204" pitchFamily="34" charset="0"/>
+                <a:ea typeface="Calibri" panose="020F0502020204030204" pitchFamily="34" charset="0"/>
+                <a:cs typeface="Arial" panose="020B0604020202020204" pitchFamily="34" charset="0"/>
+              </a:rPr>
+              <a:t>"</a:t>
+            </a:r>
+            <a:r>
+              <a:rPr lang="en-US" dirty="0">
+                <a:solidFill>
+                  <a:srgbClr val="000000"/>
+                </a:solidFill>
+                <a:latin typeface="Calibri" panose="020F0502020204030204" pitchFamily="34" charset="0"/>
+                <a:ea typeface="Calibri" panose="020F0502020204030204" pitchFamily="34" charset="0"/>
+                <a:cs typeface="Arial" panose="020B0604020202020204" pitchFamily="34" charset="0"/>
+              </a:rPr>
+              <a:t>: {</a:t>
+            </a:r>
+            <a:br>
+              <a:rPr lang="en-US" dirty="0">
+                <a:solidFill>
+                  <a:srgbClr val="000000"/>
+                </a:solidFill>
+                <a:latin typeface="Calibri" panose="020F0502020204030204" pitchFamily="34" charset="0"/>
+                <a:ea typeface="Calibri" panose="020F0502020204030204" pitchFamily="34" charset="0"/>
+                <a:cs typeface="Arial" panose="020B0604020202020204" pitchFamily="34" charset="0"/>
+              </a:rPr>
+            </a:br>
+            <a:r>
+              <a:rPr lang="en-US" dirty="0">
+                <a:solidFill>
+                  <a:srgbClr val="000000"/>
+                </a:solidFill>
+                <a:latin typeface="Calibri" panose="020F0502020204030204" pitchFamily="34" charset="0"/>
+                <a:ea typeface="Calibri" panose="020F0502020204030204" pitchFamily="34" charset="0"/>
+                <a:cs typeface="Arial" panose="020B0604020202020204" pitchFamily="34" charset="0"/>
+              </a:rPr>
+              <a:t>    </a:t>
+            </a:r>
+            <a:r>
+              <a:rPr lang="en-US" b="1" dirty="0">
+                <a:solidFill>
+                  <a:srgbClr val="660E7A"/>
+                </a:solidFill>
+                <a:latin typeface="Calibri" panose="020F0502020204030204" pitchFamily="34" charset="0"/>
+                <a:ea typeface="Calibri" panose="020F0502020204030204" pitchFamily="34" charset="0"/>
+                <a:cs typeface="Arial" panose="020B0604020202020204" pitchFamily="34" charset="0"/>
+              </a:rPr>
+              <a:t>"</a:t>
+            </a:r>
+            <a:r>
+              <a:rPr lang="en-US" b="1" dirty="0" err="1">
+                <a:solidFill>
+                  <a:srgbClr val="660E7A"/>
+                </a:solidFill>
+                <a:latin typeface="Calibri" panose="020F0502020204030204" pitchFamily="34" charset="0"/>
+                <a:ea typeface="Calibri" panose="020F0502020204030204" pitchFamily="34" charset="0"/>
+                <a:cs typeface="Arial" panose="020B0604020202020204" pitchFamily="34" charset="0"/>
+              </a:rPr>
+              <a:t>strictNullChecks</a:t>
+            </a:r>
+            <a:r>
+              <a:rPr lang="en-US" b="1" dirty="0">
+                <a:solidFill>
+                  <a:srgbClr val="660E7A"/>
+                </a:solidFill>
+                <a:latin typeface="Calibri" panose="020F0502020204030204" pitchFamily="34" charset="0"/>
+                <a:ea typeface="Calibri" panose="020F0502020204030204" pitchFamily="34" charset="0"/>
+                <a:cs typeface="Arial" panose="020B0604020202020204" pitchFamily="34" charset="0"/>
+              </a:rPr>
+              <a:t>"</a:t>
+            </a:r>
+            <a:r>
+              <a:rPr lang="en-US" dirty="0">
+                <a:solidFill>
+                  <a:srgbClr val="000000"/>
+                </a:solidFill>
+                <a:latin typeface="Calibri" panose="020F0502020204030204" pitchFamily="34" charset="0"/>
+                <a:ea typeface="Calibri" panose="020F0502020204030204" pitchFamily="34" charset="0"/>
+                <a:cs typeface="Arial" panose="020B0604020202020204" pitchFamily="34" charset="0"/>
+              </a:rPr>
+              <a:t>: </a:t>
+            </a:r>
+            <a:r>
+              <a:rPr lang="en-US" b="1" dirty="0">
+                <a:solidFill>
+                  <a:srgbClr val="000080"/>
+                </a:solidFill>
+                <a:latin typeface="Calibri" panose="020F0502020204030204" pitchFamily="34" charset="0"/>
+                <a:ea typeface="Calibri" panose="020F0502020204030204" pitchFamily="34" charset="0"/>
+                <a:cs typeface="Arial" panose="020B0604020202020204" pitchFamily="34" charset="0"/>
+              </a:rPr>
+              <a:t>true</a:t>
+            </a:r>
+            <a:br>
+              <a:rPr lang="en-US" b="1" dirty="0">
+                <a:solidFill>
+                  <a:srgbClr val="000080"/>
+                </a:solidFill>
+                <a:latin typeface="Calibri" panose="020F0502020204030204" pitchFamily="34" charset="0"/>
+                <a:ea typeface="Calibri" panose="020F0502020204030204" pitchFamily="34" charset="0"/>
+                <a:cs typeface="Arial" panose="020B0604020202020204" pitchFamily="34" charset="0"/>
+              </a:rPr>
+            </a:br>
+            <a:r>
+              <a:rPr lang="en-US" b="1" dirty="0">
+                <a:solidFill>
+                  <a:srgbClr val="000080"/>
+                </a:solidFill>
+                <a:latin typeface="Calibri" panose="020F0502020204030204" pitchFamily="34" charset="0"/>
+                <a:ea typeface="Calibri" panose="020F0502020204030204" pitchFamily="34" charset="0"/>
+                <a:cs typeface="Arial" panose="020B0604020202020204" pitchFamily="34" charset="0"/>
+              </a:rPr>
+              <a:t>  </a:t>
+            </a:r>
+            <a:r>
+              <a:rPr lang="en-US" dirty="0">
+                <a:solidFill>
+                  <a:srgbClr val="000000"/>
+                </a:solidFill>
+                <a:latin typeface="Calibri" panose="020F0502020204030204" pitchFamily="34" charset="0"/>
+                <a:ea typeface="Calibri" panose="020F0502020204030204" pitchFamily="34" charset="0"/>
+                <a:cs typeface="Arial" panose="020B0604020202020204" pitchFamily="34" charset="0"/>
+              </a:rPr>
+              <a:t>}</a:t>
+            </a:r>
+            <a:br>
+              <a:rPr lang="en-US" dirty="0">
+                <a:solidFill>
+                  <a:srgbClr val="000000"/>
+                </a:solidFill>
+                <a:latin typeface="Calibri" panose="020F0502020204030204" pitchFamily="34" charset="0"/>
+                <a:ea typeface="Calibri" panose="020F0502020204030204" pitchFamily="34" charset="0"/>
+                <a:cs typeface="Arial" panose="020B0604020202020204" pitchFamily="34" charset="0"/>
+              </a:rPr>
+            </a:br>
+            <a:r>
+              <a:rPr lang="en-US" dirty="0">
+                <a:solidFill>
+                  <a:srgbClr val="000000"/>
+                </a:solidFill>
+                <a:latin typeface="Calibri" panose="020F0502020204030204" pitchFamily="34" charset="0"/>
+                <a:ea typeface="Calibri" panose="020F0502020204030204" pitchFamily="34" charset="0"/>
+                <a:cs typeface="Arial" panose="020B0604020202020204" pitchFamily="34" charset="0"/>
+              </a:rPr>
+              <a:t>}</a:t>
+            </a:r>
+            <a:endParaRPr lang="he-IL" dirty="0"/>
+          </a:p>
+        </p:txBody>
+      </p:sp>
+      <p:sp>
+        <p:nvSpPr>
+          <p:cNvPr id="7" name="Rectangle 6">
+            <a:extLst>
+              <a:ext uri="{FF2B5EF4-FFF2-40B4-BE49-F238E27FC236}">
+                <a16:creationId xmlns:a16="http://schemas.microsoft.com/office/drawing/2014/main" id="{E288E2DE-2021-4A68-906B-45400D7E4D78}"/>
+              </a:ext>
+            </a:extLst>
+          </p:cNvPr>
+          <p:cNvSpPr/>
+          <p:nvPr/>
+        </p:nvSpPr>
+        <p:spPr>
+          <a:xfrm>
+            <a:off x="3681236" y="5294968"/>
+            <a:ext cx="2016224" cy="923330"/>
+          </a:xfrm>
+          <a:prstGeom prst="rect">
+            <a:avLst/>
+          </a:prstGeom>
+          <a:solidFill>
+            <a:schemeClr val="accent1">
+              <a:lumMod val="40000"/>
+              <a:lumOff val="60000"/>
+            </a:schemeClr>
+          </a:solidFill>
+        </p:spPr>
+        <p:txBody>
+          <a:bodyPr wrap="square">
+            <a:spAutoFit/>
+          </a:bodyPr>
+          <a:lstStyle/>
+          <a:p>
+            <a:r>
+              <a:rPr lang="en-US" b="1" dirty="0">
+                <a:solidFill>
+                  <a:srgbClr val="000080"/>
+                </a:solidFill>
+                <a:latin typeface="Calibri" panose="020F0502020204030204" pitchFamily="34" charset="0"/>
+                <a:ea typeface="Calibri" panose="020F0502020204030204" pitchFamily="34" charset="0"/>
+                <a:cs typeface="Arial" panose="020B0604020202020204" pitchFamily="34" charset="0"/>
+              </a:rPr>
+              <a:t>function </a:t>
+            </a:r>
+            <a:r>
+              <a:rPr lang="en-US" i="1" dirty="0">
+                <a:solidFill>
+                  <a:srgbClr val="000000"/>
+                </a:solidFill>
+                <a:latin typeface="Calibri" panose="020F0502020204030204" pitchFamily="34" charset="0"/>
+                <a:ea typeface="Calibri" panose="020F0502020204030204" pitchFamily="34" charset="0"/>
+                <a:cs typeface="Arial" panose="020B0604020202020204" pitchFamily="34" charset="0"/>
+              </a:rPr>
+              <a:t>main</a:t>
+            </a:r>
+            <a:r>
+              <a:rPr lang="en-US" dirty="0">
+                <a:solidFill>
+                  <a:srgbClr val="000000"/>
+                </a:solidFill>
+                <a:latin typeface="Calibri" panose="020F0502020204030204" pitchFamily="34" charset="0"/>
+                <a:ea typeface="Calibri" panose="020F0502020204030204" pitchFamily="34" charset="0"/>
+                <a:cs typeface="Arial" panose="020B0604020202020204" pitchFamily="34" charset="0"/>
+              </a:rPr>
+              <a:t>() {</a:t>
+            </a:r>
+            <a:br>
+              <a:rPr lang="en-US" dirty="0">
+                <a:solidFill>
+                  <a:srgbClr val="000000"/>
+                </a:solidFill>
+                <a:latin typeface="Calibri" panose="020F0502020204030204" pitchFamily="34" charset="0"/>
+                <a:ea typeface="Calibri" panose="020F0502020204030204" pitchFamily="34" charset="0"/>
+                <a:cs typeface="Arial" panose="020B0604020202020204" pitchFamily="34" charset="0"/>
+              </a:rPr>
+            </a:br>
+            <a:r>
+              <a:rPr lang="en-US" dirty="0">
+                <a:solidFill>
+                  <a:srgbClr val="000000"/>
+                </a:solidFill>
+                <a:latin typeface="Calibri" panose="020F0502020204030204" pitchFamily="34" charset="0"/>
+                <a:ea typeface="Calibri" panose="020F0502020204030204" pitchFamily="34" charset="0"/>
+                <a:cs typeface="Arial" panose="020B0604020202020204" pitchFamily="34" charset="0"/>
+              </a:rPr>
+              <a:t>    </a:t>
+            </a:r>
+            <a:r>
+              <a:rPr lang="en-US" i="1" dirty="0">
+                <a:solidFill>
+                  <a:srgbClr val="000000"/>
+                </a:solidFill>
+                <a:latin typeface="Calibri" panose="020F0502020204030204" pitchFamily="34" charset="0"/>
+                <a:ea typeface="Calibri" panose="020F0502020204030204" pitchFamily="34" charset="0"/>
+                <a:cs typeface="Arial" panose="020B0604020202020204" pitchFamily="34" charset="0"/>
+              </a:rPr>
+              <a:t>run</a:t>
+            </a:r>
+            <a:r>
+              <a:rPr lang="en-US" dirty="0">
+                <a:solidFill>
+                  <a:srgbClr val="000000"/>
+                </a:solidFill>
+                <a:latin typeface="Calibri" panose="020F0502020204030204" pitchFamily="34" charset="0"/>
+                <a:ea typeface="Calibri" panose="020F0502020204030204" pitchFamily="34" charset="0"/>
+                <a:cs typeface="Arial" panose="020B0604020202020204" pitchFamily="34" charset="0"/>
+              </a:rPr>
+              <a:t>(</a:t>
+            </a:r>
+            <a:r>
+              <a:rPr lang="en-US" b="1" dirty="0">
+                <a:solidFill>
+                  <a:srgbClr val="000080"/>
+                </a:solidFill>
+                <a:latin typeface="Calibri" panose="020F0502020204030204" pitchFamily="34" charset="0"/>
+                <a:ea typeface="Calibri" panose="020F0502020204030204" pitchFamily="34" charset="0"/>
+                <a:cs typeface="Arial" panose="020B0604020202020204" pitchFamily="34" charset="0"/>
+              </a:rPr>
+              <a:t>null</a:t>
+            </a:r>
+            <a:r>
+              <a:rPr lang="en-US" dirty="0">
+                <a:solidFill>
+                  <a:srgbClr val="000000"/>
+                </a:solidFill>
+                <a:latin typeface="Calibri" panose="020F0502020204030204" pitchFamily="34" charset="0"/>
+                <a:ea typeface="Calibri" panose="020F0502020204030204" pitchFamily="34" charset="0"/>
+                <a:cs typeface="Arial" panose="020B0604020202020204" pitchFamily="34" charset="0"/>
+              </a:rPr>
+              <a:t>);</a:t>
+            </a:r>
+            <a:br>
+              <a:rPr lang="en-US" dirty="0">
+                <a:solidFill>
+                  <a:srgbClr val="000000"/>
+                </a:solidFill>
+                <a:latin typeface="Calibri" panose="020F0502020204030204" pitchFamily="34" charset="0"/>
+                <a:ea typeface="Calibri" panose="020F0502020204030204" pitchFamily="34" charset="0"/>
+                <a:cs typeface="Arial" panose="020B0604020202020204" pitchFamily="34" charset="0"/>
+              </a:rPr>
+            </a:br>
+            <a:r>
+              <a:rPr lang="en-US" dirty="0">
+                <a:solidFill>
+                  <a:srgbClr val="000000"/>
+                </a:solidFill>
+                <a:latin typeface="Calibri" panose="020F0502020204030204" pitchFamily="34" charset="0"/>
+                <a:ea typeface="Calibri" panose="020F0502020204030204" pitchFamily="34" charset="0"/>
+                <a:cs typeface="Arial" panose="020B0604020202020204" pitchFamily="34" charset="0"/>
+              </a:rPr>
+              <a:t>}</a:t>
+            </a:r>
+            <a:endParaRPr lang="he-IL" dirty="0"/>
+          </a:p>
+        </p:txBody>
+      </p:sp>
+    </p:spTree>
+    <p:extLst>
+      <p:ext uri="{BB962C8B-B14F-4D97-AF65-F5344CB8AC3E}">
+        <p14:creationId xmlns:p14="http://schemas.microsoft.com/office/powerpoint/2010/main" val="945478242"/>
+      </p:ext>
+    </p:extLst>
+  </p:cSld>
+  <p:clrMapOvr>
+    <a:masterClrMapping/>
+  </p:clrMapOvr>
+</p:sld>
+</file>
+
+<file path=ppt/slides/slide28.xml><?xml version="1.0" encoding="utf-8"?>
+<p:sld xmlns:a="http://schemas.openxmlformats.org/drawingml/2006/main" xmlns:r="http://schemas.openxmlformats.org/officeDocument/2006/relationships" xmlns:p="http://schemas.openxmlformats.org/presentationml/2006/main">
+  <p:cSld>
+    <p:spTree>
+      <p:nvGrpSpPr>
+        <p:cNvPr id="1" name=""/>
+        <p:cNvGrpSpPr/>
+        <p:nvPr/>
+      </p:nvGrpSpPr>
+      <p:grpSpPr>
+        <a:xfrm>
+          <a:off x="0" y="0"/>
+          <a:ext cx="0" cy="0"/>
+          <a:chOff x="0" y="0"/>
+          <a:chExt cx="0" cy="0"/>
+        </a:xfrm>
+      </p:grpSpPr>
+      <p:sp>
+        <p:nvSpPr>
+          <p:cNvPr id="2" name="Title 1">
+            <a:extLst>
+              <a:ext uri="{FF2B5EF4-FFF2-40B4-BE49-F238E27FC236}">
+                <a16:creationId xmlns:a16="http://schemas.microsoft.com/office/drawing/2014/main" id="{91918B92-1049-4B29-BD40-1602714948C5}"/>
+              </a:ext>
+            </a:extLst>
+          </p:cNvPr>
+          <p:cNvSpPr>
+            <a:spLocks noGrp="1"/>
+          </p:cNvSpPr>
+          <p:nvPr>
+            <p:ph type="title"/>
+          </p:nvPr>
+        </p:nvSpPr>
+        <p:spPr/>
+        <p:txBody>
+          <a:bodyPr/>
+          <a:lstStyle/>
+          <a:p>
+            <a:r>
+              <a:rPr lang="en-US" dirty="0"/>
+              <a:t>Allow null</a:t>
+            </a:r>
+            <a:endParaRPr lang="he-IL" dirty="0"/>
+          </a:p>
+        </p:txBody>
+      </p:sp>
+      <p:sp>
+        <p:nvSpPr>
+          <p:cNvPr id="3" name="Footer Placeholder 2">
+            <a:extLst>
+              <a:ext uri="{FF2B5EF4-FFF2-40B4-BE49-F238E27FC236}">
+                <a16:creationId xmlns:a16="http://schemas.microsoft.com/office/drawing/2014/main" id="{116366DF-AC63-473B-BBD9-A458BDC9A8C1}"/>
+              </a:ext>
+            </a:extLst>
+          </p:cNvPr>
+          <p:cNvSpPr>
+            <a:spLocks noGrp="1"/>
+          </p:cNvSpPr>
+          <p:nvPr>
+            <p:ph type="ftr" sz="quarter" idx="11"/>
+          </p:nvPr>
+        </p:nvSpPr>
+        <p:spPr/>
+        <p:txBody>
+          <a:bodyPr/>
+          <a:lstStyle/>
+          <a:p>
+            <a:r>
+              <a:rPr lang="en-US"/>
+              <a:t>© 2017 Ori Calvo</a:t>
+            </a:r>
+            <a:endParaRPr lang="en-US" dirty="0"/>
+          </a:p>
+        </p:txBody>
+      </p:sp>
+      <p:sp>
+        <p:nvSpPr>
+          <p:cNvPr id="4" name="Slide Number Placeholder 3">
+            <a:extLst>
+              <a:ext uri="{FF2B5EF4-FFF2-40B4-BE49-F238E27FC236}">
+                <a16:creationId xmlns:a16="http://schemas.microsoft.com/office/drawing/2014/main" id="{C8CBB4D5-CA35-471B-A8D1-EE5D257585CB}"/>
+              </a:ext>
+            </a:extLst>
+          </p:cNvPr>
+          <p:cNvSpPr>
+            <a:spLocks noGrp="1"/>
+          </p:cNvSpPr>
+          <p:nvPr>
+            <p:ph type="sldNum" sz="quarter" idx="12"/>
+          </p:nvPr>
+        </p:nvSpPr>
+        <p:spPr/>
+        <p:txBody>
+          <a:bodyPr>
+            <a:normAutofit fontScale="85000" lnSpcReduction="20000"/>
+          </a:bodyPr>
+          <a:lstStyle/>
+          <a:p>
+            <a:fld id="{6EDEC3BC-0694-4586-AE63-02B4D54ABF43}" type="slidenum">
+              <a:rPr lang="en-US" smtClean="0"/>
+              <a:pPr/>
+              <a:t>28</a:t>
+            </a:fld>
+            <a:endParaRPr lang="en-US"/>
+          </a:p>
+        </p:txBody>
+      </p:sp>
+      <p:sp>
+        <p:nvSpPr>
+          <p:cNvPr id="7" name="Rectangle 6">
+            <a:extLst>
+              <a:ext uri="{FF2B5EF4-FFF2-40B4-BE49-F238E27FC236}">
+                <a16:creationId xmlns:a16="http://schemas.microsoft.com/office/drawing/2014/main" id="{0678516B-E730-41FF-8A1C-20B78F4E45ED}"/>
+              </a:ext>
+            </a:extLst>
+          </p:cNvPr>
+          <p:cNvSpPr/>
+          <p:nvPr/>
+        </p:nvSpPr>
+        <p:spPr>
+          <a:xfrm>
+            <a:off x="2267744" y="2060848"/>
+            <a:ext cx="2646040" cy="3970318"/>
+          </a:xfrm>
+          <a:prstGeom prst="rect">
+            <a:avLst/>
+          </a:prstGeom>
+          <a:solidFill>
+            <a:schemeClr val="accent1">
+              <a:lumMod val="40000"/>
+              <a:lumOff val="60000"/>
+            </a:schemeClr>
+          </a:solidFill>
+        </p:spPr>
+        <p:txBody>
+          <a:bodyPr wrap="square">
+            <a:spAutoFit/>
+          </a:bodyPr>
+          <a:lstStyle/>
+          <a:p>
+            <a:r>
+              <a:rPr lang="en-US" b="1" dirty="0">
+                <a:solidFill>
+                  <a:srgbClr val="000080"/>
+                </a:solidFill>
+                <a:latin typeface="Calibri" panose="020F0502020204030204" pitchFamily="34" charset="0"/>
+                <a:ea typeface="Calibri" panose="020F0502020204030204" pitchFamily="34" charset="0"/>
+                <a:cs typeface="Arial" panose="020B0604020202020204" pitchFamily="34" charset="0"/>
+              </a:rPr>
+              <a:t>class </a:t>
+            </a:r>
+            <a:r>
+              <a:rPr lang="en-US" dirty="0">
+                <a:solidFill>
+                  <a:srgbClr val="000000"/>
+                </a:solidFill>
+                <a:latin typeface="Calibri" panose="020F0502020204030204" pitchFamily="34" charset="0"/>
+                <a:ea typeface="Calibri" panose="020F0502020204030204" pitchFamily="34" charset="0"/>
+                <a:cs typeface="Arial" panose="020B0604020202020204" pitchFamily="34" charset="0"/>
+              </a:rPr>
+              <a:t>A {</a:t>
+            </a:r>
+            <a:br>
+              <a:rPr lang="en-US" dirty="0">
+                <a:solidFill>
+                  <a:srgbClr val="000000"/>
+                </a:solidFill>
+                <a:latin typeface="Calibri" panose="020F0502020204030204" pitchFamily="34" charset="0"/>
+                <a:ea typeface="Calibri" panose="020F0502020204030204" pitchFamily="34" charset="0"/>
+                <a:cs typeface="Arial" panose="020B0604020202020204" pitchFamily="34" charset="0"/>
+              </a:rPr>
+            </a:br>
+            <a:r>
+              <a:rPr lang="en-US" dirty="0">
+                <a:solidFill>
+                  <a:srgbClr val="000000"/>
+                </a:solidFill>
+                <a:latin typeface="Calibri" panose="020F0502020204030204" pitchFamily="34" charset="0"/>
+                <a:ea typeface="Calibri" panose="020F0502020204030204" pitchFamily="34" charset="0"/>
+                <a:cs typeface="Arial" panose="020B0604020202020204" pitchFamily="34" charset="0"/>
+              </a:rPr>
+              <a:t>    </a:t>
+            </a:r>
+            <a:r>
+              <a:rPr lang="en-US" dirty="0">
+                <a:solidFill>
+                  <a:srgbClr val="7A7A43"/>
+                </a:solidFill>
+                <a:latin typeface="Calibri" panose="020F0502020204030204" pitchFamily="34" charset="0"/>
+                <a:ea typeface="Calibri" panose="020F0502020204030204" pitchFamily="34" charset="0"/>
+                <a:cs typeface="Arial" panose="020B0604020202020204" pitchFamily="34" charset="0"/>
+              </a:rPr>
+              <a:t>run</a:t>
+            </a:r>
+            <a:r>
+              <a:rPr lang="en-US" dirty="0">
+                <a:solidFill>
+                  <a:srgbClr val="000000"/>
+                </a:solidFill>
+                <a:latin typeface="Calibri" panose="020F0502020204030204" pitchFamily="34" charset="0"/>
+                <a:ea typeface="Calibri" panose="020F0502020204030204" pitchFamily="34" charset="0"/>
+                <a:cs typeface="Arial" panose="020B0604020202020204" pitchFamily="34" charset="0"/>
+              </a:rPr>
+              <a:t>() {</a:t>
+            </a:r>
+            <a:br>
+              <a:rPr lang="en-US" dirty="0">
+                <a:solidFill>
+                  <a:srgbClr val="000000"/>
+                </a:solidFill>
+                <a:latin typeface="Calibri" panose="020F0502020204030204" pitchFamily="34" charset="0"/>
+                <a:ea typeface="Calibri" panose="020F0502020204030204" pitchFamily="34" charset="0"/>
+                <a:cs typeface="Arial" panose="020B0604020202020204" pitchFamily="34" charset="0"/>
+              </a:rPr>
+            </a:br>
+            <a:r>
+              <a:rPr lang="en-US" dirty="0">
+                <a:solidFill>
+                  <a:srgbClr val="000000"/>
+                </a:solidFill>
+                <a:latin typeface="Calibri" panose="020F0502020204030204" pitchFamily="34" charset="0"/>
+                <a:ea typeface="Calibri" panose="020F0502020204030204" pitchFamily="34" charset="0"/>
+                <a:cs typeface="Arial" panose="020B0604020202020204" pitchFamily="34" charset="0"/>
+              </a:rPr>
+              <a:t>    }</a:t>
+            </a:r>
+            <a:br>
+              <a:rPr lang="en-US" dirty="0">
+                <a:solidFill>
+                  <a:srgbClr val="000000"/>
+                </a:solidFill>
+                <a:latin typeface="Calibri" panose="020F0502020204030204" pitchFamily="34" charset="0"/>
+                <a:ea typeface="Calibri" panose="020F0502020204030204" pitchFamily="34" charset="0"/>
+                <a:cs typeface="Arial" panose="020B0604020202020204" pitchFamily="34" charset="0"/>
+              </a:rPr>
+            </a:br>
+            <a:r>
+              <a:rPr lang="en-US" dirty="0">
+                <a:solidFill>
+                  <a:srgbClr val="000000"/>
+                </a:solidFill>
+                <a:latin typeface="Calibri" panose="020F0502020204030204" pitchFamily="34" charset="0"/>
+                <a:ea typeface="Calibri" panose="020F0502020204030204" pitchFamily="34" charset="0"/>
+                <a:cs typeface="Arial" panose="020B0604020202020204" pitchFamily="34" charset="0"/>
+              </a:rPr>
+              <a:t>}</a:t>
+            </a:r>
+            <a:br>
+              <a:rPr lang="en-US" dirty="0">
+                <a:solidFill>
+                  <a:srgbClr val="000000"/>
+                </a:solidFill>
+                <a:latin typeface="Calibri" panose="020F0502020204030204" pitchFamily="34" charset="0"/>
+                <a:ea typeface="Calibri" panose="020F0502020204030204" pitchFamily="34" charset="0"/>
+                <a:cs typeface="Arial" panose="020B0604020202020204" pitchFamily="34" charset="0"/>
+              </a:rPr>
+            </a:br>
+            <a:br>
+              <a:rPr lang="en-US" dirty="0">
+                <a:solidFill>
+                  <a:srgbClr val="000000"/>
+                </a:solidFill>
+                <a:latin typeface="Calibri" panose="020F0502020204030204" pitchFamily="34" charset="0"/>
+                <a:ea typeface="Calibri" panose="020F0502020204030204" pitchFamily="34" charset="0"/>
+                <a:cs typeface="Arial" panose="020B0604020202020204" pitchFamily="34" charset="0"/>
+              </a:rPr>
+            </a:br>
+            <a:r>
+              <a:rPr lang="en-US" b="1" dirty="0">
+                <a:solidFill>
+                  <a:srgbClr val="000080"/>
+                </a:solidFill>
+                <a:latin typeface="Calibri" panose="020F0502020204030204" pitchFamily="34" charset="0"/>
+                <a:ea typeface="Calibri" panose="020F0502020204030204" pitchFamily="34" charset="0"/>
+                <a:cs typeface="Arial" panose="020B0604020202020204" pitchFamily="34" charset="0"/>
+              </a:rPr>
+              <a:t>function </a:t>
+            </a:r>
+            <a:r>
+              <a:rPr lang="en-US" i="1" dirty="0">
+                <a:solidFill>
+                  <a:srgbClr val="000000"/>
+                </a:solidFill>
+                <a:latin typeface="Calibri" panose="020F0502020204030204" pitchFamily="34" charset="0"/>
+                <a:ea typeface="Calibri" panose="020F0502020204030204" pitchFamily="34" charset="0"/>
+                <a:cs typeface="Arial" panose="020B0604020202020204" pitchFamily="34" charset="0"/>
+              </a:rPr>
+              <a:t>run</a:t>
+            </a:r>
+            <a:r>
+              <a:rPr lang="en-US" dirty="0">
+                <a:solidFill>
+                  <a:srgbClr val="000000"/>
+                </a:solidFill>
+                <a:latin typeface="Calibri" panose="020F0502020204030204" pitchFamily="34" charset="0"/>
+                <a:ea typeface="Calibri" panose="020F0502020204030204" pitchFamily="34" charset="0"/>
+                <a:cs typeface="Arial" panose="020B0604020202020204" pitchFamily="34" charset="0"/>
+              </a:rPr>
+              <a:t>(a: </a:t>
+            </a:r>
+            <a:r>
+              <a:rPr lang="en-US" dirty="0" err="1">
+                <a:solidFill>
+                  <a:srgbClr val="000000"/>
+                </a:solidFill>
+                <a:latin typeface="Calibri" panose="020F0502020204030204" pitchFamily="34" charset="0"/>
+                <a:ea typeface="Calibri" panose="020F0502020204030204" pitchFamily="34" charset="0"/>
+                <a:cs typeface="Arial" panose="020B0604020202020204" pitchFamily="34" charset="0"/>
+              </a:rPr>
+              <a:t>A|</a:t>
+            </a:r>
+            <a:r>
+              <a:rPr lang="en-US" b="1" dirty="0" err="1">
+                <a:solidFill>
+                  <a:srgbClr val="000080"/>
+                </a:solidFill>
+                <a:latin typeface="Calibri" panose="020F0502020204030204" pitchFamily="34" charset="0"/>
+                <a:ea typeface="Calibri" panose="020F0502020204030204" pitchFamily="34" charset="0"/>
+                <a:cs typeface="Arial" panose="020B0604020202020204" pitchFamily="34" charset="0"/>
+              </a:rPr>
+              <a:t>null</a:t>
+            </a:r>
+            <a:r>
+              <a:rPr lang="en-US" dirty="0">
+                <a:solidFill>
+                  <a:srgbClr val="000000"/>
+                </a:solidFill>
+                <a:latin typeface="Calibri" panose="020F0502020204030204" pitchFamily="34" charset="0"/>
+                <a:ea typeface="Calibri" panose="020F0502020204030204" pitchFamily="34" charset="0"/>
+                <a:cs typeface="Arial" panose="020B0604020202020204" pitchFamily="34" charset="0"/>
+              </a:rPr>
+              <a:t>) {</a:t>
+            </a:r>
+            <a:br>
+              <a:rPr lang="en-US" dirty="0">
+                <a:solidFill>
+                  <a:srgbClr val="000000"/>
+                </a:solidFill>
+                <a:latin typeface="Calibri" panose="020F0502020204030204" pitchFamily="34" charset="0"/>
+                <a:ea typeface="Calibri" panose="020F0502020204030204" pitchFamily="34" charset="0"/>
+                <a:cs typeface="Arial" panose="020B0604020202020204" pitchFamily="34" charset="0"/>
+              </a:rPr>
+            </a:br>
+            <a:r>
+              <a:rPr lang="en-US" dirty="0">
+                <a:solidFill>
+                  <a:srgbClr val="000000"/>
+                </a:solidFill>
+                <a:latin typeface="Calibri" panose="020F0502020204030204" pitchFamily="34" charset="0"/>
+                <a:ea typeface="Calibri" panose="020F0502020204030204" pitchFamily="34" charset="0"/>
+                <a:cs typeface="Arial" panose="020B0604020202020204" pitchFamily="34" charset="0"/>
+              </a:rPr>
+              <a:t>    </a:t>
+            </a:r>
+            <a:r>
+              <a:rPr lang="en-US" b="1" dirty="0">
+                <a:solidFill>
+                  <a:srgbClr val="000080"/>
+                </a:solidFill>
+                <a:latin typeface="Calibri" panose="020F0502020204030204" pitchFamily="34" charset="0"/>
+                <a:ea typeface="Calibri" panose="020F0502020204030204" pitchFamily="34" charset="0"/>
+                <a:cs typeface="Arial" panose="020B0604020202020204" pitchFamily="34" charset="0"/>
+              </a:rPr>
+              <a:t>if</a:t>
+            </a:r>
+            <a:r>
+              <a:rPr lang="en-US" dirty="0">
+                <a:solidFill>
+                  <a:srgbClr val="000000"/>
+                </a:solidFill>
+                <a:latin typeface="Calibri" panose="020F0502020204030204" pitchFamily="34" charset="0"/>
+                <a:ea typeface="Calibri" panose="020F0502020204030204" pitchFamily="34" charset="0"/>
+                <a:cs typeface="Arial" panose="020B0604020202020204" pitchFamily="34" charset="0"/>
+              </a:rPr>
+              <a:t>(a) {</a:t>
+            </a:r>
+            <a:br>
+              <a:rPr lang="en-US" dirty="0">
+                <a:solidFill>
+                  <a:srgbClr val="000000"/>
+                </a:solidFill>
+                <a:latin typeface="Calibri" panose="020F0502020204030204" pitchFamily="34" charset="0"/>
+                <a:ea typeface="Calibri" panose="020F0502020204030204" pitchFamily="34" charset="0"/>
+                <a:cs typeface="Arial" panose="020B0604020202020204" pitchFamily="34" charset="0"/>
+              </a:rPr>
+            </a:br>
+            <a:r>
+              <a:rPr lang="en-US" dirty="0">
+                <a:solidFill>
+                  <a:srgbClr val="000000"/>
+                </a:solidFill>
+                <a:latin typeface="Calibri" panose="020F0502020204030204" pitchFamily="34" charset="0"/>
+                <a:ea typeface="Calibri" panose="020F0502020204030204" pitchFamily="34" charset="0"/>
+                <a:cs typeface="Arial" panose="020B0604020202020204" pitchFamily="34" charset="0"/>
+              </a:rPr>
+              <a:t>        </a:t>
+            </a:r>
+            <a:r>
+              <a:rPr lang="en-US" dirty="0" err="1">
+                <a:solidFill>
+                  <a:srgbClr val="000000"/>
+                </a:solidFill>
+                <a:latin typeface="Calibri" panose="020F0502020204030204" pitchFamily="34" charset="0"/>
+                <a:ea typeface="Calibri" panose="020F0502020204030204" pitchFamily="34" charset="0"/>
+                <a:cs typeface="Arial" panose="020B0604020202020204" pitchFamily="34" charset="0"/>
+              </a:rPr>
+              <a:t>a.</a:t>
+            </a:r>
+            <a:r>
+              <a:rPr lang="en-US" dirty="0" err="1">
+                <a:solidFill>
+                  <a:srgbClr val="7A7A43"/>
+                </a:solidFill>
+                <a:latin typeface="Calibri" panose="020F0502020204030204" pitchFamily="34" charset="0"/>
+                <a:ea typeface="Calibri" panose="020F0502020204030204" pitchFamily="34" charset="0"/>
+                <a:cs typeface="Arial" panose="020B0604020202020204" pitchFamily="34" charset="0"/>
+              </a:rPr>
+              <a:t>run</a:t>
+            </a:r>
+            <a:r>
+              <a:rPr lang="en-US" dirty="0">
+                <a:solidFill>
+                  <a:srgbClr val="000000"/>
+                </a:solidFill>
+                <a:latin typeface="Calibri" panose="020F0502020204030204" pitchFamily="34" charset="0"/>
+                <a:ea typeface="Calibri" panose="020F0502020204030204" pitchFamily="34" charset="0"/>
+                <a:cs typeface="Arial" panose="020B0604020202020204" pitchFamily="34" charset="0"/>
+              </a:rPr>
+              <a:t>();</a:t>
+            </a:r>
+            <a:br>
+              <a:rPr lang="en-US" dirty="0">
+                <a:solidFill>
+                  <a:srgbClr val="000000"/>
+                </a:solidFill>
+                <a:latin typeface="Calibri" panose="020F0502020204030204" pitchFamily="34" charset="0"/>
+                <a:ea typeface="Calibri" panose="020F0502020204030204" pitchFamily="34" charset="0"/>
+                <a:cs typeface="Arial" panose="020B0604020202020204" pitchFamily="34" charset="0"/>
+              </a:rPr>
+            </a:br>
+            <a:r>
+              <a:rPr lang="en-US" dirty="0">
+                <a:solidFill>
+                  <a:srgbClr val="000000"/>
+                </a:solidFill>
+                <a:latin typeface="Calibri" panose="020F0502020204030204" pitchFamily="34" charset="0"/>
+                <a:ea typeface="Calibri" panose="020F0502020204030204" pitchFamily="34" charset="0"/>
+                <a:cs typeface="Arial" panose="020B0604020202020204" pitchFamily="34" charset="0"/>
+              </a:rPr>
+              <a:t>    }</a:t>
+            </a:r>
+            <a:br>
+              <a:rPr lang="en-US" dirty="0">
+                <a:solidFill>
+                  <a:srgbClr val="000000"/>
+                </a:solidFill>
+                <a:latin typeface="Calibri" panose="020F0502020204030204" pitchFamily="34" charset="0"/>
+                <a:ea typeface="Calibri" panose="020F0502020204030204" pitchFamily="34" charset="0"/>
+                <a:cs typeface="Arial" panose="020B0604020202020204" pitchFamily="34" charset="0"/>
+              </a:rPr>
+            </a:br>
+            <a:r>
+              <a:rPr lang="en-US" dirty="0">
+                <a:solidFill>
+                  <a:srgbClr val="000000"/>
+                </a:solidFill>
+                <a:latin typeface="Calibri" panose="020F0502020204030204" pitchFamily="34" charset="0"/>
+                <a:ea typeface="Calibri" panose="020F0502020204030204" pitchFamily="34" charset="0"/>
+                <a:cs typeface="Arial" panose="020B0604020202020204" pitchFamily="34" charset="0"/>
+              </a:rPr>
+              <a:t>}</a:t>
+            </a:r>
+            <a:br>
+              <a:rPr lang="en-US" dirty="0">
+                <a:solidFill>
+                  <a:srgbClr val="000000"/>
+                </a:solidFill>
+                <a:latin typeface="Calibri" panose="020F0502020204030204" pitchFamily="34" charset="0"/>
+                <a:ea typeface="Calibri" panose="020F0502020204030204" pitchFamily="34" charset="0"/>
+                <a:cs typeface="Arial" panose="020B0604020202020204" pitchFamily="34" charset="0"/>
+              </a:rPr>
+            </a:br>
+            <a:br>
+              <a:rPr lang="en-US" dirty="0">
+                <a:solidFill>
+                  <a:srgbClr val="000000"/>
+                </a:solidFill>
+                <a:latin typeface="Calibri" panose="020F0502020204030204" pitchFamily="34" charset="0"/>
+                <a:ea typeface="Calibri" panose="020F0502020204030204" pitchFamily="34" charset="0"/>
+                <a:cs typeface="Arial" panose="020B0604020202020204" pitchFamily="34" charset="0"/>
+              </a:rPr>
+            </a:br>
+            <a:r>
+              <a:rPr lang="en-US" b="1" dirty="0">
+                <a:solidFill>
+                  <a:srgbClr val="000080"/>
+                </a:solidFill>
+                <a:latin typeface="Calibri" panose="020F0502020204030204" pitchFamily="34" charset="0"/>
+                <a:ea typeface="Calibri" panose="020F0502020204030204" pitchFamily="34" charset="0"/>
+                <a:cs typeface="Arial" panose="020B0604020202020204" pitchFamily="34" charset="0"/>
+              </a:rPr>
+              <a:t>function </a:t>
+            </a:r>
+            <a:r>
+              <a:rPr lang="en-US" i="1" dirty="0">
+                <a:solidFill>
+                  <a:srgbClr val="000000"/>
+                </a:solidFill>
+                <a:latin typeface="Calibri" panose="020F0502020204030204" pitchFamily="34" charset="0"/>
+                <a:ea typeface="Calibri" panose="020F0502020204030204" pitchFamily="34" charset="0"/>
+                <a:cs typeface="Arial" panose="020B0604020202020204" pitchFamily="34" charset="0"/>
+              </a:rPr>
+              <a:t>main</a:t>
+            </a:r>
+            <a:r>
+              <a:rPr lang="en-US" dirty="0">
+                <a:solidFill>
+                  <a:srgbClr val="000000"/>
+                </a:solidFill>
+                <a:latin typeface="Calibri" panose="020F0502020204030204" pitchFamily="34" charset="0"/>
+                <a:ea typeface="Calibri" panose="020F0502020204030204" pitchFamily="34" charset="0"/>
+                <a:cs typeface="Arial" panose="020B0604020202020204" pitchFamily="34" charset="0"/>
+              </a:rPr>
+              <a:t>() {</a:t>
+            </a:r>
+            <a:br>
+              <a:rPr lang="en-US" dirty="0">
+                <a:solidFill>
+                  <a:srgbClr val="000000"/>
+                </a:solidFill>
+                <a:latin typeface="Calibri" panose="020F0502020204030204" pitchFamily="34" charset="0"/>
+                <a:ea typeface="Calibri" panose="020F0502020204030204" pitchFamily="34" charset="0"/>
+                <a:cs typeface="Arial" panose="020B0604020202020204" pitchFamily="34" charset="0"/>
+              </a:rPr>
+            </a:br>
+            <a:r>
+              <a:rPr lang="en-US" dirty="0">
+                <a:solidFill>
+                  <a:srgbClr val="000000"/>
+                </a:solidFill>
+                <a:latin typeface="Calibri" panose="020F0502020204030204" pitchFamily="34" charset="0"/>
+                <a:ea typeface="Calibri" panose="020F0502020204030204" pitchFamily="34" charset="0"/>
+                <a:cs typeface="Arial" panose="020B0604020202020204" pitchFamily="34" charset="0"/>
+              </a:rPr>
+              <a:t>    </a:t>
+            </a:r>
+            <a:r>
+              <a:rPr lang="en-US" i="1" dirty="0">
+                <a:solidFill>
+                  <a:srgbClr val="000000"/>
+                </a:solidFill>
+                <a:latin typeface="Calibri" panose="020F0502020204030204" pitchFamily="34" charset="0"/>
+                <a:ea typeface="Calibri" panose="020F0502020204030204" pitchFamily="34" charset="0"/>
+                <a:cs typeface="Arial" panose="020B0604020202020204" pitchFamily="34" charset="0"/>
+              </a:rPr>
+              <a:t>run</a:t>
+            </a:r>
+            <a:r>
+              <a:rPr lang="en-US" dirty="0">
+                <a:solidFill>
+                  <a:srgbClr val="000000"/>
+                </a:solidFill>
+                <a:latin typeface="Calibri" panose="020F0502020204030204" pitchFamily="34" charset="0"/>
+                <a:ea typeface="Calibri" panose="020F0502020204030204" pitchFamily="34" charset="0"/>
+                <a:cs typeface="Arial" panose="020B0604020202020204" pitchFamily="34" charset="0"/>
+              </a:rPr>
+              <a:t>(</a:t>
+            </a:r>
+            <a:r>
+              <a:rPr lang="en-US" b="1" dirty="0">
+                <a:solidFill>
+                  <a:srgbClr val="000080"/>
+                </a:solidFill>
+                <a:latin typeface="Calibri" panose="020F0502020204030204" pitchFamily="34" charset="0"/>
+                <a:ea typeface="Calibri" panose="020F0502020204030204" pitchFamily="34" charset="0"/>
+                <a:cs typeface="Arial" panose="020B0604020202020204" pitchFamily="34" charset="0"/>
+              </a:rPr>
+              <a:t>null</a:t>
+            </a:r>
+            <a:r>
+              <a:rPr lang="en-US" dirty="0">
+                <a:solidFill>
+                  <a:srgbClr val="000000"/>
+                </a:solidFill>
+                <a:latin typeface="Calibri" panose="020F0502020204030204" pitchFamily="34" charset="0"/>
+                <a:ea typeface="Calibri" panose="020F0502020204030204" pitchFamily="34" charset="0"/>
+                <a:cs typeface="Arial" panose="020B0604020202020204" pitchFamily="34" charset="0"/>
+              </a:rPr>
+              <a:t>);</a:t>
+            </a:r>
+            <a:br>
+              <a:rPr lang="en-US" dirty="0">
+                <a:solidFill>
+                  <a:srgbClr val="000000"/>
+                </a:solidFill>
+                <a:latin typeface="Calibri" panose="020F0502020204030204" pitchFamily="34" charset="0"/>
+                <a:ea typeface="Calibri" panose="020F0502020204030204" pitchFamily="34" charset="0"/>
+                <a:cs typeface="Arial" panose="020B0604020202020204" pitchFamily="34" charset="0"/>
+              </a:rPr>
+            </a:br>
+            <a:r>
+              <a:rPr lang="en-US" dirty="0">
+                <a:solidFill>
+                  <a:srgbClr val="000000"/>
+                </a:solidFill>
+                <a:latin typeface="Calibri" panose="020F0502020204030204" pitchFamily="34" charset="0"/>
+                <a:ea typeface="Calibri" panose="020F0502020204030204" pitchFamily="34" charset="0"/>
+                <a:cs typeface="Arial" panose="020B0604020202020204" pitchFamily="34" charset="0"/>
+              </a:rPr>
+              <a:t>}</a:t>
+            </a:r>
+            <a:endParaRPr lang="he-IL" dirty="0"/>
+          </a:p>
+        </p:txBody>
+      </p:sp>
+      <p:sp>
+        <p:nvSpPr>
+          <p:cNvPr id="8" name="Rectangle: Rounded Corners 7">
+            <a:extLst>
+              <a:ext uri="{FF2B5EF4-FFF2-40B4-BE49-F238E27FC236}">
+                <a16:creationId xmlns:a16="http://schemas.microsoft.com/office/drawing/2014/main" id="{556DFFD5-415D-4A15-AFD6-3606F1029E21}"/>
+              </a:ext>
+            </a:extLst>
+          </p:cNvPr>
+          <p:cNvSpPr/>
+          <p:nvPr/>
+        </p:nvSpPr>
+        <p:spPr>
+          <a:xfrm>
+            <a:off x="6588224" y="3284984"/>
+            <a:ext cx="1368152" cy="1368152"/>
+          </a:xfrm>
+          <a:prstGeom prst="roundRect">
+            <a:avLst/>
+          </a:prstGeom>
+        </p:spPr>
+        <p:style>
+          <a:lnRef idx="2">
+            <a:schemeClr val="accent2">
+              <a:shade val="50000"/>
+            </a:schemeClr>
+          </a:lnRef>
+          <a:fillRef idx="1">
+            <a:schemeClr val="accent2"/>
+          </a:fillRef>
+          <a:effectRef idx="0">
+            <a:schemeClr val="accent2"/>
+          </a:effectRef>
+          <a:fontRef idx="minor">
+            <a:schemeClr val="lt1"/>
+          </a:fontRef>
+        </p:style>
+        <p:txBody>
+          <a:bodyPr rtlCol="1" anchor="ctr"/>
+          <a:lstStyle/>
+          <a:p>
+            <a:pPr algn="ctr"/>
+            <a:r>
+              <a:rPr lang="en-US" sz="1400" dirty="0"/>
+              <a:t>Without the if the error “object is possibly null” is reported</a:t>
+            </a:r>
+            <a:endParaRPr lang="he-IL" sz="1400" dirty="0"/>
+          </a:p>
+        </p:txBody>
+      </p:sp>
+      <p:cxnSp>
+        <p:nvCxnSpPr>
+          <p:cNvPr id="9" name="Straight Arrow Connector 8">
+            <a:extLst>
+              <a:ext uri="{FF2B5EF4-FFF2-40B4-BE49-F238E27FC236}">
+                <a16:creationId xmlns:a16="http://schemas.microsoft.com/office/drawing/2014/main" id="{5B8591E8-56E1-4433-AA9F-91EBDB5B5C88}"/>
+              </a:ext>
+            </a:extLst>
+          </p:cNvPr>
+          <p:cNvCxnSpPr>
+            <a:cxnSpLocks/>
+            <a:stCxn id="8" idx="1"/>
+          </p:cNvCxnSpPr>
+          <p:nvPr/>
+        </p:nvCxnSpPr>
+        <p:spPr>
+          <a:xfrm flipH="1">
+            <a:off x="3563888" y="3969060"/>
+            <a:ext cx="3024336" cy="180020"/>
+          </a:xfrm>
+          <a:prstGeom prst="straightConnector1">
+            <a:avLst/>
+          </a:prstGeom>
+          <a:ln w="28575">
+            <a:tailEnd type="triangle"/>
+          </a:ln>
+        </p:spPr>
+        <p:style>
+          <a:lnRef idx="1">
+            <a:schemeClr val="accent2"/>
+          </a:lnRef>
+          <a:fillRef idx="0">
+            <a:schemeClr val="accent2"/>
+          </a:fillRef>
+          <a:effectRef idx="0">
+            <a:schemeClr val="accent2"/>
+          </a:effectRef>
+          <a:fontRef idx="minor">
+            <a:schemeClr val="tx1"/>
+          </a:fontRef>
+        </p:style>
+      </p:cxnSp>
+    </p:spTree>
+    <p:extLst>
+      <p:ext uri="{BB962C8B-B14F-4D97-AF65-F5344CB8AC3E}">
+        <p14:creationId xmlns:p14="http://schemas.microsoft.com/office/powerpoint/2010/main" val="4236925224"/>
       </p:ext>
     </p:extLst>
   </p:cSld>

--- a/Typescript Tips & Tricks.pptx
+++ b/Typescript Tips & Tricks.pptx
@@ -5,7 +5,7 @@
     <p:sldMasterId id="2147483672" r:id="rId1"/>
   </p:sldMasterIdLst>
   <p:notesMasterIdLst>
-    <p:notesMasterId r:id="rId30"/>
+    <p:notesMasterId r:id="rId37"/>
   </p:notesMasterIdLst>
   <p:sldIdLst>
     <p:sldId id="256" r:id="rId2"/>
@@ -36,6 +36,13 @@
     <p:sldId id="378" r:id="rId27"/>
     <p:sldId id="379" r:id="rId28"/>
     <p:sldId id="380" r:id="rId29"/>
+    <p:sldId id="381" r:id="rId30"/>
+    <p:sldId id="382" r:id="rId31"/>
+    <p:sldId id="383" r:id="rId32"/>
+    <p:sldId id="384" r:id="rId33"/>
+    <p:sldId id="385" r:id="rId34"/>
+    <p:sldId id="387" r:id="rId35"/>
+    <p:sldId id="386" r:id="rId36"/>
   </p:sldIdLst>
   <p:sldSz cx="9144000" cy="6858000" type="screen4x3"/>
   <p:notesSz cx="6858000" cy="9144000"/>
@@ -598,6 +605,93 @@
 </p:notes>
 </file>
 
+<file path=ppt/notesSlides/notesSlide2.xml><?xml version="1.0" encoding="utf-8"?>
+<p:notes xmlns:a="http://schemas.openxmlformats.org/drawingml/2006/main" xmlns:r="http://schemas.openxmlformats.org/officeDocument/2006/relationships" xmlns:p="http://schemas.openxmlformats.org/presentationml/2006/main">
+  <p:cSld>
+    <p:spTree>
+      <p:nvGrpSpPr>
+        <p:cNvPr id="1" name=""/>
+        <p:cNvGrpSpPr/>
+        <p:nvPr/>
+      </p:nvGrpSpPr>
+      <p:grpSpPr>
+        <a:xfrm>
+          <a:off x="0" y="0"/>
+          <a:ext cx="0" cy="0"/>
+          <a:chOff x="0" y="0"/>
+          <a:chExt cx="0" cy="0"/>
+        </a:xfrm>
+      </p:grpSpPr>
+      <p:sp>
+        <p:nvSpPr>
+          <p:cNvPr id="2" name="מציין מיקום של תמונת שקופית 1"/>
+          <p:cNvSpPr>
+            <a:spLocks noGrp="1" noRot="1" noChangeAspect="1"/>
+          </p:cNvSpPr>
+          <p:nvPr>
+            <p:ph type="sldImg"/>
+          </p:nvPr>
+        </p:nvSpPr>
+        <p:spPr/>
+      </p:sp>
+      <p:sp>
+        <p:nvSpPr>
+          <p:cNvPr id="3" name="מציין מיקום של הערות 2"/>
+          <p:cNvSpPr>
+            <a:spLocks noGrp="1"/>
+          </p:cNvSpPr>
+          <p:nvPr>
+            <p:ph type="body" idx="1"/>
+          </p:nvPr>
+        </p:nvSpPr>
+        <p:spPr/>
+        <p:txBody>
+          <a:bodyPr>
+            <a:normAutofit/>
+          </a:bodyPr>
+          <a:lstStyle/>
+          <a:p>
+            <a:endParaRPr lang="en-US"/>
+          </a:p>
+        </p:txBody>
+      </p:sp>
+      <p:sp>
+        <p:nvSpPr>
+          <p:cNvPr id="4" name="מציין מיקום של מספר שקופית 3"/>
+          <p:cNvSpPr>
+            <a:spLocks noGrp="1"/>
+          </p:cNvSpPr>
+          <p:nvPr>
+            <p:ph type="sldNum" sz="quarter" idx="10"/>
+          </p:nvPr>
+        </p:nvSpPr>
+        <p:spPr/>
+        <p:txBody>
+          <a:bodyPr/>
+          <a:lstStyle/>
+          <a:p>
+            <a:fld id="{87C88033-AD80-4586-9B6C-183FD2A4A83C}" type="slidenum">
+              <a:rPr lang="en-US" smtClean="0"/>
+              <a:pPr/>
+              <a:t>35</a:t>
+            </a:fld>
+            <a:endParaRPr lang="en-US"/>
+          </a:p>
+        </p:txBody>
+      </p:sp>
+    </p:spTree>
+    <p:extLst>
+      <p:ext uri="{BB962C8B-B14F-4D97-AF65-F5344CB8AC3E}">
+        <p14:creationId xmlns:p14="http://schemas.microsoft.com/office/powerpoint/2010/main" val="1907551564"/>
+      </p:ext>
+    </p:extLst>
+  </p:cSld>
+  <p:clrMapOvr>
+    <a:masterClrMapping/>
+  </p:clrMapOvr>
+</p:notes>
+</file>
+
 <file path=ppt/slideLayouts/slideLayout1.xml><?xml version="1.0" encoding="utf-8"?>
 <p:sldLayout xmlns:a="http://schemas.openxmlformats.org/drawingml/2006/main" xmlns:r="http://schemas.openxmlformats.org/officeDocument/2006/relationships" xmlns:p="http://schemas.openxmlformats.org/presentationml/2006/main" showMasterSp="0" type="title" preserve="1">
   <p:cSld name="שקופית כותרת">
@@ -1773,7 +1867,7 @@
                 <a14:useLocalDpi xmlns:a14="http://schemas.microsoft.com/office/drawing/2010/main" val="0"/>
               </a:ext>
               <a:ext uri="{96DAC541-7B7A-43D3-8B79-37D633B846F1}">
-                <asvg:svgBlip xmlns:asvg="http://schemas.microsoft.com/office/drawing/2016/SVG/main" r:embed="rId3"/>
+                <asvg:svgBlip xmlns:asvg="http://schemas.microsoft.com/office/drawing/2016/SVG/main" xmlns="" r:embed="rId3"/>
               </a:ext>
             </a:extLst>
           </a:blip>
@@ -4403,13 +4497,13 @@
           <p:nvPr/>
         </p:nvPicPr>
         <p:blipFill>
-          <a:blip r:embed="rId3">
+          <a:blip r:embed="rId3" cstate="print">
             <a:extLst>
               <a:ext uri="{28A0092B-C50C-407E-A947-70E740481C1C}">
                 <a14:useLocalDpi xmlns:a14="http://schemas.microsoft.com/office/drawing/2010/main" val="0"/>
               </a:ext>
               <a:ext uri="{96DAC541-7B7A-43D3-8B79-37D633B846F1}">
-                <asvg:svgBlip xmlns:asvg="http://schemas.microsoft.com/office/drawing/2016/SVG/main" r:embed="rId4"/>
+                <asvg:svgBlip xmlns:asvg="http://schemas.microsoft.com/office/drawing/2016/SVG/main" xmlns="" r:embed="rId4"/>
               </a:ext>
             </a:extLst>
           </a:blip>
@@ -4457,7 +4551,7 @@
           <p:cNvPr id="2" name="Title 1">
             <a:extLst>
               <a:ext uri="{FF2B5EF4-FFF2-40B4-BE49-F238E27FC236}">
-                <a16:creationId xmlns:a16="http://schemas.microsoft.com/office/drawing/2014/main" id="{C30F90B4-BE39-4A52-948F-08C5943246E4}"/>
+                <a16:creationId xmlns:a16="http://schemas.microsoft.com/office/drawing/2014/main" xmlns="" id="{C30F90B4-BE39-4A52-948F-08C5943246E4}"/>
               </a:ext>
             </a:extLst>
           </p:cNvPr>
@@ -4486,7 +4580,7 @@
           <p:cNvPr id="3" name="Footer Placeholder 2">
             <a:extLst>
               <a:ext uri="{FF2B5EF4-FFF2-40B4-BE49-F238E27FC236}">
-                <a16:creationId xmlns:a16="http://schemas.microsoft.com/office/drawing/2014/main" id="{914329C3-2A27-4C51-8CAC-8E5507C83C0E}"/>
+                <a16:creationId xmlns:a16="http://schemas.microsoft.com/office/drawing/2014/main" xmlns="" id="{914329C3-2A27-4C51-8CAC-8E5507C83C0E}"/>
               </a:ext>
             </a:extLst>
           </p:cNvPr>
@@ -4515,7 +4609,7 @@
           <p:cNvPr id="4" name="Slide Number Placeholder 3">
             <a:extLst>
               <a:ext uri="{FF2B5EF4-FFF2-40B4-BE49-F238E27FC236}">
-                <a16:creationId xmlns:a16="http://schemas.microsoft.com/office/drawing/2014/main" id="{89AE9A64-0567-42C8-A5B9-07C104D41F76}"/>
+                <a16:creationId xmlns:a16="http://schemas.microsoft.com/office/drawing/2014/main" xmlns="" id="{89AE9A64-0567-42C8-A5B9-07C104D41F76}"/>
               </a:ext>
             </a:extLst>
           </p:cNvPr>
@@ -4547,7 +4641,7 @@
           <p:cNvPr id="5" name="Content Placeholder 4">
             <a:extLst>
               <a:ext uri="{FF2B5EF4-FFF2-40B4-BE49-F238E27FC236}">
-                <a16:creationId xmlns:a16="http://schemas.microsoft.com/office/drawing/2014/main" id="{52358A60-C89A-44BE-A8E3-00466A454E8C}"/>
+                <a16:creationId xmlns:a16="http://schemas.microsoft.com/office/drawing/2014/main" xmlns="" id="{52358A60-C89A-44BE-A8E3-00466A454E8C}"/>
               </a:ext>
             </a:extLst>
           </p:cNvPr>
@@ -4653,7 +4747,7 @@
           <p:cNvPr id="2" name="Title 1">
             <a:extLst>
               <a:ext uri="{FF2B5EF4-FFF2-40B4-BE49-F238E27FC236}">
-                <a16:creationId xmlns:a16="http://schemas.microsoft.com/office/drawing/2014/main" id="{89E8DD9E-DFD2-4C86-B54C-7C6CBB07553D}"/>
+                <a16:creationId xmlns:a16="http://schemas.microsoft.com/office/drawing/2014/main" xmlns="" id="{89E8DD9E-DFD2-4C86-B54C-7C6CBB07553D}"/>
               </a:ext>
             </a:extLst>
           </p:cNvPr>
@@ -4682,7 +4776,7 @@
           <p:cNvPr id="3" name="Footer Placeholder 2">
             <a:extLst>
               <a:ext uri="{FF2B5EF4-FFF2-40B4-BE49-F238E27FC236}">
-                <a16:creationId xmlns:a16="http://schemas.microsoft.com/office/drawing/2014/main" id="{396F50EC-75B9-49ED-9539-4CB00DEC6499}"/>
+                <a16:creationId xmlns:a16="http://schemas.microsoft.com/office/drawing/2014/main" xmlns="" id="{396F50EC-75B9-49ED-9539-4CB00DEC6499}"/>
               </a:ext>
             </a:extLst>
           </p:cNvPr>
@@ -4711,7 +4805,7 @@
           <p:cNvPr id="4" name="Slide Number Placeholder 3">
             <a:extLst>
               <a:ext uri="{FF2B5EF4-FFF2-40B4-BE49-F238E27FC236}">
-                <a16:creationId xmlns:a16="http://schemas.microsoft.com/office/drawing/2014/main" id="{4856154E-4D29-4C11-8C00-B7AB3A972C3D}"/>
+                <a16:creationId xmlns:a16="http://schemas.microsoft.com/office/drawing/2014/main" xmlns="" id="{4856154E-4D29-4C11-8C00-B7AB3A972C3D}"/>
               </a:ext>
             </a:extLst>
           </p:cNvPr>
@@ -4743,7 +4837,7 @@
           <p:cNvPr id="5" name="Content Placeholder 4">
             <a:extLst>
               <a:ext uri="{FF2B5EF4-FFF2-40B4-BE49-F238E27FC236}">
-                <a16:creationId xmlns:a16="http://schemas.microsoft.com/office/drawing/2014/main" id="{366A71AD-FC54-49CE-B6B1-045F7BBA11F1}"/>
+                <a16:creationId xmlns:a16="http://schemas.microsoft.com/office/drawing/2014/main" xmlns="" id="{366A71AD-FC54-49CE-B6B1-045F7BBA11F1}"/>
               </a:ext>
             </a:extLst>
           </p:cNvPr>
@@ -4802,7 +4896,7 @@
           <p:cNvPr id="2" name="Title 1">
             <a:extLst>
               <a:ext uri="{FF2B5EF4-FFF2-40B4-BE49-F238E27FC236}">
-                <a16:creationId xmlns:a16="http://schemas.microsoft.com/office/drawing/2014/main" id="{E59A224C-279C-43AD-AB00-2C3A73749FC7}"/>
+                <a16:creationId xmlns:a16="http://schemas.microsoft.com/office/drawing/2014/main" xmlns="" id="{E59A224C-279C-43AD-AB00-2C3A73749FC7}"/>
               </a:ext>
             </a:extLst>
           </p:cNvPr>
@@ -4835,7 +4929,7 @@
           <p:cNvPr id="3" name="Footer Placeholder 2">
             <a:extLst>
               <a:ext uri="{FF2B5EF4-FFF2-40B4-BE49-F238E27FC236}">
-                <a16:creationId xmlns:a16="http://schemas.microsoft.com/office/drawing/2014/main" id="{930D81C7-A7B7-43EC-8032-C3E71F25DE92}"/>
+                <a16:creationId xmlns:a16="http://schemas.microsoft.com/office/drawing/2014/main" xmlns="" id="{930D81C7-A7B7-43EC-8032-C3E71F25DE92}"/>
               </a:ext>
             </a:extLst>
           </p:cNvPr>
@@ -4864,7 +4958,7 @@
           <p:cNvPr id="4" name="Slide Number Placeholder 3">
             <a:extLst>
               <a:ext uri="{FF2B5EF4-FFF2-40B4-BE49-F238E27FC236}">
-                <a16:creationId xmlns:a16="http://schemas.microsoft.com/office/drawing/2014/main" id="{D35B4AEB-BCA0-4EC4-B84F-07E380ABCC63}"/>
+                <a16:creationId xmlns:a16="http://schemas.microsoft.com/office/drawing/2014/main" xmlns="" id="{D35B4AEB-BCA0-4EC4-B84F-07E380ABCC63}"/>
               </a:ext>
             </a:extLst>
           </p:cNvPr>
@@ -4896,7 +4990,7 @@
           <p:cNvPr id="6" name="Rectangle 5">
             <a:extLst>
               <a:ext uri="{FF2B5EF4-FFF2-40B4-BE49-F238E27FC236}">
-                <a16:creationId xmlns:a16="http://schemas.microsoft.com/office/drawing/2014/main" id="{A8C1FC0C-A855-4F4A-A054-858B18310FBC}"/>
+                <a16:creationId xmlns:a16="http://schemas.microsoft.com/office/drawing/2014/main" xmlns="" id="{A8C1FC0C-A855-4F4A-A054-858B18310FBC}"/>
               </a:ext>
             </a:extLst>
           </p:cNvPr>
@@ -5201,6 +5295,16 @@
                 <a:ea typeface="Times New Roman" panose="02020603050405020304" pitchFamily="18" charset="0"/>
               </a:rPr>
             </a:br>
+            <a:r>
+              <a:rPr lang="en-US" dirty="0">
+                <a:solidFill>
+                  <a:srgbClr val="000000"/>
+                </a:solidFill>
+                <a:latin typeface="Courier New" panose="02070309020205020404" pitchFamily="49" charset="0"/>
+                <a:ea typeface="Times New Roman" panose="02020603050405020304" pitchFamily="18" charset="0"/>
+              </a:rPr>
+              <a:t/>
+            </a:r>
             <a:br>
               <a:rPr lang="en-US" dirty="0">
                 <a:solidFill>
@@ -5456,7 +5560,7 @@
           <p:cNvPr id="2" name="Title 1">
             <a:extLst>
               <a:ext uri="{FF2B5EF4-FFF2-40B4-BE49-F238E27FC236}">
-                <a16:creationId xmlns:a16="http://schemas.microsoft.com/office/drawing/2014/main" id="{B009C771-4754-4183-BB9A-ED31B3E80FC0}"/>
+                <a16:creationId xmlns:a16="http://schemas.microsoft.com/office/drawing/2014/main" xmlns="" id="{B009C771-4754-4183-BB9A-ED31B3E80FC0}"/>
               </a:ext>
             </a:extLst>
           </p:cNvPr>
@@ -5489,7 +5593,7 @@
           <p:cNvPr id="3" name="Footer Placeholder 2">
             <a:extLst>
               <a:ext uri="{FF2B5EF4-FFF2-40B4-BE49-F238E27FC236}">
-                <a16:creationId xmlns:a16="http://schemas.microsoft.com/office/drawing/2014/main" id="{6C3B3D6F-5465-43C7-8013-9E96BBD85125}"/>
+                <a16:creationId xmlns:a16="http://schemas.microsoft.com/office/drawing/2014/main" xmlns="" id="{6C3B3D6F-5465-43C7-8013-9E96BBD85125}"/>
               </a:ext>
             </a:extLst>
           </p:cNvPr>
@@ -5518,7 +5622,7 @@
           <p:cNvPr id="4" name="Slide Number Placeholder 3">
             <a:extLst>
               <a:ext uri="{FF2B5EF4-FFF2-40B4-BE49-F238E27FC236}">
-                <a16:creationId xmlns:a16="http://schemas.microsoft.com/office/drawing/2014/main" id="{110BECCC-283B-4C35-9F6A-71730BCBC423}"/>
+                <a16:creationId xmlns:a16="http://schemas.microsoft.com/office/drawing/2014/main" xmlns="" id="{110BECCC-283B-4C35-9F6A-71730BCBC423}"/>
               </a:ext>
             </a:extLst>
           </p:cNvPr>
@@ -5550,7 +5654,7 @@
           <p:cNvPr id="5" name="Content Placeholder 4">
             <a:extLst>
               <a:ext uri="{FF2B5EF4-FFF2-40B4-BE49-F238E27FC236}">
-                <a16:creationId xmlns:a16="http://schemas.microsoft.com/office/drawing/2014/main" id="{59678A52-4F68-4F36-BDCE-27432724431F}"/>
+                <a16:creationId xmlns:a16="http://schemas.microsoft.com/office/drawing/2014/main" xmlns="" id="{59678A52-4F68-4F36-BDCE-27432724431F}"/>
               </a:ext>
             </a:extLst>
           </p:cNvPr>
@@ -5631,7 +5735,7 @@
           <p:cNvPr id="2" name="Title 1">
             <a:extLst>
               <a:ext uri="{FF2B5EF4-FFF2-40B4-BE49-F238E27FC236}">
-                <a16:creationId xmlns:a16="http://schemas.microsoft.com/office/drawing/2014/main" id="{C60DF00B-84DD-4038-B34F-1516231D2EF5}"/>
+                <a16:creationId xmlns:a16="http://schemas.microsoft.com/office/drawing/2014/main" xmlns="" id="{C60DF00B-84DD-4038-B34F-1516231D2EF5}"/>
               </a:ext>
             </a:extLst>
           </p:cNvPr>
@@ -5660,7 +5764,7 @@
           <p:cNvPr id="3" name="Footer Placeholder 2">
             <a:extLst>
               <a:ext uri="{FF2B5EF4-FFF2-40B4-BE49-F238E27FC236}">
-                <a16:creationId xmlns:a16="http://schemas.microsoft.com/office/drawing/2014/main" id="{E7D6D0CE-BCFA-4405-93CE-8E3514C2041A}"/>
+                <a16:creationId xmlns:a16="http://schemas.microsoft.com/office/drawing/2014/main" xmlns="" id="{E7D6D0CE-BCFA-4405-93CE-8E3514C2041A}"/>
               </a:ext>
             </a:extLst>
           </p:cNvPr>
@@ -5689,7 +5793,7 @@
           <p:cNvPr id="4" name="Slide Number Placeholder 3">
             <a:extLst>
               <a:ext uri="{FF2B5EF4-FFF2-40B4-BE49-F238E27FC236}">
-                <a16:creationId xmlns:a16="http://schemas.microsoft.com/office/drawing/2014/main" id="{834648BB-7ECB-439E-8C91-F4E220CC2DB3}"/>
+                <a16:creationId xmlns:a16="http://schemas.microsoft.com/office/drawing/2014/main" xmlns="" id="{834648BB-7ECB-439E-8C91-F4E220CC2DB3}"/>
               </a:ext>
             </a:extLst>
           </p:cNvPr>
@@ -5721,7 +5825,7 @@
           <p:cNvPr id="5" name="Content Placeholder 4">
             <a:extLst>
               <a:ext uri="{FF2B5EF4-FFF2-40B4-BE49-F238E27FC236}">
-                <a16:creationId xmlns:a16="http://schemas.microsoft.com/office/drawing/2014/main" id="{E6199EA9-38E5-43D0-A37C-BF40792EB7D9}"/>
+                <a16:creationId xmlns:a16="http://schemas.microsoft.com/office/drawing/2014/main" xmlns="" id="{E6199EA9-38E5-43D0-A37C-BF40792EB7D9}"/>
               </a:ext>
             </a:extLst>
           </p:cNvPr>
@@ -5800,7 +5904,7 @@
           <p:cNvPr id="2" name="Title 1">
             <a:extLst>
               <a:ext uri="{FF2B5EF4-FFF2-40B4-BE49-F238E27FC236}">
-                <a16:creationId xmlns:a16="http://schemas.microsoft.com/office/drawing/2014/main" id="{8D576891-7C41-4E8E-B33D-BFD3208883D1}"/>
+                <a16:creationId xmlns:a16="http://schemas.microsoft.com/office/drawing/2014/main" xmlns="" id="{8D576891-7C41-4E8E-B33D-BFD3208883D1}"/>
               </a:ext>
             </a:extLst>
           </p:cNvPr>
@@ -5829,7 +5933,7 @@
           <p:cNvPr id="3" name="Footer Placeholder 2">
             <a:extLst>
               <a:ext uri="{FF2B5EF4-FFF2-40B4-BE49-F238E27FC236}">
-                <a16:creationId xmlns:a16="http://schemas.microsoft.com/office/drawing/2014/main" id="{6903EEFF-75CF-4103-A05E-B285C5D0E8F2}"/>
+                <a16:creationId xmlns:a16="http://schemas.microsoft.com/office/drawing/2014/main" xmlns="" id="{6903EEFF-75CF-4103-A05E-B285C5D0E8F2}"/>
               </a:ext>
             </a:extLst>
           </p:cNvPr>
@@ -5858,7 +5962,7 @@
           <p:cNvPr id="4" name="Slide Number Placeholder 3">
             <a:extLst>
               <a:ext uri="{FF2B5EF4-FFF2-40B4-BE49-F238E27FC236}">
-                <a16:creationId xmlns:a16="http://schemas.microsoft.com/office/drawing/2014/main" id="{FA0E7496-35AD-4520-BC2D-894090C5FBDB}"/>
+                <a16:creationId xmlns:a16="http://schemas.microsoft.com/office/drawing/2014/main" xmlns="" id="{FA0E7496-35AD-4520-BC2D-894090C5FBDB}"/>
               </a:ext>
             </a:extLst>
           </p:cNvPr>
@@ -5890,7 +5994,7 @@
           <p:cNvPr id="6" name="Rectangle 5">
             <a:extLst>
               <a:ext uri="{FF2B5EF4-FFF2-40B4-BE49-F238E27FC236}">
-                <a16:creationId xmlns:a16="http://schemas.microsoft.com/office/drawing/2014/main" id="{97875AFC-0B40-4FDC-9E74-B61258D1A055}"/>
+                <a16:creationId xmlns:a16="http://schemas.microsoft.com/office/drawing/2014/main" xmlns="" id="{97875AFC-0B40-4FDC-9E74-B61258D1A055}"/>
               </a:ext>
             </a:extLst>
           </p:cNvPr>
@@ -6164,7 +6268,7 @@
           <p:cNvPr id="7" name="Rectangle 6">
             <a:extLst>
               <a:ext uri="{FF2B5EF4-FFF2-40B4-BE49-F238E27FC236}">
-                <a16:creationId xmlns:a16="http://schemas.microsoft.com/office/drawing/2014/main" id="{95F30902-33F8-4AA5-A282-7AC43E09C78B}"/>
+                <a16:creationId xmlns:a16="http://schemas.microsoft.com/office/drawing/2014/main" xmlns="" id="{95F30902-33F8-4AA5-A282-7AC43E09C78B}"/>
               </a:ext>
             </a:extLst>
           </p:cNvPr>
@@ -6438,7 +6542,7 @@
                 <a:cs typeface="Arial" panose="020B0604020202020204" pitchFamily="34" charset="0"/>
               </a:rPr>
             </a:br>
-            <a:br>
+            <a:r>
               <a:rPr lang="en-US" sz="1400" dirty="0">
                 <a:solidFill>
                   <a:srgbClr val="000000"/>
@@ -6447,8 +6551,9 @@
                 <a:ea typeface="Calibri" panose="020F0502020204030204" pitchFamily="34" charset="0"/>
                 <a:cs typeface="Arial" panose="020B0604020202020204" pitchFamily="34" charset="0"/>
               </a:rPr>
-            </a:br>
-            <a:r>
+              <a:t/>
+            </a:r>
+            <a:br>
               <a:rPr lang="en-US" sz="1400" dirty="0">
                 <a:solidFill>
                   <a:srgbClr val="000000"/>
@@ -6457,6 +6562,16 @@
                 <a:ea typeface="Calibri" panose="020F0502020204030204" pitchFamily="34" charset="0"/>
                 <a:cs typeface="Arial" panose="020B0604020202020204" pitchFamily="34" charset="0"/>
               </a:rPr>
+            </a:br>
+            <a:r>
+              <a:rPr lang="en-US" sz="1400" dirty="0">
+                <a:solidFill>
+                  <a:srgbClr val="000000"/>
+                </a:solidFill>
+                <a:latin typeface="Calibri" panose="020F0502020204030204" pitchFamily="34" charset="0"/>
+                <a:ea typeface="Calibri" panose="020F0502020204030204" pitchFamily="34" charset="0"/>
+                <a:cs typeface="Arial" panose="020B0604020202020204" pitchFamily="34" charset="0"/>
+              </a:rPr>
               <a:t>        target[</a:t>
             </a:r>
             <a:r>
@@ -6851,7 +6966,7 @@
                 <a:cs typeface="Arial" panose="020B0604020202020204" pitchFamily="34" charset="0"/>
               </a:rPr>
             </a:br>
-            <a:br>
+            <a:r>
               <a:rPr lang="en-US" sz="1400" dirty="0">
                 <a:solidFill>
                   <a:srgbClr val="000000"/>
@@ -6860,8 +6975,9 @@
                 <a:ea typeface="Calibri" panose="020F0502020204030204" pitchFamily="34" charset="0"/>
                 <a:cs typeface="Arial" panose="020B0604020202020204" pitchFamily="34" charset="0"/>
               </a:rPr>
-            </a:br>
-            <a:r>
+              <a:t/>
+            </a:r>
+            <a:br>
               <a:rPr lang="en-US" sz="1400" dirty="0">
                 <a:solidFill>
                   <a:srgbClr val="000000"/>
@@ -6870,6 +6986,16 @@
                 <a:ea typeface="Calibri" panose="020F0502020204030204" pitchFamily="34" charset="0"/>
                 <a:cs typeface="Arial" panose="020B0604020202020204" pitchFamily="34" charset="0"/>
               </a:rPr>
+            </a:br>
+            <a:r>
+              <a:rPr lang="en-US" sz="1400" dirty="0">
+                <a:solidFill>
+                  <a:srgbClr val="000000"/>
+                </a:solidFill>
+                <a:latin typeface="Calibri" panose="020F0502020204030204" pitchFamily="34" charset="0"/>
+                <a:ea typeface="Calibri" panose="020F0502020204030204" pitchFamily="34" charset="0"/>
+                <a:cs typeface="Arial" panose="020B0604020202020204" pitchFamily="34" charset="0"/>
+              </a:rPr>
               <a:t>            </a:t>
             </a:r>
             <a:r>
@@ -6936,6 +7062,17 @@
                 <a:cs typeface="Arial" panose="020B0604020202020204" pitchFamily="34" charset="0"/>
               </a:rPr>
             </a:br>
+            <a:r>
+              <a:rPr lang="en-US" sz="1400" dirty="0">
+                <a:solidFill>
+                  <a:srgbClr val="000000"/>
+                </a:solidFill>
+                <a:latin typeface="Calibri" panose="020F0502020204030204" pitchFamily="34" charset="0"/>
+                <a:ea typeface="Calibri" panose="020F0502020204030204" pitchFamily="34" charset="0"/>
+                <a:cs typeface="Arial" panose="020B0604020202020204" pitchFamily="34" charset="0"/>
+              </a:rPr>
+              <a:t/>
+            </a:r>
             <a:br>
               <a:rPr lang="en-US" sz="1400" dirty="0">
                 <a:solidFill>
@@ -7060,7 +7197,7 @@
           <p:cNvPr id="2" name="Title 1">
             <a:extLst>
               <a:ext uri="{FF2B5EF4-FFF2-40B4-BE49-F238E27FC236}">
-                <a16:creationId xmlns:a16="http://schemas.microsoft.com/office/drawing/2014/main" id="{C9AC5C08-DCA9-4E8E-AF7C-291749DC819B}"/>
+                <a16:creationId xmlns:a16="http://schemas.microsoft.com/office/drawing/2014/main" xmlns="" id="{C9AC5C08-DCA9-4E8E-AF7C-291749DC819B}"/>
               </a:ext>
             </a:extLst>
           </p:cNvPr>
@@ -7089,7 +7226,7 @@
           <p:cNvPr id="3" name="Footer Placeholder 2">
             <a:extLst>
               <a:ext uri="{FF2B5EF4-FFF2-40B4-BE49-F238E27FC236}">
-                <a16:creationId xmlns:a16="http://schemas.microsoft.com/office/drawing/2014/main" id="{0135E63F-644B-46FE-999E-3C91AE09843E}"/>
+                <a16:creationId xmlns:a16="http://schemas.microsoft.com/office/drawing/2014/main" xmlns="" id="{0135E63F-644B-46FE-999E-3C91AE09843E}"/>
               </a:ext>
             </a:extLst>
           </p:cNvPr>
@@ -7118,7 +7255,7 @@
           <p:cNvPr id="4" name="Slide Number Placeholder 3">
             <a:extLst>
               <a:ext uri="{FF2B5EF4-FFF2-40B4-BE49-F238E27FC236}">
-                <a16:creationId xmlns:a16="http://schemas.microsoft.com/office/drawing/2014/main" id="{E47D77B2-37AD-47C7-A4F7-3C624F63DA95}"/>
+                <a16:creationId xmlns:a16="http://schemas.microsoft.com/office/drawing/2014/main" xmlns="" id="{E47D77B2-37AD-47C7-A4F7-3C624F63DA95}"/>
               </a:ext>
             </a:extLst>
           </p:cNvPr>
@@ -7150,7 +7287,7 @@
           <p:cNvPr id="5" name="Content Placeholder 4">
             <a:extLst>
               <a:ext uri="{FF2B5EF4-FFF2-40B4-BE49-F238E27FC236}">
-                <a16:creationId xmlns:a16="http://schemas.microsoft.com/office/drawing/2014/main" id="{26869CDF-4122-4241-8A8D-382C357FECF8}"/>
+                <a16:creationId xmlns:a16="http://schemas.microsoft.com/office/drawing/2014/main" xmlns="" id="{26869CDF-4122-4241-8A8D-382C357FECF8}"/>
               </a:ext>
             </a:extLst>
           </p:cNvPr>
@@ -7307,7 +7444,7 @@
           <p:cNvPr id="2" name="Title 1">
             <a:extLst>
               <a:ext uri="{FF2B5EF4-FFF2-40B4-BE49-F238E27FC236}">
-                <a16:creationId xmlns:a16="http://schemas.microsoft.com/office/drawing/2014/main" id="{D10B0FBB-7B63-4900-89E1-8FEC17908B75}"/>
+                <a16:creationId xmlns:a16="http://schemas.microsoft.com/office/drawing/2014/main" xmlns="" id="{D10B0FBB-7B63-4900-89E1-8FEC17908B75}"/>
               </a:ext>
             </a:extLst>
           </p:cNvPr>
@@ -7340,7 +7477,7 @@
           <p:cNvPr id="3" name="Footer Placeholder 2">
             <a:extLst>
               <a:ext uri="{FF2B5EF4-FFF2-40B4-BE49-F238E27FC236}">
-                <a16:creationId xmlns:a16="http://schemas.microsoft.com/office/drawing/2014/main" id="{3F72CBB2-2C5A-4351-8C64-2FD479A63498}"/>
+                <a16:creationId xmlns:a16="http://schemas.microsoft.com/office/drawing/2014/main" xmlns="" id="{3F72CBB2-2C5A-4351-8C64-2FD479A63498}"/>
               </a:ext>
             </a:extLst>
           </p:cNvPr>
@@ -7369,7 +7506,7 @@
           <p:cNvPr id="4" name="Slide Number Placeholder 3">
             <a:extLst>
               <a:ext uri="{FF2B5EF4-FFF2-40B4-BE49-F238E27FC236}">
-                <a16:creationId xmlns:a16="http://schemas.microsoft.com/office/drawing/2014/main" id="{91B9D940-E166-418E-A680-C59A69A2E409}"/>
+                <a16:creationId xmlns:a16="http://schemas.microsoft.com/office/drawing/2014/main" xmlns="" id="{91B9D940-E166-418E-A680-C59A69A2E409}"/>
               </a:ext>
             </a:extLst>
           </p:cNvPr>
@@ -7401,7 +7538,7 @@
           <p:cNvPr id="5" name="Content Placeholder 4">
             <a:extLst>
               <a:ext uri="{FF2B5EF4-FFF2-40B4-BE49-F238E27FC236}">
-                <a16:creationId xmlns:a16="http://schemas.microsoft.com/office/drawing/2014/main" id="{9BBBC70E-60BB-488D-ACA9-BFEEB8B318E3}"/>
+                <a16:creationId xmlns:a16="http://schemas.microsoft.com/office/drawing/2014/main" xmlns="" id="{9BBBC70E-60BB-488D-ACA9-BFEEB8B318E3}"/>
               </a:ext>
             </a:extLst>
           </p:cNvPr>
@@ -7435,7 +7572,7 @@
           <p:cNvPr id="7" name="Rectangle 6">
             <a:extLst>
               <a:ext uri="{FF2B5EF4-FFF2-40B4-BE49-F238E27FC236}">
-                <a16:creationId xmlns:a16="http://schemas.microsoft.com/office/drawing/2014/main" id="{C2C80533-500F-4DD0-9C4A-DD406902BCFF}"/>
+                <a16:creationId xmlns:a16="http://schemas.microsoft.com/office/drawing/2014/main" xmlns="" id="{C2C80533-500F-4DD0-9C4A-DD406902BCFF}"/>
               </a:ext>
             </a:extLst>
           </p:cNvPr>
@@ -7727,6 +7864,17 @@
                 <a:cs typeface="Arial" panose="020B0604020202020204" pitchFamily="34" charset="0"/>
               </a:rPr>
             </a:br>
+            <a:r>
+              <a:rPr lang="en-US" dirty="0">
+                <a:solidFill>
+                  <a:srgbClr val="000000"/>
+                </a:solidFill>
+                <a:latin typeface="Calibri" panose="020F0502020204030204" pitchFamily="34" charset="0"/>
+                <a:ea typeface="Calibri" panose="020F0502020204030204" pitchFamily="34" charset="0"/>
+                <a:cs typeface="Arial" panose="020B0604020202020204" pitchFamily="34" charset="0"/>
+              </a:rPr>
+              <a:t/>
+            </a:r>
             <a:br>
               <a:rPr lang="en-US" dirty="0">
                 <a:solidFill>
@@ -7823,7 +7971,7 @@
           <p:cNvPr id="9" name="Rectangle 8">
             <a:extLst>
               <a:ext uri="{FF2B5EF4-FFF2-40B4-BE49-F238E27FC236}">
-                <a16:creationId xmlns:a16="http://schemas.microsoft.com/office/drawing/2014/main" id="{0E81020F-5DC9-4A73-A011-6BDA8DC2E8E9}"/>
+                <a16:creationId xmlns:a16="http://schemas.microsoft.com/office/drawing/2014/main" xmlns="" id="{0E81020F-5DC9-4A73-A011-6BDA8DC2E8E9}"/>
               </a:ext>
             </a:extLst>
           </p:cNvPr>
@@ -8182,7 +8330,7 @@
           <p:cNvPr id="2" name="Title 1">
             <a:extLst>
               <a:ext uri="{FF2B5EF4-FFF2-40B4-BE49-F238E27FC236}">
-                <a16:creationId xmlns:a16="http://schemas.microsoft.com/office/drawing/2014/main" id="{A0D2721D-8AF2-48E0-AAB8-B06DDDF2B96F}"/>
+                <a16:creationId xmlns:a16="http://schemas.microsoft.com/office/drawing/2014/main" xmlns="" id="{A0D2721D-8AF2-48E0-AAB8-B06DDDF2B96F}"/>
               </a:ext>
             </a:extLst>
           </p:cNvPr>
@@ -8211,7 +8359,7 @@
           <p:cNvPr id="3" name="Footer Placeholder 2">
             <a:extLst>
               <a:ext uri="{FF2B5EF4-FFF2-40B4-BE49-F238E27FC236}">
-                <a16:creationId xmlns:a16="http://schemas.microsoft.com/office/drawing/2014/main" id="{CD100B6F-28B3-41DE-BE4F-906F4F9FB33F}"/>
+                <a16:creationId xmlns:a16="http://schemas.microsoft.com/office/drawing/2014/main" xmlns="" id="{CD100B6F-28B3-41DE-BE4F-906F4F9FB33F}"/>
               </a:ext>
             </a:extLst>
           </p:cNvPr>
@@ -8240,7 +8388,7 @@
           <p:cNvPr id="4" name="Slide Number Placeholder 3">
             <a:extLst>
               <a:ext uri="{FF2B5EF4-FFF2-40B4-BE49-F238E27FC236}">
-                <a16:creationId xmlns:a16="http://schemas.microsoft.com/office/drawing/2014/main" id="{339454CF-7175-43C7-A2A3-F27D81AB4439}"/>
+                <a16:creationId xmlns:a16="http://schemas.microsoft.com/office/drawing/2014/main" xmlns="" id="{339454CF-7175-43C7-A2A3-F27D81AB4439}"/>
               </a:ext>
             </a:extLst>
           </p:cNvPr>
@@ -8272,7 +8420,7 @@
           <p:cNvPr id="5" name="Content Placeholder 4">
             <a:extLst>
               <a:ext uri="{FF2B5EF4-FFF2-40B4-BE49-F238E27FC236}">
-                <a16:creationId xmlns:a16="http://schemas.microsoft.com/office/drawing/2014/main" id="{715C727C-29DA-4F83-81BE-0DD6289ECC38}"/>
+                <a16:creationId xmlns:a16="http://schemas.microsoft.com/office/drawing/2014/main" xmlns="" id="{715C727C-29DA-4F83-81BE-0DD6289ECC38}"/>
               </a:ext>
             </a:extLst>
           </p:cNvPr>
@@ -8301,7 +8449,7 @@
           <p:cNvPr id="8" name="Rectangle 7">
             <a:extLst>
               <a:ext uri="{FF2B5EF4-FFF2-40B4-BE49-F238E27FC236}">
-                <a16:creationId xmlns:a16="http://schemas.microsoft.com/office/drawing/2014/main" id="{ACE0AC15-A92A-435C-8BBD-E3FE65D4FC98}"/>
+                <a16:creationId xmlns:a16="http://schemas.microsoft.com/office/drawing/2014/main" xmlns="" id="{ACE0AC15-A92A-435C-8BBD-E3FE65D4FC98}"/>
               </a:ext>
             </a:extLst>
           </p:cNvPr>
@@ -8447,6 +8595,17 @@
                 <a:cs typeface="Arial" panose="020B0604020202020204" pitchFamily="34" charset="0"/>
               </a:rPr>
             </a:br>
+            <a:r>
+              <a:rPr lang="en-US" dirty="0">
+                <a:solidFill>
+                  <a:srgbClr val="000000"/>
+                </a:solidFill>
+                <a:latin typeface="Calibri" panose="020F0502020204030204" pitchFamily="34" charset="0"/>
+                <a:ea typeface="Calibri" panose="020F0502020204030204" pitchFamily="34" charset="0"/>
+                <a:cs typeface="Arial" panose="020B0604020202020204" pitchFamily="34" charset="0"/>
+              </a:rPr>
+              <a:t/>
+            </a:r>
             <a:br>
               <a:rPr lang="en-US" dirty="0">
                 <a:solidFill>
@@ -8575,6 +8734,17 @@
                 <a:cs typeface="Arial" panose="020B0604020202020204" pitchFamily="34" charset="0"/>
               </a:rPr>
             </a:br>
+            <a:r>
+              <a:rPr lang="en-US" dirty="0">
+                <a:solidFill>
+                  <a:srgbClr val="000000"/>
+                </a:solidFill>
+                <a:latin typeface="Calibri" panose="020F0502020204030204" pitchFamily="34" charset="0"/>
+                <a:ea typeface="Calibri" panose="020F0502020204030204" pitchFamily="34" charset="0"/>
+                <a:cs typeface="Arial" panose="020B0604020202020204" pitchFamily="34" charset="0"/>
+              </a:rPr>
+              <a:t/>
+            </a:r>
             <a:br>
               <a:rPr lang="en-US" dirty="0">
                 <a:solidFill>
@@ -8626,7 +8796,7 @@
           <p:cNvPr id="11" name="Rectangle 10">
             <a:extLst>
               <a:ext uri="{FF2B5EF4-FFF2-40B4-BE49-F238E27FC236}">
-                <a16:creationId xmlns:a16="http://schemas.microsoft.com/office/drawing/2014/main" id="{D49F3020-7AC7-4AB0-A856-34FD2C2B3C0B}"/>
+                <a16:creationId xmlns:a16="http://schemas.microsoft.com/office/drawing/2014/main" xmlns="" id="{D49F3020-7AC7-4AB0-A856-34FD2C2B3C0B}"/>
               </a:ext>
             </a:extLst>
           </p:cNvPr>
@@ -8794,6 +8964,17 @@
                 <a:cs typeface="Arial" panose="020B0604020202020204" pitchFamily="34" charset="0"/>
               </a:rPr>
             </a:br>
+            <a:r>
+              <a:rPr lang="en-US" dirty="0">
+                <a:solidFill>
+                  <a:srgbClr val="000000"/>
+                </a:solidFill>
+                <a:latin typeface="Calibri" panose="020F0502020204030204" pitchFamily="34" charset="0"/>
+                <a:ea typeface="Calibri" panose="020F0502020204030204" pitchFamily="34" charset="0"/>
+                <a:cs typeface="Arial" panose="020B0604020202020204" pitchFamily="34" charset="0"/>
+              </a:rPr>
+              <a:t/>
+            </a:r>
             <a:br>
               <a:rPr lang="en-US" dirty="0">
                 <a:solidFill>
@@ -8973,7 +9154,7 @@
           <p:cNvPr id="2" name="Title 1">
             <a:extLst>
               <a:ext uri="{FF2B5EF4-FFF2-40B4-BE49-F238E27FC236}">
-                <a16:creationId xmlns:a16="http://schemas.microsoft.com/office/drawing/2014/main" id="{44E24855-DD6C-4CDB-8E9E-BD494EFDCB04}"/>
+                <a16:creationId xmlns:a16="http://schemas.microsoft.com/office/drawing/2014/main" xmlns="" id="{44E24855-DD6C-4CDB-8E9E-BD494EFDCB04}"/>
               </a:ext>
             </a:extLst>
           </p:cNvPr>
@@ -9002,7 +9183,7 @@
           <p:cNvPr id="3" name="Footer Placeholder 2">
             <a:extLst>
               <a:ext uri="{FF2B5EF4-FFF2-40B4-BE49-F238E27FC236}">
-                <a16:creationId xmlns:a16="http://schemas.microsoft.com/office/drawing/2014/main" id="{9F22BCA0-A1DA-406E-A3B5-66213EB739E8}"/>
+                <a16:creationId xmlns:a16="http://schemas.microsoft.com/office/drawing/2014/main" xmlns="" id="{9F22BCA0-A1DA-406E-A3B5-66213EB739E8}"/>
               </a:ext>
             </a:extLst>
           </p:cNvPr>
@@ -9031,7 +9212,7 @@
           <p:cNvPr id="4" name="Slide Number Placeholder 3">
             <a:extLst>
               <a:ext uri="{FF2B5EF4-FFF2-40B4-BE49-F238E27FC236}">
-                <a16:creationId xmlns:a16="http://schemas.microsoft.com/office/drawing/2014/main" id="{88F2E4B9-EEDA-4848-8505-DA57C6A7A15F}"/>
+                <a16:creationId xmlns:a16="http://schemas.microsoft.com/office/drawing/2014/main" xmlns="" id="{88F2E4B9-EEDA-4848-8505-DA57C6A7A15F}"/>
               </a:ext>
             </a:extLst>
           </p:cNvPr>
@@ -9063,7 +9244,7 @@
           <p:cNvPr id="5" name="Content Placeholder 4">
             <a:extLst>
               <a:ext uri="{FF2B5EF4-FFF2-40B4-BE49-F238E27FC236}">
-                <a16:creationId xmlns:a16="http://schemas.microsoft.com/office/drawing/2014/main" id="{6F9229AE-9C06-440E-AF6E-0B982DDB1F42}"/>
+                <a16:creationId xmlns:a16="http://schemas.microsoft.com/office/drawing/2014/main" xmlns="" id="{6F9229AE-9C06-440E-AF6E-0B982DDB1F42}"/>
               </a:ext>
             </a:extLst>
           </p:cNvPr>
@@ -9097,7 +9278,7 @@
           <p:cNvPr id="6" name="Rectangle 5">
             <a:extLst>
               <a:ext uri="{FF2B5EF4-FFF2-40B4-BE49-F238E27FC236}">
-                <a16:creationId xmlns:a16="http://schemas.microsoft.com/office/drawing/2014/main" id="{53AF9D92-8994-4DC9-A242-B53C9FED7FAB}"/>
+                <a16:creationId xmlns:a16="http://schemas.microsoft.com/office/drawing/2014/main" xmlns="" id="{53AF9D92-8994-4DC9-A242-B53C9FED7FAB}"/>
               </a:ext>
             </a:extLst>
           </p:cNvPr>
@@ -9243,6 +9424,17 @@
                 <a:cs typeface="Arial" panose="020B0604020202020204" pitchFamily="34" charset="0"/>
               </a:rPr>
             </a:br>
+            <a:r>
+              <a:rPr lang="en-US" dirty="0">
+                <a:solidFill>
+                  <a:srgbClr val="000000"/>
+                </a:solidFill>
+                <a:latin typeface="Calibri" panose="020F0502020204030204" pitchFamily="34" charset="0"/>
+                <a:ea typeface="Calibri" panose="020F0502020204030204" pitchFamily="34" charset="0"/>
+                <a:cs typeface="Arial" panose="020B0604020202020204" pitchFamily="34" charset="0"/>
+              </a:rPr>
+              <a:t/>
+            </a:r>
             <a:br>
               <a:rPr lang="en-US" dirty="0">
                 <a:solidFill>
@@ -9371,6 +9563,17 @@
                 <a:cs typeface="Arial" panose="020B0604020202020204" pitchFamily="34" charset="0"/>
               </a:rPr>
             </a:br>
+            <a:r>
+              <a:rPr lang="en-US" dirty="0">
+                <a:solidFill>
+                  <a:srgbClr val="000000"/>
+                </a:solidFill>
+                <a:latin typeface="Calibri" panose="020F0502020204030204" pitchFamily="34" charset="0"/>
+                <a:ea typeface="Calibri" panose="020F0502020204030204" pitchFamily="34" charset="0"/>
+                <a:cs typeface="Arial" panose="020B0604020202020204" pitchFamily="34" charset="0"/>
+              </a:rPr>
+              <a:t/>
+            </a:r>
             <a:br>
               <a:rPr lang="en-US" dirty="0">
                 <a:solidFill>
@@ -9422,7 +9625,7 @@
           <p:cNvPr id="7" name="Rectangle 6">
             <a:extLst>
               <a:ext uri="{FF2B5EF4-FFF2-40B4-BE49-F238E27FC236}">
-                <a16:creationId xmlns:a16="http://schemas.microsoft.com/office/drawing/2014/main" id="{8903B8C3-5531-4AB3-83CA-30A634A9302E}"/>
+                <a16:creationId xmlns:a16="http://schemas.microsoft.com/office/drawing/2014/main" xmlns="" id="{8903B8C3-5531-4AB3-83CA-30A634A9302E}"/>
               </a:ext>
             </a:extLst>
           </p:cNvPr>
@@ -9820,7 +10023,7 @@
           <p:cNvPr id="2" name="Title 1">
             <a:extLst>
               <a:ext uri="{FF2B5EF4-FFF2-40B4-BE49-F238E27FC236}">
-                <a16:creationId xmlns:a16="http://schemas.microsoft.com/office/drawing/2014/main" id="{B515751F-05EA-424E-AA47-708693712A00}"/>
+                <a16:creationId xmlns:a16="http://schemas.microsoft.com/office/drawing/2014/main" xmlns="" id="{B515751F-05EA-424E-AA47-708693712A00}"/>
               </a:ext>
             </a:extLst>
           </p:cNvPr>
@@ -9849,7 +10052,7 @@
           <p:cNvPr id="3" name="Footer Placeholder 2">
             <a:extLst>
               <a:ext uri="{FF2B5EF4-FFF2-40B4-BE49-F238E27FC236}">
-                <a16:creationId xmlns:a16="http://schemas.microsoft.com/office/drawing/2014/main" id="{65CEA62D-3027-410A-AB45-708EE9B15ED1}"/>
+                <a16:creationId xmlns:a16="http://schemas.microsoft.com/office/drawing/2014/main" xmlns="" id="{65CEA62D-3027-410A-AB45-708EE9B15ED1}"/>
               </a:ext>
             </a:extLst>
           </p:cNvPr>
@@ -9878,7 +10081,7 @@
           <p:cNvPr id="4" name="Slide Number Placeholder 3">
             <a:extLst>
               <a:ext uri="{FF2B5EF4-FFF2-40B4-BE49-F238E27FC236}">
-                <a16:creationId xmlns:a16="http://schemas.microsoft.com/office/drawing/2014/main" id="{C6467328-A6D4-4265-8E25-E16D980FF3EF}"/>
+                <a16:creationId xmlns:a16="http://schemas.microsoft.com/office/drawing/2014/main" xmlns="" id="{C6467328-A6D4-4265-8E25-E16D980FF3EF}"/>
               </a:ext>
             </a:extLst>
           </p:cNvPr>
@@ -9910,7 +10113,7 @@
           <p:cNvPr id="5" name="Content Placeholder 4">
             <a:extLst>
               <a:ext uri="{FF2B5EF4-FFF2-40B4-BE49-F238E27FC236}">
-                <a16:creationId xmlns:a16="http://schemas.microsoft.com/office/drawing/2014/main" id="{540B0856-6F06-4B5F-B429-FFC479CD083C}"/>
+                <a16:creationId xmlns:a16="http://schemas.microsoft.com/office/drawing/2014/main" xmlns="" id="{540B0856-6F06-4B5F-B429-FFC479CD083C}"/>
               </a:ext>
             </a:extLst>
           </p:cNvPr>
@@ -9947,7 +10150,7 @@
           <p:cNvPr id="6" name="Rectangle 5">
             <a:extLst>
               <a:ext uri="{FF2B5EF4-FFF2-40B4-BE49-F238E27FC236}">
-                <a16:creationId xmlns:a16="http://schemas.microsoft.com/office/drawing/2014/main" id="{72FCF2E0-B84D-4750-8714-1CFF9B5ECC2D}"/>
+                <a16:creationId xmlns:a16="http://schemas.microsoft.com/office/drawing/2014/main" xmlns="" id="{72FCF2E0-B84D-4750-8714-1CFF9B5ECC2D}"/>
               </a:ext>
             </a:extLst>
           </p:cNvPr>
@@ -10239,7 +10442,7 @@
           <p:cNvPr id="2" name="Title 1">
             <a:extLst>
               <a:ext uri="{FF2B5EF4-FFF2-40B4-BE49-F238E27FC236}">
-                <a16:creationId xmlns:a16="http://schemas.microsoft.com/office/drawing/2014/main" id="{F7F745EB-99E5-45F6-8E97-287D6B0266AA}"/>
+                <a16:creationId xmlns:a16="http://schemas.microsoft.com/office/drawing/2014/main" xmlns="" id="{F7F745EB-99E5-45F6-8E97-287D6B0266AA}"/>
               </a:ext>
             </a:extLst>
           </p:cNvPr>
@@ -10268,7 +10471,7 @@
           <p:cNvPr id="3" name="Footer Placeholder 2">
             <a:extLst>
               <a:ext uri="{FF2B5EF4-FFF2-40B4-BE49-F238E27FC236}">
-                <a16:creationId xmlns:a16="http://schemas.microsoft.com/office/drawing/2014/main" id="{80000845-C65A-483C-9BFA-495D9CADDBA1}"/>
+                <a16:creationId xmlns:a16="http://schemas.microsoft.com/office/drawing/2014/main" xmlns="" id="{80000845-C65A-483C-9BFA-495D9CADDBA1}"/>
               </a:ext>
             </a:extLst>
           </p:cNvPr>
@@ -10297,7 +10500,7 @@
           <p:cNvPr id="4" name="Slide Number Placeholder 3">
             <a:extLst>
               <a:ext uri="{FF2B5EF4-FFF2-40B4-BE49-F238E27FC236}">
-                <a16:creationId xmlns:a16="http://schemas.microsoft.com/office/drawing/2014/main" id="{05EF8FEE-0526-478C-BB4D-BC5F51FE33F8}"/>
+                <a16:creationId xmlns:a16="http://schemas.microsoft.com/office/drawing/2014/main" xmlns="" id="{05EF8FEE-0526-478C-BB4D-BC5F51FE33F8}"/>
               </a:ext>
             </a:extLst>
           </p:cNvPr>
@@ -10329,7 +10532,7 @@
           <p:cNvPr id="5" name="Content Placeholder 4">
             <a:extLst>
               <a:ext uri="{FF2B5EF4-FFF2-40B4-BE49-F238E27FC236}">
-                <a16:creationId xmlns:a16="http://schemas.microsoft.com/office/drawing/2014/main" id="{F48B697E-E44A-49D2-809D-4F8E406BBBD4}"/>
+                <a16:creationId xmlns:a16="http://schemas.microsoft.com/office/drawing/2014/main" xmlns="" id="{F48B697E-E44A-49D2-809D-4F8E406BBBD4}"/>
               </a:ext>
             </a:extLst>
           </p:cNvPr>
@@ -10358,7 +10561,7 @@
           <p:cNvPr id="6" name="Rectangle 5">
             <a:extLst>
               <a:ext uri="{FF2B5EF4-FFF2-40B4-BE49-F238E27FC236}">
-                <a16:creationId xmlns:a16="http://schemas.microsoft.com/office/drawing/2014/main" id="{9CC76DD2-2865-436D-B917-65FFE26477CA}"/>
+                <a16:creationId xmlns:a16="http://schemas.microsoft.com/office/drawing/2014/main" xmlns="" id="{9CC76DD2-2865-436D-B917-65FFE26477CA}"/>
               </a:ext>
             </a:extLst>
           </p:cNvPr>
@@ -10439,6 +10642,17 @@
                 <a:cs typeface="Arial" panose="020B0604020202020204" pitchFamily="34" charset="0"/>
               </a:rPr>
             </a:br>
+            <a:r>
+              <a:rPr lang="en-US" dirty="0">
+                <a:solidFill>
+                  <a:srgbClr val="000000"/>
+                </a:solidFill>
+                <a:latin typeface="Calibri" panose="020F0502020204030204" pitchFamily="34" charset="0"/>
+                <a:ea typeface="Calibri" panose="020F0502020204030204" pitchFamily="34" charset="0"/>
+                <a:cs typeface="Arial" panose="020B0604020202020204" pitchFamily="34" charset="0"/>
+              </a:rPr>
+              <a:t/>
+            </a:r>
             <a:br>
               <a:rPr lang="en-US" dirty="0">
                 <a:solidFill>
@@ -10588,6 +10802,17 @@
                 <a:cs typeface="Arial" panose="020B0604020202020204" pitchFamily="34" charset="0"/>
               </a:rPr>
             </a:br>
+            <a:r>
+              <a:rPr lang="en-US" dirty="0">
+                <a:solidFill>
+                  <a:srgbClr val="000000"/>
+                </a:solidFill>
+                <a:latin typeface="Calibri" panose="020F0502020204030204" pitchFamily="34" charset="0"/>
+                <a:ea typeface="Calibri" panose="020F0502020204030204" pitchFamily="34" charset="0"/>
+                <a:cs typeface="Arial" panose="020B0604020202020204" pitchFamily="34" charset="0"/>
+              </a:rPr>
+              <a:t/>
+            </a:r>
             <a:br>
               <a:rPr lang="en-US" dirty="0">
                 <a:solidFill>
@@ -10842,7 +11067,7 @@
           <p:cNvPr id="2" name="Title 1">
             <a:extLst>
               <a:ext uri="{FF2B5EF4-FFF2-40B4-BE49-F238E27FC236}">
-                <a16:creationId xmlns:a16="http://schemas.microsoft.com/office/drawing/2014/main" id="{8A583452-1272-4B60-B80F-B939CEF94DB9}"/>
+                <a16:creationId xmlns:a16="http://schemas.microsoft.com/office/drawing/2014/main" xmlns="" id="{8A583452-1272-4B60-B80F-B939CEF94DB9}"/>
               </a:ext>
             </a:extLst>
           </p:cNvPr>
@@ -10871,7 +11096,7 @@
           <p:cNvPr id="3" name="Footer Placeholder 2">
             <a:extLst>
               <a:ext uri="{FF2B5EF4-FFF2-40B4-BE49-F238E27FC236}">
-                <a16:creationId xmlns:a16="http://schemas.microsoft.com/office/drawing/2014/main" id="{D5B84E21-EEAD-4682-B1C5-724ACBC853C4}"/>
+                <a16:creationId xmlns:a16="http://schemas.microsoft.com/office/drawing/2014/main" xmlns="" id="{D5B84E21-EEAD-4682-B1C5-724ACBC853C4}"/>
               </a:ext>
             </a:extLst>
           </p:cNvPr>
@@ -10900,7 +11125,7 @@
           <p:cNvPr id="4" name="Slide Number Placeholder 3">
             <a:extLst>
               <a:ext uri="{FF2B5EF4-FFF2-40B4-BE49-F238E27FC236}">
-                <a16:creationId xmlns:a16="http://schemas.microsoft.com/office/drawing/2014/main" id="{C7E26F32-E260-49EB-BC62-612E3DA3CE9B}"/>
+                <a16:creationId xmlns:a16="http://schemas.microsoft.com/office/drawing/2014/main" xmlns="" id="{C7E26F32-E260-49EB-BC62-612E3DA3CE9B}"/>
               </a:ext>
             </a:extLst>
           </p:cNvPr>
@@ -10932,7 +11157,7 @@
           <p:cNvPr id="5" name="Content Placeholder 4">
             <a:extLst>
               <a:ext uri="{FF2B5EF4-FFF2-40B4-BE49-F238E27FC236}">
-                <a16:creationId xmlns:a16="http://schemas.microsoft.com/office/drawing/2014/main" id="{E9FFBA85-6C50-439B-B79F-01B5DF5A28F4}"/>
+                <a16:creationId xmlns:a16="http://schemas.microsoft.com/office/drawing/2014/main" xmlns="" id="{E9FFBA85-6C50-439B-B79F-01B5DF5A28F4}"/>
               </a:ext>
             </a:extLst>
           </p:cNvPr>
@@ -10961,7 +11186,7 @@
           <p:cNvPr id="6" name="Rectangle 5">
             <a:extLst>
               <a:ext uri="{FF2B5EF4-FFF2-40B4-BE49-F238E27FC236}">
-                <a16:creationId xmlns:a16="http://schemas.microsoft.com/office/drawing/2014/main" id="{5B5DF36B-EB76-45DB-834D-10BB7F84D9ED}"/>
+                <a16:creationId xmlns:a16="http://schemas.microsoft.com/office/drawing/2014/main" xmlns="" id="{5B5DF36B-EB76-45DB-834D-10BB7F84D9ED}"/>
               </a:ext>
             </a:extLst>
           </p:cNvPr>
@@ -11042,7 +11267,7 @@
                 <a:cs typeface="Arial" panose="020B0604020202020204" pitchFamily="34" charset="0"/>
               </a:rPr>
             </a:br>
-            <a:br>
+            <a:r>
               <a:rPr lang="en-US" sz="1600" dirty="0">
                 <a:solidFill>
                   <a:srgbClr val="000000"/>
@@ -11051,6 +11276,17 @@
                 <a:ea typeface="Calibri" panose="020F0502020204030204" pitchFamily="34" charset="0"/>
                 <a:cs typeface="Arial" panose="020B0604020202020204" pitchFamily="34" charset="0"/>
               </a:rPr>
+              <a:t/>
+            </a:r>
+            <a:br>
+              <a:rPr lang="en-US" sz="1600" dirty="0">
+                <a:solidFill>
+                  <a:srgbClr val="000000"/>
+                </a:solidFill>
+                <a:latin typeface="Calibri" panose="020F0502020204030204" pitchFamily="34" charset="0"/>
+                <a:ea typeface="Calibri" panose="020F0502020204030204" pitchFamily="34" charset="0"/>
+                <a:cs typeface="Arial" panose="020B0604020202020204" pitchFamily="34" charset="0"/>
+              </a:rPr>
             </a:br>
             <a:r>
               <a:rPr lang="en-US" sz="1600" b="1" dirty="0">
@@ -11191,7 +11427,7 @@
                 <a:cs typeface="Arial" panose="020B0604020202020204" pitchFamily="34" charset="0"/>
               </a:rPr>
             </a:br>
-            <a:br>
+            <a:r>
               <a:rPr lang="en-US" sz="1600" dirty="0">
                 <a:solidFill>
                   <a:srgbClr val="000000"/>
@@ -11200,6 +11436,17 @@
                 <a:ea typeface="Calibri" panose="020F0502020204030204" pitchFamily="34" charset="0"/>
                 <a:cs typeface="Arial" panose="020B0604020202020204" pitchFamily="34" charset="0"/>
               </a:rPr>
+              <a:t/>
+            </a:r>
+            <a:br>
+              <a:rPr lang="en-US" sz="1600" dirty="0">
+                <a:solidFill>
+                  <a:srgbClr val="000000"/>
+                </a:solidFill>
+                <a:latin typeface="Calibri" panose="020F0502020204030204" pitchFamily="34" charset="0"/>
+                <a:ea typeface="Calibri" panose="020F0502020204030204" pitchFamily="34" charset="0"/>
+                <a:cs typeface="Arial" panose="020B0604020202020204" pitchFamily="34" charset="0"/>
+              </a:rPr>
             </a:br>
             <a:r>
               <a:rPr lang="en-US" sz="1600" b="1" dirty="0">
@@ -11341,6 +11588,17 @@
                 <a:cs typeface="Arial" panose="020B0604020202020204" pitchFamily="34" charset="0"/>
               </a:rPr>
             </a:br>
+            <a:r>
+              <a:rPr lang="en-US" sz="1600" dirty="0">
+                <a:solidFill>
+                  <a:srgbClr val="000000"/>
+                </a:solidFill>
+                <a:latin typeface="Calibri" panose="020F0502020204030204" pitchFamily="34" charset="0"/>
+                <a:ea typeface="Calibri" panose="020F0502020204030204" pitchFamily="34" charset="0"/>
+                <a:cs typeface="Arial" panose="020B0604020202020204" pitchFamily="34" charset="0"/>
+              </a:rPr>
+              <a:t/>
+            </a:r>
             <a:br>
               <a:rPr lang="en-US" sz="1600" dirty="0">
                 <a:solidFill>
@@ -11543,7 +11801,7 @@
           <p:cNvPr id="7" name="Rectangle: Rounded Corners 6">
             <a:extLst>
               <a:ext uri="{FF2B5EF4-FFF2-40B4-BE49-F238E27FC236}">
-                <a16:creationId xmlns:a16="http://schemas.microsoft.com/office/drawing/2014/main" id="{E8F3CB33-F0C2-4F06-9510-70E557DE0AF7}"/>
+                <a16:creationId xmlns:a16="http://schemas.microsoft.com/office/drawing/2014/main" xmlns="" id="{E8F3CB33-F0C2-4F06-9510-70E557DE0AF7}"/>
               </a:ext>
             </a:extLst>
           </p:cNvPr>
@@ -11593,7 +11851,7 @@
           <p:cNvPr id="9" name="Straight Arrow Connector 8">
             <a:extLst>
               <a:ext uri="{FF2B5EF4-FFF2-40B4-BE49-F238E27FC236}">
-                <a16:creationId xmlns:a16="http://schemas.microsoft.com/office/drawing/2014/main" id="{7AA38C04-7934-48F8-839B-B4980CAF29D8}"/>
+                <a16:creationId xmlns:a16="http://schemas.microsoft.com/office/drawing/2014/main" xmlns="" id="{7AA38C04-7934-48F8-839B-B4980CAF29D8}"/>
               </a:ext>
             </a:extLst>
           </p:cNvPr>
@@ -11665,7 +11923,7 @@
           <p:cNvPr id="2" name="Title 1">
             <a:extLst>
               <a:ext uri="{FF2B5EF4-FFF2-40B4-BE49-F238E27FC236}">
-                <a16:creationId xmlns:a16="http://schemas.microsoft.com/office/drawing/2014/main" id="{033E7BD3-2933-4CC8-9DEF-D16C8EAF3CFC}"/>
+                <a16:creationId xmlns:a16="http://schemas.microsoft.com/office/drawing/2014/main" xmlns="" id="{033E7BD3-2933-4CC8-9DEF-D16C8EAF3CFC}"/>
               </a:ext>
             </a:extLst>
           </p:cNvPr>
@@ -11694,7 +11952,7 @@
           <p:cNvPr id="3" name="Footer Placeholder 2">
             <a:extLst>
               <a:ext uri="{FF2B5EF4-FFF2-40B4-BE49-F238E27FC236}">
-                <a16:creationId xmlns:a16="http://schemas.microsoft.com/office/drawing/2014/main" id="{7CAB3CC4-5408-4D81-9721-90C548F012DD}"/>
+                <a16:creationId xmlns:a16="http://schemas.microsoft.com/office/drawing/2014/main" xmlns="" id="{7CAB3CC4-5408-4D81-9721-90C548F012DD}"/>
               </a:ext>
             </a:extLst>
           </p:cNvPr>
@@ -11723,7 +11981,7 @@
           <p:cNvPr id="4" name="Slide Number Placeholder 3">
             <a:extLst>
               <a:ext uri="{FF2B5EF4-FFF2-40B4-BE49-F238E27FC236}">
-                <a16:creationId xmlns:a16="http://schemas.microsoft.com/office/drawing/2014/main" id="{57DA321F-9DC0-4CF1-9784-BA2AF4631FCC}"/>
+                <a16:creationId xmlns:a16="http://schemas.microsoft.com/office/drawing/2014/main" xmlns="" id="{57DA321F-9DC0-4CF1-9784-BA2AF4631FCC}"/>
               </a:ext>
             </a:extLst>
           </p:cNvPr>
@@ -11755,7 +12013,7 @@
           <p:cNvPr id="5" name="Content Placeholder 4">
             <a:extLst>
               <a:ext uri="{FF2B5EF4-FFF2-40B4-BE49-F238E27FC236}">
-                <a16:creationId xmlns:a16="http://schemas.microsoft.com/office/drawing/2014/main" id="{052D0633-373D-41E2-8302-5EB75A7B3AB0}"/>
+                <a16:creationId xmlns:a16="http://schemas.microsoft.com/office/drawing/2014/main" xmlns="" id="{052D0633-373D-41E2-8302-5EB75A7B3AB0}"/>
               </a:ext>
             </a:extLst>
           </p:cNvPr>
@@ -11784,7 +12042,7 @@
           <p:cNvPr id="6" name="Rectangle 5">
             <a:extLst>
               <a:ext uri="{FF2B5EF4-FFF2-40B4-BE49-F238E27FC236}">
-                <a16:creationId xmlns:a16="http://schemas.microsoft.com/office/drawing/2014/main" id="{5ECCB184-FC2A-4C53-BDB9-68D009D9FD59}"/>
+                <a16:creationId xmlns:a16="http://schemas.microsoft.com/office/drawing/2014/main" xmlns="" id="{5ECCB184-FC2A-4C53-BDB9-68D009D9FD59}"/>
               </a:ext>
             </a:extLst>
           </p:cNvPr>
@@ -11865,7 +12123,7 @@
                 <a:cs typeface="Arial" panose="020B0604020202020204" pitchFamily="34" charset="0"/>
               </a:rPr>
             </a:br>
-            <a:br>
+            <a:r>
               <a:rPr lang="en-US" sz="1600" dirty="0">
                 <a:solidFill>
                   <a:srgbClr val="000000"/>
@@ -11874,6 +12132,17 @@
                 <a:ea typeface="Calibri" panose="020F0502020204030204" pitchFamily="34" charset="0"/>
                 <a:cs typeface="Arial" panose="020B0604020202020204" pitchFamily="34" charset="0"/>
               </a:rPr>
+              <a:t/>
+            </a:r>
+            <a:br>
+              <a:rPr lang="en-US" sz="1600" dirty="0">
+                <a:solidFill>
+                  <a:srgbClr val="000000"/>
+                </a:solidFill>
+                <a:latin typeface="Calibri" panose="020F0502020204030204" pitchFamily="34" charset="0"/>
+                <a:ea typeface="Calibri" panose="020F0502020204030204" pitchFamily="34" charset="0"/>
+                <a:cs typeface="Arial" panose="020B0604020202020204" pitchFamily="34" charset="0"/>
+              </a:rPr>
             </a:br>
             <a:r>
               <a:rPr lang="en-US" sz="1600" b="1" dirty="0">
@@ -12014,7 +12283,7 @@
                 <a:cs typeface="Arial" panose="020B0604020202020204" pitchFamily="34" charset="0"/>
               </a:rPr>
             </a:br>
-            <a:br>
+            <a:r>
               <a:rPr lang="en-US" sz="1600" dirty="0">
                 <a:solidFill>
                   <a:srgbClr val="000000"/>
@@ -12023,6 +12292,17 @@
                 <a:ea typeface="Calibri" panose="020F0502020204030204" pitchFamily="34" charset="0"/>
                 <a:cs typeface="Arial" panose="020B0604020202020204" pitchFamily="34" charset="0"/>
               </a:rPr>
+              <a:t/>
+            </a:r>
+            <a:br>
+              <a:rPr lang="en-US" sz="1600" dirty="0">
+                <a:solidFill>
+                  <a:srgbClr val="000000"/>
+                </a:solidFill>
+                <a:latin typeface="Calibri" panose="020F0502020204030204" pitchFamily="34" charset="0"/>
+                <a:ea typeface="Calibri" panose="020F0502020204030204" pitchFamily="34" charset="0"/>
+                <a:cs typeface="Arial" panose="020B0604020202020204" pitchFamily="34" charset="0"/>
+              </a:rPr>
             </a:br>
             <a:r>
               <a:rPr lang="en-US" sz="1600" b="1" dirty="0">
@@ -12164,6 +12444,17 @@
                 <a:cs typeface="Arial" panose="020B0604020202020204" pitchFamily="34" charset="0"/>
               </a:rPr>
             </a:br>
+            <a:r>
+              <a:rPr lang="en-US" sz="1600" dirty="0">
+                <a:solidFill>
+                  <a:srgbClr val="000000"/>
+                </a:solidFill>
+                <a:latin typeface="Calibri" panose="020F0502020204030204" pitchFamily="34" charset="0"/>
+                <a:ea typeface="Calibri" panose="020F0502020204030204" pitchFamily="34" charset="0"/>
+                <a:cs typeface="Arial" panose="020B0604020202020204" pitchFamily="34" charset="0"/>
+              </a:rPr>
+              <a:t/>
+            </a:r>
             <a:br>
               <a:rPr lang="en-US" sz="1600" dirty="0">
                 <a:solidFill>
@@ -12407,7 +12698,7 @@
           <p:cNvPr id="2" name="Title 1">
             <a:extLst>
               <a:ext uri="{FF2B5EF4-FFF2-40B4-BE49-F238E27FC236}">
-                <a16:creationId xmlns:a16="http://schemas.microsoft.com/office/drawing/2014/main" id="{33F275F1-C706-4CBD-8C4D-FF6CE9351471}"/>
+                <a16:creationId xmlns:a16="http://schemas.microsoft.com/office/drawing/2014/main" xmlns="" id="{33F275F1-C706-4CBD-8C4D-FF6CE9351471}"/>
               </a:ext>
             </a:extLst>
           </p:cNvPr>
@@ -12436,7 +12727,7 @@
           <p:cNvPr id="3" name="Footer Placeholder 2">
             <a:extLst>
               <a:ext uri="{FF2B5EF4-FFF2-40B4-BE49-F238E27FC236}">
-                <a16:creationId xmlns:a16="http://schemas.microsoft.com/office/drawing/2014/main" id="{CE7482D4-865A-4138-B109-E0455EDB533A}"/>
+                <a16:creationId xmlns:a16="http://schemas.microsoft.com/office/drawing/2014/main" xmlns="" id="{CE7482D4-865A-4138-B109-E0455EDB533A}"/>
               </a:ext>
             </a:extLst>
           </p:cNvPr>
@@ -12465,7 +12756,7 @@
           <p:cNvPr id="4" name="Slide Number Placeholder 3">
             <a:extLst>
               <a:ext uri="{FF2B5EF4-FFF2-40B4-BE49-F238E27FC236}">
-                <a16:creationId xmlns:a16="http://schemas.microsoft.com/office/drawing/2014/main" id="{9833B40D-0314-4544-ADC2-21709761F276}"/>
+                <a16:creationId xmlns:a16="http://schemas.microsoft.com/office/drawing/2014/main" xmlns="" id="{9833B40D-0314-4544-ADC2-21709761F276}"/>
               </a:ext>
             </a:extLst>
           </p:cNvPr>
@@ -12497,7 +12788,7 @@
           <p:cNvPr id="5" name="Content Placeholder 4">
             <a:extLst>
               <a:ext uri="{FF2B5EF4-FFF2-40B4-BE49-F238E27FC236}">
-                <a16:creationId xmlns:a16="http://schemas.microsoft.com/office/drawing/2014/main" id="{31A70E76-A43F-47C5-B474-D594AFABCDFD}"/>
+                <a16:creationId xmlns:a16="http://schemas.microsoft.com/office/drawing/2014/main" xmlns="" id="{31A70E76-A43F-47C5-B474-D594AFABCDFD}"/>
               </a:ext>
             </a:extLst>
           </p:cNvPr>
@@ -12526,7 +12817,7 @@
           <p:cNvPr id="6" name="Rectangle 5">
             <a:extLst>
               <a:ext uri="{FF2B5EF4-FFF2-40B4-BE49-F238E27FC236}">
-                <a16:creationId xmlns:a16="http://schemas.microsoft.com/office/drawing/2014/main" id="{5D074A18-305F-42BE-A814-699D210A1CE2}"/>
+                <a16:creationId xmlns:a16="http://schemas.microsoft.com/office/drawing/2014/main" xmlns="" id="{5D074A18-305F-42BE-A814-699D210A1CE2}"/>
               </a:ext>
             </a:extLst>
           </p:cNvPr>
@@ -12671,7 +12962,7 @@
                 <a:cs typeface="Arial" panose="020B0604020202020204" pitchFamily="34" charset="0"/>
               </a:rPr>
             </a:br>
-            <a:br>
+            <a:r>
               <a:rPr lang="en-US" sz="1600" dirty="0">
                 <a:solidFill>
                   <a:srgbClr val="000000"/>
@@ -12680,6 +12971,17 @@
                 <a:ea typeface="Calibri" panose="020F0502020204030204" pitchFamily="34" charset="0"/>
                 <a:cs typeface="Arial" panose="020B0604020202020204" pitchFamily="34" charset="0"/>
               </a:rPr>
+              <a:t/>
+            </a:r>
+            <a:br>
+              <a:rPr lang="en-US" sz="1600" dirty="0">
+                <a:solidFill>
+                  <a:srgbClr val="000000"/>
+                </a:solidFill>
+                <a:latin typeface="Calibri" panose="020F0502020204030204" pitchFamily="34" charset="0"/>
+                <a:ea typeface="Calibri" panose="020F0502020204030204" pitchFamily="34" charset="0"/>
+                <a:cs typeface="Arial" panose="020B0604020202020204" pitchFamily="34" charset="0"/>
+              </a:rPr>
             </a:br>
             <a:r>
               <a:rPr lang="en-US" sz="1600" b="1" dirty="0">
@@ -12777,7 +13079,7 @@
                 <a:cs typeface="Arial" panose="020B0604020202020204" pitchFamily="34" charset="0"/>
               </a:rPr>
             </a:br>
-            <a:br>
+            <a:r>
               <a:rPr lang="en-US" sz="1600" dirty="0">
                 <a:solidFill>
                   <a:srgbClr val="000000"/>
@@ -12786,6 +13088,17 @@
                 <a:ea typeface="Calibri" panose="020F0502020204030204" pitchFamily="34" charset="0"/>
                 <a:cs typeface="Arial" panose="020B0604020202020204" pitchFamily="34" charset="0"/>
               </a:rPr>
+              <a:t/>
+            </a:r>
+            <a:br>
+              <a:rPr lang="en-US" sz="1600" dirty="0">
+                <a:solidFill>
+                  <a:srgbClr val="000000"/>
+                </a:solidFill>
+                <a:latin typeface="Calibri" panose="020F0502020204030204" pitchFamily="34" charset="0"/>
+                <a:ea typeface="Calibri" panose="020F0502020204030204" pitchFamily="34" charset="0"/>
+                <a:cs typeface="Arial" panose="020B0604020202020204" pitchFamily="34" charset="0"/>
+              </a:rPr>
             </a:br>
             <a:r>
               <a:rPr lang="en-US" sz="1600" b="1" dirty="0">
@@ -12917,7 +13230,7 @@
                 <a:cs typeface="Arial" panose="020B0604020202020204" pitchFamily="34" charset="0"/>
               </a:rPr>
             </a:br>
-            <a:br>
+            <a:r>
               <a:rPr lang="en-US" sz="1600" dirty="0">
                 <a:solidFill>
                   <a:srgbClr val="000000"/>
@@ -12926,8 +13239,9 @@
                 <a:ea typeface="Calibri" panose="020F0502020204030204" pitchFamily="34" charset="0"/>
                 <a:cs typeface="Arial" panose="020B0604020202020204" pitchFamily="34" charset="0"/>
               </a:rPr>
-            </a:br>
-            <a:r>
+              <a:t/>
+            </a:r>
+            <a:br>
               <a:rPr lang="en-US" sz="1600" dirty="0">
                 <a:solidFill>
                   <a:srgbClr val="000000"/>
@@ -12936,6 +13250,16 @@
                 <a:ea typeface="Calibri" panose="020F0502020204030204" pitchFamily="34" charset="0"/>
                 <a:cs typeface="Arial" panose="020B0604020202020204" pitchFamily="34" charset="0"/>
               </a:rPr>
+            </a:br>
+            <a:r>
+              <a:rPr lang="en-US" sz="1600" dirty="0">
+                <a:solidFill>
+                  <a:srgbClr val="000000"/>
+                </a:solidFill>
+                <a:latin typeface="Calibri" panose="020F0502020204030204" pitchFamily="34" charset="0"/>
+                <a:ea typeface="Calibri" panose="020F0502020204030204" pitchFamily="34" charset="0"/>
+                <a:cs typeface="Arial" panose="020B0604020202020204" pitchFamily="34" charset="0"/>
+              </a:rPr>
               <a:t>    </a:t>
             </a:r>
             <a:r>
@@ -13013,6 +13337,17 @@
                 <a:cs typeface="Arial" panose="020B0604020202020204" pitchFamily="34" charset="0"/>
               </a:rPr>
             </a:br>
+            <a:r>
+              <a:rPr lang="en-US" sz="1600" dirty="0">
+                <a:solidFill>
+                  <a:srgbClr val="000000"/>
+                </a:solidFill>
+                <a:latin typeface="Calibri" panose="020F0502020204030204" pitchFamily="34" charset="0"/>
+                <a:ea typeface="Calibri" panose="020F0502020204030204" pitchFamily="34" charset="0"/>
+                <a:cs typeface="Arial" panose="020B0604020202020204" pitchFamily="34" charset="0"/>
+              </a:rPr>
+              <a:t/>
+            </a:r>
             <a:br>
               <a:rPr lang="en-US" sz="1600" dirty="0">
                 <a:solidFill>
@@ -13084,7 +13419,7 @@
           <p:cNvPr id="2" name="Title 1">
             <a:extLst>
               <a:ext uri="{FF2B5EF4-FFF2-40B4-BE49-F238E27FC236}">
-                <a16:creationId xmlns:a16="http://schemas.microsoft.com/office/drawing/2014/main" id="{D1BCB311-AABD-410F-AAC3-77B25FAFA214}"/>
+                <a16:creationId xmlns:a16="http://schemas.microsoft.com/office/drawing/2014/main" xmlns="" id="{D1BCB311-AABD-410F-AAC3-77B25FAFA214}"/>
               </a:ext>
             </a:extLst>
           </p:cNvPr>
@@ -13113,7 +13448,7 @@
           <p:cNvPr id="3" name="Footer Placeholder 2">
             <a:extLst>
               <a:ext uri="{FF2B5EF4-FFF2-40B4-BE49-F238E27FC236}">
-                <a16:creationId xmlns:a16="http://schemas.microsoft.com/office/drawing/2014/main" id="{F7C455A5-B6D0-4119-AF32-24D4206C3843}"/>
+                <a16:creationId xmlns:a16="http://schemas.microsoft.com/office/drawing/2014/main" xmlns="" id="{F7C455A5-B6D0-4119-AF32-24D4206C3843}"/>
               </a:ext>
             </a:extLst>
           </p:cNvPr>
@@ -13142,7 +13477,7 @@
           <p:cNvPr id="4" name="Slide Number Placeholder 3">
             <a:extLst>
               <a:ext uri="{FF2B5EF4-FFF2-40B4-BE49-F238E27FC236}">
-                <a16:creationId xmlns:a16="http://schemas.microsoft.com/office/drawing/2014/main" id="{06229209-B841-453C-A5EE-ABB06B71FBDA}"/>
+                <a16:creationId xmlns:a16="http://schemas.microsoft.com/office/drawing/2014/main" xmlns="" id="{06229209-B841-453C-A5EE-ABB06B71FBDA}"/>
               </a:ext>
             </a:extLst>
           </p:cNvPr>
@@ -13174,7 +13509,7 @@
           <p:cNvPr id="5" name="Content Placeholder 4">
             <a:extLst>
               <a:ext uri="{FF2B5EF4-FFF2-40B4-BE49-F238E27FC236}">
-                <a16:creationId xmlns:a16="http://schemas.microsoft.com/office/drawing/2014/main" id="{B6B3B531-7CC3-488A-A9C0-00852375E974}"/>
+                <a16:creationId xmlns:a16="http://schemas.microsoft.com/office/drawing/2014/main" xmlns="" id="{B6B3B531-7CC3-488A-A9C0-00852375E974}"/>
               </a:ext>
             </a:extLst>
           </p:cNvPr>
@@ -13203,7 +13538,7 @@
           <p:cNvPr id="6" name="Rectangle 5">
             <a:extLst>
               <a:ext uri="{FF2B5EF4-FFF2-40B4-BE49-F238E27FC236}">
-                <a16:creationId xmlns:a16="http://schemas.microsoft.com/office/drawing/2014/main" id="{4A3FB35A-E8AF-4BB4-9116-2A321F74BD8F}"/>
+                <a16:creationId xmlns:a16="http://schemas.microsoft.com/office/drawing/2014/main" xmlns="" id="{4A3FB35A-E8AF-4BB4-9116-2A321F74BD8F}"/>
               </a:ext>
             </a:extLst>
           </p:cNvPr>
@@ -13347,7 +13682,7 @@
           <p:cNvPr id="7" name="Rectangle: Rounded Corners 6">
             <a:extLst>
               <a:ext uri="{FF2B5EF4-FFF2-40B4-BE49-F238E27FC236}">
-                <a16:creationId xmlns:a16="http://schemas.microsoft.com/office/drawing/2014/main" id="{2250DF67-A4E1-4B08-AE6F-6B6B79B3EEFF}"/>
+                <a16:creationId xmlns:a16="http://schemas.microsoft.com/office/drawing/2014/main" xmlns="" id="{2250DF67-A4E1-4B08-AE6F-6B6B79B3EEFF}"/>
               </a:ext>
             </a:extLst>
           </p:cNvPr>
@@ -13397,7 +13732,7 @@
           <p:cNvPr id="8" name="Straight Arrow Connector 7">
             <a:extLst>
               <a:ext uri="{FF2B5EF4-FFF2-40B4-BE49-F238E27FC236}">
-                <a16:creationId xmlns:a16="http://schemas.microsoft.com/office/drawing/2014/main" id="{EA0BBC39-E466-449E-BDED-C727601AEC10}"/>
+                <a16:creationId xmlns:a16="http://schemas.microsoft.com/office/drawing/2014/main" xmlns="" id="{EA0BBC39-E466-449E-BDED-C727601AEC10}"/>
               </a:ext>
             </a:extLst>
           </p:cNvPr>
@@ -13439,7 +13774,7 @@
           <p:cNvPr id="12" name="Rectangle 11">
             <a:extLst>
               <a:ext uri="{FF2B5EF4-FFF2-40B4-BE49-F238E27FC236}">
-                <a16:creationId xmlns:a16="http://schemas.microsoft.com/office/drawing/2014/main" id="{AE9E0140-D151-44B5-839C-22CD4A403C2F}"/>
+                <a16:creationId xmlns:a16="http://schemas.microsoft.com/office/drawing/2014/main" xmlns="" id="{AE9E0140-D151-44B5-839C-22CD4A403C2F}"/>
               </a:ext>
             </a:extLst>
           </p:cNvPr>
@@ -13539,7 +13874,7 @@
                 <a:cs typeface="Arial" panose="020B0604020202020204" pitchFamily="34" charset="0"/>
               </a:rPr>
             </a:br>
-            <a:br>
+            <a:r>
               <a:rPr lang="en-US" sz="1600" dirty="0">
                 <a:solidFill>
                   <a:srgbClr val="000000"/>
@@ -13548,6 +13883,17 @@
                 <a:ea typeface="Calibri" panose="020F0502020204030204" pitchFamily="34" charset="0"/>
                 <a:cs typeface="Arial" panose="020B0604020202020204" pitchFamily="34" charset="0"/>
               </a:rPr>
+              <a:t/>
+            </a:r>
+            <a:br>
+              <a:rPr lang="en-US" sz="1600" dirty="0">
+                <a:solidFill>
+                  <a:srgbClr val="000000"/>
+                </a:solidFill>
+                <a:latin typeface="Calibri" panose="020F0502020204030204" pitchFamily="34" charset="0"/>
+                <a:ea typeface="Calibri" panose="020F0502020204030204" pitchFamily="34" charset="0"/>
+                <a:cs typeface="Arial" panose="020B0604020202020204" pitchFamily="34" charset="0"/>
+              </a:rPr>
             </a:br>
             <a:r>
               <a:rPr lang="en-US" sz="1600" b="1" dirty="0">
@@ -13720,7 +14066,7 @@
                 <a:cs typeface="Arial" panose="020B0604020202020204" pitchFamily="34" charset="0"/>
               </a:rPr>
             </a:br>
-            <a:br>
+            <a:r>
               <a:rPr lang="en-US" sz="1600" dirty="0">
                 <a:solidFill>
                   <a:srgbClr val="000000"/>
@@ -13729,6 +14075,17 @@
                 <a:ea typeface="Calibri" panose="020F0502020204030204" pitchFamily="34" charset="0"/>
                 <a:cs typeface="Arial" panose="020B0604020202020204" pitchFamily="34" charset="0"/>
               </a:rPr>
+              <a:t/>
+            </a:r>
+            <a:br>
+              <a:rPr lang="en-US" sz="1600" dirty="0">
+                <a:solidFill>
+                  <a:srgbClr val="000000"/>
+                </a:solidFill>
+                <a:latin typeface="Calibri" panose="020F0502020204030204" pitchFamily="34" charset="0"/>
+                <a:ea typeface="Calibri" panose="020F0502020204030204" pitchFamily="34" charset="0"/>
+                <a:cs typeface="Arial" panose="020B0604020202020204" pitchFamily="34" charset="0"/>
+              </a:rPr>
             </a:br>
             <a:r>
               <a:rPr lang="en-US" sz="1600" b="1" dirty="0">
@@ -13860,6 +14217,17 @@
                 <a:cs typeface="Arial" panose="020B0604020202020204" pitchFamily="34" charset="0"/>
               </a:rPr>
             </a:br>
+            <a:r>
+              <a:rPr lang="en-US" sz="1600" dirty="0">
+                <a:solidFill>
+                  <a:srgbClr val="000000"/>
+                </a:solidFill>
+                <a:latin typeface="Calibri" panose="020F0502020204030204" pitchFamily="34" charset="0"/>
+                <a:ea typeface="Calibri" panose="020F0502020204030204" pitchFamily="34" charset="0"/>
+                <a:cs typeface="Arial" panose="020B0604020202020204" pitchFamily="34" charset="0"/>
+              </a:rPr>
+              <a:t/>
+            </a:r>
             <a:br>
               <a:rPr lang="en-US" sz="1600" dirty="0">
                 <a:solidFill>
@@ -13955,7 +14323,7 @@
           <p:cNvPr id="14" name="Rectangle: Rounded Corners 13">
             <a:extLst>
               <a:ext uri="{FF2B5EF4-FFF2-40B4-BE49-F238E27FC236}">
-                <a16:creationId xmlns:a16="http://schemas.microsoft.com/office/drawing/2014/main" id="{1AC27A29-A404-4BEE-8770-7DE937B3D440}"/>
+                <a16:creationId xmlns:a16="http://schemas.microsoft.com/office/drawing/2014/main" xmlns="" id="{1AC27A29-A404-4BEE-8770-7DE937B3D440}"/>
               </a:ext>
             </a:extLst>
           </p:cNvPr>
@@ -14005,7 +14373,7 @@
           <p:cNvPr id="15" name="Straight Arrow Connector 14">
             <a:extLst>
               <a:ext uri="{FF2B5EF4-FFF2-40B4-BE49-F238E27FC236}">
-                <a16:creationId xmlns:a16="http://schemas.microsoft.com/office/drawing/2014/main" id="{82B1CB0E-D805-4639-B56C-4460498EE754}"/>
+                <a16:creationId xmlns:a16="http://schemas.microsoft.com/office/drawing/2014/main" xmlns="" id="{82B1CB0E-D805-4639-B56C-4460498EE754}"/>
               </a:ext>
             </a:extLst>
           </p:cNvPr>
@@ -14077,7 +14445,7 @@
           <p:cNvPr id="2" name="Title 1">
             <a:extLst>
               <a:ext uri="{FF2B5EF4-FFF2-40B4-BE49-F238E27FC236}">
-                <a16:creationId xmlns:a16="http://schemas.microsoft.com/office/drawing/2014/main" id="{354A83CF-856E-467A-9EFC-D6916233DB1F}"/>
+                <a16:creationId xmlns:a16="http://schemas.microsoft.com/office/drawing/2014/main" xmlns="" id="{354A83CF-856E-467A-9EFC-D6916233DB1F}"/>
               </a:ext>
             </a:extLst>
           </p:cNvPr>
@@ -14106,7 +14474,7 @@
           <p:cNvPr id="3" name="Footer Placeholder 2">
             <a:extLst>
               <a:ext uri="{FF2B5EF4-FFF2-40B4-BE49-F238E27FC236}">
-                <a16:creationId xmlns:a16="http://schemas.microsoft.com/office/drawing/2014/main" id="{A5AE23AD-8FE4-41B0-9935-7EAA7D46C334}"/>
+                <a16:creationId xmlns:a16="http://schemas.microsoft.com/office/drawing/2014/main" xmlns="" id="{A5AE23AD-8FE4-41B0-9935-7EAA7D46C334}"/>
               </a:ext>
             </a:extLst>
           </p:cNvPr>
@@ -14135,7 +14503,7 @@
           <p:cNvPr id="4" name="Slide Number Placeholder 3">
             <a:extLst>
               <a:ext uri="{FF2B5EF4-FFF2-40B4-BE49-F238E27FC236}">
-                <a16:creationId xmlns:a16="http://schemas.microsoft.com/office/drawing/2014/main" id="{09F2BBF7-3922-449A-9DDD-42ACC2C37A44}"/>
+                <a16:creationId xmlns:a16="http://schemas.microsoft.com/office/drawing/2014/main" xmlns="" id="{09F2BBF7-3922-449A-9DDD-42ACC2C37A44}"/>
               </a:ext>
             </a:extLst>
           </p:cNvPr>
@@ -14167,7 +14535,7 @@
           <p:cNvPr id="5" name="Content Placeholder 4">
             <a:extLst>
               <a:ext uri="{FF2B5EF4-FFF2-40B4-BE49-F238E27FC236}">
-                <a16:creationId xmlns:a16="http://schemas.microsoft.com/office/drawing/2014/main" id="{549F53A6-1607-41AC-88A7-47480DFCBF74}"/>
+                <a16:creationId xmlns:a16="http://schemas.microsoft.com/office/drawing/2014/main" xmlns="" id="{549F53A6-1607-41AC-88A7-47480DFCBF74}"/>
               </a:ext>
             </a:extLst>
           </p:cNvPr>
@@ -14196,7 +14564,7 @@
           <p:cNvPr id="6" name="Rectangle 5">
             <a:extLst>
               <a:ext uri="{FF2B5EF4-FFF2-40B4-BE49-F238E27FC236}">
-                <a16:creationId xmlns:a16="http://schemas.microsoft.com/office/drawing/2014/main" id="{31606BAE-3B2E-4C53-B034-421A47904DAF}"/>
+                <a16:creationId xmlns:a16="http://schemas.microsoft.com/office/drawing/2014/main" xmlns="" id="{31606BAE-3B2E-4C53-B034-421A47904DAF}"/>
               </a:ext>
             </a:extLst>
           </p:cNvPr>
@@ -14341,6 +14709,17 @@
                 <a:cs typeface="Arial" panose="020B0604020202020204" pitchFamily="34" charset="0"/>
               </a:rPr>
             </a:br>
+            <a:r>
+              <a:rPr lang="en-US" dirty="0">
+                <a:solidFill>
+                  <a:srgbClr val="000000"/>
+                </a:solidFill>
+                <a:latin typeface="Calibri" panose="020F0502020204030204" pitchFamily="34" charset="0"/>
+                <a:ea typeface="Calibri" panose="020F0502020204030204" pitchFamily="34" charset="0"/>
+                <a:cs typeface="Arial" panose="020B0604020202020204" pitchFamily="34" charset="0"/>
+              </a:rPr>
+              <a:t/>
+            </a:r>
             <a:br>
               <a:rPr lang="en-US" dirty="0">
                 <a:solidFill>
@@ -14469,6 +14848,17 @@
                 <a:cs typeface="Arial" panose="020B0604020202020204" pitchFamily="34" charset="0"/>
               </a:rPr>
             </a:br>
+            <a:r>
+              <a:rPr lang="en-US" dirty="0">
+                <a:solidFill>
+                  <a:srgbClr val="000000"/>
+                </a:solidFill>
+                <a:latin typeface="Calibri" panose="020F0502020204030204" pitchFamily="34" charset="0"/>
+                <a:ea typeface="Calibri" panose="020F0502020204030204" pitchFamily="34" charset="0"/>
+                <a:cs typeface="Arial" panose="020B0604020202020204" pitchFamily="34" charset="0"/>
+              </a:rPr>
+              <a:t/>
+            </a:r>
             <a:br>
               <a:rPr lang="en-US" dirty="0">
                 <a:solidFill>
@@ -14637,7 +15027,7 @@
           <p:cNvPr id="2" name="Title 1">
             <a:extLst>
               <a:ext uri="{FF2B5EF4-FFF2-40B4-BE49-F238E27FC236}">
-                <a16:creationId xmlns:a16="http://schemas.microsoft.com/office/drawing/2014/main" id="{122522D7-7BCB-4D62-9AE0-9BE20D656432}"/>
+                <a16:creationId xmlns:a16="http://schemas.microsoft.com/office/drawing/2014/main" xmlns="" id="{122522D7-7BCB-4D62-9AE0-9BE20D656432}"/>
               </a:ext>
             </a:extLst>
           </p:cNvPr>
@@ -14670,7 +15060,7 @@
           <p:cNvPr id="3" name="Footer Placeholder 2">
             <a:extLst>
               <a:ext uri="{FF2B5EF4-FFF2-40B4-BE49-F238E27FC236}">
-                <a16:creationId xmlns:a16="http://schemas.microsoft.com/office/drawing/2014/main" id="{B102837E-1594-4849-B203-2F82E81651BD}"/>
+                <a16:creationId xmlns:a16="http://schemas.microsoft.com/office/drawing/2014/main" xmlns="" id="{B102837E-1594-4849-B203-2F82E81651BD}"/>
               </a:ext>
             </a:extLst>
           </p:cNvPr>
@@ -14699,7 +15089,7 @@
           <p:cNvPr id="4" name="Slide Number Placeholder 3">
             <a:extLst>
               <a:ext uri="{FF2B5EF4-FFF2-40B4-BE49-F238E27FC236}">
-                <a16:creationId xmlns:a16="http://schemas.microsoft.com/office/drawing/2014/main" id="{DEB438C1-5971-4484-B97D-9E3D66583BBA}"/>
+                <a16:creationId xmlns:a16="http://schemas.microsoft.com/office/drawing/2014/main" xmlns="" id="{DEB438C1-5971-4484-B97D-9E3D66583BBA}"/>
               </a:ext>
             </a:extLst>
           </p:cNvPr>
@@ -14731,7 +15121,7 @@
           <p:cNvPr id="5" name="Content Placeholder 4">
             <a:extLst>
               <a:ext uri="{FF2B5EF4-FFF2-40B4-BE49-F238E27FC236}">
-                <a16:creationId xmlns:a16="http://schemas.microsoft.com/office/drawing/2014/main" id="{F70C5A8B-3A91-47C7-B827-45A2B48534D1}"/>
+                <a16:creationId xmlns:a16="http://schemas.microsoft.com/office/drawing/2014/main" xmlns="" id="{F70C5A8B-3A91-47C7-B827-45A2B48534D1}"/>
               </a:ext>
             </a:extLst>
           </p:cNvPr>
@@ -14818,7 +15208,7 @@
           <p:cNvPr id="6" name="Rectangle 5">
             <a:extLst>
               <a:ext uri="{FF2B5EF4-FFF2-40B4-BE49-F238E27FC236}">
-                <a16:creationId xmlns:a16="http://schemas.microsoft.com/office/drawing/2014/main" id="{957F5683-62A6-45E4-BE3E-2B74EAAC77DC}"/>
+                <a16:creationId xmlns:a16="http://schemas.microsoft.com/office/drawing/2014/main" xmlns="" id="{957F5683-62A6-45E4-BE3E-2B74EAAC77DC}"/>
               </a:ext>
             </a:extLst>
           </p:cNvPr>
@@ -15060,7 +15450,7 @@
           <p:cNvPr id="7" name="Rectangle 6">
             <a:extLst>
               <a:ext uri="{FF2B5EF4-FFF2-40B4-BE49-F238E27FC236}">
-                <a16:creationId xmlns:a16="http://schemas.microsoft.com/office/drawing/2014/main" id="{E288E2DE-2021-4A68-906B-45400D7E4D78}"/>
+                <a16:creationId xmlns:a16="http://schemas.microsoft.com/office/drawing/2014/main" xmlns="" id="{E288E2DE-2021-4A68-906B-45400D7E4D78}"/>
               </a:ext>
             </a:extLst>
           </p:cNvPr>
@@ -15246,7 +15636,7 @@
           <p:cNvPr id="2" name="Title 1">
             <a:extLst>
               <a:ext uri="{FF2B5EF4-FFF2-40B4-BE49-F238E27FC236}">
-                <a16:creationId xmlns:a16="http://schemas.microsoft.com/office/drawing/2014/main" id="{91918B92-1049-4B29-BD40-1602714948C5}"/>
+                <a16:creationId xmlns:a16="http://schemas.microsoft.com/office/drawing/2014/main" xmlns="" id="{91918B92-1049-4B29-BD40-1602714948C5}"/>
               </a:ext>
             </a:extLst>
           </p:cNvPr>
@@ -15275,7 +15665,7 @@
           <p:cNvPr id="3" name="Footer Placeholder 2">
             <a:extLst>
               <a:ext uri="{FF2B5EF4-FFF2-40B4-BE49-F238E27FC236}">
-                <a16:creationId xmlns:a16="http://schemas.microsoft.com/office/drawing/2014/main" id="{116366DF-AC63-473B-BBD9-A458BDC9A8C1}"/>
+                <a16:creationId xmlns:a16="http://schemas.microsoft.com/office/drawing/2014/main" xmlns="" id="{116366DF-AC63-473B-BBD9-A458BDC9A8C1}"/>
               </a:ext>
             </a:extLst>
           </p:cNvPr>
@@ -15304,7 +15694,7 @@
           <p:cNvPr id="4" name="Slide Number Placeholder 3">
             <a:extLst>
               <a:ext uri="{FF2B5EF4-FFF2-40B4-BE49-F238E27FC236}">
-                <a16:creationId xmlns:a16="http://schemas.microsoft.com/office/drawing/2014/main" id="{C8CBB4D5-CA35-471B-A8D1-EE5D257585CB}"/>
+                <a16:creationId xmlns:a16="http://schemas.microsoft.com/office/drawing/2014/main" xmlns="" id="{C8CBB4D5-CA35-471B-A8D1-EE5D257585CB}"/>
               </a:ext>
             </a:extLst>
           </p:cNvPr>
@@ -15336,7 +15726,7 @@
           <p:cNvPr id="7" name="Rectangle 6">
             <a:extLst>
               <a:ext uri="{FF2B5EF4-FFF2-40B4-BE49-F238E27FC236}">
-                <a16:creationId xmlns:a16="http://schemas.microsoft.com/office/drawing/2014/main" id="{0678516B-E730-41FF-8A1C-20B78F4E45ED}"/>
+                <a16:creationId xmlns:a16="http://schemas.microsoft.com/office/drawing/2014/main" xmlns="" id="{0678516B-E730-41FF-8A1C-20B78F4E45ED}"/>
               </a:ext>
             </a:extLst>
           </p:cNvPr>
@@ -15481,6 +15871,17 @@
                 <a:cs typeface="Arial" panose="020B0604020202020204" pitchFamily="34" charset="0"/>
               </a:rPr>
             </a:br>
+            <a:r>
+              <a:rPr lang="en-US" dirty="0">
+                <a:solidFill>
+                  <a:srgbClr val="000000"/>
+                </a:solidFill>
+                <a:latin typeface="Calibri" panose="020F0502020204030204" pitchFamily="34" charset="0"/>
+                <a:ea typeface="Calibri" panose="020F0502020204030204" pitchFamily="34" charset="0"/>
+                <a:cs typeface="Arial" panose="020B0604020202020204" pitchFamily="34" charset="0"/>
+              </a:rPr>
+              <a:t/>
+            </a:r>
             <a:br>
               <a:rPr lang="en-US" dirty="0">
                 <a:solidFill>
@@ -15706,6 +16107,17 @@
                 <a:cs typeface="Arial" panose="020B0604020202020204" pitchFamily="34" charset="0"/>
               </a:rPr>
             </a:br>
+            <a:r>
+              <a:rPr lang="en-US" dirty="0">
+                <a:solidFill>
+                  <a:srgbClr val="000000"/>
+                </a:solidFill>
+                <a:latin typeface="Calibri" panose="020F0502020204030204" pitchFamily="34" charset="0"/>
+                <a:ea typeface="Calibri" panose="020F0502020204030204" pitchFamily="34" charset="0"/>
+                <a:cs typeface="Arial" panose="020B0604020202020204" pitchFamily="34" charset="0"/>
+              </a:rPr>
+              <a:t/>
+            </a:r>
             <a:br>
               <a:rPr lang="en-US" dirty="0">
                 <a:solidFill>
@@ -15844,7 +16256,7 @@
           <p:cNvPr id="8" name="Rectangle: Rounded Corners 7">
             <a:extLst>
               <a:ext uri="{FF2B5EF4-FFF2-40B4-BE49-F238E27FC236}">
-                <a16:creationId xmlns:a16="http://schemas.microsoft.com/office/drawing/2014/main" id="{556DFFD5-415D-4A15-AFD6-3606F1029E21}"/>
+                <a16:creationId xmlns:a16="http://schemas.microsoft.com/office/drawing/2014/main" xmlns="" id="{556DFFD5-415D-4A15-AFD6-3606F1029E21}"/>
               </a:ext>
             </a:extLst>
           </p:cNvPr>
@@ -15894,7 +16306,7 @@
           <p:cNvPr id="9" name="Straight Arrow Connector 8">
             <a:extLst>
               <a:ext uri="{FF2B5EF4-FFF2-40B4-BE49-F238E27FC236}">
-                <a16:creationId xmlns:a16="http://schemas.microsoft.com/office/drawing/2014/main" id="{5B8591E8-56E1-4433-AA9F-91EBDB5B5C88}"/>
+                <a16:creationId xmlns:a16="http://schemas.microsoft.com/office/drawing/2014/main" xmlns="" id="{5B8591E8-56E1-4433-AA9F-91EBDB5B5C88}"/>
               </a:ext>
             </a:extLst>
           </p:cNvPr>
@@ -15944,6 +16356,161 @@
 </p:sld>
 </file>
 
+<file path=ppt/slides/slide29.xml><?xml version="1.0" encoding="utf-8"?>
+<p:sld xmlns:a="http://schemas.openxmlformats.org/drawingml/2006/main" xmlns:r="http://schemas.openxmlformats.org/officeDocument/2006/relationships" xmlns:p="http://schemas.openxmlformats.org/presentationml/2006/main">
+  <p:cSld>
+    <p:spTree>
+      <p:nvGrpSpPr>
+        <p:cNvPr id="1" name=""/>
+        <p:cNvGrpSpPr/>
+        <p:nvPr/>
+      </p:nvGrpSpPr>
+      <p:grpSpPr>
+        <a:xfrm>
+          <a:off x="0" y="0"/>
+          <a:ext cx="0" cy="0"/>
+          <a:chOff x="0" y="0"/>
+          <a:chExt cx="0" cy="0"/>
+        </a:xfrm>
+      </p:grpSpPr>
+      <p:sp>
+        <p:nvSpPr>
+          <p:cNvPr id="2" name="Title 1"/>
+          <p:cNvSpPr>
+            <a:spLocks noGrp="1"/>
+          </p:cNvSpPr>
+          <p:nvPr>
+            <p:ph type="title"/>
+          </p:nvPr>
+        </p:nvSpPr>
+        <p:spPr/>
+        <p:txBody>
+          <a:bodyPr/>
+          <a:lstStyle/>
+          <a:p>
+            <a:r>
+              <a:rPr lang="en-US" dirty="0" smtClean="0"/>
+              <a:t>--</a:t>
+            </a:r>
+            <a:r>
+              <a:rPr lang="en-US" dirty="0" err="1" smtClean="0"/>
+              <a:t>allowJs</a:t>
+            </a:r>
+            <a:endParaRPr lang="en-US" dirty="0"/>
+          </a:p>
+        </p:txBody>
+      </p:sp>
+      <p:sp>
+        <p:nvSpPr>
+          <p:cNvPr id="3" name="Footer Placeholder 2"/>
+          <p:cNvSpPr>
+            <a:spLocks noGrp="1"/>
+          </p:cNvSpPr>
+          <p:nvPr>
+            <p:ph type="ftr" sz="quarter" idx="11"/>
+          </p:nvPr>
+        </p:nvSpPr>
+        <p:spPr/>
+        <p:txBody>
+          <a:bodyPr/>
+          <a:lstStyle/>
+          <a:p>
+            <a:r>
+              <a:rPr lang="en-US" smtClean="0"/>
+              <a:t>© 2017 Ori Calvo</a:t>
+            </a:r>
+            <a:endParaRPr lang="en-US" dirty="0"/>
+          </a:p>
+        </p:txBody>
+      </p:sp>
+      <p:sp>
+        <p:nvSpPr>
+          <p:cNvPr id="4" name="Slide Number Placeholder 3"/>
+          <p:cNvSpPr>
+            <a:spLocks noGrp="1"/>
+          </p:cNvSpPr>
+          <p:nvPr>
+            <p:ph type="sldNum" sz="quarter" idx="12"/>
+          </p:nvPr>
+        </p:nvSpPr>
+        <p:spPr/>
+        <p:txBody>
+          <a:bodyPr>
+            <a:normAutofit fontScale="85000" lnSpcReduction="20000"/>
+          </a:bodyPr>
+          <a:lstStyle/>
+          <a:p>
+            <a:fld id="{6EDEC3BC-0694-4586-AE63-02B4D54ABF43}" type="slidenum">
+              <a:rPr lang="en-US" smtClean="0"/>
+              <a:pPr/>
+              <a:t>29</a:t>
+            </a:fld>
+            <a:endParaRPr lang="en-US"/>
+          </a:p>
+        </p:txBody>
+      </p:sp>
+      <p:sp>
+        <p:nvSpPr>
+          <p:cNvPr id="5" name="Content Placeholder 4"/>
+          <p:cNvSpPr>
+            <a:spLocks noGrp="1"/>
+          </p:cNvSpPr>
+          <p:nvPr>
+            <p:ph sz="quarter" idx="1"/>
+          </p:nvPr>
+        </p:nvSpPr>
+        <p:spPr/>
+        <p:txBody>
+          <a:bodyPr/>
+          <a:lstStyle/>
+          <a:p>
+            <a:r>
+              <a:rPr lang="en-US" dirty="0" smtClean="0"/>
+              <a:t>Tells the Typescript compiler to allow import of a JS file</a:t>
+            </a:r>
+          </a:p>
+          <a:p>
+            <a:r>
+              <a:rPr lang="en-US" dirty="0" smtClean="0"/>
+              <a:t>The JS file will be verified</a:t>
+            </a:r>
+          </a:p>
+          <a:p>
+            <a:pPr lvl="1"/>
+            <a:r>
+              <a:rPr lang="en-US" dirty="0" smtClean="0"/>
+              <a:t>But only for general syntax errors</a:t>
+            </a:r>
+          </a:p>
+          <a:p>
+            <a:pPr lvl="1"/>
+            <a:r>
+              <a:rPr lang="en-US" dirty="0" smtClean="0"/>
+              <a:t>Type safe errors are not reported</a:t>
+            </a:r>
+          </a:p>
+          <a:p>
+            <a:r>
+              <a:rPr lang="en-US" dirty="0" smtClean="0"/>
+              <a:t>import/export will be converted to the specified module system</a:t>
+            </a:r>
+            <a:endParaRPr lang="en-US" dirty="0"/>
+          </a:p>
+        </p:txBody>
+      </p:sp>
+    </p:spTree>
+    <p:extLst>
+      <p:ext uri="{BB962C8B-B14F-4D97-AF65-F5344CB8AC3E}">
+        <p14:creationId xmlns:p14="http://schemas.microsoft.com/office/powerpoint/2010/main" val="3134662916"/>
+      </p:ext>
+    </p:extLst>
+  </p:cSld>
+  <p:clrMapOvr>
+    <a:masterClrMapping/>
+  </p:clrMapOvr>
+</p:sld>
+</file>
+
 <file path=ppt/slides/slide3.xml><?xml version="1.0" encoding="utf-8"?>
 <p:sld xmlns:a="http://schemas.openxmlformats.org/drawingml/2006/main" xmlns:r="http://schemas.openxmlformats.org/officeDocument/2006/relationships" xmlns:p="http://schemas.openxmlformats.org/presentationml/2006/main">
   <p:cSld>
@@ -16120,6 +16687,3332 @@
     <p:extLst>
       <p:ext uri="{BB962C8B-B14F-4D97-AF65-F5344CB8AC3E}">
         <p14:creationId xmlns:p14="http://schemas.microsoft.com/office/powerpoint/2010/main" val="993072640"/>
+      </p:ext>
+    </p:extLst>
+  </p:cSld>
+  <p:clrMapOvr>
+    <a:masterClrMapping/>
+  </p:clrMapOvr>
+</p:sld>
+</file>
+
+<file path=ppt/slides/slide30.xml><?xml version="1.0" encoding="utf-8"?>
+<p:sld xmlns:a="http://schemas.openxmlformats.org/drawingml/2006/main" xmlns:r="http://schemas.openxmlformats.org/officeDocument/2006/relationships" xmlns:p="http://schemas.openxmlformats.org/presentationml/2006/main">
+  <p:cSld>
+    <p:spTree>
+      <p:nvGrpSpPr>
+        <p:cNvPr id="1" name=""/>
+        <p:cNvGrpSpPr/>
+        <p:nvPr/>
+      </p:nvGrpSpPr>
+      <p:grpSpPr>
+        <a:xfrm>
+          <a:off x="0" y="0"/>
+          <a:ext cx="0" cy="0"/>
+          <a:chOff x="0" y="0"/>
+          <a:chExt cx="0" cy="0"/>
+        </a:xfrm>
+      </p:grpSpPr>
+      <p:sp>
+        <p:nvSpPr>
+          <p:cNvPr id="2" name="Title 1"/>
+          <p:cNvSpPr>
+            <a:spLocks noGrp="1"/>
+          </p:cNvSpPr>
+          <p:nvPr>
+            <p:ph type="title"/>
+          </p:nvPr>
+        </p:nvSpPr>
+        <p:spPr/>
+        <p:txBody>
+          <a:bodyPr/>
+          <a:lstStyle/>
+          <a:p>
+            <a:r>
+              <a:rPr lang="en-US" dirty="0" smtClean="0"/>
+              <a:t>--</a:t>
+            </a:r>
+            <a:r>
+              <a:rPr lang="en-US" dirty="0" err="1" smtClean="0"/>
+              <a:t>checkJs</a:t>
+            </a:r>
+            <a:endParaRPr lang="en-US" dirty="0"/>
+          </a:p>
+        </p:txBody>
+      </p:sp>
+      <p:sp>
+        <p:nvSpPr>
+          <p:cNvPr id="3" name="Footer Placeholder 2"/>
+          <p:cNvSpPr>
+            <a:spLocks noGrp="1"/>
+          </p:cNvSpPr>
+          <p:nvPr>
+            <p:ph type="ftr" sz="quarter" idx="11"/>
+          </p:nvPr>
+        </p:nvSpPr>
+        <p:spPr/>
+        <p:txBody>
+          <a:bodyPr/>
+          <a:lstStyle/>
+          <a:p>
+            <a:r>
+              <a:rPr lang="en-US" smtClean="0"/>
+              <a:t>© 2017 Ori Calvo</a:t>
+            </a:r>
+            <a:endParaRPr lang="en-US" dirty="0"/>
+          </a:p>
+        </p:txBody>
+      </p:sp>
+      <p:sp>
+        <p:nvSpPr>
+          <p:cNvPr id="4" name="Slide Number Placeholder 3"/>
+          <p:cNvSpPr>
+            <a:spLocks noGrp="1"/>
+          </p:cNvSpPr>
+          <p:nvPr>
+            <p:ph type="sldNum" sz="quarter" idx="12"/>
+          </p:nvPr>
+        </p:nvSpPr>
+        <p:spPr/>
+        <p:txBody>
+          <a:bodyPr>
+            <a:normAutofit fontScale="85000" lnSpcReduction="20000"/>
+          </a:bodyPr>
+          <a:lstStyle/>
+          <a:p>
+            <a:fld id="{6EDEC3BC-0694-4586-AE63-02B4D54ABF43}" type="slidenum">
+              <a:rPr lang="en-US" smtClean="0"/>
+              <a:pPr/>
+              <a:t>30</a:t>
+            </a:fld>
+            <a:endParaRPr lang="en-US"/>
+          </a:p>
+        </p:txBody>
+      </p:sp>
+      <p:sp>
+        <p:nvSpPr>
+          <p:cNvPr id="5" name="Content Placeholder 4"/>
+          <p:cNvSpPr>
+            <a:spLocks noGrp="1"/>
+          </p:cNvSpPr>
+          <p:nvPr>
+            <p:ph sz="quarter" idx="1"/>
+          </p:nvPr>
+        </p:nvSpPr>
+        <p:spPr/>
+        <p:txBody>
+          <a:bodyPr/>
+          <a:lstStyle/>
+          <a:p>
+            <a:r>
+              <a:rPr lang="en-US" dirty="0" smtClean="0"/>
+              <a:t>Tells Typescript compiler to verify Type checks as much as it can</a:t>
+            </a:r>
+          </a:p>
+          <a:p>
+            <a:pPr lvl="1"/>
+            <a:r>
+              <a:rPr lang="en-US" dirty="0" smtClean="0"/>
+              <a:t>Sending parameters to a function</a:t>
+            </a:r>
+          </a:p>
+          <a:p>
+            <a:pPr lvl="1"/>
+            <a:r>
+              <a:rPr lang="en-US" dirty="0" smtClean="0"/>
+              <a:t>Types are calculated based on initialization</a:t>
+            </a:r>
+          </a:p>
+          <a:p>
+            <a:r>
+              <a:rPr lang="en-US" dirty="0" smtClean="0"/>
+              <a:t>Can use </a:t>
+            </a:r>
+            <a:r>
+              <a:rPr lang="en-US" dirty="0" err="1" smtClean="0"/>
+              <a:t>JSDoc</a:t>
+            </a:r>
+            <a:r>
+              <a:rPr lang="en-US" dirty="0" smtClean="0"/>
+              <a:t> to annotate code with types</a:t>
+            </a:r>
+          </a:p>
+          <a:p>
+            <a:r>
+              <a:rPr lang="en-US" dirty="0" smtClean="0"/>
+              <a:t>For example,</a:t>
+            </a:r>
+            <a:endParaRPr lang="en-US" dirty="0"/>
+          </a:p>
+        </p:txBody>
+      </p:sp>
+      <p:sp>
+        <p:nvSpPr>
+          <p:cNvPr id="6" name="Rectangle 5"/>
+          <p:cNvSpPr/>
+          <p:nvPr/>
+        </p:nvSpPr>
+        <p:spPr>
+          <a:xfrm>
+            <a:off x="2111110" y="5013176"/>
+            <a:ext cx="5156476" cy="923330"/>
+          </a:xfrm>
+          <a:prstGeom prst="rect">
+            <a:avLst/>
+          </a:prstGeom>
+          <a:solidFill>
+            <a:schemeClr val="accent1">
+              <a:lumMod val="40000"/>
+              <a:lumOff val="60000"/>
+            </a:schemeClr>
+          </a:solidFill>
+        </p:spPr>
+        <p:txBody>
+          <a:bodyPr wrap="square">
+            <a:spAutoFit/>
+          </a:bodyPr>
+          <a:lstStyle/>
+          <a:p>
+            <a:r>
+              <a:rPr lang="en-US" b="1" dirty="0">
+                <a:solidFill>
+                  <a:srgbClr val="000080"/>
+                </a:solidFill>
+                <a:latin typeface="Courier New" panose="02070309020205020404" pitchFamily="49" charset="0"/>
+                <a:ea typeface="Times New Roman" panose="02020603050405020304" pitchFamily="18" charset="0"/>
+              </a:rPr>
+              <a:t>function </a:t>
+            </a:r>
+            <a:r>
+              <a:rPr lang="en-US" i="1" dirty="0">
+                <a:solidFill>
+                  <a:srgbClr val="000000"/>
+                </a:solidFill>
+                <a:latin typeface="Courier New" panose="02070309020205020404" pitchFamily="49" charset="0"/>
+                <a:ea typeface="Times New Roman" panose="02020603050405020304" pitchFamily="18" charset="0"/>
+              </a:rPr>
+              <a:t>g</a:t>
+            </a:r>
+            <a:r>
+              <a:rPr lang="en-US" dirty="0">
+                <a:solidFill>
+                  <a:srgbClr val="000000"/>
+                </a:solidFill>
+                <a:latin typeface="Courier New" panose="02070309020205020404" pitchFamily="49" charset="0"/>
+                <a:ea typeface="Times New Roman" panose="02020603050405020304" pitchFamily="18" charset="0"/>
+              </a:rPr>
+              <a:t>(</a:t>
+            </a:r>
+            <a:r>
+              <a:rPr lang="en-US" i="1" dirty="0">
+                <a:solidFill>
+                  <a:srgbClr val="808080"/>
+                </a:solidFill>
+                <a:latin typeface="Courier New" panose="02070309020205020404" pitchFamily="49" charset="0"/>
+                <a:ea typeface="Times New Roman" panose="02020603050405020304" pitchFamily="18" charset="0"/>
+              </a:rPr>
+              <a:t>/** </a:t>
+            </a:r>
+            <a:r>
+              <a:rPr lang="en-US" b="1" i="1" dirty="0">
+                <a:solidFill>
+                  <a:srgbClr val="808080"/>
+                </a:solidFill>
+                <a:latin typeface="Courier New" panose="02070309020205020404" pitchFamily="49" charset="0"/>
+                <a:ea typeface="Times New Roman" panose="02020603050405020304" pitchFamily="18" charset="0"/>
+              </a:rPr>
+              <a:t>@type</a:t>
+            </a:r>
+            <a:r>
+              <a:rPr lang="en-US" i="1" dirty="0">
+                <a:solidFill>
+                  <a:srgbClr val="808080"/>
+                </a:solidFill>
+                <a:latin typeface="Courier New" panose="02070309020205020404" pitchFamily="49" charset="0"/>
+                <a:ea typeface="Times New Roman" panose="02020603050405020304" pitchFamily="18" charset="0"/>
+              </a:rPr>
+              <a:t>{string} */ </a:t>
+            </a:r>
+            <a:r>
+              <a:rPr lang="en-US" dirty="0">
+                <a:solidFill>
+                  <a:srgbClr val="000000"/>
+                </a:solidFill>
+                <a:latin typeface="Courier New" panose="02070309020205020404" pitchFamily="49" charset="0"/>
+                <a:ea typeface="Times New Roman" panose="02020603050405020304" pitchFamily="18" charset="0"/>
+              </a:rPr>
+              <a:t>a) {</a:t>
+            </a:r>
+            <a:br>
+              <a:rPr lang="en-US" dirty="0">
+                <a:solidFill>
+                  <a:srgbClr val="000000"/>
+                </a:solidFill>
+                <a:latin typeface="Courier New" panose="02070309020205020404" pitchFamily="49" charset="0"/>
+                <a:ea typeface="Times New Roman" panose="02020603050405020304" pitchFamily="18" charset="0"/>
+              </a:rPr>
+            </a:br>
+            <a:r>
+              <a:rPr lang="en-US" dirty="0">
+                <a:solidFill>
+                  <a:srgbClr val="000000"/>
+                </a:solidFill>
+                <a:latin typeface="Courier New" panose="02070309020205020404" pitchFamily="49" charset="0"/>
+                <a:ea typeface="Times New Roman" panose="02020603050405020304" pitchFamily="18" charset="0"/>
+              </a:rPr>
+              <a:t>    a = </a:t>
+            </a:r>
+            <a:r>
+              <a:rPr lang="en-US" dirty="0">
+                <a:solidFill>
+                  <a:srgbClr val="0000FF"/>
+                </a:solidFill>
+                <a:latin typeface="Courier New" panose="02070309020205020404" pitchFamily="49" charset="0"/>
+                <a:ea typeface="Times New Roman" panose="02020603050405020304" pitchFamily="18" charset="0"/>
+              </a:rPr>
+              <a:t>12</a:t>
+            </a:r>
+            <a:r>
+              <a:rPr lang="en-US" dirty="0">
+                <a:solidFill>
+                  <a:srgbClr val="000000"/>
+                </a:solidFill>
+                <a:latin typeface="Courier New" panose="02070309020205020404" pitchFamily="49" charset="0"/>
+                <a:ea typeface="Times New Roman" panose="02020603050405020304" pitchFamily="18" charset="0"/>
+              </a:rPr>
+              <a:t>;</a:t>
+            </a:r>
+            <a:br>
+              <a:rPr lang="en-US" dirty="0">
+                <a:solidFill>
+                  <a:srgbClr val="000000"/>
+                </a:solidFill>
+                <a:latin typeface="Courier New" panose="02070309020205020404" pitchFamily="49" charset="0"/>
+                <a:ea typeface="Times New Roman" panose="02020603050405020304" pitchFamily="18" charset="0"/>
+              </a:rPr>
+            </a:br>
+            <a:r>
+              <a:rPr lang="en-US" dirty="0">
+                <a:solidFill>
+                  <a:srgbClr val="000000"/>
+                </a:solidFill>
+                <a:latin typeface="Courier New" panose="02070309020205020404" pitchFamily="49" charset="0"/>
+                <a:ea typeface="Times New Roman" panose="02020603050405020304" pitchFamily="18" charset="0"/>
+              </a:rPr>
+              <a:t>}</a:t>
+            </a:r>
+            <a:endParaRPr lang="en-US" dirty="0"/>
+          </a:p>
+        </p:txBody>
+      </p:sp>
+    </p:spTree>
+    <p:extLst>
+      <p:ext uri="{BB962C8B-B14F-4D97-AF65-F5344CB8AC3E}">
+        <p14:creationId xmlns:p14="http://schemas.microsoft.com/office/powerpoint/2010/main" val="890132827"/>
+      </p:ext>
+    </p:extLst>
+  </p:cSld>
+  <p:clrMapOvr>
+    <a:masterClrMapping/>
+  </p:clrMapOvr>
+</p:sld>
+</file>
+
+<file path=ppt/slides/slide31.xml><?xml version="1.0" encoding="utf-8"?>
+<p:sld xmlns:a="http://schemas.openxmlformats.org/drawingml/2006/main" xmlns:r="http://schemas.openxmlformats.org/officeDocument/2006/relationships" xmlns:p="http://schemas.openxmlformats.org/presentationml/2006/main">
+  <p:cSld>
+    <p:spTree>
+      <p:nvGrpSpPr>
+        <p:cNvPr id="1" name=""/>
+        <p:cNvGrpSpPr/>
+        <p:nvPr/>
+      </p:nvGrpSpPr>
+      <p:grpSpPr>
+        <a:xfrm>
+          <a:off x="0" y="0"/>
+          <a:ext cx="0" cy="0"/>
+          <a:chOff x="0" y="0"/>
+          <a:chExt cx="0" cy="0"/>
+        </a:xfrm>
+      </p:grpSpPr>
+      <p:sp>
+        <p:nvSpPr>
+          <p:cNvPr id="2" name="Title 1"/>
+          <p:cNvSpPr>
+            <a:spLocks noGrp="1"/>
+          </p:cNvSpPr>
+          <p:nvPr>
+            <p:ph type="title"/>
+          </p:nvPr>
+        </p:nvSpPr>
+        <p:spPr/>
+        <p:txBody>
+          <a:bodyPr/>
+          <a:lstStyle/>
+          <a:p>
+            <a:r>
+              <a:rPr lang="en-US" dirty="0" err="1" smtClean="0"/>
+              <a:t>Mixin</a:t>
+            </a:r>
+            <a:endParaRPr lang="en-US" dirty="0"/>
+          </a:p>
+        </p:txBody>
+      </p:sp>
+      <p:sp>
+        <p:nvSpPr>
+          <p:cNvPr id="3" name="Footer Placeholder 2"/>
+          <p:cNvSpPr>
+            <a:spLocks noGrp="1"/>
+          </p:cNvSpPr>
+          <p:nvPr>
+            <p:ph type="ftr" sz="quarter" idx="11"/>
+          </p:nvPr>
+        </p:nvSpPr>
+        <p:spPr/>
+        <p:txBody>
+          <a:bodyPr/>
+          <a:lstStyle/>
+          <a:p>
+            <a:r>
+              <a:rPr lang="en-US" smtClean="0"/>
+              <a:t>© 2017 Ori Calvo</a:t>
+            </a:r>
+            <a:endParaRPr lang="en-US" dirty="0"/>
+          </a:p>
+        </p:txBody>
+      </p:sp>
+      <p:sp>
+        <p:nvSpPr>
+          <p:cNvPr id="4" name="Slide Number Placeholder 3"/>
+          <p:cNvSpPr>
+            <a:spLocks noGrp="1"/>
+          </p:cNvSpPr>
+          <p:nvPr>
+            <p:ph type="sldNum" sz="quarter" idx="12"/>
+          </p:nvPr>
+        </p:nvSpPr>
+        <p:spPr/>
+        <p:txBody>
+          <a:bodyPr>
+            <a:normAutofit fontScale="85000" lnSpcReduction="20000"/>
+          </a:bodyPr>
+          <a:lstStyle/>
+          <a:p>
+            <a:fld id="{6EDEC3BC-0694-4586-AE63-02B4D54ABF43}" type="slidenum">
+              <a:rPr lang="en-US" smtClean="0"/>
+              <a:pPr/>
+              <a:t>31</a:t>
+            </a:fld>
+            <a:endParaRPr lang="en-US"/>
+          </a:p>
+        </p:txBody>
+      </p:sp>
+      <p:sp>
+        <p:nvSpPr>
+          <p:cNvPr id="5" name="Content Placeholder 4"/>
+          <p:cNvSpPr>
+            <a:spLocks noGrp="1"/>
+          </p:cNvSpPr>
+          <p:nvPr>
+            <p:ph sz="quarter" idx="1"/>
+          </p:nvPr>
+        </p:nvSpPr>
+        <p:spPr/>
+        <p:txBody>
+          <a:bodyPr/>
+          <a:lstStyle/>
+          <a:p>
+            <a:r>
+              <a:rPr lang="en-US" dirty="0" smtClean="0"/>
+              <a:t>Create a new class out of an existing one and add some “features” to it</a:t>
+            </a:r>
+            <a:endParaRPr lang="en-US" dirty="0"/>
+          </a:p>
+        </p:txBody>
+      </p:sp>
+      <p:sp>
+        <p:nvSpPr>
+          <p:cNvPr id="6" name="Rectangle 5"/>
+          <p:cNvSpPr/>
+          <p:nvPr/>
+        </p:nvSpPr>
+        <p:spPr>
+          <a:xfrm>
+            <a:off x="2277080" y="2852936"/>
+            <a:ext cx="4824536" cy="3539430"/>
+          </a:xfrm>
+          <a:prstGeom prst="rect">
+            <a:avLst/>
+          </a:prstGeom>
+          <a:solidFill>
+            <a:schemeClr val="accent1">
+              <a:lumMod val="40000"/>
+              <a:lumOff val="60000"/>
+            </a:schemeClr>
+          </a:solidFill>
+        </p:spPr>
+        <p:txBody>
+          <a:bodyPr wrap="square">
+            <a:spAutoFit/>
+          </a:bodyPr>
+          <a:lstStyle/>
+          <a:p>
+            <a:r>
+              <a:rPr lang="en-US" sz="1400" b="1" dirty="0">
+                <a:solidFill>
+                  <a:srgbClr val="000080"/>
+                </a:solidFill>
+                <a:latin typeface="Calibri" panose="020F0502020204030204" pitchFamily="34" charset="0"/>
+                <a:ea typeface="Calibri" panose="020F0502020204030204" pitchFamily="34" charset="0"/>
+                <a:cs typeface="Arial" panose="020B0604020202020204" pitchFamily="34" charset="0"/>
+              </a:rPr>
+              <a:t>class </a:t>
+            </a:r>
+            <a:r>
+              <a:rPr lang="en-US" sz="1400" dirty="0">
+                <a:solidFill>
+                  <a:srgbClr val="000000"/>
+                </a:solidFill>
+                <a:latin typeface="Calibri" panose="020F0502020204030204" pitchFamily="34" charset="0"/>
+                <a:ea typeface="Calibri" panose="020F0502020204030204" pitchFamily="34" charset="0"/>
+                <a:cs typeface="Arial" panose="020B0604020202020204" pitchFamily="34" charset="0"/>
+              </a:rPr>
+              <a:t>A {</a:t>
+            </a:r>
+            <a:br>
+              <a:rPr lang="en-US" sz="1400" dirty="0">
+                <a:solidFill>
+                  <a:srgbClr val="000000"/>
+                </a:solidFill>
+                <a:latin typeface="Calibri" panose="020F0502020204030204" pitchFamily="34" charset="0"/>
+                <a:ea typeface="Calibri" panose="020F0502020204030204" pitchFamily="34" charset="0"/>
+                <a:cs typeface="Arial" panose="020B0604020202020204" pitchFamily="34" charset="0"/>
+              </a:rPr>
+            </a:br>
+            <a:r>
+              <a:rPr lang="en-US" sz="1400" dirty="0">
+                <a:solidFill>
+                  <a:srgbClr val="000000"/>
+                </a:solidFill>
+                <a:latin typeface="Calibri" panose="020F0502020204030204" pitchFamily="34" charset="0"/>
+                <a:ea typeface="Calibri" panose="020F0502020204030204" pitchFamily="34" charset="0"/>
+                <a:cs typeface="Arial" panose="020B0604020202020204" pitchFamily="34" charset="0"/>
+              </a:rPr>
+              <a:t>    </a:t>
+            </a:r>
+            <a:r>
+              <a:rPr lang="en-US" sz="1400" b="1" dirty="0">
+                <a:solidFill>
+                  <a:srgbClr val="000080"/>
+                </a:solidFill>
+                <a:latin typeface="Calibri" panose="020F0502020204030204" pitchFamily="34" charset="0"/>
+                <a:ea typeface="Calibri" panose="020F0502020204030204" pitchFamily="34" charset="0"/>
+                <a:cs typeface="Arial" panose="020B0604020202020204" pitchFamily="34" charset="0"/>
+              </a:rPr>
+              <a:t>constructor</a:t>
+            </a:r>
+            <a:r>
+              <a:rPr lang="en-US" sz="1400" dirty="0">
+                <a:solidFill>
+                  <a:srgbClr val="000000"/>
+                </a:solidFill>
+                <a:latin typeface="Calibri" panose="020F0502020204030204" pitchFamily="34" charset="0"/>
+                <a:ea typeface="Calibri" panose="020F0502020204030204" pitchFamily="34" charset="0"/>
+                <a:cs typeface="Arial" panose="020B0604020202020204" pitchFamily="34" charset="0"/>
+              </a:rPr>
+              <a:t>(name: </a:t>
+            </a:r>
+            <a:r>
+              <a:rPr lang="en-US" sz="1400" b="1" dirty="0">
+                <a:solidFill>
+                  <a:srgbClr val="000080"/>
+                </a:solidFill>
+                <a:latin typeface="Calibri" panose="020F0502020204030204" pitchFamily="34" charset="0"/>
+                <a:ea typeface="Calibri" panose="020F0502020204030204" pitchFamily="34" charset="0"/>
+                <a:cs typeface="Arial" panose="020B0604020202020204" pitchFamily="34" charset="0"/>
+              </a:rPr>
+              <a:t>string</a:t>
+            </a:r>
+            <a:r>
+              <a:rPr lang="en-US" sz="1400" dirty="0">
+                <a:solidFill>
+                  <a:srgbClr val="000000"/>
+                </a:solidFill>
+                <a:latin typeface="Calibri" panose="020F0502020204030204" pitchFamily="34" charset="0"/>
+                <a:ea typeface="Calibri" panose="020F0502020204030204" pitchFamily="34" charset="0"/>
+                <a:cs typeface="Arial" panose="020B0604020202020204" pitchFamily="34" charset="0"/>
+              </a:rPr>
+              <a:t>) {</a:t>
+            </a:r>
+            <a:br>
+              <a:rPr lang="en-US" sz="1400" dirty="0">
+                <a:solidFill>
+                  <a:srgbClr val="000000"/>
+                </a:solidFill>
+                <a:latin typeface="Calibri" panose="020F0502020204030204" pitchFamily="34" charset="0"/>
+                <a:ea typeface="Calibri" panose="020F0502020204030204" pitchFamily="34" charset="0"/>
+                <a:cs typeface="Arial" panose="020B0604020202020204" pitchFamily="34" charset="0"/>
+              </a:rPr>
+            </a:br>
+            <a:r>
+              <a:rPr lang="en-US" sz="1400" dirty="0">
+                <a:solidFill>
+                  <a:srgbClr val="000000"/>
+                </a:solidFill>
+                <a:latin typeface="Calibri" panose="020F0502020204030204" pitchFamily="34" charset="0"/>
+                <a:ea typeface="Calibri" panose="020F0502020204030204" pitchFamily="34" charset="0"/>
+                <a:cs typeface="Arial" panose="020B0604020202020204" pitchFamily="34" charset="0"/>
+              </a:rPr>
+              <a:t>    }</a:t>
+            </a:r>
+            <a:br>
+              <a:rPr lang="en-US" sz="1400" dirty="0">
+                <a:solidFill>
+                  <a:srgbClr val="000000"/>
+                </a:solidFill>
+                <a:latin typeface="Calibri" panose="020F0502020204030204" pitchFamily="34" charset="0"/>
+                <a:ea typeface="Calibri" panose="020F0502020204030204" pitchFamily="34" charset="0"/>
+                <a:cs typeface="Arial" panose="020B0604020202020204" pitchFamily="34" charset="0"/>
+              </a:rPr>
+            </a:br>
+            <a:r>
+              <a:rPr lang="en-US" sz="1400" dirty="0">
+                <a:solidFill>
+                  <a:srgbClr val="000000"/>
+                </a:solidFill>
+                <a:latin typeface="Calibri" panose="020F0502020204030204" pitchFamily="34" charset="0"/>
+                <a:ea typeface="Calibri" panose="020F0502020204030204" pitchFamily="34" charset="0"/>
+                <a:cs typeface="Arial" panose="020B0604020202020204" pitchFamily="34" charset="0"/>
+              </a:rPr>
+              <a:t>}</a:t>
+            </a:r>
+            <a:br>
+              <a:rPr lang="en-US" sz="1400" dirty="0">
+                <a:solidFill>
+                  <a:srgbClr val="000000"/>
+                </a:solidFill>
+                <a:latin typeface="Calibri" panose="020F0502020204030204" pitchFamily="34" charset="0"/>
+                <a:ea typeface="Calibri" panose="020F0502020204030204" pitchFamily="34" charset="0"/>
+                <a:cs typeface="Arial" panose="020B0604020202020204" pitchFamily="34" charset="0"/>
+              </a:rPr>
+            </a:br>
+            <a:r>
+              <a:rPr lang="en-US" sz="1400" dirty="0">
+                <a:solidFill>
+                  <a:srgbClr val="000000"/>
+                </a:solidFill>
+                <a:latin typeface="Calibri" panose="020F0502020204030204" pitchFamily="34" charset="0"/>
+                <a:ea typeface="Calibri" panose="020F0502020204030204" pitchFamily="34" charset="0"/>
+                <a:cs typeface="Arial" panose="020B0604020202020204" pitchFamily="34" charset="0"/>
+              </a:rPr>
+              <a:t/>
+            </a:r>
+            <a:br>
+              <a:rPr lang="en-US" sz="1400" dirty="0">
+                <a:solidFill>
+                  <a:srgbClr val="000000"/>
+                </a:solidFill>
+                <a:latin typeface="Calibri" panose="020F0502020204030204" pitchFamily="34" charset="0"/>
+                <a:ea typeface="Calibri" panose="020F0502020204030204" pitchFamily="34" charset="0"/>
+                <a:cs typeface="Arial" panose="020B0604020202020204" pitchFamily="34" charset="0"/>
+              </a:rPr>
+            </a:br>
+            <a:r>
+              <a:rPr lang="en-US" sz="1400" b="1" dirty="0">
+                <a:solidFill>
+                  <a:srgbClr val="000080"/>
+                </a:solidFill>
+                <a:latin typeface="Calibri" panose="020F0502020204030204" pitchFamily="34" charset="0"/>
+                <a:ea typeface="Calibri" panose="020F0502020204030204" pitchFamily="34" charset="0"/>
+                <a:cs typeface="Arial" panose="020B0604020202020204" pitchFamily="34" charset="0"/>
+              </a:rPr>
+              <a:t>type </a:t>
+            </a:r>
+            <a:r>
+              <a:rPr lang="en-US" sz="1400" dirty="0">
+                <a:solidFill>
+                  <a:srgbClr val="000000"/>
+                </a:solidFill>
+                <a:latin typeface="Calibri" panose="020F0502020204030204" pitchFamily="34" charset="0"/>
+                <a:ea typeface="Calibri" panose="020F0502020204030204" pitchFamily="34" charset="0"/>
+                <a:cs typeface="Arial" panose="020B0604020202020204" pitchFamily="34" charset="0"/>
+              </a:rPr>
+              <a:t>Constructor&lt;T&gt; = </a:t>
+            </a:r>
+            <a:r>
+              <a:rPr lang="en-US" sz="1400" b="1" dirty="0">
+                <a:solidFill>
+                  <a:srgbClr val="000080"/>
+                </a:solidFill>
+                <a:latin typeface="Calibri" panose="020F0502020204030204" pitchFamily="34" charset="0"/>
+                <a:ea typeface="Calibri" panose="020F0502020204030204" pitchFamily="34" charset="0"/>
+                <a:cs typeface="Arial" panose="020B0604020202020204" pitchFamily="34" charset="0"/>
+              </a:rPr>
+              <a:t>new</a:t>
+            </a:r>
+            <a:r>
+              <a:rPr lang="en-US" sz="1400" dirty="0">
+                <a:solidFill>
+                  <a:srgbClr val="000000"/>
+                </a:solidFill>
+                <a:latin typeface="Calibri" panose="020F0502020204030204" pitchFamily="34" charset="0"/>
+                <a:ea typeface="Calibri" panose="020F0502020204030204" pitchFamily="34" charset="0"/>
+                <a:cs typeface="Arial" panose="020B0604020202020204" pitchFamily="34" charset="0"/>
+              </a:rPr>
+              <a:t>(...</a:t>
+            </a:r>
+            <a:r>
+              <a:rPr lang="en-US" sz="1400" dirty="0" err="1">
+                <a:solidFill>
+                  <a:srgbClr val="000000"/>
+                </a:solidFill>
+                <a:latin typeface="Calibri" panose="020F0502020204030204" pitchFamily="34" charset="0"/>
+                <a:ea typeface="Calibri" panose="020F0502020204030204" pitchFamily="34" charset="0"/>
+                <a:cs typeface="Arial" panose="020B0604020202020204" pitchFamily="34" charset="0"/>
+              </a:rPr>
+              <a:t>args</a:t>
+            </a:r>
+            <a:r>
+              <a:rPr lang="en-US" sz="1400" dirty="0">
+                <a:solidFill>
+                  <a:srgbClr val="000000"/>
+                </a:solidFill>
+                <a:latin typeface="Calibri" panose="020F0502020204030204" pitchFamily="34" charset="0"/>
+                <a:ea typeface="Calibri" panose="020F0502020204030204" pitchFamily="34" charset="0"/>
+                <a:cs typeface="Arial" panose="020B0604020202020204" pitchFamily="34" charset="0"/>
+              </a:rPr>
+              <a:t>: </a:t>
+            </a:r>
+            <a:r>
+              <a:rPr lang="en-US" sz="1400" b="1" dirty="0">
+                <a:solidFill>
+                  <a:srgbClr val="000080"/>
+                </a:solidFill>
+                <a:latin typeface="Calibri" panose="020F0502020204030204" pitchFamily="34" charset="0"/>
+                <a:ea typeface="Calibri" panose="020F0502020204030204" pitchFamily="34" charset="0"/>
+                <a:cs typeface="Arial" panose="020B0604020202020204" pitchFamily="34" charset="0"/>
+              </a:rPr>
+              <a:t>any</a:t>
+            </a:r>
+            <a:r>
+              <a:rPr lang="en-US" sz="1400" dirty="0">
+                <a:solidFill>
+                  <a:srgbClr val="000000"/>
+                </a:solidFill>
+                <a:latin typeface="Calibri" panose="020F0502020204030204" pitchFamily="34" charset="0"/>
+                <a:ea typeface="Calibri" panose="020F0502020204030204" pitchFamily="34" charset="0"/>
+                <a:cs typeface="Arial" panose="020B0604020202020204" pitchFamily="34" charset="0"/>
+              </a:rPr>
+              <a:t>[]) =&gt; T;</a:t>
+            </a:r>
+            <a:br>
+              <a:rPr lang="en-US" sz="1400" dirty="0">
+                <a:solidFill>
+                  <a:srgbClr val="000000"/>
+                </a:solidFill>
+                <a:latin typeface="Calibri" panose="020F0502020204030204" pitchFamily="34" charset="0"/>
+                <a:ea typeface="Calibri" panose="020F0502020204030204" pitchFamily="34" charset="0"/>
+                <a:cs typeface="Arial" panose="020B0604020202020204" pitchFamily="34" charset="0"/>
+              </a:rPr>
+            </a:br>
+            <a:r>
+              <a:rPr lang="en-US" sz="1400" dirty="0">
+                <a:solidFill>
+                  <a:srgbClr val="000000"/>
+                </a:solidFill>
+                <a:latin typeface="Calibri" panose="020F0502020204030204" pitchFamily="34" charset="0"/>
+                <a:ea typeface="Calibri" panose="020F0502020204030204" pitchFamily="34" charset="0"/>
+                <a:cs typeface="Arial" panose="020B0604020202020204" pitchFamily="34" charset="0"/>
+              </a:rPr>
+              <a:t/>
+            </a:r>
+            <a:br>
+              <a:rPr lang="en-US" sz="1400" dirty="0">
+                <a:solidFill>
+                  <a:srgbClr val="000000"/>
+                </a:solidFill>
+                <a:latin typeface="Calibri" panose="020F0502020204030204" pitchFamily="34" charset="0"/>
+                <a:ea typeface="Calibri" panose="020F0502020204030204" pitchFamily="34" charset="0"/>
+                <a:cs typeface="Arial" panose="020B0604020202020204" pitchFamily="34" charset="0"/>
+              </a:rPr>
+            </a:br>
+            <a:r>
+              <a:rPr lang="en-US" sz="1400" b="1" dirty="0">
+                <a:solidFill>
+                  <a:srgbClr val="000080"/>
+                </a:solidFill>
+                <a:latin typeface="Calibri" panose="020F0502020204030204" pitchFamily="34" charset="0"/>
+                <a:ea typeface="Calibri" panose="020F0502020204030204" pitchFamily="34" charset="0"/>
+                <a:cs typeface="Arial" panose="020B0604020202020204" pitchFamily="34" charset="0"/>
+              </a:rPr>
+              <a:t>function </a:t>
+            </a:r>
+            <a:r>
+              <a:rPr lang="en-US" sz="1400" i="1" dirty="0" err="1">
+                <a:solidFill>
+                  <a:srgbClr val="000000"/>
+                </a:solidFill>
+                <a:latin typeface="Calibri" panose="020F0502020204030204" pitchFamily="34" charset="0"/>
+                <a:ea typeface="Calibri" panose="020F0502020204030204" pitchFamily="34" charset="0"/>
+                <a:cs typeface="Arial" panose="020B0604020202020204" pitchFamily="34" charset="0"/>
+              </a:rPr>
+              <a:t>createClass</a:t>
+            </a:r>
+            <a:r>
+              <a:rPr lang="en-US" sz="1400" dirty="0">
+                <a:solidFill>
+                  <a:srgbClr val="000000"/>
+                </a:solidFill>
+                <a:latin typeface="Calibri" panose="020F0502020204030204" pitchFamily="34" charset="0"/>
+                <a:ea typeface="Calibri" panose="020F0502020204030204" pitchFamily="34" charset="0"/>
+                <a:cs typeface="Arial" panose="020B0604020202020204" pitchFamily="34" charset="0"/>
+              </a:rPr>
+              <a:t>&lt;T </a:t>
+            </a:r>
+            <a:r>
+              <a:rPr lang="en-US" sz="1400" b="1" dirty="0">
+                <a:solidFill>
+                  <a:srgbClr val="000080"/>
+                </a:solidFill>
+                <a:latin typeface="Calibri" panose="020F0502020204030204" pitchFamily="34" charset="0"/>
+                <a:ea typeface="Calibri" panose="020F0502020204030204" pitchFamily="34" charset="0"/>
+                <a:cs typeface="Arial" panose="020B0604020202020204" pitchFamily="34" charset="0"/>
+              </a:rPr>
+              <a:t>extends </a:t>
+            </a:r>
+            <a:r>
+              <a:rPr lang="en-US" sz="1400" dirty="0">
+                <a:solidFill>
+                  <a:srgbClr val="000000"/>
+                </a:solidFill>
+                <a:latin typeface="Calibri" panose="020F0502020204030204" pitchFamily="34" charset="0"/>
+                <a:ea typeface="Calibri" panose="020F0502020204030204" pitchFamily="34" charset="0"/>
+                <a:cs typeface="Arial" panose="020B0604020202020204" pitchFamily="34" charset="0"/>
+              </a:rPr>
+              <a:t>Constructor&lt;{}&gt;&gt;(Base: T, id) {</a:t>
+            </a:r>
+            <a:br>
+              <a:rPr lang="en-US" sz="1400" dirty="0">
+                <a:solidFill>
+                  <a:srgbClr val="000000"/>
+                </a:solidFill>
+                <a:latin typeface="Calibri" panose="020F0502020204030204" pitchFamily="34" charset="0"/>
+                <a:ea typeface="Calibri" panose="020F0502020204030204" pitchFamily="34" charset="0"/>
+                <a:cs typeface="Arial" panose="020B0604020202020204" pitchFamily="34" charset="0"/>
+              </a:rPr>
+            </a:br>
+            <a:r>
+              <a:rPr lang="en-US" sz="1400" dirty="0">
+                <a:solidFill>
+                  <a:srgbClr val="000000"/>
+                </a:solidFill>
+                <a:latin typeface="Calibri" panose="020F0502020204030204" pitchFamily="34" charset="0"/>
+                <a:ea typeface="Calibri" panose="020F0502020204030204" pitchFamily="34" charset="0"/>
+                <a:cs typeface="Arial" panose="020B0604020202020204" pitchFamily="34" charset="0"/>
+              </a:rPr>
+              <a:t>    </a:t>
+            </a:r>
+            <a:r>
+              <a:rPr lang="en-US" sz="1400" b="1" dirty="0">
+                <a:solidFill>
+                  <a:srgbClr val="000080"/>
+                </a:solidFill>
+                <a:latin typeface="Calibri" panose="020F0502020204030204" pitchFamily="34" charset="0"/>
+                <a:ea typeface="Calibri" panose="020F0502020204030204" pitchFamily="34" charset="0"/>
+                <a:cs typeface="Arial" panose="020B0604020202020204" pitchFamily="34" charset="0"/>
+              </a:rPr>
+              <a:t>return class extends </a:t>
+            </a:r>
+            <a:r>
+              <a:rPr lang="en-US" sz="1400" dirty="0">
+                <a:solidFill>
+                  <a:srgbClr val="000000"/>
+                </a:solidFill>
+                <a:latin typeface="Calibri" panose="020F0502020204030204" pitchFamily="34" charset="0"/>
+                <a:ea typeface="Calibri" panose="020F0502020204030204" pitchFamily="34" charset="0"/>
+                <a:cs typeface="Arial" panose="020B0604020202020204" pitchFamily="34" charset="0"/>
+              </a:rPr>
+              <a:t>Base {</a:t>
+            </a:r>
+            <a:br>
+              <a:rPr lang="en-US" sz="1400" dirty="0">
+                <a:solidFill>
+                  <a:srgbClr val="000000"/>
+                </a:solidFill>
+                <a:latin typeface="Calibri" panose="020F0502020204030204" pitchFamily="34" charset="0"/>
+                <a:ea typeface="Calibri" panose="020F0502020204030204" pitchFamily="34" charset="0"/>
+                <a:cs typeface="Arial" panose="020B0604020202020204" pitchFamily="34" charset="0"/>
+              </a:rPr>
+            </a:br>
+            <a:r>
+              <a:rPr lang="en-US" sz="1400" dirty="0">
+                <a:solidFill>
+                  <a:srgbClr val="000000"/>
+                </a:solidFill>
+                <a:latin typeface="Calibri" panose="020F0502020204030204" pitchFamily="34" charset="0"/>
+                <a:ea typeface="Calibri" panose="020F0502020204030204" pitchFamily="34" charset="0"/>
+                <a:cs typeface="Arial" panose="020B0604020202020204" pitchFamily="34" charset="0"/>
+              </a:rPr>
+              <a:t>        </a:t>
+            </a:r>
+            <a:r>
+              <a:rPr lang="en-US" sz="1400" b="1" dirty="0">
+                <a:solidFill>
+                  <a:srgbClr val="660E7A"/>
+                </a:solidFill>
+                <a:latin typeface="Calibri" panose="020F0502020204030204" pitchFamily="34" charset="0"/>
+                <a:ea typeface="Calibri" panose="020F0502020204030204" pitchFamily="34" charset="0"/>
+                <a:cs typeface="Arial" panose="020B0604020202020204" pitchFamily="34" charset="0"/>
+              </a:rPr>
+              <a:t>id</a:t>
+            </a:r>
+            <a:r>
+              <a:rPr lang="en-US" sz="1400" dirty="0">
+                <a:solidFill>
+                  <a:srgbClr val="000000"/>
+                </a:solidFill>
+                <a:latin typeface="Calibri" panose="020F0502020204030204" pitchFamily="34" charset="0"/>
+                <a:ea typeface="Calibri" panose="020F0502020204030204" pitchFamily="34" charset="0"/>
+                <a:cs typeface="Arial" panose="020B0604020202020204" pitchFamily="34" charset="0"/>
+              </a:rPr>
+              <a:t>: </a:t>
+            </a:r>
+            <a:r>
+              <a:rPr lang="en-US" sz="1400" b="1" dirty="0">
+                <a:solidFill>
+                  <a:srgbClr val="000080"/>
+                </a:solidFill>
+                <a:latin typeface="Calibri" panose="020F0502020204030204" pitchFamily="34" charset="0"/>
+                <a:ea typeface="Calibri" panose="020F0502020204030204" pitchFamily="34" charset="0"/>
+                <a:cs typeface="Arial" panose="020B0604020202020204" pitchFamily="34" charset="0"/>
+              </a:rPr>
+              <a:t>number </a:t>
+            </a:r>
+            <a:r>
+              <a:rPr lang="en-US" sz="1400" dirty="0">
+                <a:solidFill>
+                  <a:srgbClr val="000000"/>
+                </a:solidFill>
+                <a:latin typeface="Calibri" panose="020F0502020204030204" pitchFamily="34" charset="0"/>
+                <a:ea typeface="Calibri" panose="020F0502020204030204" pitchFamily="34" charset="0"/>
+                <a:cs typeface="Arial" panose="020B0604020202020204" pitchFamily="34" charset="0"/>
+              </a:rPr>
+              <a:t>= id;</a:t>
+            </a:r>
+            <a:br>
+              <a:rPr lang="en-US" sz="1400" dirty="0">
+                <a:solidFill>
+                  <a:srgbClr val="000000"/>
+                </a:solidFill>
+                <a:latin typeface="Calibri" panose="020F0502020204030204" pitchFamily="34" charset="0"/>
+                <a:ea typeface="Calibri" panose="020F0502020204030204" pitchFamily="34" charset="0"/>
+                <a:cs typeface="Arial" panose="020B0604020202020204" pitchFamily="34" charset="0"/>
+              </a:rPr>
+            </a:br>
+            <a:r>
+              <a:rPr lang="en-US" sz="1400" dirty="0">
+                <a:solidFill>
+                  <a:srgbClr val="000000"/>
+                </a:solidFill>
+                <a:latin typeface="Calibri" panose="020F0502020204030204" pitchFamily="34" charset="0"/>
+                <a:ea typeface="Calibri" panose="020F0502020204030204" pitchFamily="34" charset="0"/>
+                <a:cs typeface="Arial" panose="020B0604020202020204" pitchFamily="34" charset="0"/>
+              </a:rPr>
+              <a:t>    }</a:t>
+            </a:r>
+            <a:br>
+              <a:rPr lang="en-US" sz="1400" dirty="0">
+                <a:solidFill>
+                  <a:srgbClr val="000000"/>
+                </a:solidFill>
+                <a:latin typeface="Calibri" panose="020F0502020204030204" pitchFamily="34" charset="0"/>
+                <a:ea typeface="Calibri" panose="020F0502020204030204" pitchFamily="34" charset="0"/>
+                <a:cs typeface="Arial" panose="020B0604020202020204" pitchFamily="34" charset="0"/>
+              </a:rPr>
+            </a:br>
+            <a:r>
+              <a:rPr lang="en-US" sz="1400" dirty="0">
+                <a:solidFill>
+                  <a:srgbClr val="000000"/>
+                </a:solidFill>
+                <a:latin typeface="Calibri" panose="020F0502020204030204" pitchFamily="34" charset="0"/>
+                <a:ea typeface="Calibri" panose="020F0502020204030204" pitchFamily="34" charset="0"/>
+                <a:cs typeface="Arial" panose="020B0604020202020204" pitchFamily="34" charset="0"/>
+              </a:rPr>
+              <a:t>}</a:t>
+            </a:r>
+            <a:br>
+              <a:rPr lang="en-US" sz="1400" dirty="0">
+                <a:solidFill>
+                  <a:srgbClr val="000000"/>
+                </a:solidFill>
+                <a:latin typeface="Calibri" panose="020F0502020204030204" pitchFamily="34" charset="0"/>
+                <a:ea typeface="Calibri" panose="020F0502020204030204" pitchFamily="34" charset="0"/>
+                <a:cs typeface="Arial" panose="020B0604020202020204" pitchFamily="34" charset="0"/>
+              </a:rPr>
+            </a:br>
+            <a:r>
+              <a:rPr lang="en-US" sz="1400" dirty="0">
+                <a:solidFill>
+                  <a:srgbClr val="000000"/>
+                </a:solidFill>
+                <a:latin typeface="Calibri" panose="020F0502020204030204" pitchFamily="34" charset="0"/>
+                <a:ea typeface="Calibri" panose="020F0502020204030204" pitchFamily="34" charset="0"/>
+                <a:cs typeface="Arial" panose="020B0604020202020204" pitchFamily="34" charset="0"/>
+              </a:rPr>
+              <a:t/>
+            </a:r>
+            <a:br>
+              <a:rPr lang="en-US" sz="1400" dirty="0">
+                <a:solidFill>
+                  <a:srgbClr val="000000"/>
+                </a:solidFill>
+                <a:latin typeface="Calibri" panose="020F0502020204030204" pitchFamily="34" charset="0"/>
+                <a:ea typeface="Calibri" panose="020F0502020204030204" pitchFamily="34" charset="0"/>
+                <a:cs typeface="Arial" panose="020B0604020202020204" pitchFamily="34" charset="0"/>
+              </a:rPr>
+            </a:br>
+            <a:r>
+              <a:rPr lang="en-US" sz="1400" b="1" dirty="0" err="1">
+                <a:solidFill>
+                  <a:srgbClr val="000080"/>
+                </a:solidFill>
+                <a:latin typeface="Calibri" panose="020F0502020204030204" pitchFamily="34" charset="0"/>
+                <a:ea typeface="Calibri" panose="020F0502020204030204" pitchFamily="34" charset="0"/>
+                <a:cs typeface="Arial" panose="020B0604020202020204" pitchFamily="34" charset="0"/>
+              </a:rPr>
+              <a:t>var</a:t>
+            </a:r>
+            <a:r>
+              <a:rPr lang="en-US" sz="1400" b="1" dirty="0">
+                <a:solidFill>
+                  <a:srgbClr val="000080"/>
+                </a:solidFill>
+                <a:latin typeface="Calibri" panose="020F0502020204030204" pitchFamily="34" charset="0"/>
+                <a:ea typeface="Calibri" panose="020F0502020204030204" pitchFamily="34" charset="0"/>
+                <a:cs typeface="Arial" panose="020B0604020202020204" pitchFamily="34" charset="0"/>
+              </a:rPr>
+              <a:t> </a:t>
+            </a:r>
+            <a:r>
+              <a:rPr lang="en-US" sz="1400" b="1" i="1" dirty="0">
+                <a:solidFill>
+                  <a:srgbClr val="660E7A"/>
+                </a:solidFill>
+                <a:latin typeface="Calibri" panose="020F0502020204030204" pitchFamily="34" charset="0"/>
+                <a:ea typeface="Calibri" panose="020F0502020204030204" pitchFamily="34" charset="0"/>
+                <a:cs typeface="Arial" panose="020B0604020202020204" pitchFamily="34" charset="0"/>
+              </a:rPr>
+              <a:t>B </a:t>
+            </a:r>
+            <a:r>
+              <a:rPr lang="en-US" sz="1400" dirty="0">
+                <a:solidFill>
+                  <a:srgbClr val="000000"/>
+                </a:solidFill>
+                <a:latin typeface="Calibri" panose="020F0502020204030204" pitchFamily="34" charset="0"/>
+                <a:ea typeface="Calibri" panose="020F0502020204030204" pitchFamily="34" charset="0"/>
+                <a:cs typeface="Arial" panose="020B0604020202020204" pitchFamily="34" charset="0"/>
+              </a:rPr>
+              <a:t>= </a:t>
+            </a:r>
+            <a:r>
+              <a:rPr lang="en-US" sz="1400" i="1" dirty="0" err="1">
+                <a:solidFill>
+                  <a:srgbClr val="000000"/>
+                </a:solidFill>
+                <a:latin typeface="Calibri" panose="020F0502020204030204" pitchFamily="34" charset="0"/>
+                <a:ea typeface="Calibri" panose="020F0502020204030204" pitchFamily="34" charset="0"/>
+                <a:cs typeface="Arial" panose="020B0604020202020204" pitchFamily="34" charset="0"/>
+              </a:rPr>
+              <a:t>createClass</a:t>
+            </a:r>
+            <a:r>
+              <a:rPr lang="en-US" sz="1400" dirty="0">
+                <a:solidFill>
+                  <a:srgbClr val="000000"/>
+                </a:solidFill>
+                <a:latin typeface="Calibri" panose="020F0502020204030204" pitchFamily="34" charset="0"/>
+                <a:ea typeface="Calibri" panose="020F0502020204030204" pitchFamily="34" charset="0"/>
+                <a:cs typeface="Arial" panose="020B0604020202020204" pitchFamily="34" charset="0"/>
+              </a:rPr>
+              <a:t>(A, </a:t>
+            </a:r>
+            <a:r>
+              <a:rPr lang="en-US" sz="1400" dirty="0">
+                <a:solidFill>
+                  <a:srgbClr val="0000FF"/>
+                </a:solidFill>
+                <a:latin typeface="Calibri" panose="020F0502020204030204" pitchFamily="34" charset="0"/>
+                <a:ea typeface="Calibri" panose="020F0502020204030204" pitchFamily="34" charset="0"/>
+                <a:cs typeface="Arial" panose="020B0604020202020204" pitchFamily="34" charset="0"/>
+              </a:rPr>
+              <a:t>5</a:t>
+            </a:r>
+            <a:r>
+              <a:rPr lang="en-US" sz="1400" dirty="0">
+                <a:solidFill>
+                  <a:srgbClr val="000000"/>
+                </a:solidFill>
+                <a:latin typeface="Calibri" panose="020F0502020204030204" pitchFamily="34" charset="0"/>
+                <a:ea typeface="Calibri" panose="020F0502020204030204" pitchFamily="34" charset="0"/>
+                <a:cs typeface="Arial" panose="020B0604020202020204" pitchFamily="34" charset="0"/>
+              </a:rPr>
+              <a:t>);</a:t>
+            </a:r>
+            <a:br>
+              <a:rPr lang="en-US" sz="1400" dirty="0">
+                <a:solidFill>
+                  <a:srgbClr val="000000"/>
+                </a:solidFill>
+                <a:latin typeface="Calibri" panose="020F0502020204030204" pitchFamily="34" charset="0"/>
+                <a:ea typeface="Calibri" panose="020F0502020204030204" pitchFamily="34" charset="0"/>
+                <a:cs typeface="Arial" panose="020B0604020202020204" pitchFamily="34" charset="0"/>
+              </a:rPr>
+            </a:br>
+            <a:r>
+              <a:rPr lang="en-US" sz="1400" b="1" dirty="0" err="1">
+                <a:solidFill>
+                  <a:srgbClr val="000080"/>
+                </a:solidFill>
+                <a:latin typeface="Calibri" panose="020F0502020204030204" pitchFamily="34" charset="0"/>
+                <a:ea typeface="Calibri" panose="020F0502020204030204" pitchFamily="34" charset="0"/>
+                <a:cs typeface="Arial" panose="020B0604020202020204" pitchFamily="34" charset="0"/>
+              </a:rPr>
+              <a:t>var</a:t>
+            </a:r>
+            <a:r>
+              <a:rPr lang="en-US" sz="1400" b="1" dirty="0">
+                <a:solidFill>
+                  <a:srgbClr val="000080"/>
+                </a:solidFill>
+                <a:latin typeface="Calibri" panose="020F0502020204030204" pitchFamily="34" charset="0"/>
+                <a:ea typeface="Calibri" panose="020F0502020204030204" pitchFamily="34" charset="0"/>
+                <a:cs typeface="Arial" panose="020B0604020202020204" pitchFamily="34" charset="0"/>
+              </a:rPr>
+              <a:t> </a:t>
+            </a:r>
+            <a:r>
+              <a:rPr lang="en-US" sz="1400" b="1" i="1" dirty="0">
+                <a:solidFill>
+                  <a:srgbClr val="660E7A"/>
+                </a:solidFill>
+                <a:latin typeface="Calibri" panose="020F0502020204030204" pitchFamily="34" charset="0"/>
+                <a:ea typeface="Calibri" panose="020F0502020204030204" pitchFamily="34" charset="0"/>
+                <a:cs typeface="Arial" panose="020B0604020202020204" pitchFamily="34" charset="0"/>
+              </a:rPr>
+              <a:t>b </a:t>
+            </a:r>
+            <a:r>
+              <a:rPr lang="en-US" sz="1400" dirty="0">
+                <a:solidFill>
+                  <a:srgbClr val="000000"/>
+                </a:solidFill>
+                <a:latin typeface="Calibri" panose="020F0502020204030204" pitchFamily="34" charset="0"/>
+                <a:ea typeface="Calibri" panose="020F0502020204030204" pitchFamily="34" charset="0"/>
+                <a:cs typeface="Arial" panose="020B0604020202020204" pitchFamily="34" charset="0"/>
+              </a:rPr>
+              <a:t>= </a:t>
+            </a:r>
+            <a:r>
+              <a:rPr lang="en-US" sz="1400" b="1" dirty="0">
+                <a:solidFill>
+                  <a:srgbClr val="000080"/>
+                </a:solidFill>
+                <a:latin typeface="Calibri" panose="020F0502020204030204" pitchFamily="34" charset="0"/>
+                <a:ea typeface="Calibri" panose="020F0502020204030204" pitchFamily="34" charset="0"/>
+                <a:cs typeface="Arial" panose="020B0604020202020204" pitchFamily="34" charset="0"/>
+              </a:rPr>
+              <a:t>new </a:t>
+            </a:r>
+            <a:r>
+              <a:rPr lang="en-US" sz="1400" b="1" i="1" dirty="0">
+                <a:solidFill>
+                  <a:srgbClr val="660E7A"/>
+                </a:solidFill>
+                <a:latin typeface="Calibri" panose="020F0502020204030204" pitchFamily="34" charset="0"/>
+                <a:ea typeface="Calibri" panose="020F0502020204030204" pitchFamily="34" charset="0"/>
+                <a:cs typeface="Arial" panose="020B0604020202020204" pitchFamily="34" charset="0"/>
+              </a:rPr>
+              <a:t>B</a:t>
+            </a:r>
+            <a:r>
+              <a:rPr lang="en-US" sz="1400" dirty="0">
+                <a:solidFill>
+                  <a:srgbClr val="000000"/>
+                </a:solidFill>
+                <a:latin typeface="Calibri" panose="020F0502020204030204" pitchFamily="34" charset="0"/>
+                <a:ea typeface="Calibri" panose="020F0502020204030204" pitchFamily="34" charset="0"/>
+                <a:cs typeface="Arial" panose="020B0604020202020204" pitchFamily="34" charset="0"/>
+              </a:rPr>
+              <a:t>(</a:t>
+            </a:r>
+            <a:r>
+              <a:rPr lang="en-US" sz="1400" b="1" dirty="0">
+                <a:solidFill>
+                  <a:srgbClr val="008000"/>
+                </a:solidFill>
+                <a:latin typeface="Calibri" panose="020F0502020204030204" pitchFamily="34" charset="0"/>
+                <a:ea typeface="Calibri" panose="020F0502020204030204" pitchFamily="34" charset="0"/>
+                <a:cs typeface="Arial" panose="020B0604020202020204" pitchFamily="34" charset="0"/>
+              </a:rPr>
+              <a:t>"Ori"</a:t>
+            </a:r>
+            <a:r>
+              <a:rPr lang="en-US" sz="1400" dirty="0">
+                <a:solidFill>
+                  <a:srgbClr val="000000"/>
+                </a:solidFill>
+                <a:latin typeface="Calibri" panose="020F0502020204030204" pitchFamily="34" charset="0"/>
+                <a:ea typeface="Calibri" panose="020F0502020204030204" pitchFamily="34" charset="0"/>
+                <a:cs typeface="Arial" panose="020B0604020202020204" pitchFamily="34" charset="0"/>
+              </a:rPr>
+              <a:t>);</a:t>
+            </a:r>
+            <a:br>
+              <a:rPr lang="en-US" sz="1400" dirty="0">
+                <a:solidFill>
+                  <a:srgbClr val="000000"/>
+                </a:solidFill>
+                <a:latin typeface="Calibri" panose="020F0502020204030204" pitchFamily="34" charset="0"/>
+                <a:ea typeface="Calibri" panose="020F0502020204030204" pitchFamily="34" charset="0"/>
+                <a:cs typeface="Arial" panose="020B0604020202020204" pitchFamily="34" charset="0"/>
+              </a:rPr>
+            </a:br>
+            <a:r>
+              <a:rPr lang="en-US" sz="1400" b="1" i="1" dirty="0">
+                <a:solidFill>
+                  <a:srgbClr val="660E7A"/>
+                </a:solidFill>
+                <a:latin typeface="Calibri" panose="020F0502020204030204" pitchFamily="34" charset="0"/>
+                <a:ea typeface="Calibri" panose="020F0502020204030204" pitchFamily="34" charset="0"/>
+                <a:cs typeface="Arial" panose="020B0604020202020204" pitchFamily="34" charset="0"/>
+              </a:rPr>
+              <a:t>console</a:t>
+            </a:r>
+            <a:r>
+              <a:rPr lang="en-US" sz="1400" dirty="0">
+                <a:solidFill>
+                  <a:srgbClr val="000000"/>
+                </a:solidFill>
+                <a:latin typeface="Calibri" panose="020F0502020204030204" pitchFamily="34" charset="0"/>
+                <a:ea typeface="Calibri" panose="020F0502020204030204" pitchFamily="34" charset="0"/>
+                <a:cs typeface="Arial" panose="020B0604020202020204" pitchFamily="34" charset="0"/>
+              </a:rPr>
+              <a:t>.</a:t>
+            </a:r>
+            <a:r>
+              <a:rPr lang="en-US" sz="1400" dirty="0">
+                <a:solidFill>
+                  <a:srgbClr val="7A7A43"/>
+                </a:solidFill>
+                <a:latin typeface="Calibri" panose="020F0502020204030204" pitchFamily="34" charset="0"/>
+                <a:ea typeface="Calibri" panose="020F0502020204030204" pitchFamily="34" charset="0"/>
+                <a:cs typeface="Arial" panose="020B0604020202020204" pitchFamily="34" charset="0"/>
+              </a:rPr>
+              <a:t>log</a:t>
+            </a:r>
+            <a:r>
+              <a:rPr lang="en-US" sz="1400" dirty="0">
+                <a:solidFill>
+                  <a:srgbClr val="000000"/>
+                </a:solidFill>
+                <a:latin typeface="Calibri" panose="020F0502020204030204" pitchFamily="34" charset="0"/>
+                <a:ea typeface="Calibri" panose="020F0502020204030204" pitchFamily="34" charset="0"/>
+                <a:cs typeface="Arial" panose="020B0604020202020204" pitchFamily="34" charset="0"/>
+              </a:rPr>
+              <a:t>(</a:t>
+            </a:r>
+            <a:r>
+              <a:rPr lang="en-US" sz="1400" b="1" i="1" dirty="0">
+                <a:solidFill>
+                  <a:srgbClr val="660E7A"/>
+                </a:solidFill>
+                <a:latin typeface="Calibri" panose="020F0502020204030204" pitchFamily="34" charset="0"/>
+                <a:ea typeface="Calibri" panose="020F0502020204030204" pitchFamily="34" charset="0"/>
+                <a:cs typeface="Arial" panose="020B0604020202020204" pitchFamily="34" charset="0"/>
+              </a:rPr>
+              <a:t>b</a:t>
+            </a:r>
+            <a:r>
+              <a:rPr lang="en-US" sz="1400" dirty="0">
+                <a:solidFill>
+                  <a:srgbClr val="000000"/>
+                </a:solidFill>
+                <a:latin typeface="Calibri" panose="020F0502020204030204" pitchFamily="34" charset="0"/>
+                <a:ea typeface="Calibri" panose="020F0502020204030204" pitchFamily="34" charset="0"/>
+                <a:cs typeface="Arial" panose="020B0604020202020204" pitchFamily="34" charset="0"/>
+              </a:rPr>
+              <a:t>.</a:t>
+            </a:r>
+            <a:r>
+              <a:rPr lang="en-US" sz="1400" b="1" dirty="0">
+                <a:solidFill>
+                  <a:srgbClr val="660E7A"/>
+                </a:solidFill>
+                <a:latin typeface="Calibri" panose="020F0502020204030204" pitchFamily="34" charset="0"/>
+                <a:ea typeface="Calibri" panose="020F0502020204030204" pitchFamily="34" charset="0"/>
+                <a:cs typeface="Arial" panose="020B0604020202020204" pitchFamily="34" charset="0"/>
+              </a:rPr>
+              <a:t>id</a:t>
+            </a:r>
+            <a:r>
+              <a:rPr lang="en-US" sz="1400" dirty="0">
+                <a:solidFill>
+                  <a:srgbClr val="000000"/>
+                </a:solidFill>
+                <a:latin typeface="Calibri" panose="020F0502020204030204" pitchFamily="34" charset="0"/>
+                <a:ea typeface="Calibri" panose="020F0502020204030204" pitchFamily="34" charset="0"/>
+                <a:cs typeface="Arial" panose="020B0604020202020204" pitchFamily="34" charset="0"/>
+              </a:rPr>
+              <a:t>);</a:t>
+            </a:r>
+            <a:endParaRPr lang="en-US" sz="1400" dirty="0"/>
+          </a:p>
+        </p:txBody>
+      </p:sp>
+    </p:spTree>
+    <p:extLst>
+      <p:ext uri="{BB962C8B-B14F-4D97-AF65-F5344CB8AC3E}">
+        <p14:creationId xmlns:p14="http://schemas.microsoft.com/office/powerpoint/2010/main" val="3361919652"/>
+      </p:ext>
+    </p:extLst>
+  </p:cSld>
+  <p:clrMapOvr>
+    <a:masterClrMapping/>
+  </p:clrMapOvr>
+</p:sld>
+</file>
+
+<file path=ppt/slides/slide32.xml><?xml version="1.0" encoding="utf-8"?>
+<p:sld xmlns:a="http://schemas.openxmlformats.org/drawingml/2006/main" xmlns:r="http://schemas.openxmlformats.org/officeDocument/2006/relationships" xmlns:p="http://schemas.openxmlformats.org/presentationml/2006/main">
+  <p:cSld>
+    <p:spTree>
+      <p:nvGrpSpPr>
+        <p:cNvPr id="1" name=""/>
+        <p:cNvGrpSpPr/>
+        <p:nvPr/>
+      </p:nvGrpSpPr>
+      <p:grpSpPr>
+        <a:xfrm>
+          <a:off x="0" y="0"/>
+          <a:ext cx="0" cy="0"/>
+          <a:chOff x="0" y="0"/>
+          <a:chExt cx="0" cy="0"/>
+        </a:xfrm>
+      </p:grpSpPr>
+      <p:sp>
+        <p:nvSpPr>
+          <p:cNvPr id="2" name="Title 1"/>
+          <p:cNvSpPr>
+            <a:spLocks noGrp="1"/>
+          </p:cNvSpPr>
+          <p:nvPr>
+            <p:ph type="title"/>
+          </p:nvPr>
+        </p:nvSpPr>
+        <p:spPr/>
+        <p:txBody>
+          <a:bodyPr/>
+          <a:lstStyle/>
+          <a:p>
+            <a:r>
+              <a:rPr lang="en-US" dirty="0" smtClean="0"/>
+              <a:t>Typed map using object</a:t>
+            </a:r>
+            <a:endParaRPr lang="en-US" dirty="0"/>
+          </a:p>
+        </p:txBody>
+      </p:sp>
+      <p:sp>
+        <p:nvSpPr>
+          <p:cNvPr id="3" name="Footer Placeholder 2"/>
+          <p:cNvSpPr>
+            <a:spLocks noGrp="1"/>
+          </p:cNvSpPr>
+          <p:nvPr>
+            <p:ph type="ftr" sz="quarter" idx="11"/>
+          </p:nvPr>
+        </p:nvSpPr>
+        <p:spPr/>
+        <p:txBody>
+          <a:bodyPr/>
+          <a:lstStyle/>
+          <a:p>
+            <a:r>
+              <a:rPr lang="en-US" smtClean="0"/>
+              <a:t>© 2017 Ori Calvo</a:t>
+            </a:r>
+            <a:endParaRPr lang="en-US" dirty="0"/>
+          </a:p>
+        </p:txBody>
+      </p:sp>
+      <p:sp>
+        <p:nvSpPr>
+          <p:cNvPr id="4" name="Slide Number Placeholder 3"/>
+          <p:cNvSpPr>
+            <a:spLocks noGrp="1"/>
+          </p:cNvSpPr>
+          <p:nvPr>
+            <p:ph type="sldNum" sz="quarter" idx="12"/>
+          </p:nvPr>
+        </p:nvSpPr>
+        <p:spPr/>
+        <p:txBody>
+          <a:bodyPr>
+            <a:normAutofit fontScale="85000" lnSpcReduction="20000"/>
+          </a:bodyPr>
+          <a:lstStyle/>
+          <a:p>
+            <a:fld id="{6EDEC3BC-0694-4586-AE63-02B4D54ABF43}" type="slidenum">
+              <a:rPr lang="en-US" smtClean="0"/>
+              <a:pPr/>
+              <a:t>32</a:t>
+            </a:fld>
+            <a:endParaRPr lang="en-US"/>
+          </a:p>
+        </p:txBody>
+      </p:sp>
+      <p:sp>
+        <p:nvSpPr>
+          <p:cNvPr id="6" name="Rectangle 5"/>
+          <p:cNvSpPr/>
+          <p:nvPr/>
+        </p:nvSpPr>
+        <p:spPr>
+          <a:xfrm>
+            <a:off x="1998176" y="2204864"/>
+            <a:ext cx="5382344" cy="2308324"/>
+          </a:xfrm>
+          <a:prstGeom prst="rect">
+            <a:avLst/>
+          </a:prstGeom>
+          <a:solidFill>
+            <a:schemeClr val="accent1">
+              <a:lumMod val="40000"/>
+              <a:lumOff val="60000"/>
+            </a:schemeClr>
+          </a:solidFill>
+        </p:spPr>
+        <p:txBody>
+          <a:bodyPr wrap="square">
+            <a:spAutoFit/>
+          </a:bodyPr>
+          <a:lstStyle/>
+          <a:p>
+            <a:r>
+              <a:rPr lang="en-US" b="1" dirty="0">
+                <a:solidFill>
+                  <a:srgbClr val="000080"/>
+                </a:solidFill>
+                <a:latin typeface="Calibri" panose="020F0502020204030204" pitchFamily="34" charset="0"/>
+                <a:ea typeface="Calibri" panose="020F0502020204030204" pitchFamily="34" charset="0"/>
+                <a:cs typeface="Arial" panose="020B0604020202020204" pitchFamily="34" charset="0"/>
+              </a:rPr>
+              <a:t>class </a:t>
+            </a:r>
+            <a:r>
+              <a:rPr lang="en-US" dirty="0">
+                <a:solidFill>
+                  <a:srgbClr val="000000"/>
+                </a:solidFill>
+                <a:latin typeface="Calibri" panose="020F0502020204030204" pitchFamily="34" charset="0"/>
+                <a:ea typeface="Calibri" panose="020F0502020204030204" pitchFamily="34" charset="0"/>
+                <a:cs typeface="Arial" panose="020B0604020202020204" pitchFamily="34" charset="0"/>
+              </a:rPr>
+              <a:t>Point {</a:t>
+            </a:r>
+            <a:br>
+              <a:rPr lang="en-US" dirty="0">
+                <a:solidFill>
+                  <a:srgbClr val="000000"/>
+                </a:solidFill>
+                <a:latin typeface="Calibri" panose="020F0502020204030204" pitchFamily="34" charset="0"/>
+                <a:ea typeface="Calibri" panose="020F0502020204030204" pitchFamily="34" charset="0"/>
+                <a:cs typeface="Arial" panose="020B0604020202020204" pitchFamily="34" charset="0"/>
+              </a:rPr>
+            </a:br>
+            <a:r>
+              <a:rPr lang="en-US" dirty="0">
+                <a:solidFill>
+                  <a:srgbClr val="000000"/>
+                </a:solidFill>
+                <a:latin typeface="Calibri" panose="020F0502020204030204" pitchFamily="34" charset="0"/>
+                <a:ea typeface="Calibri" panose="020F0502020204030204" pitchFamily="34" charset="0"/>
+                <a:cs typeface="Arial" panose="020B0604020202020204" pitchFamily="34" charset="0"/>
+              </a:rPr>
+              <a:t>    </a:t>
+            </a:r>
+            <a:r>
+              <a:rPr lang="en-US" b="1" dirty="0">
+                <a:solidFill>
+                  <a:srgbClr val="000080"/>
+                </a:solidFill>
+                <a:latin typeface="Calibri" panose="020F0502020204030204" pitchFamily="34" charset="0"/>
+                <a:ea typeface="Calibri" panose="020F0502020204030204" pitchFamily="34" charset="0"/>
+                <a:cs typeface="Arial" panose="020B0604020202020204" pitchFamily="34" charset="0"/>
+              </a:rPr>
+              <a:t>constructor</a:t>
+            </a:r>
+            <a:r>
+              <a:rPr lang="en-US" dirty="0">
+                <a:solidFill>
+                  <a:srgbClr val="000000"/>
+                </a:solidFill>
+                <a:latin typeface="Calibri" panose="020F0502020204030204" pitchFamily="34" charset="0"/>
+                <a:ea typeface="Calibri" panose="020F0502020204030204" pitchFamily="34" charset="0"/>
+                <a:cs typeface="Arial" panose="020B0604020202020204" pitchFamily="34" charset="0"/>
+              </a:rPr>
+              <a:t>(</a:t>
+            </a:r>
+            <a:r>
+              <a:rPr lang="en-US" b="1" dirty="0">
+                <a:solidFill>
+                  <a:srgbClr val="000080"/>
+                </a:solidFill>
+                <a:latin typeface="Calibri" panose="020F0502020204030204" pitchFamily="34" charset="0"/>
+                <a:ea typeface="Calibri" panose="020F0502020204030204" pitchFamily="34" charset="0"/>
+                <a:cs typeface="Arial" panose="020B0604020202020204" pitchFamily="34" charset="0"/>
+              </a:rPr>
+              <a:t>private </a:t>
+            </a:r>
+            <a:r>
+              <a:rPr lang="en-US" dirty="0">
+                <a:solidFill>
+                  <a:srgbClr val="000000"/>
+                </a:solidFill>
+                <a:latin typeface="Calibri" panose="020F0502020204030204" pitchFamily="34" charset="0"/>
+                <a:ea typeface="Calibri" panose="020F0502020204030204" pitchFamily="34" charset="0"/>
+                <a:cs typeface="Arial" panose="020B0604020202020204" pitchFamily="34" charset="0"/>
+              </a:rPr>
+              <a:t>x: </a:t>
+            </a:r>
+            <a:r>
+              <a:rPr lang="en-US" b="1" dirty="0">
+                <a:solidFill>
+                  <a:srgbClr val="000080"/>
+                </a:solidFill>
+                <a:latin typeface="Calibri" panose="020F0502020204030204" pitchFamily="34" charset="0"/>
+                <a:ea typeface="Calibri" panose="020F0502020204030204" pitchFamily="34" charset="0"/>
+                <a:cs typeface="Arial" panose="020B0604020202020204" pitchFamily="34" charset="0"/>
+              </a:rPr>
+              <a:t>number</a:t>
+            </a:r>
+            <a:r>
+              <a:rPr lang="en-US" dirty="0">
+                <a:solidFill>
+                  <a:srgbClr val="000000"/>
+                </a:solidFill>
+                <a:latin typeface="Calibri" panose="020F0502020204030204" pitchFamily="34" charset="0"/>
+                <a:ea typeface="Calibri" panose="020F0502020204030204" pitchFamily="34" charset="0"/>
+                <a:cs typeface="Arial" panose="020B0604020202020204" pitchFamily="34" charset="0"/>
+              </a:rPr>
+              <a:t>, </a:t>
+            </a:r>
+            <a:r>
+              <a:rPr lang="en-US" b="1" dirty="0">
+                <a:solidFill>
+                  <a:srgbClr val="000080"/>
+                </a:solidFill>
+                <a:latin typeface="Calibri" panose="020F0502020204030204" pitchFamily="34" charset="0"/>
+                <a:ea typeface="Calibri" panose="020F0502020204030204" pitchFamily="34" charset="0"/>
+                <a:cs typeface="Arial" panose="020B0604020202020204" pitchFamily="34" charset="0"/>
+              </a:rPr>
+              <a:t>private </a:t>
+            </a:r>
+            <a:r>
+              <a:rPr lang="en-US" dirty="0">
+                <a:solidFill>
+                  <a:srgbClr val="000000"/>
+                </a:solidFill>
+                <a:latin typeface="Calibri" panose="020F0502020204030204" pitchFamily="34" charset="0"/>
+                <a:ea typeface="Calibri" panose="020F0502020204030204" pitchFamily="34" charset="0"/>
+                <a:cs typeface="Arial" panose="020B0604020202020204" pitchFamily="34" charset="0"/>
+              </a:rPr>
+              <a:t>y: </a:t>
+            </a:r>
+            <a:r>
+              <a:rPr lang="en-US" b="1" dirty="0">
+                <a:solidFill>
+                  <a:srgbClr val="000080"/>
+                </a:solidFill>
+                <a:latin typeface="Calibri" panose="020F0502020204030204" pitchFamily="34" charset="0"/>
+                <a:ea typeface="Calibri" panose="020F0502020204030204" pitchFamily="34" charset="0"/>
+                <a:cs typeface="Arial" panose="020B0604020202020204" pitchFamily="34" charset="0"/>
+              </a:rPr>
+              <a:t>number</a:t>
+            </a:r>
+            <a:r>
+              <a:rPr lang="en-US" dirty="0">
+                <a:solidFill>
+                  <a:srgbClr val="000000"/>
+                </a:solidFill>
+                <a:latin typeface="Calibri" panose="020F0502020204030204" pitchFamily="34" charset="0"/>
+                <a:ea typeface="Calibri" panose="020F0502020204030204" pitchFamily="34" charset="0"/>
+                <a:cs typeface="Arial" panose="020B0604020202020204" pitchFamily="34" charset="0"/>
+              </a:rPr>
+              <a:t>) {</a:t>
+            </a:r>
+            <a:br>
+              <a:rPr lang="en-US" dirty="0">
+                <a:solidFill>
+                  <a:srgbClr val="000000"/>
+                </a:solidFill>
+                <a:latin typeface="Calibri" panose="020F0502020204030204" pitchFamily="34" charset="0"/>
+                <a:ea typeface="Calibri" panose="020F0502020204030204" pitchFamily="34" charset="0"/>
+                <a:cs typeface="Arial" panose="020B0604020202020204" pitchFamily="34" charset="0"/>
+              </a:rPr>
+            </a:br>
+            <a:r>
+              <a:rPr lang="en-US" dirty="0">
+                <a:solidFill>
+                  <a:srgbClr val="000000"/>
+                </a:solidFill>
+                <a:latin typeface="Calibri" panose="020F0502020204030204" pitchFamily="34" charset="0"/>
+                <a:ea typeface="Calibri" panose="020F0502020204030204" pitchFamily="34" charset="0"/>
+                <a:cs typeface="Arial" panose="020B0604020202020204" pitchFamily="34" charset="0"/>
+              </a:rPr>
+              <a:t>    }</a:t>
+            </a:r>
+            <a:br>
+              <a:rPr lang="en-US" dirty="0">
+                <a:solidFill>
+                  <a:srgbClr val="000000"/>
+                </a:solidFill>
+                <a:latin typeface="Calibri" panose="020F0502020204030204" pitchFamily="34" charset="0"/>
+                <a:ea typeface="Calibri" panose="020F0502020204030204" pitchFamily="34" charset="0"/>
+                <a:cs typeface="Arial" panose="020B0604020202020204" pitchFamily="34" charset="0"/>
+              </a:rPr>
+            </a:br>
+            <a:r>
+              <a:rPr lang="en-US" dirty="0">
+                <a:solidFill>
+                  <a:srgbClr val="000000"/>
+                </a:solidFill>
+                <a:latin typeface="Calibri" panose="020F0502020204030204" pitchFamily="34" charset="0"/>
+                <a:ea typeface="Calibri" panose="020F0502020204030204" pitchFamily="34" charset="0"/>
+                <a:cs typeface="Arial" panose="020B0604020202020204" pitchFamily="34" charset="0"/>
+              </a:rPr>
+              <a:t>}</a:t>
+            </a:r>
+            <a:br>
+              <a:rPr lang="en-US" dirty="0">
+                <a:solidFill>
+                  <a:srgbClr val="000000"/>
+                </a:solidFill>
+                <a:latin typeface="Calibri" panose="020F0502020204030204" pitchFamily="34" charset="0"/>
+                <a:ea typeface="Calibri" panose="020F0502020204030204" pitchFamily="34" charset="0"/>
+                <a:cs typeface="Arial" panose="020B0604020202020204" pitchFamily="34" charset="0"/>
+              </a:rPr>
+            </a:br>
+            <a:r>
+              <a:rPr lang="en-US" dirty="0">
+                <a:solidFill>
+                  <a:srgbClr val="000000"/>
+                </a:solidFill>
+                <a:latin typeface="Calibri" panose="020F0502020204030204" pitchFamily="34" charset="0"/>
+                <a:ea typeface="Calibri" panose="020F0502020204030204" pitchFamily="34" charset="0"/>
+                <a:cs typeface="Arial" panose="020B0604020202020204" pitchFamily="34" charset="0"/>
+              </a:rPr>
+              <a:t/>
+            </a:r>
+            <a:br>
+              <a:rPr lang="en-US" dirty="0">
+                <a:solidFill>
+                  <a:srgbClr val="000000"/>
+                </a:solidFill>
+                <a:latin typeface="Calibri" panose="020F0502020204030204" pitchFamily="34" charset="0"/>
+                <a:ea typeface="Calibri" panose="020F0502020204030204" pitchFamily="34" charset="0"/>
+                <a:cs typeface="Arial" panose="020B0604020202020204" pitchFamily="34" charset="0"/>
+              </a:rPr>
+            </a:br>
+            <a:r>
+              <a:rPr lang="en-US" b="1" dirty="0" err="1">
+                <a:solidFill>
+                  <a:srgbClr val="000080"/>
+                </a:solidFill>
+                <a:latin typeface="Calibri" panose="020F0502020204030204" pitchFamily="34" charset="0"/>
+                <a:ea typeface="Calibri" panose="020F0502020204030204" pitchFamily="34" charset="0"/>
+                <a:cs typeface="Arial" panose="020B0604020202020204" pitchFamily="34" charset="0"/>
+              </a:rPr>
+              <a:t>const</a:t>
+            </a:r>
+            <a:r>
+              <a:rPr lang="en-US" b="1" dirty="0">
+                <a:solidFill>
+                  <a:srgbClr val="000080"/>
+                </a:solidFill>
+                <a:latin typeface="Calibri" panose="020F0502020204030204" pitchFamily="34" charset="0"/>
+                <a:ea typeface="Calibri" panose="020F0502020204030204" pitchFamily="34" charset="0"/>
+                <a:cs typeface="Arial" panose="020B0604020202020204" pitchFamily="34" charset="0"/>
+              </a:rPr>
+              <a:t> </a:t>
+            </a:r>
+            <a:r>
+              <a:rPr lang="en-US" b="1" i="1" dirty="0">
+                <a:solidFill>
+                  <a:srgbClr val="660E7A"/>
+                </a:solidFill>
+                <a:latin typeface="Calibri" panose="020F0502020204030204" pitchFamily="34" charset="0"/>
+                <a:ea typeface="Calibri" panose="020F0502020204030204" pitchFamily="34" charset="0"/>
+                <a:cs typeface="Arial" panose="020B0604020202020204" pitchFamily="34" charset="0"/>
+              </a:rPr>
+              <a:t>map</a:t>
+            </a:r>
+            <a:r>
+              <a:rPr lang="en-US" dirty="0">
+                <a:solidFill>
+                  <a:srgbClr val="000000"/>
+                </a:solidFill>
+                <a:latin typeface="Calibri" panose="020F0502020204030204" pitchFamily="34" charset="0"/>
+                <a:ea typeface="Calibri" panose="020F0502020204030204" pitchFamily="34" charset="0"/>
+                <a:cs typeface="Arial" panose="020B0604020202020204" pitchFamily="34" charset="0"/>
+              </a:rPr>
+              <a:t>: {[</a:t>
+            </a:r>
+            <a:r>
+              <a:rPr lang="en-US" b="1" dirty="0">
+                <a:solidFill>
+                  <a:srgbClr val="660E7A"/>
+                </a:solidFill>
+                <a:latin typeface="Calibri" panose="020F0502020204030204" pitchFamily="34" charset="0"/>
+                <a:ea typeface="Calibri" panose="020F0502020204030204" pitchFamily="34" charset="0"/>
+                <a:cs typeface="Arial" panose="020B0604020202020204" pitchFamily="34" charset="0"/>
+              </a:rPr>
+              <a:t>key</a:t>
+            </a:r>
+            <a:r>
+              <a:rPr lang="en-US" dirty="0">
+                <a:solidFill>
+                  <a:srgbClr val="000000"/>
+                </a:solidFill>
+                <a:latin typeface="Calibri" panose="020F0502020204030204" pitchFamily="34" charset="0"/>
+                <a:ea typeface="Calibri" panose="020F0502020204030204" pitchFamily="34" charset="0"/>
+                <a:cs typeface="Arial" panose="020B0604020202020204" pitchFamily="34" charset="0"/>
+              </a:rPr>
+              <a:t>: </a:t>
+            </a:r>
+            <a:r>
+              <a:rPr lang="en-US" b="1" dirty="0">
+                <a:solidFill>
+                  <a:srgbClr val="000080"/>
+                </a:solidFill>
+                <a:latin typeface="Calibri" panose="020F0502020204030204" pitchFamily="34" charset="0"/>
+                <a:ea typeface="Calibri" panose="020F0502020204030204" pitchFamily="34" charset="0"/>
+                <a:cs typeface="Arial" panose="020B0604020202020204" pitchFamily="34" charset="0"/>
+              </a:rPr>
+              <a:t>string</a:t>
+            </a:r>
+            <a:r>
+              <a:rPr lang="en-US" dirty="0">
+                <a:solidFill>
+                  <a:srgbClr val="000000"/>
+                </a:solidFill>
+                <a:latin typeface="Calibri" panose="020F0502020204030204" pitchFamily="34" charset="0"/>
+                <a:ea typeface="Calibri" panose="020F0502020204030204" pitchFamily="34" charset="0"/>
+                <a:cs typeface="Arial" panose="020B0604020202020204" pitchFamily="34" charset="0"/>
+              </a:rPr>
+              <a:t>]: Point} = {};</a:t>
+            </a:r>
+            <a:br>
+              <a:rPr lang="en-US" dirty="0">
+                <a:solidFill>
+                  <a:srgbClr val="000000"/>
+                </a:solidFill>
+                <a:latin typeface="Calibri" panose="020F0502020204030204" pitchFamily="34" charset="0"/>
+                <a:ea typeface="Calibri" panose="020F0502020204030204" pitchFamily="34" charset="0"/>
+                <a:cs typeface="Arial" panose="020B0604020202020204" pitchFamily="34" charset="0"/>
+              </a:rPr>
+            </a:br>
+            <a:r>
+              <a:rPr lang="en-US" dirty="0">
+                <a:solidFill>
+                  <a:srgbClr val="000000"/>
+                </a:solidFill>
+                <a:latin typeface="Calibri" panose="020F0502020204030204" pitchFamily="34" charset="0"/>
+                <a:ea typeface="Calibri" panose="020F0502020204030204" pitchFamily="34" charset="0"/>
+                <a:cs typeface="Arial" panose="020B0604020202020204" pitchFamily="34" charset="0"/>
+              </a:rPr>
+              <a:t/>
+            </a:r>
+            <a:br>
+              <a:rPr lang="en-US" dirty="0">
+                <a:solidFill>
+                  <a:srgbClr val="000000"/>
+                </a:solidFill>
+                <a:latin typeface="Calibri" panose="020F0502020204030204" pitchFamily="34" charset="0"/>
+                <a:ea typeface="Calibri" panose="020F0502020204030204" pitchFamily="34" charset="0"/>
+                <a:cs typeface="Arial" panose="020B0604020202020204" pitchFamily="34" charset="0"/>
+              </a:rPr>
+            </a:br>
+            <a:r>
+              <a:rPr lang="en-US" b="1" i="1" dirty="0">
+                <a:solidFill>
+                  <a:srgbClr val="660E7A"/>
+                </a:solidFill>
+                <a:latin typeface="Calibri" panose="020F0502020204030204" pitchFamily="34" charset="0"/>
+                <a:ea typeface="Calibri" panose="020F0502020204030204" pitchFamily="34" charset="0"/>
+                <a:cs typeface="Arial" panose="020B0604020202020204" pitchFamily="34" charset="0"/>
+              </a:rPr>
+              <a:t>map</a:t>
+            </a:r>
+            <a:r>
+              <a:rPr lang="en-US" dirty="0">
+                <a:solidFill>
+                  <a:srgbClr val="000000"/>
+                </a:solidFill>
+                <a:latin typeface="Calibri" panose="020F0502020204030204" pitchFamily="34" charset="0"/>
+                <a:ea typeface="Calibri" panose="020F0502020204030204" pitchFamily="34" charset="0"/>
+                <a:cs typeface="Arial" panose="020B0604020202020204" pitchFamily="34" charset="0"/>
+              </a:rPr>
+              <a:t>[</a:t>
+            </a:r>
+            <a:r>
+              <a:rPr lang="en-US" b="1" dirty="0">
+                <a:solidFill>
+                  <a:srgbClr val="008000"/>
+                </a:solidFill>
+                <a:latin typeface="Calibri" panose="020F0502020204030204" pitchFamily="34" charset="0"/>
+                <a:ea typeface="Calibri" panose="020F0502020204030204" pitchFamily="34" charset="0"/>
+                <a:cs typeface="Arial" panose="020B0604020202020204" pitchFamily="34" charset="0"/>
+              </a:rPr>
+              <a:t>"</a:t>
+            </a:r>
+            <a:r>
+              <a:rPr lang="en-US" b="1" dirty="0" err="1">
+                <a:solidFill>
+                  <a:srgbClr val="008000"/>
+                </a:solidFill>
+                <a:latin typeface="Calibri" panose="020F0502020204030204" pitchFamily="34" charset="0"/>
+                <a:ea typeface="Calibri" panose="020F0502020204030204" pitchFamily="34" charset="0"/>
+                <a:cs typeface="Arial" panose="020B0604020202020204" pitchFamily="34" charset="0"/>
+              </a:rPr>
+              <a:t>abc</a:t>
+            </a:r>
+            <a:r>
+              <a:rPr lang="en-US" b="1" dirty="0">
+                <a:solidFill>
+                  <a:srgbClr val="008000"/>
+                </a:solidFill>
+                <a:latin typeface="Calibri" panose="020F0502020204030204" pitchFamily="34" charset="0"/>
+                <a:ea typeface="Calibri" panose="020F0502020204030204" pitchFamily="34" charset="0"/>
+                <a:cs typeface="Arial" panose="020B0604020202020204" pitchFamily="34" charset="0"/>
+              </a:rPr>
+              <a:t>"</a:t>
+            </a:r>
+            <a:r>
+              <a:rPr lang="en-US" dirty="0">
+                <a:solidFill>
+                  <a:srgbClr val="000000"/>
+                </a:solidFill>
+                <a:latin typeface="Calibri" panose="020F0502020204030204" pitchFamily="34" charset="0"/>
+                <a:ea typeface="Calibri" panose="020F0502020204030204" pitchFamily="34" charset="0"/>
+                <a:cs typeface="Arial" panose="020B0604020202020204" pitchFamily="34" charset="0"/>
+              </a:rPr>
+              <a:t>] = </a:t>
+            </a:r>
+            <a:r>
+              <a:rPr lang="en-US" b="1" dirty="0">
+                <a:solidFill>
+                  <a:srgbClr val="000080"/>
+                </a:solidFill>
+                <a:latin typeface="Calibri" panose="020F0502020204030204" pitchFamily="34" charset="0"/>
+                <a:ea typeface="Calibri" panose="020F0502020204030204" pitchFamily="34" charset="0"/>
+                <a:cs typeface="Arial" panose="020B0604020202020204" pitchFamily="34" charset="0"/>
+              </a:rPr>
+              <a:t>new </a:t>
+            </a:r>
+            <a:r>
+              <a:rPr lang="en-US" dirty="0">
+                <a:solidFill>
+                  <a:srgbClr val="000000"/>
+                </a:solidFill>
+                <a:latin typeface="Calibri" panose="020F0502020204030204" pitchFamily="34" charset="0"/>
+                <a:ea typeface="Calibri" panose="020F0502020204030204" pitchFamily="34" charset="0"/>
+                <a:cs typeface="Arial" panose="020B0604020202020204" pitchFamily="34" charset="0"/>
+              </a:rPr>
+              <a:t>Point(</a:t>
+            </a:r>
+            <a:r>
+              <a:rPr lang="en-US" dirty="0">
+                <a:solidFill>
+                  <a:srgbClr val="0000FF"/>
+                </a:solidFill>
+                <a:latin typeface="Calibri" panose="020F0502020204030204" pitchFamily="34" charset="0"/>
+                <a:ea typeface="Calibri" panose="020F0502020204030204" pitchFamily="34" charset="0"/>
+                <a:cs typeface="Arial" panose="020B0604020202020204" pitchFamily="34" charset="0"/>
+              </a:rPr>
+              <a:t>5</a:t>
+            </a:r>
+            <a:r>
+              <a:rPr lang="en-US" dirty="0">
+                <a:solidFill>
+                  <a:srgbClr val="000000"/>
+                </a:solidFill>
+                <a:latin typeface="Calibri" panose="020F0502020204030204" pitchFamily="34" charset="0"/>
+                <a:ea typeface="Calibri" panose="020F0502020204030204" pitchFamily="34" charset="0"/>
+                <a:cs typeface="Arial" panose="020B0604020202020204" pitchFamily="34" charset="0"/>
+              </a:rPr>
+              <a:t>, </a:t>
+            </a:r>
+            <a:r>
+              <a:rPr lang="en-US" dirty="0">
+                <a:solidFill>
+                  <a:srgbClr val="0000FF"/>
+                </a:solidFill>
+                <a:latin typeface="Calibri" panose="020F0502020204030204" pitchFamily="34" charset="0"/>
+                <a:ea typeface="Calibri" panose="020F0502020204030204" pitchFamily="34" charset="0"/>
+                <a:cs typeface="Arial" panose="020B0604020202020204" pitchFamily="34" charset="0"/>
+              </a:rPr>
+              <a:t>10</a:t>
+            </a:r>
+            <a:r>
+              <a:rPr lang="en-US" dirty="0">
+                <a:solidFill>
+                  <a:srgbClr val="000000"/>
+                </a:solidFill>
+                <a:latin typeface="Calibri" panose="020F0502020204030204" pitchFamily="34" charset="0"/>
+                <a:ea typeface="Calibri" panose="020F0502020204030204" pitchFamily="34" charset="0"/>
+                <a:cs typeface="Arial" panose="020B0604020202020204" pitchFamily="34" charset="0"/>
+              </a:rPr>
+              <a:t>);</a:t>
+            </a:r>
+            <a:endParaRPr lang="en-US" dirty="0"/>
+          </a:p>
+        </p:txBody>
+      </p:sp>
+    </p:spTree>
+    <p:extLst>
+      <p:ext uri="{BB962C8B-B14F-4D97-AF65-F5344CB8AC3E}">
+        <p14:creationId xmlns:p14="http://schemas.microsoft.com/office/powerpoint/2010/main" val="4232779150"/>
+      </p:ext>
+    </p:extLst>
+  </p:cSld>
+  <p:clrMapOvr>
+    <a:masterClrMapping/>
+  </p:clrMapOvr>
+</p:sld>
+</file>
+
+<file path=ppt/slides/slide33.xml><?xml version="1.0" encoding="utf-8"?>
+<p:sld xmlns:a="http://schemas.openxmlformats.org/drawingml/2006/main" xmlns:r="http://schemas.openxmlformats.org/officeDocument/2006/relationships" xmlns:p="http://schemas.openxmlformats.org/presentationml/2006/main">
+  <p:cSld>
+    <p:spTree>
+      <p:nvGrpSpPr>
+        <p:cNvPr id="1" name=""/>
+        <p:cNvGrpSpPr/>
+        <p:nvPr/>
+      </p:nvGrpSpPr>
+      <p:grpSpPr>
+        <a:xfrm>
+          <a:off x="0" y="0"/>
+          <a:ext cx="0" cy="0"/>
+          <a:chOff x="0" y="0"/>
+          <a:chExt cx="0" cy="0"/>
+        </a:xfrm>
+      </p:grpSpPr>
+      <p:sp>
+        <p:nvSpPr>
+          <p:cNvPr id="2" name="Title 1"/>
+          <p:cNvSpPr>
+            <a:spLocks noGrp="1"/>
+          </p:cNvSpPr>
+          <p:nvPr>
+            <p:ph type="title"/>
+          </p:nvPr>
+        </p:nvSpPr>
+        <p:spPr/>
+        <p:txBody>
+          <a:bodyPr/>
+          <a:lstStyle/>
+          <a:p>
+            <a:r>
+              <a:rPr lang="en-US" dirty="0" err="1" smtClean="0"/>
+              <a:t>keyof</a:t>
+            </a:r>
+            <a:endParaRPr lang="en-US" dirty="0"/>
+          </a:p>
+        </p:txBody>
+      </p:sp>
+      <p:sp>
+        <p:nvSpPr>
+          <p:cNvPr id="3" name="Footer Placeholder 2"/>
+          <p:cNvSpPr>
+            <a:spLocks noGrp="1"/>
+          </p:cNvSpPr>
+          <p:nvPr>
+            <p:ph type="ftr" sz="quarter" idx="11"/>
+          </p:nvPr>
+        </p:nvSpPr>
+        <p:spPr/>
+        <p:txBody>
+          <a:bodyPr/>
+          <a:lstStyle/>
+          <a:p>
+            <a:r>
+              <a:rPr lang="en-US" smtClean="0"/>
+              <a:t>© 2017 Ori Calvo</a:t>
+            </a:r>
+            <a:endParaRPr lang="en-US" dirty="0"/>
+          </a:p>
+        </p:txBody>
+      </p:sp>
+      <p:sp>
+        <p:nvSpPr>
+          <p:cNvPr id="4" name="Slide Number Placeholder 3"/>
+          <p:cNvSpPr>
+            <a:spLocks noGrp="1"/>
+          </p:cNvSpPr>
+          <p:nvPr>
+            <p:ph type="sldNum" sz="quarter" idx="12"/>
+          </p:nvPr>
+        </p:nvSpPr>
+        <p:spPr/>
+        <p:txBody>
+          <a:bodyPr>
+            <a:normAutofit fontScale="85000" lnSpcReduction="20000"/>
+          </a:bodyPr>
+          <a:lstStyle/>
+          <a:p>
+            <a:fld id="{6EDEC3BC-0694-4586-AE63-02B4D54ABF43}" type="slidenum">
+              <a:rPr lang="en-US" smtClean="0"/>
+              <a:pPr/>
+              <a:t>33</a:t>
+            </a:fld>
+            <a:endParaRPr lang="en-US"/>
+          </a:p>
+        </p:txBody>
+      </p:sp>
+      <p:sp>
+        <p:nvSpPr>
+          <p:cNvPr id="6" name="Rectangle 5"/>
+          <p:cNvSpPr/>
+          <p:nvPr/>
+        </p:nvSpPr>
+        <p:spPr>
+          <a:xfrm>
+            <a:off x="1876830" y="2204864"/>
+            <a:ext cx="5625036" cy="3416320"/>
+          </a:xfrm>
+          <a:prstGeom prst="rect">
+            <a:avLst/>
+          </a:prstGeom>
+          <a:solidFill>
+            <a:schemeClr val="accent1">
+              <a:lumMod val="40000"/>
+              <a:lumOff val="60000"/>
+            </a:schemeClr>
+          </a:solidFill>
+        </p:spPr>
+        <p:txBody>
+          <a:bodyPr wrap="square">
+            <a:spAutoFit/>
+          </a:bodyPr>
+          <a:lstStyle/>
+          <a:p>
+            <a:r>
+              <a:rPr lang="en-US" b="1" dirty="0">
+                <a:solidFill>
+                  <a:srgbClr val="000080"/>
+                </a:solidFill>
+                <a:latin typeface="Calibri" panose="020F0502020204030204" pitchFamily="34" charset="0"/>
+                <a:ea typeface="Calibri" panose="020F0502020204030204" pitchFamily="34" charset="0"/>
+                <a:cs typeface="Arial" panose="020B0604020202020204" pitchFamily="34" charset="0"/>
+              </a:rPr>
+              <a:t>interface </a:t>
+            </a:r>
+            <a:r>
+              <a:rPr lang="en-US" dirty="0">
+                <a:solidFill>
+                  <a:srgbClr val="000000"/>
+                </a:solidFill>
+                <a:latin typeface="Calibri" panose="020F0502020204030204" pitchFamily="34" charset="0"/>
+                <a:ea typeface="Calibri" panose="020F0502020204030204" pitchFamily="34" charset="0"/>
+                <a:cs typeface="Arial" panose="020B0604020202020204" pitchFamily="34" charset="0"/>
+              </a:rPr>
+              <a:t>Person {</a:t>
+            </a:r>
+            <a:br>
+              <a:rPr lang="en-US" dirty="0">
+                <a:solidFill>
+                  <a:srgbClr val="000000"/>
+                </a:solidFill>
+                <a:latin typeface="Calibri" panose="020F0502020204030204" pitchFamily="34" charset="0"/>
+                <a:ea typeface="Calibri" panose="020F0502020204030204" pitchFamily="34" charset="0"/>
+                <a:cs typeface="Arial" panose="020B0604020202020204" pitchFamily="34" charset="0"/>
+              </a:rPr>
+            </a:br>
+            <a:r>
+              <a:rPr lang="en-US" dirty="0">
+                <a:solidFill>
+                  <a:srgbClr val="000000"/>
+                </a:solidFill>
+                <a:latin typeface="Calibri" panose="020F0502020204030204" pitchFamily="34" charset="0"/>
+                <a:ea typeface="Calibri" panose="020F0502020204030204" pitchFamily="34" charset="0"/>
+                <a:cs typeface="Arial" panose="020B0604020202020204" pitchFamily="34" charset="0"/>
+              </a:rPr>
+              <a:t>    </a:t>
+            </a:r>
+            <a:r>
+              <a:rPr lang="en-US" b="1" dirty="0">
+                <a:solidFill>
+                  <a:srgbClr val="660E7A"/>
+                </a:solidFill>
+                <a:latin typeface="Calibri" panose="020F0502020204030204" pitchFamily="34" charset="0"/>
+                <a:ea typeface="Calibri" panose="020F0502020204030204" pitchFamily="34" charset="0"/>
+                <a:cs typeface="Arial" panose="020B0604020202020204" pitchFamily="34" charset="0"/>
+              </a:rPr>
+              <a:t>id</a:t>
+            </a:r>
+            <a:r>
+              <a:rPr lang="en-US" dirty="0">
+                <a:solidFill>
+                  <a:srgbClr val="000000"/>
+                </a:solidFill>
+                <a:latin typeface="Calibri" panose="020F0502020204030204" pitchFamily="34" charset="0"/>
+                <a:ea typeface="Calibri" panose="020F0502020204030204" pitchFamily="34" charset="0"/>
+                <a:cs typeface="Arial" panose="020B0604020202020204" pitchFamily="34" charset="0"/>
+              </a:rPr>
+              <a:t>: </a:t>
+            </a:r>
+            <a:r>
+              <a:rPr lang="en-US" b="1" dirty="0">
+                <a:solidFill>
+                  <a:srgbClr val="000080"/>
+                </a:solidFill>
+                <a:latin typeface="Calibri" panose="020F0502020204030204" pitchFamily="34" charset="0"/>
+                <a:ea typeface="Calibri" panose="020F0502020204030204" pitchFamily="34" charset="0"/>
+                <a:cs typeface="Arial" panose="020B0604020202020204" pitchFamily="34" charset="0"/>
+              </a:rPr>
+              <a:t>number</a:t>
+            </a:r>
+            <a:r>
+              <a:rPr lang="en-US" dirty="0">
+                <a:solidFill>
+                  <a:srgbClr val="000000"/>
+                </a:solidFill>
+                <a:latin typeface="Calibri" panose="020F0502020204030204" pitchFamily="34" charset="0"/>
+                <a:ea typeface="Calibri" panose="020F0502020204030204" pitchFamily="34" charset="0"/>
+                <a:cs typeface="Arial" panose="020B0604020202020204" pitchFamily="34" charset="0"/>
+              </a:rPr>
+              <a:t>;</a:t>
+            </a:r>
+            <a:br>
+              <a:rPr lang="en-US" dirty="0">
+                <a:solidFill>
+                  <a:srgbClr val="000000"/>
+                </a:solidFill>
+                <a:latin typeface="Calibri" panose="020F0502020204030204" pitchFamily="34" charset="0"/>
+                <a:ea typeface="Calibri" panose="020F0502020204030204" pitchFamily="34" charset="0"/>
+                <a:cs typeface="Arial" panose="020B0604020202020204" pitchFamily="34" charset="0"/>
+              </a:rPr>
+            </a:br>
+            <a:r>
+              <a:rPr lang="en-US" dirty="0">
+                <a:solidFill>
+                  <a:srgbClr val="000000"/>
+                </a:solidFill>
+                <a:latin typeface="Calibri" panose="020F0502020204030204" pitchFamily="34" charset="0"/>
+                <a:ea typeface="Calibri" panose="020F0502020204030204" pitchFamily="34" charset="0"/>
+                <a:cs typeface="Arial" panose="020B0604020202020204" pitchFamily="34" charset="0"/>
+              </a:rPr>
+              <a:t>}</a:t>
+            </a:r>
+            <a:br>
+              <a:rPr lang="en-US" dirty="0">
+                <a:solidFill>
+                  <a:srgbClr val="000000"/>
+                </a:solidFill>
+                <a:latin typeface="Calibri" panose="020F0502020204030204" pitchFamily="34" charset="0"/>
+                <a:ea typeface="Calibri" panose="020F0502020204030204" pitchFamily="34" charset="0"/>
+                <a:cs typeface="Arial" panose="020B0604020202020204" pitchFamily="34" charset="0"/>
+              </a:rPr>
+            </a:br>
+            <a:r>
+              <a:rPr lang="en-US" dirty="0">
+                <a:solidFill>
+                  <a:srgbClr val="000000"/>
+                </a:solidFill>
+                <a:latin typeface="Calibri" panose="020F0502020204030204" pitchFamily="34" charset="0"/>
+                <a:ea typeface="Calibri" panose="020F0502020204030204" pitchFamily="34" charset="0"/>
+                <a:cs typeface="Arial" panose="020B0604020202020204" pitchFamily="34" charset="0"/>
+              </a:rPr>
+              <a:t/>
+            </a:r>
+            <a:br>
+              <a:rPr lang="en-US" dirty="0">
+                <a:solidFill>
+                  <a:srgbClr val="000000"/>
+                </a:solidFill>
+                <a:latin typeface="Calibri" panose="020F0502020204030204" pitchFamily="34" charset="0"/>
+                <a:ea typeface="Calibri" panose="020F0502020204030204" pitchFamily="34" charset="0"/>
+                <a:cs typeface="Arial" panose="020B0604020202020204" pitchFamily="34" charset="0"/>
+              </a:rPr>
+            </a:br>
+            <a:r>
+              <a:rPr lang="en-US" b="1" dirty="0">
+                <a:solidFill>
+                  <a:srgbClr val="000080"/>
+                </a:solidFill>
+                <a:latin typeface="Calibri" panose="020F0502020204030204" pitchFamily="34" charset="0"/>
+                <a:ea typeface="Calibri" panose="020F0502020204030204" pitchFamily="34" charset="0"/>
+                <a:cs typeface="Arial" panose="020B0604020202020204" pitchFamily="34" charset="0"/>
+              </a:rPr>
+              <a:t>type </a:t>
+            </a:r>
+            <a:r>
+              <a:rPr lang="en-US" dirty="0">
+                <a:solidFill>
+                  <a:srgbClr val="000000"/>
+                </a:solidFill>
+                <a:latin typeface="Calibri" panose="020F0502020204030204" pitchFamily="34" charset="0"/>
+                <a:ea typeface="Calibri" panose="020F0502020204030204" pitchFamily="34" charset="0"/>
+                <a:cs typeface="Arial" panose="020B0604020202020204" pitchFamily="34" charset="0"/>
+              </a:rPr>
+              <a:t>K1 = </a:t>
+            </a:r>
+            <a:r>
+              <a:rPr lang="en-US" b="1" dirty="0" err="1">
+                <a:solidFill>
+                  <a:srgbClr val="000080"/>
+                </a:solidFill>
+                <a:latin typeface="Calibri" panose="020F0502020204030204" pitchFamily="34" charset="0"/>
+                <a:ea typeface="Calibri" panose="020F0502020204030204" pitchFamily="34" charset="0"/>
+                <a:cs typeface="Arial" panose="020B0604020202020204" pitchFamily="34" charset="0"/>
+              </a:rPr>
+              <a:t>keyof</a:t>
+            </a:r>
+            <a:r>
+              <a:rPr lang="en-US" b="1" dirty="0">
+                <a:solidFill>
+                  <a:srgbClr val="000080"/>
+                </a:solidFill>
+                <a:latin typeface="Calibri" panose="020F0502020204030204" pitchFamily="34" charset="0"/>
+                <a:ea typeface="Calibri" panose="020F0502020204030204" pitchFamily="34" charset="0"/>
+                <a:cs typeface="Arial" panose="020B0604020202020204" pitchFamily="34" charset="0"/>
+              </a:rPr>
+              <a:t> </a:t>
+            </a:r>
+            <a:r>
+              <a:rPr lang="en-US" dirty="0">
+                <a:solidFill>
+                  <a:srgbClr val="000000"/>
+                </a:solidFill>
+                <a:latin typeface="Calibri" panose="020F0502020204030204" pitchFamily="34" charset="0"/>
+                <a:ea typeface="Calibri" panose="020F0502020204030204" pitchFamily="34" charset="0"/>
+                <a:cs typeface="Arial" panose="020B0604020202020204" pitchFamily="34" charset="0"/>
+              </a:rPr>
+              <a:t>Person; </a:t>
+            </a:r>
+            <a:r>
+              <a:rPr lang="en-US" i="1" dirty="0">
+                <a:solidFill>
+                  <a:srgbClr val="808080"/>
+                </a:solidFill>
+                <a:latin typeface="Calibri" panose="020F0502020204030204" pitchFamily="34" charset="0"/>
+                <a:ea typeface="Calibri" panose="020F0502020204030204" pitchFamily="34" charset="0"/>
+                <a:cs typeface="Arial" panose="020B0604020202020204" pitchFamily="34" charset="0"/>
+              </a:rPr>
+              <a:t>// id </a:t>
+            </a:r>
+            <a:br>
+              <a:rPr lang="en-US" i="1" dirty="0">
+                <a:solidFill>
+                  <a:srgbClr val="808080"/>
+                </a:solidFill>
+                <a:latin typeface="Calibri" panose="020F0502020204030204" pitchFamily="34" charset="0"/>
+                <a:ea typeface="Calibri" panose="020F0502020204030204" pitchFamily="34" charset="0"/>
+                <a:cs typeface="Arial" panose="020B0604020202020204" pitchFamily="34" charset="0"/>
+              </a:rPr>
+            </a:br>
+            <a:r>
+              <a:rPr lang="en-US" i="1" dirty="0">
+                <a:solidFill>
+                  <a:srgbClr val="808080"/>
+                </a:solidFill>
+                <a:latin typeface="Calibri" panose="020F0502020204030204" pitchFamily="34" charset="0"/>
+                <a:ea typeface="Calibri" panose="020F0502020204030204" pitchFamily="34" charset="0"/>
+                <a:cs typeface="Arial" panose="020B0604020202020204" pitchFamily="34" charset="0"/>
+              </a:rPr>
+              <a:t/>
+            </a:r>
+            <a:br>
+              <a:rPr lang="en-US" i="1" dirty="0">
+                <a:solidFill>
+                  <a:srgbClr val="808080"/>
+                </a:solidFill>
+                <a:latin typeface="Calibri" panose="020F0502020204030204" pitchFamily="34" charset="0"/>
+                <a:ea typeface="Calibri" panose="020F0502020204030204" pitchFamily="34" charset="0"/>
+                <a:cs typeface="Arial" panose="020B0604020202020204" pitchFamily="34" charset="0"/>
+              </a:rPr>
+            </a:br>
+            <a:r>
+              <a:rPr lang="en-US" b="1" dirty="0">
+                <a:solidFill>
+                  <a:srgbClr val="000080"/>
+                </a:solidFill>
+                <a:latin typeface="Calibri" panose="020F0502020204030204" pitchFamily="34" charset="0"/>
+                <a:ea typeface="Calibri" panose="020F0502020204030204" pitchFamily="34" charset="0"/>
+                <a:cs typeface="Arial" panose="020B0604020202020204" pitchFamily="34" charset="0"/>
+              </a:rPr>
+              <a:t>function </a:t>
+            </a:r>
+            <a:r>
+              <a:rPr lang="en-US" i="1" dirty="0">
+                <a:solidFill>
+                  <a:srgbClr val="000000"/>
+                </a:solidFill>
+                <a:latin typeface="Calibri" panose="020F0502020204030204" pitchFamily="34" charset="0"/>
+                <a:ea typeface="Calibri" panose="020F0502020204030204" pitchFamily="34" charset="0"/>
+                <a:cs typeface="Arial" panose="020B0604020202020204" pitchFamily="34" charset="0"/>
+              </a:rPr>
+              <a:t>get</a:t>
+            </a:r>
+            <a:r>
+              <a:rPr lang="en-US" dirty="0">
+                <a:solidFill>
+                  <a:srgbClr val="000000"/>
+                </a:solidFill>
+                <a:latin typeface="Calibri" panose="020F0502020204030204" pitchFamily="34" charset="0"/>
+                <a:ea typeface="Calibri" panose="020F0502020204030204" pitchFamily="34" charset="0"/>
+                <a:cs typeface="Arial" panose="020B0604020202020204" pitchFamily="34" charset="0"/>
+              </a:rPr>
+              <a:t>&lt;T, K </a:t>
+            </a:r>
+            <a:r>
+              <a:rPr lang="en-US" b="1" dirty="0">
+                <a:solidFill>
+                  <a:srgbClr val="000080"/>
+                </a:solidFill>
+                <a:latin typeface="Calibri" panose="020F0502020204030204" pitchFamily="34" charset="0"/>
+                <a:ea typeface="Calibri" panose="020F0502020204030204" pitchFamily="34" charset="0"/>
+                <a:cs typeface="Arial" panose="020B0604020202020204" pitchFamily="34" charset="0"/>
+              </a:rPr>
+              <a:t>extends </a:t>
+            </a:r>
+            <a:r>
+              <a:rPr lang="en-US" b="1" dirty="0" err="1">
+                <a:solidFill>
+                  <a:srgbClr val="000080"/>
+                </a:solidFill>
+                <a:latin typeface="Calibri" panose="020F0502020204030204" pitchFamily="34" charset="0"/>
+                <a:ea typeface="Calibri" panose="020F0502020204030204" pitchFamily="34" charset="0"/>
+                <a:cs typeface="Arial" panose="020B0604020202020204" pitchFamily="34" charset="0"/>
+              </a:rPr>
+              <a:t>keyof</a:t>
+            </a:r>
+            <a:r>
+              <a:rPr lang="en-US" b="1" dirty="0">
+                <a:solidFill>
+                  <a:srgbClr val="000080"/>
+                </a:solidFill>
+                <a:latin typeface="Calibri" panose="020F0502020204030204" pitchFamily="34" charset="0"/>
+                <a:ea typeface="Calibri" panose="020F0502020204030204" pitchFamily="34" charset="0"/>
+                <a:cs typeface="Arial" panose="020B0604020202020204" pitchFamily="34" charset="0"/>
+              </a:rPr>
+              <a:t> </a:t>
+            </a:r>
+            <a:r>
+              <a:rPr lang="en-US" dirty="0">
+                <a:solidFill>
+                  <a:srgbClr val="000000"/>
+                </a:solidFill>
+                <a:latin typeface="Calibri" panose="020F0502020204030204" pitchFamily="34" charset="0"/>
+                <a:ea typeface="Calibri" panose="020F0502020204030204" pitchFamily="34" charset="0"/>
+                <a:cs typeface="Arial" panose="020B0604020202020204" pitchFamily="34" charset="0"/>
+              </a:rPr>
+              <a:t>T&gt;(</a:t>
+            </a:r>
+            <a:r>
+              <a:rPr lang="en-US" dirty="0" err="1">
+                <a:solidFill>
+                  <a:srgbClr val="000000"/>
+                </a:solidFill>
+                <a:latin typeface="Calibri" panose="020F0502020204030204" pitchFamily="34" charset="0"/>
+                <a:ea typeface="Calibri" panose="020F0502020204030204" pitchFamily="34" charset="0"/>
+                <a:cs typeface="Arial" panose="020B0604020202020204" pitchFamily="34" charset="0"/>
+              </a:rPr>
+              <a:t>obj</a:t>
+            </a:r>
+            <a:r>
+              <a:rPr lang="en-US" dirty="0">
+                <a:solidFill>
+                  <a:srgbClr val="000000"/>
+                </a:solidFill>
+                <a:latin typeface="Calibri" panose="020F0502020204030204" pitchFamily="34" charset="0"/>
+                <a:ea typeface="Calibri" panose="020F0502020204030204" pitchFamily="34" charset="0"/>
+                <a:cs typeface="Arial" panose="020B0604020202020204" pitchFamily="34" charset="0"/>
+              </a:rPr>
+              <a:t>: T, name: K): T[K] {</a:t>
+            </a:r>
+            <a:br>
+              <a:rPr lang="en-US" dirty="0">
+                <a:solidFill>
+                  <a:srgbClr val="000000"/>
+                </a:solidFill>
+                <a:latin typeface="Calibri" panose="020F0502020204030204" pitchFamily="34" charset="0"/>
+                <a:ea typeface="Calibri" panose="020F0502020204030204" pitchFamily="34" charset="0"/>
+                <a:cs typeface="Arial" panose="020B0604020202020204" pitchFamily="34" charset="0"/>
+              </a:rPr>
+            </a:br>
+            <a:r>
+              <a:rPr lang="en-US" dirty="0">
+                <a:solidFill>
+                  <a:srgbClr val="000000"/>
+                </a:solidFill>
+                <a:latin typeface="Calibri" panose="020F0502020204030204" pitchFamily="34" charset="0"/>
+                <a:ea typeface="Calibri" panose="020F0502020204030204" pitchFamily="34" charset="0"/>
+                <a:cs typeface="Arial" panose="020B0604020202020204" pitchFamily="34" charset="0"/>
+              </a:rPr>
+              <a:t>    </a:t>
+            </a:r>
+            <a:r>
+              <a:rPr lang="en-US" b="1" dirty="0">
+                <a:solidFill>
+                  <a:srgbClr val="000080"/>
+                </a:solidFill>
+                <a:latin typeface="Calibri" panose="020F0502020204030204" pitchFamily="34" charset="0"/>
+                <a:ea typeface="Calibri" panose="020F0502020204030204" pitchFamily="34" charset="0"/>
+                <a:cs typeface="Arial" panose="020B0604020202020204" pitchFamily="34" charset="0"/>
+              </a:rPr>
+              <a:t>return </a:t>
+            </a:r>
+            <a:r>
+              <a:rPr lang="en-US" dirty="0" err="1">
+                <a:solidFill>
+                  <a:srgbClr val="000000"/>
+                </a:solidFill>
+                <a:latin typeface="Calibri" panose="020F0502020204030204" pitchFamily="34" charset="0"/>
+                <a:ea typeface="Calibri" panose="020F0502020204030204" pitchFamily="34" charset="0"/>
+                <a:cs typeface="Arial" panose="020B0604020202020204" pitchFamily="34" charset="0"/>
+              </a:rPr>
+              <a:t>obj</a:t>
+            </a:r>
+            <a:r>
+              <a:rPr lang="en-US" dirty="0">
+                <a:solidFill>
+                  <a:srgbClr val="000000"/>
+                </a:solidFill>
+                <a:latin typeface="Calibri" panose="020F0502020204030204" pitchFamily="34" charset="0"/>
+                <a:ea typeface="Calibri" panose="020F0502020204030204" pitchFamily="34" charset="0"/>
+                <a:cs typeface="Arial" panose="020B0604020202020204" pitchFamily="34" charset="0"/>
+              </a:rPr>
+              <a:t>[name];</a:t>
+            </a:r>
+            <a:br>
+              <a:rPr lang="en-US" dirty="0">
+                <a:solidFill>
+                  <a:srgbClr val="000000"/>
+                </a:solidFill>
+                <a:latin typeface="Calibri" panose="020F0502020204030204" pitchFamily="34" charset="0"/>
+                <a:ea typeface="Calibri" panose="020F0502020204030204" pitchFamily="34" charset="0"/>
+                <a:cs typeface="Arial" panose="020B0604020202020204" pitchFamily="34" charset="0"/>
+              </a:rPr>
+            </a:br>
+            <a:r>
+              <a:rPr lang="en-US" dirty="0">
+                <a:solidFill>
+                  <a:srgbClr val="000000"/>
+                </a:solidFill>
+                <a:latin typeface="Calibri" panose="020F0502020204030204" pitchFamily="34" charset="0"/>
+                <a:ea typeface="Calibri" panose="020F0502020204030204" pitchFamily="34" charset="0"/>
+                <a:cs typeface="Arial" panose="020B0604020202020204" pitchFamily="34" charset="0"/>
+              </a:rPr>
+              <a:t>}</a:t>
+            </a:r>
+            <a:br>
+              <a:rPr lang="en-US" dirty="0">
+                <a:solidFill>
+                  <a:srgbClr val="000000"/>
+                </a:solidFill>
+                <a:latin typeface="Calibri" panose="020F0502020204030204" pitchFamily="34" charset="0"/>
+                <a:ea typeface="Calibri" panose="020F0502020204030204" pitchFamily="34" charset="0"/>
+                <a:cs typeface="Arial" panose="020B0604020202020204" pitchFamily="34" charset="0"/>
+              </a:rPr>
+            </a:br>
+            <a:r>
+              <a:rPr lang="en-US" dirty="0">
+                <a:solidFill>
+                  <a:srgbClr val="000000"/>
+                </a:solidFill>
+                <a:latin typeface="Calibri" panose="020F0502020204030204" pitchFamily="34" charset="0"/>
+                <a:ea typeface="Calibri" panose="020F0502020204030204" pitchFamily="34" charset="0"/>
+                <a:cs typeface="Arial" panose="020B0604020202020204" pitchFamily="34" charset="0"/>
+              </a:rPr>
+              <a:t/>
+            </a:r>
+            <a:br>
+              <a:rPr lang="en-US" dirty="0">
+                <a:solidFill>
+                  <a:srgbClr val="000000"/>
+                </a:solidFill>
+                <a:latin typeface="Calibri" panose="020F0502020204030204" pitchFamily="34" charset="0"/>
+                <a:ea typeface="Calibri" panose="020F0502020204030204" pitchFamily="34" charset="0"/>
+                <a:cs typeface="Arial" panose="020B0604020202020204" pitchFamily="34" charset="0"/>
+              </a:rPr>
+            </a:br>
+            <a:r>
+              <a:rPr lang="en-US" b="1" dirty="0" err="1">
+                <a:solidFill>
+                  <a:srgbClr val="000080"/>
+                </a:solidFill>
+                <a:latin typeface="Calibri" panose="020F0502020204030204" pitchFamily="34" charset="0"/>
+                <a:ea typeface="Calibri" panose="020F0502020204030204" pitchFamily="34" charset="0"/>
+                <a:cs typeface="Arial" panose="020B0604020202020204" pitchFamily="34" charset="0"/>
+              </a:rPr>
+              <a:t>var</a:t>
+            </a:r>
+            <a:r>
+              <a:rPr lang="en-US" b="1" dirty="0">
+                <a:solidFill>
+                  <a:srgbClr val="000080"/>
+                </a:solidFill>
+                <a:latin typeface="Calibri" panose="020F0502020204030204" pitchFamily="34" charset="0"/>
+                <a:ea typeface="Calibri" panose="020F0502020204030204" pitchFamily="34" charset="0"/>
+                <a:cs typeface="Arial" panose="020B0604020202020204" pitchFamily="34" charset="0"/>
+              </a:rPr>
+              <a:t> </a:t>
+            </a:r>
+            <a:r>
+              <a:rPr lang="en-US" b="1" i="1" dirty="0">
+                <a:solidFill>
+                  <a:srgbClr val="660E7A"/>
+                </a:solidFill>
+                <a:latin typeface="Calibri" panose="020F0502020204030204" pitchFamily="34" charset="0"/>
+                <a:ea typeface="Calibri" panose="020F0502020204030204" pitchFamily="34" charset="0"/>
+                <a:cs typeface="Arial" panose="020B0604020202020204" pitchFamily="34" charset="0"/>
+              </a:rPr>
+              <a:t>x</a:t>
+            </a:r>
+            <a:r>
+              <a:rPr lang="en-US" dirty="0">
+                <a:solidFill>
+                  <a:srgbClr val="000000"/>
+                </a:solidFill>
+                <a:latin typeface="Calibri" panose="020F0502020204030204" pitchFamily="34" charset="0"/>
+                <a:ea typeface="Calibri" panose="020F0502020204030204" pitchFamily="34" charset="0"/>
+                <a:cs typeface="Arial" panose="020B0604020202020204" pitchFamily="34" charset="0"/>
+              </a:rPr>
+              <a:t>: Person = {</a:t>
+            </a:r>
+            <a:r>
+              <a:rPr lang="en-US" b="1" dirty="0">
+                <a:solidFill>
+                  <a:srgbClr val="660E7A"/>
+                </a:solidFill>
+                <a:latin typeface="Calibri" panose="020F0502020204030204" pitchFamily="34" charset="0"/>
+                <a:ea typeface="Calibri" panose="020F0502020204030204" pitchFamily="34" charset="0"/>
+                <a:cs typeface="Arial" panose="020B0604020202020204" pitchFamily="34" charset="0"/>
+              </a:rPr>
+              <a:t>id</a:t>
+            </a:r>
+            <a:r>
+              <a:rPr lang="en-US" dirty="0">
+                <a:solidFill>
+                  <a:srgbClr val="000000"/>
+                </a:solidFill>
+                <a:latin typeface="Calibri" panose="020F0502020204030204" pitchFamily="34" charset="0"/>
+                <a:ea typeface="Calibri" panose="020F0502020204030204" pitchFamily="34" charset="0"/>
+                <a:cs typeface="Arial" panose="020B0604020202020204" pitchFamily="34" charset="0"/>
+              </a:rPr>
+              <a:t>:</a:t>
+            </a:r>
+            <a:r>
+              <a:rPr lang="en-US" dirty="0">
+                <a:solidFill>
+                  <a:srgbClr val="0000FF"/>
+                </a:solidFill>
+                <a:latin typeface="Calibri" panose="020F0502020204030204" pitchFamily="34" charset="0"/>
+                <a:ea typeface="Calibri" panose="020F0502020204030204" pitchFamily="34" charset="0"/>
+                <a:cs typeface="Arial" panose="020B0604020202020204" pitchFamily="34" charset="0"/>
+              </a:rPr>
+              <a:t>5</a:t>
+            </a:r>
+            <a:r>
+              <a:rPr lang="en-US" dirty="0">
+                <a:solidFill>
+                  <a:srgbClr val="000000"/>
+                </a:solidFill>
+                <a:latin typeface="Calibri" panose="020F0502020204030204" pitchFamily="34" charset="0"/>
+                <a:ea typeface="Calibri" panose="020F0502020204030204" pitchFamily="34" charset="0"/>
+                <a:cs typeface="Arial" panose="020B0604020202020204" pitchFamily="34" charset="0"/>
+              </a:rPr>
+              <a:t>};</a:t>
+            </a:r>
+            <a:br>
+              <a:rPr lang="en-US" dirty="0">
+                <a:solidFill>
+                  <a:srgbClr val="000000"/>
+                </a:solidFill>
+                <a:latin typeface="Calibri" panose="020F0502020204030204" pitchFamily="34" charset="0"/>
+                <a:ea typeface="Calibri" panose="020F0502020204030204" pitchFamily="34" charset="0"/>
+                <a:cs typeface="Arial" panose="020B0604020202020204" pitchFamily="34" charset="0"/>
+              </a:rPr>
+            </a:br>
+            <a:r>
+              <a:rPr lang="en-US" i="1" dirty="0">
+                <a:solidFill>
+                  <a:srgbClr val="000000"/>
+                </a:solidFill>
+                <a:latin typeface="Calibri" panose="020F0502020204030204" pitchFamily="34" charset="0"/>
+                <a:ea typeface="Calibri" panose="020F0502020204030204" pitchFamily="34" charset="0"/>
+                <a:cs typeface="Arial" panose="020B0604020202020204" pitchFamily="34" charset="0"/>
+              </a:rPr>
+              <a:t>get</a:t>
+            </a:r>
+            <a:r>
+              <a:rPr lang="en-US" dirty="0">
+                <a:solidFill>
+                  <a:srgbClr val="000000"/>
+                </a:solidFill>
+                <a:latin typeface="Calibri" panose="020F0502020204030204" pitchFamily="34" charset="0"/>
+                <a:ea typeface="Calibri" panose="020F0502020204030204" pitchFamily="34" charset="0"/>
+                <a:cs typeface="Arial" panose="020B0604020202020204" pitchFamily="34" charset="0"/>
+              </a:rPr>
+              <a:t>(</a:t>
+            </a:r>
+            <a:r>
+              <a:rPr lang="en-US" b="1" i="1" dirty="0">
+                <a:solidFill>
+                  <a:srgbClr val="660E7A"/>
+                </a:solidFill>
+                <a:latin typeface="Calibri" panose="020F0502020204030204" pitchFamily="34" charset="0"/>
+                <a:ea typeface="Calibri" panose="020F0502020204030204" pitchFamily="34" charset="0"/>
+                <a:cs typeface="Arial" panose="020B0604020202020204" pitchFamily="34" charset="0"/>
+              </a:rPr>
+              <a:t>x</a:t>
+            </a:r>
+            <a:r>
+              <a:rPr lang="en-US" dirty="0">
+                <a:solidFill>
+                  <a:srgbClr val="000000"/>
+                </a:solidFill>
+                <a:latin typeface="Calibri" panose="020F0502020204030204" pitchFamily="34" charset="0"/>
+                <a:ea typeface="Calibri" panose="020F0502020204030204" pitchFamily="34" charset="0"/>
+                <a:cs typeface="Arial" panose="020B0604020202020204" pitchFamily="34" charset="0"/>
+              </a:rPr>
+              <a:t>, </a:t>
+            </a:r>
+            <a:r>
+              <a:rPr lang="en-US" b="1" dirty="0">
+                <a:solidFill>
+                  <a:srgbClr val="008000"/>
+                </a:solidFill>
+                <a:latin typeface="Calibri" panose="020F0502020204030204" pitchFamily="34" charset="0"/>
+                <a:ea typeface="Calibri" panose="020F0502020204030204" pitchFamily="34" charset="0"/>
+                <a:cs typeface="Arial" panose="020B0604020202020204" pitchFamily="34" charset="0"/>
+              </a:rPr>
+              <a:t>"id"</a:t>
+            </a:r>
+            <a:r>
+              <a:rPr lang="en-US" dirty="0">
+                <a:solidFill>
+                  <a:srgbClr val="000000"/>
+                </a:solidFill>
+                <a:latin typeface="Calibri" panose="020F0502020204030204" pitchFamily="34" charset="0"/>
+                <a:ea typeface="Calibri" panose="020F0502020204030204" pitchFamily="34" charset="0"/>
+                <a:cs typeface="Arial" panose="020B0604020202020204" pitchFamily="34" charset="0"/>
+              </a:rPr>
+              <a:t>);</a:t>
+            </a:r>
+            <a:endParaRPr lang="en-US" dirty="0"/>
+          </a:p>
+        </p:txBody>
+      </p:sp>
+    </p:spTree>
+    <p:extLst>
+      <p:ext uri="{BB962C8B-B14F-4D97-AF65-F5344CB8AC3E}">
+        <p14:creationId xmlns:p14="http://schemas.microsoft.com/office/powerpoint/2010/main" val="1699904676"/>
+      </p:ext>
+    </p:extLst>
+  </p:cSld>
+  <p:clrMapOvr>
+    <a:masterClrMapping/>
+  </p:clrMapOvr>
+</p:sld>
+</file>
+
+<file path=ppt/slides/slide34.xml><?xml version="1.0" encoding="utf-8"?>
+<p:sld xmlns:a="http://schemas.openxmlformats.org/drawingml/2006/main" xmlns:r="http://schemas.openxmlformats.org/officeDocument/2006/relationships" xmlns:p="http://schemas.openxmlformats.org/presentationml/2006/main">
+  <p:cSld>
+    <p:spTree>
+      <p:nvGrpSpPr>
+        <p:cNvPr id="1" name=""/>
+        <p:cNvGrpSpPr/>
+        <p:nvPr/>
+      </p:nvGrpSpPr>
+      <p:grpSpPr>
+        <a:xfrm>
+          <a:off x="0" y="0"/>
+          <a:ext cx="0" cy="0"/>
+          <a:chOff x="0" y="0"/>
+          <a:chExt cx="0" cy="0"/>
+        </a:xfrm>
+      </p:grpSpPr>
+      <p:sp>
+        <p:nvSpPr>
+          <p:cNvPr id="2" name="Title 1"/>
+          <p:cNvSpPr>
+            <a:spLocks noGrp="1"/>
+          </p:cNvSpPr>
+          <p:nvPr>
+            <p:ph type="title"/>
+          </p:nvPr>
+        </p:nvSpPr>
+        <p:spPr/>
+        <p:txBody>
+          <a:bodyPr/>
+          <a:lstStyle/>
+          <a:p>
+            <a:r>
+              <a:rPr lang="en-US" dirty="0" smtClean="0"/>
+              <a:t>Partial</a:t>
+            </a:r>
+            <a:endParaRPr lang="en-US" dirty="0"/>
+          </a:p>
+        </p:txBody>
+      </p:sp>
+      <p:sp>
+        <p:nvSpPr>
+          <p:cNvPr id="3" name="Footer Placeholder 2"/>
+          <p:cNvSpPr>
+            <a:spLocks noGrp="1"/>
+          </p:cNvSpPr>
+          <p:nvPr>
+            <p:ph type="ftr" sz="quarter" idx="11"/>
+          </p:nvPr>
+        </p:nvSpPr>
+        <p:spPr/>
+        <p:txBody>
+          <a:bodyPr/>
+          <a:lstStyle/>
+          <a:p>
+            <a:r>
+              <a:rPr lang="en-US" smtClean="0"/>
+              <a:t>© 2017 Ori Calvo</a:t>
+            </a:r>
+            <a:endParaRPr lang="en-US" dirty="0"/>
+          </a:p>
+        </p:txBody>
+      </p:sp>
+      <p:sp>
+        <p:nvSpPr>
+          <p:cNvPr id="4" name="Slide Number Placeholder 3"/>
+          <p:cNvSpPr>
+            <a:spLocks noGrp="1"/>
+          </p:cNvSpPr>
+          <p:nvPr>
+            <p:ph type="sldNum" sz="quarter" idx="12"/>
+          </p:nvPr>
+        </p:nvSpPr>
+        <p:spPr/>
+        <p:txBody>
+          <a:bodyPr>
+            <a:normAutofit fontScale="85000" lnSpcReduction="20000"/>
+          </a:bodyPr>
+          <a:lstStyle/>
+          <a:p>
+            <a:fld id="{6EDEC3BC-0694-4586-AE63-02B4D54ABF43}" type="slidenum">
+              <a:rPr lang="en-US" smtClean="0"/>
+              <a:pPr/>
+              <a:t>34</a:t>
+            </a:fld>
+            <a:endParaRPr lang="en-US"/>
+          </a:p>
+        </p:txBody>
+      </p:sp>
+      <p:sp>
+        <p:nvSpPr>
+          <p:cNvPr id="6" name="Rectangle 5"/>
+          <p:cNvSpPr/>
+          <p:nvPr/>
+        </p:nvSpPr>
+        <p:spPr>
+          <a:xfrm>
+            <a:off x="2403348" y="2276872"/>
+            <a:ext cx="4572000" cy="2862322"/>
+          </a:xfrm>
+          <a:prstGeom prst="rect">
+            <a:avLst/>
+          </a:prstGeom>
+          <a:solidFill>
+            <a:schemeClr val="accent1">
+              <a:lumMod val="40000"/>
+              <a:lumOff val="60000"/>
+            </a:schemeClr>
+          </a:solidFill>
+        </p:spPr>
+        <p:txBody>
+          <a:bodyPr>
+            <a:spAutoFit/>
+          </a:bodyPr>
+          <a:lstStyle/>
+          <a:p>
+            <a:r>
+              <a:rPr lang="en-US" b="1" dirty="0">
+                <a:solidFill>
+                  <a:srgbClr val="000080"/>
+                </a:solidFill>
+                <a:latin typeface="Calibri" panose="020F0502020204030204" pitchFamily="34" charset="0"/>
+                <a:ea typeface="Calibri" panose="020F0502020204030204" pitchFamily="34" charset="0"/>
+                <a:cs typeface="Arial" panose="020B0604020202020204" pitchFamily="34" charset="0"/>
+              </a:rPr>
+              <a:t>interface </a:t>
+            </a:r>
+            <a:r>
+              <a:rPr lang="en-US" dirty="0">
+                <a:solidFill>
+                  <a:srgbClr val="000000"/>
+                </a:solidFill>
+                <a:latin typeface="Calibri" panose="020F0502020204030204" pitchFamily="34" charset="0"/>
+                <a:ea typeface="Calibri" panose="020F0502020204030204" pitchFamily="34" charset="0"/>
+                <a:cs typeface="Arial" panose="020B0604020202020204" pitchFamily="34" charset="0"/>
+              </a:rPr>
+              <a:t>Person {</a:t>
+            </a:r>
+            <a:br>
+              <a:rPr lang="en-US" dirty="0">
+                <a:solidFill>
+                  <a:srgbClr val="000000"/>
+                </a:solidFill>
+                <a:latin typeface="Calibri" panose="020F0502020204030204" pitchFamily="34" charset="0"/>
+                <a:ea typeface="Calibri" panose="020F0502020204030204" pitchFamily="34" charset="0"/>
+                <a:cs typeface="Arial" panose="020B0604020202020204" pitchFamily="34" charset="0"/>
+              </a:rPr>
+            </a:br>
+            <a:r>
+              <a:rPr lang="en-US" dirty="0">
+                <a:solidFill>
+                  <a:srgbClr val="000000"/>
+                </a:solidFill>
+                <a:latin typeface="Calibri" panose="020F0502020204030204" pitchFamily="34" charset="0"/>
+                <a:ea typeface="Calibri" panose="020F0502020204030204" pitchFamily="34" charset="0"/>
+                <a:cs typeface="Arial" panose="020B0604020202020204" pitchFamily="34" charset="0"/>
+              </a:rPr>
+              <a:t>    </a:t>
+            </a:r>
+            <a:r>
+              <a:rPr lang="en-US" b="1" dirty="0">
+                <a:solidFill>
+                  <a:srgbClr val="660E7A"/>
+                </a:solidFill>
+                <a:latin typeface="Calibri" panose="020F0502020204030204" pitchFamily="34" charset="0"/>
+                <a:ea typeface="Calibri" panose="020F0502020204030204" pitchFamily="34" charset="0"/>
+                <a:cs typeface="Arial" panose="020B0604020202020204" pitchFamily="34" charset="0"/>
+              </a:rPr>
+              <a:t>id</a:t>
+            </a:r>
+            <a:r>
+              <a:rPr lang="en-US" dirty="0">
+                <a:solidFill>
+                  <a:srgbClr val="000000"/>
+                </a:solidFill>
+                <a:latin typeface="Calibri" panose="020F0502020204030204" pitchFamily="34" charset="0"/>
+                <a:ea typeface="Calibri" panose="020F0502020204030204" pitchFamily="34" charset="0"/>
+                <a:cs typeface="Arial" panose="020B0604020202020204" pitchFamily="34" charset="0"/>
+              </a:rPr>
+              <a:t>: </a:t>
+            </a:r>
+            <a:r>
+              <a:rPr lang="en-US" b="1" dirty="0">
+                <a:solidFill>
+                  <a:srgbClr val="000080"/>
+                </a:solidFill>
+                <a:latin typeface="Calibri" panose="020F0502020204030204" pitchFamily="34" charset="0"/>
+                <a:ea typeface="Calibri" panose="020F0502020204030204" pitchFamily="34" charset="0"/>
+                <a:cs typeface="Arial" panose="020B0604020202020204" pitchFamily="34" charset="0"/>
+              </a:rPr>
+              <a:t>number</a:t>
+            </a:r>
+            <a:r>
+              <a:rPr lang="en-US" dirty="0">
+                <a:solidFill>
+                  <a:srgbClr val="000000"/>
+                </a:solidFill>
+                <a:latin typeface="Calibri" panose="020F0502020204030204" pitchFamily="34" charset="0"/>
+                <a:ea typeface="Calibri" panose="020F0502020204030204" pitchFamily="34" charset="0"/>
+                <a:cs typeface="Arial" panose="020B0604020202020204" pitchFamily="34" charset="0"/>
+              </a:rPr>
+              <a:t>;</a:t>
+            </a:r>
+            <a:br>
+              <a:rPr lang="en-US" dirty="0">
+                <a:solidFill>
+                  <a:srgbClr val="000000"/>
+                </a:solidFill>
+                <a:latin typeface="Calibri" panose="020F0502020204030204" pitchFamily="34" charset="0"/>
+                <a:ea typeface="Calibri" panose="020F0502020204030204" pitchFamily="34" charset="0"/>
+                <a:cs typeface="Arial" panose="020B0604020202020204" pitchFamily="34" charset="0"/>
+              </a:rPr>
+            </a:br>
+            <a:r>
+              <a:rPr lang="en-US" dirty="0">
+                <a:solidFill>
+                  <a:srgbClr val="000000"/>
+                </a:solidFill>
+                <a:latin typeface="Calibri" panose="020F0502020204030204" pitchFamily="34" charset="0"/>
+                <a:ea typeface="Calibri" panose="020F0502020204030204" pitchFamily="34" charset="0"/>
+                <a:cs typeface="Arial" panose="020B0604020202020204" pitchFamily="34" charset="0"/>
+              </a:rPr>
+              <a:t>    </a:t>
+            </a:r>
+            <a:r>
+              <a:rPr lang="en-US" b="1" dirty="0">
+                <a:solidFill>
+                  <a:srgbClr val="660E7A"/>
+                </a:solidFill>
+                <a:latin typeface="Calibri" panose="020F0502020204030204" pitchFamily="34" charset="0"/>
+                <a:ea typeface="Calibri" panose="020F0502020204030204" pitchFamily="34" charset="0"/>
+                <a:cs typeface="Arial" panose="020B0604020202020204" pitchFamily="34" charset="0"/>
+              </a:rPr>
+              <a:t>name</a:t>
+            </a:r>
+            <a:r>
+              <a:rPr lang="en-US" dirty="0">
+                <a:solidFill>
+                  <a:srgbClr val="000000"/>
+                </a:solidFill>
+                <a:latin typeface="Calibri" panose="020F0502020204030204" pitchFamily="34" charset="0"/>
+                <a:ea typeface="Calibri" panose="020F0502020204030204" pitchFamily="34" charset="0"/>
+                <a:cs typeface="Arial" panose="020B0604020202020204" pitchFamily="34" charset="0"/>
+              </a:rPr>
+              <a:t>: </a:t>
+            </a:r>
+            <a:r>
+              <a:rPr lang="en-US" b="1" dirty="0">
+                <a:solidFill>
+                  <a:srgbClr val="000080"/>
+                </a:solidFill>
+                <a:latin typeface="Calibri" panose="020F0502020204030204" pitchFamily="34" charset="0"/>
+                <a:ea typeface="Calibri" panose="020F0502020204030204" pitchFamily="34" charset="0"/>
+                <a:cs typeface="Arial" panose="020B0604020202020204" pitchFamily="34" charset="0"/>
+              </a:rPr>
+              <a:t>string</a:t>
+            </a:r>
+            <a:r>
+              <a:rPr lang="en-US" dirty="0">
+                <a:solidFill>
+                  <a:srgbClr val="000000"/>
+                </a:solidFill>
+                <a:latin typeface="Calibri" panose="020F0502020204030204" pitchFamily="34" charset="0"/>
+                <a:ea typeface="Calibri" panose="020F0502020204030204" pitchFamily="34" charset="0"/>
+                <a:cs typeface="Arial" panose="020B0604020202020204" pitchFamily="34" charset="0"/>
+              </a:rPr>
+              <a:t>;</a:t>
+            </a:r>
+            <a:br>
+              <a:rPr lang="en-US" dirty="0">
+                <a:solidFill>
+                  <a:srgbClr val="000000"/>
+                </a:solidFill>
+                <a:latin typeface="Calibri" panose="020F0502020204030204" pitchFamily="34" charset="0"/>
+                <a:ea typeface="Calibri" panose="020F0502020204030204" pitchFamily="34" charset="0"/>
+                <a:cs typeface="Arial" panose="020B0604020202020204" pitchFamily="34" charset="0"/>
+              </a:rPr>
+            </a:br>
+            <a:r>
+              <a:rPr lang="en-US" dirty="0">
+                <a:solidFill>
+                  <a:srgbClr val="000000"/>
+                </a:solidFill>
+                <a:latin typeface="Calibri" panose="020F0502020204030204" pitchFamily="34" charset="0"/>
+                <a:ea typeface="Calibri" panose="020F0502020204030204" pitchFamily="34" charset="0"/>
+                <a:cs typeface="Arial" panose="020B0604020202020204" pitchFamily="34" charset="0"/>
+              </a:rPr>
+              <a:t>}</a:t>
+            </a:r>
+            <a:br>
+              <a:rPr lang="en-US" dirty="0">
+                <a:solidFill>
+                  <a:srgbClr val="000000"/>
+                </a:solidFill>
+                <a:latin typeface="Calibri" panose="020F0502020204030204" pitchFamily="34" charset="0"/>
+                <a:ea typeface="Calibri" panose="020F0502020204030204" pitchFamily="34" charset="0"/>
+                <a:cs typeface="Arial" panose="020B0604020202020204" pitchFamily="34" charset="0"/>
+              </a:rPr>
+            </a:br>
+            <a:r>
+              <a:rPr lang="en-US" dirty="0">
+                <a:solidFill>
+                  <a:srgbClr val="000000"/>
+                </a:solidFill>
+                <a:latin typeface="Calibri" panose="020F0502020204030204" pitchFamily="34" charset="0"/>
+                <a:ea typeface="Calibri" panose="020F0502020204030204" pitchFamily="34" charset="0"/>
+                <a:cs typeface="Arial" panose="020B0604020202020204" pitchFamily="34" charset="0"/>
+              </a:rPr>
+              <a:t/>
+            </a:r>
+            <a:br>
+              <a:rPr lang="en-US" dirty="0">
+                <a:solidFill>
+                  <a:srgbClr val="000000"/>
+                </a:solidFill>
+                <a:latin typeface="Calibri" panose="020F0502020204030204" pitchFamily="34" charset="0"/>
+                <a:ea typeface="Calibri" panose="020F0502020204030204" pitchFamily="34" charset="0"/>
+                <a:cs typeface="Arial" panose="020B0604020202020204" pitchFamily="34" charset="0"/>
+              </a:rPr>
+            </a:br>
+            <a:r>
+              <a:rPr lang="en-US" b="1" dirty="0">
+                <a:solidFill>
+                  <a:srgbClr val="000080"/>
+                </a:solidFill>
+                <a:latin typeface="Calibri" panose="020F0502020204030204" pitchFamily="34" charset="0"/>
+                <a:ea typeface="Calibri" panose="020F0502020204030204" pitchFamily="34" charset="0"/>
+                <a:cs typeface="Arial" panose="020B0604020202020204" pitchFamily="34" charset="0"/>
+              </a:rPr>
+              <a:t>type </a:t>
+            </a:r>
+            <a:r>
+              <a:rPr lang="en-US" dirty="0" err="1">
+                <a:solidFill>
+                  <a:srgbClr val="000000"/>
+                </a:solidFill>
+                <a:latin typeface="Calibri" panose="020F0502020204030204" pitchFamily="34" charset="0"/>
+                <a:ea typeface="Calibri" panose="020F0502020204030204" pitchFamily="34" charset="0"/>
+                <a:cs typeface="Arial" panose="020B0604020202020204" pitchFamily="34" charset="0"/>
+              </a:rPr>
+              <a:t>PartialPerson</a:t>
+            </a:r>
+            <a:r>
+              <a:rPr lang="en-US" dirty="0">
+                <a:solidFill>
+                  <a:srgbClr val="000000"/>
+                </a:solidFill>
+                <a:latin typeface="Calibri" panose="020F0502020204030204" pitchFamily="34" charset="0"/>
+                <a:ea typeface="Calibri" panose="020F0502020204030204" pitchFamily="34" charset="0"/>
+                <a:cs typeface="Arial" panose="020B0604020202020204" pitchFamily="34" charset="0"/>
+              </a:rPr>
+              <a:t> = Partial&lt;Person&gt;;</a:t>
+            </a:r>
+            <a:br>
+              <a:rPr lang="en-US" dirty="0">
+                <a:solidFill>
+                  <a:srgbClr val="000000"/>
+                </a:solidFill>
+                <a:latin typeface="Calibri" panose="020F0502020204030204" pitchFamily="34" charset="0"/>
+                <a:ea typeface="Calibri" panose="020F0502020204030204" pitchFamily="34" charset="0"/>
+                <a:cs typeface="Arial" panose="020B0604020202020204" pitchFamily="34" charset="0"/>
+              </a:rPr>
+            </a:br>
+            <a:r>
+              <a:rPr lang="en-US" dirty="0">
+                <a:solidFill>
+                  <a:srgbClr val="000000"/>
+                </a:solidFill>
+                <a:latin typeface="Calibri" panose="020F0502020204030204" pitchFamily="34" charset="0"/>
+                <a:ea typeface="Calibri" panose="020F0502020204030204" pitchFamily="34" charset="0"/>
+                <a:cs typeface="Arial" panose="020B0604020202020204" pitchFamily="34" charset="0"/>
+              </a:rPr>
+              <a:t/>
+            </a:r>
+            <a:br>
+              <a:rPr lang="en-US" dirty="0">
+                <a:solidFill>
+                  <a:srgbClr val="000000"/>
+                </a:solidFill>
+                <a:latin typeface="Calibri" panose="020F0502020204030204" pitchFamily="34" charset="0"/>
+                <a:ea typeface="Calibri" panose="020F0502020204030204" pitchFamily="34" charset="0"/>
+                <a:cs typeface="Arial" panose="020B0604020202020204" pitchFamily="34" charset="0"/>
+              </a:rPr>
+            </a:br>
+            <a:r>
+              <a:rPr lang="en-US" b="1" dirty="0" err="1">
+                <a:solidFill>
+                  <a:srgbClr val="000080"/>
+                </a:solidFill>
+                <a:latin typeface="Calibri" panose="020F0502020204030204" pitchFamily="34" charset="0"/>
+                <a:ea typeface="Calibri" panose="020F0502020204030204" pitchFamily="34" charset="0"/>
+                <a:cs typeface="Arial" panose="020B0604020202020204" pitchFamily="34" charset="0"/>
+              </a:rPr>
+              <a:t>const</a:t>
+            </a:r>
+            <a:r>
+              <a:rPr lang="en-US" b="1" dirty="0">
+                <a:solidFill>
+                  <a:srgbClr val="000080"/>
+                </a:solidFill>
+                <a:latin typeface="Calibri" panose="020F0502020204030204" pitchFamily="34" charset="0"/>
+                <a:ea typeface="Calibri" panose="020F0502020204030204" pitchFamily="34" charset="0"/>
+                <a:cs typeface="Arial" panose="020B0604020202020204" pitchFamily="34" charset="0"/>
+              </a:rPr>
+              <a:t> </a:t>
+            </a:r>
+            <a:r>
+              <a:rPr lang="en-US" b="1" i="1" dirty="0">
+                <a:solidFill>
+                  <a:srgbClr val="660E7A"/>
+                </a:solidFill>
+                <a:latin typeface="Calibri" panose="020F0502020204030204" pitchFamily="34" charset="0"/>
+                <a:ea typeface="Calibri" panose="020F0502020204030204" pitchFamily="34" charset="0"/>
+                <a:cs typeface="Arial" panose="020B0604020202020204" pitchFamily="34" charset="0"/>
+              </a:rPr>
+              <a:t>x</a:t>
+            </a:r>
+            <a:r>
+              <a:rPr lang="en-US" dirty="0">
+                <a:solidFill>
+                  <a:srgbClr val="000000"/>
+                </a:solidFill>
+                <a:latin typeface="Calibri" panose="020F0502020204030204" pitchFamily="34" charset="0"/>
+                <a:ea typeface="Calibri" panose="020F0502020204030204" pitchFamily="34" charset="0"/>
+                <a:cs typeface="Arial" panose="020B0604020202020204" pitchFamily="34" charset="0"/>
+              </a:rPr>
+              <a:t>: </a:t>
+            </a:r>
+            <a:r>
+              <a:rPr lang="en-US" dirty="0" err="1">
+                <a:solidFill>
+                  <a:srgbClr val="000000"/>
+                </a:solidFill>
+                <a:latin typeface="Calibri" panose="020F0502020204030204" pitchFamily="34" charset="0"/>
+                <a:ea typeface="Calibri" panose="020F0502020204030204" pitchFamily="34" charset="0"/>
+                <a:cs typeface="Arial" panose="020B0604020202020204" pitchFamily="34" charset="0"/>
+              </a:rPr>
+              <a:t>PartialPerson</a:t>
+            </a:r>
+            <a:r>
+              <a:rPr lang="en-US" dirty="0">
+                <a:solidFill>
+                  <a:srgbClr val="000000"/>
+                </a:solidFill>
+                <a:latin typeface="Calibri" panose="020F0502020204030204" pitchFamily="34" charset="0"/>
+                <a:ea typeface="Calibri" panose="020F0502020204030204" pitchFamily="34" charset="0"/>
+                <a:cs typeface="Arial" panose="020B0604020202020204" pitchFamily="34" charset="0"/>
+              </a:rPr>
+              <a:t> = {</a:t>
+            </a:r>
+            <a:br>
+              <a:rPr lang="en-US" dirty="0">
+                <a:solidFill>
+                  <a:srgbClr val="000000"/>
+                </a:solidFill>
+                <a:latin typeface="Calibri" panose="020F0502020204030204" pitchFamily="34" charset="0"/>
+                <a:ea typeface="Calibri" panose="020F0502020204030204" pitchFamily="34" charset="0"/>
+                <a:cs typeface="Arial" panose="020B0604020202020204" pitchFamily="34" charset="0"/>
+              </a:rPr>
+            </a:br>
+            <a:r>
+              <a:rPr lang="en-US" dirty="0">
+                <a:solidFill>
+                  <a:srgbClr val="000000"/>
+                </a:solidFill>
+                <a:latin typeface="Calibri" panose="020F0502020204030204" pitchFamily="34" charset="0"/>
+                <a:ea typeface="Calibri" panose="020F0502020204030204" pitchFamily="34" charset="0"/>
+                <a:cs typeface="Arial" panose="020B0604020202020204" pitchFamily="34" charset="0"/>
+              </a:rPr>
+              <a:t>    </a:t>
+            </a:r>
+            <a:r>
+              <a:rPr lang="en-US" b="1" dirty="0">
+                <a:solidFill>
+                  <a:srgbClr val="660E7A"/>
+                </a:solidFill>
+                <a:latin typeface="Calibri" panose="020F0502020204030204" pitchFamily="34" charset="0"/>
+                <a:ea typeface="Calibri" panose="020F0502020204030204" pitchFamily="34" charset="0"/>
+                <a:cs typeface="Arial" panose="020B0604020202020204" pitchFamily="34" charset="0"/>
+              </a:rPr>
+              <a:t>id</a:t>
+            </a:r>
+            <a:r>
+              <a:rPr lang="en-US" dirty="0">
+                <a:solidFill>
+                  <a:srgbClr val="000000"/>
+                </a:solidFill>
+                <a:latin typeface="Calibri" panose="020F0502020204030204" pitchFamily="34" charset="0"/>
+                <a:ea typeface="Calibri" panose="020F0502020204030204" pitchFamily="34" charset="0"/>
+                <a:cs typeface="Arial" panose="020B0604020202020204" pitchFamily="34" charset="0"/>
+              </a:rPr>
+              <a:t>: </a:t>
+            </a:r>
+            <a:r>
+              <a:rPr lang="en-US" dirty="0">
+                <a:solidFill>
+                  <a:srgbClr val="0000FF"/>
+                </a:solidFill>
+                <a:latin typeface="Calibri" panose="020F0502020204030204" pitchFamily="34" charset="0"/>
+                <a:ea typeface="Calibri" panose="020F0502020204030204" pitchFamily="34" charset="0"/>
+                <a:cs typeface="Arial" panose="020B0604020202020204" pitchFamily="34" charset="0"/>
+              </a:rPr>
+              <a:t>1</a:t>
+            </a:r>
+            <a:r>
+              <a:rPr lang="en-US" dirty="0">
+                <a:solidFill>
+                  <a:srgbClr val="000000"/>
+                </a:solidFill>
+                <a:latin typeface="Calibri" panose="020F0502020204030204" pitchFamily="34" charset="0"/>
+                <a:ea typeface="Calibri" panose="020F0502020204030204" pitchFamily="34" charset="0"/>
+                <a:cs typeface="Arial" panose="020B0604020202020204" pitchFamily="34" charset="0"/>
+              </a:rPr>
+              <a:t>,</a:t>
+            </a:r>
+            <a:br>
+              <a:rPr lang="en-US" dirty="0">
+                <a:solidFill>
+                  <a:srgbClr val="000000"/>
+                </a:solidFill>
+                <a:latin typeface="Calibri" panose="020F0502020204030204" pitchFamily="34" charset="0"/>
+                <a:ea typeface="Calibri" panose="020F0502020204030204" pitchFamily="34" charset="0"/>
+                <a:cs typeface="Arial" panose="020B0604020202020204" pitchFamily="34" charset="0"/>
+              </a:rPr>
+            </a:br>
+            <a:r>
+              <a:rPr lang="en-US" dirty="0">
+                <a:solidFill>
+                  <a:srgbClr val="000000"/>
+                </a:solidFill>
+                <a:latin typeface="Calibri" panose="020F0502020204030204" pitchFamily="34" charset="0"/>
+                <a:ea typeface="Calibri" panose="020F0502020204030204" pitchFamily="34" charset="0"/>
+                <a:cs typeface="Arial" panose="020B0604020202020204" pitchFamily="34" charset="0"/>
+              </a:rPr>
+              <a:t>};</a:t>
+            </a:r>
+            <a:endParaRPr lang="en-US" dirty="0"/>
+          </a:p>
+        </p:txBody>
+      </p:sp>
+    </p:spTree>
+    <p:extLst>
+      <p:ext uri="{BB962C8B-B14F-4D97-AF65-F5344CB8AC3E}">
+        <p14:creationId xmlns:p14="http://schemas.microsoft.com/office/powerpoint/2010/main" val="3736672730"/>
+      </p:ext>
+    </p:extLst>
+  </p:cSld>
+  <p:clrMapOvr>
+    <a:masterClrMapping/>
+  </p:clrMapOvr>
+</p:sld>
+</file>
+
+<file path=ppt/slides/slide35.xml><?xml version="1.0" encoding="utf-8"?>
+<p:sld xmlns:a="http://schemas.openxmlformats.org/drawingml/2006/main" xmlns:r="http://schemas.openxmlformats.org/officeDocument/2006/relationships" xmlns:p="http://schemas.openxmlformats.org/presentationml/2006/main">
+  <p:cSld>
+    <p:spTree>
+      <p:nvGrpSpPr>
+        <p:cNvPr id="1" name=""/>
+        <p:cNvGrpSpPr/>
+        <p:nvPr/>
+      </p:nvGrpSpPr>
+      <p:grpSpPr>
+        <a:xfrm>
+          <a:off x="0" y="0"/>
+          <a:ext cx="0" cy="0"/>
+          <a:chOff x="0" y="0"/>
+          <a:chExt cx="0" cy="0"/>
+        </a:xfrm>
+      </p:grpSpPr>
+      <p:sp>
+        <p:nvSpPr>
+          <p:cNvPr id="2" name="כותרת 1"/>
+          <p:cNvSpPr>
+            <a:spLocks noGrp="1"/>
+          </p:cNvSpPr>
+          <p:nvPr>
+            <p:ph type="ctrTitle"/>
+          </p:nvPr>
+        </p:nvSpPr>
+        <p:spPr>
+          <a:xfrm>
+            <a:off x="2267744" y="2564904"/>
+            <a:ext cx="5040560" cy="864096"/>
+          </a:xfrm>
+        </p:spPr>
+        <p:txBody>
+          <a:bodyPr>
+            <a:normAutofit/>
+          </a:bodyPr>
+          <a:lstStyle/>
+          <a:p>
+            <a:pPr algn="ctr"/>
+            <a:r>
+              <a:rPr lang="en-US" sz="4800" dirty="0" smtClean="0"/>
+              <a:t>Thank YOU</a:t>
+            </a:r>
+            <a:endParaRPr lang="en-US" sz="4800" dirty="0"/>
+          </a:p>
+        </p:txBody>
+      </p:sp>
+      <p:sp>
+        <p:nvSpPr>
+          <p:cNvPr id="3" name="כותרת משנה 2"/>
+          <p:cNvSpPr>
+            <a:spLocks noGrp="1"/>
+          </p:cNvSpPr>
+          <p:nvPr>
+            <p:ph type="subTitle" idx="1"/>
+          </p:nvPr>
+        </p:nvSpPr>
+        <p:spPr>
+          <a:xfrm>
+            <a:off x="323528" y="3861048"/>
+            <a:ext cx="6400800" cy="2160240"/>
+          </a:xfrm>
+        </p:spPr>
+        <p:txBody>
+          <a:bodyPr>
+            <a:normAutofit/>
+          </a:bodyPr>
+          <a:lstStyle/>
+          <a:p>
+            <a:pPr algn="l"/>
+            <a:r>
+              <a:rPr lang="en-US" sz="1800" dirty="0"/>
+              <a:t>Ori Calvo, 2017</a:t>
+            </a:r>
+          </a:p>
+          <a:p>
+            <a:pPr algn="l"/>
+            <a:r>
+              <a:rPr lang="en-US" sz="1800" dirty="0"/>
+              <a:t>oric@trainologic.com</a:t>
+            </a:r>
+          </a:p>
+          <a:p>
+            <a:r>
+              <a:rPr lang="en-US" sz="1800" dirty="0"/>
+              <a:t>https://trainologic.com</a:t>
+            </a:r>
+          </a:p>
+        </p:txBody>
+      </p:sp>
+      <p:pic>
+        <p:nvPicPr>
+          <p:cNvPr id="4" name="Graphic 3"/>
+          <p:cNvPicPr>
+            <a:picLocks noChangeAspect="1"/>
+          </p:cNvPicPr>
+          <p:nvPr/>
+        </p:nvPicPr>
+        <p:blipFill>
+          <a:blip r:embed="rId3" cstate="print">
+            <a:extLst>
+              <a:ext uri="{28A0092B-C50C-407E-A947-70E740481C1C}">
+                <a14:useLocalDpi xmlns:a14="http://schemas.microsoft.com/office/drawing/2010/main" val="0"/>
+              </a:ext>
+              <a:ext uri="{96DAC541-7B7A-43D3-8B79-37D633B846F1}">
+                <asvg:svgBlip xmlns:asvg="http://schemas.microsoft.com/office/drawing/2016/SVG/main" xmlns="" r:embed="rId4"/>
+              </a:ext>
+            </a:extLst>
+          </a:blip>
+          <a:stretch>
+            <a:fillRect/>
+          </a:stretch>
+        </p:blipFill>
+        <p:spPr>
+          <a:xfrm>
+            <a:off x="3419872" y="4581128"/>
+            <a:ext cx="4392488" cy="648825"/>
+          </a:xfrm>
+          <a:prstGeom prst="rect">
+            <a:avLst/>
+          </a:prstGeom>
+        </p:spPr>
+      </p:pic>
+    </p:spTree>
+    <p:extLst>
+      <p:ext uri="{BB962C8B-B14F-4D97-AF65-F5344CB8AC3E}">
+        <p14:creationId xmlns:p14="http://schemas.microsoft.com/office/powerpoint/2010/main" val="2692055121"/>
       </p:ext>
     </p:extLst>
   </p:cSld>
@@ -16151,7 +20044,7 @@
           <p:cNvPr id="2" name="Title 1">
             <a:extLst>
               <a:ext uri="{FF2B5EF4-FFF2-40B4-BE49-F238E27FC236}">
-                <a16:creationId xmlns:a16="http://schemas.microsoft.com/office/drawing/2014/main" id="{C04B048B-2761-4F34-8B8E-ED73DA84733E}"/>
+                <a16:creationId xmlns:a16="http://schemas.microsoft.com/office/drawing/2014/main" xmlns="" id="{C04B048B-2761-4F34-8B8E-ED73DA84733E}"/>
               </a:ext>
             </a:extLst>
           </p:cNvPr>
@@ -16180,7 +20073,7 @@
           <p:cNvPr id="3" name="Footer Placeholder 2">
             <a:extLst>
               <a:ext uri="{FF2B5EF4-FFF2-40B4-BE49-F238E27FC236}">
-                <a16:creationId xmlns:a16="http://schemas.microsoft.com/office/drawing/2014/main" id="{C6B3FDD6-DF8C-45A1-98FF-87CF6E103975}"/>
+                <a16:creationId xmlns:a16="http://schemas.microsoft.com/office/drawing/2014/main" xmlns="" id="{C6B3FDD6-DF8C-45A1-98FF-87CF6E103975}"/>
               </a:ext>
             </a:extLst>
           </p:cNvPr>
@@ -16209,7 +20102,7 @@
           <p:cNvPr id="4" name="Slide Number Placeholder 3">
             <a:extLst>
               <a:ext uri="{FF2B5EF4-FFF2-40B4-BE49-F238E27FC236}">
-                <a16:creationId xmlns:a16="http://schemas.microsoft.com/office/drawing/2014/main" id="{2E7D270B-7254-4684-A545-4BD26272C8F3}"/>
+                <a16:creationId xmlns:a16="http://schemas.microsoft.com/office/drawing/2014/main" xmlns="" id="{2E7D270B-7254-4684-A545-4BD26272C8F3}"/>
               </a:ext>
             </a:extLst>
           </p:cNvPr>
@@ -16241,7 +20134,7 @@
           <p:cNvPr id="5" name="Content Placeholder 4">
             <a:extLst>
               <a:ext uri="{FF2B5EF4-FFF2-40B4-BE49-F238E27FC236}">
-                <a16:creationId xmlns:a16="http://schemas.microsoft.com/office/drawing/2014/main" id="{DF62D4C7-3E36-4F5B-AC44-EAF6731F1714}"/>
+                <a16:creationId xmlns:a16="http://schemas.microsoft.com/office/drawing/2014/main" xmlns="" id="{DF62D4C7-3E36-4F5B-AC44-EAF6731F1714}"/>
               </a:ext>
             </a:extLst>
           </p:cNvPr>
@@ -16341,7 +20234,7 @@
           <p:cNvPr id="2" name="Title 1">
             <a:extLst>
               <a:ext uri="{FF2B5EF4-FFF2-40B4-BE49-F238E27FC236}">
-                <a16:creationId xmlns:a16="http://schemas.microsoft.com/office/drawing/2014/main" id="{1E9988BB-AC4F-4738-879D-25ADEB0B7F3D}"/>
+                <a16:creationId xmlns:a16="http://schemas.microsoft.com/office/drawing/2014/main" xmlns="" id="{1E9988BB-AC4F-4738-879D-25ADEB0B7F3D}"/>
               </a:ext>
             </a:extLst>
           </p:cNvPr>
@@ -16370,7 +20263,7 @@
           <p:cNvPr id="3" name="Footer Placeholder 2">
             <a:extLst>
               <a:ext uri="{FF2B5EF4-FFF2-40B4-BE49-F238E27FC236}">
-                <a16:creationId xmlns:a16="http://schemas.microsoft.com/office/drawing/2014/main" id="{A813E9F6-638A-420D-8353-1F693AC62FCA}"/>
+                <a16:creationId xmlns:a16="http://schemas.microsoft.com/office/drawing/2014/main" xmlns="" id="{A813E9F6-638A-420D-8353-1F693AC62FCA}"/>
               </a:ext>
             </a:extLst>
           </p:cNvPr>
@@ -16399,7 +20292,7 @@
           <p:cNvPr id="4" name="Slide Number Placeholder 3">
             <a:extLst>
               <a:ext uri="{FF2B5EF4-FFF2-40B4-BE49-F238E27FC236}">
-                <a16:creationId xmlns:a16="http://schemas.microsoft.com/office/drawing/2014/main" id="{675C8747-BFC9-4F29-9ADA-0B9BBE190A9F}"/>
+                <a16:creationId xmlns:a16="http://schemas.microsoft.com/office/drawing/2014/main" xmlns="" id="{675C8747-BFC9-4F29-9ADA-0B9BBE190A9F}"/>
               </a:ext>
             </a:extLst>
           </p:cNvPr>
@@ -16431,7 +20324,7 @@
           <p:cNvPr id="8" name="Table 7">
             <a:extLst>
               <a:ext uri="{FF2B5EF4-FFF2-40B4-BE49-F238E27FC236}">
-                <a16:creationId xmlns:a16="http://schemas.microsoft.com/office/drawing/2014/main" id="{FAA01C9D-A6E2-4BAF-A4FF-4E1E5982F427}"/>
+                <a16:creationId xmlns:a16="http://schemas.microsoft.com/office/drawing/2014/main" xmlns="" id="{FAA01C9D-A6E2-4BAF-A4FF-4E1E5982F427}"/>
               </a:ext>
             </a:extLst>
           </p:cNvPr>
@@ -16441,7 +20334,7 @@
           <p:nvPr>
             <p:extLst>
               <p:ext uri="{D42A27DB-BD31-4B8C-83A1-F6EECF244321}">
-                <p14:modId xmlns:p14="http://schemas.microsoft.com/office/powerpoint/2010/main" val="4152481291"/>
+                <p14:modId xmlns:p14="http://schemas.microsoft.com/office/powerpoint/2010/main" val="3600162124"/>
               </p:ext>
             </p:extLst>
           </p:nvPr>
@@ -16460,35 +20353,35 @@
                 <a:gridCol w="1311572">
                   <a:extLst>
                     <a:ext uri="{9D8B030D-6E8A-4147-A177-3AD203B41FA5}">
-                      <a16:colId xmlns:a16="http://schemas.microsoft.com/office/drawing/2014/main" val="2180974474"/>
+                      <a16:colId xmlns:a16="http://schemas.microsoft.com/office/drawing/2014/main" xmlns="" val="2180974474"/>
                     </a:ext>
                   </a:extLst>
                 </a:gridCol>
                 <a:gridCol w="1636009">
                   <a:extLst>
                     <a:ext uri="{9D8B030D-6E8A-4147-A177-3AD203B41FA5}">
-                      <a16:colId xmlns:a16="http://schemas.microsoft.com/office/drawing/2014/main" val="2726038754"/>
+                      <a16:colId xmlns:a16="http://schemas.microsoft.com/office/drawing/2014/main" xmlns="" val="2726038754"/>
                     </a:ext>
                   </a:extLst>
                 </a:gridCol>
                 <a:gridCol w="1251180">
                   <a:extLst>
                     <a:ext uri="{9D8B030D-6E8A-4147-A177-3AD203B41FA5}">
-                      <a16:colId xmlns:a16="http://schemas.microsoft.com/office/drawing/2014/main" val="3972246183"/>
+                      <a16:colId xmlns:a16="http://schemas.microsoft.com/office/drawing/2014/main" xmlns="" val="3972246183"/>
                     </a:ext>
                   </a:extLst>
                 </a:gridCol>
                 <a:gridCol w="2062161">
                   <a:extLst>
                     <a:ext uri="{9D8B030D-6E8A-4147-A177-3AD203B41FA5}">
-                      <a16:colId xmlns:a16="http://schemas.microsoft.com/office/drawing/2014/main" val="2898520934"/>
+                      <a16:colId xmlns:a16="http://schemas.microsoft.com/office/drawing/2014/main" xmlns="" val="2898520934"/>
                     </a:ext>
                   </a:extLst>
                 </a:gridCol>
                 <a:gridCol w="1810125">
                   <a:extLst>
                     <a:ext uri="{9D8B030D-6E8A-4147-A177-3AD203B41FA5}">
-                      <a16:colId xmlns:a16="http://schemas.microsoft.com/office/drawing/2014/main" val="1491457048"/>
+                      <a16:colId xmlns:a16="http://schemas.microsoft.com/office/drawing/2014/main" xmlns="" val="1491457048"/>
                     </a:ext>
                   </a:extLst>
                 </a:gridCol>
@@ -16579,7 +20472,7 @@
                 </a:tc>
                 <a:extLst>
                   <a:ext uri="{0D108BD9-81ED-4DB2-BD59-A6C34878D82A}">
-                    <a16:rowId xmlns:a16="http://schemas.microsoft.com/office/drawing/2014/main" val="1079945425"/>
+                    <a16:rowId xmlns:a16="http://schemas.microsoft.com/office/drawing/2014/main" xmlns="" val="1079945425"/>
                   </a:ext>
                 </a:extLst>
               </a:tr>
@@ -16681,7 +20574,7 @@
                 </a:tc>
                 <a:extLst>
                   <a:ext uri="{0D108BD9-81ED-4DB2-BD59-A6C34878D82A}">
-                    <a16:rowId xmlns:a16="http://schemas.microsoft.com/office/drawing/2014/main" val="858243529"/>
+                    <a16:rowId xmlns:a16="http://schemas.microsoft.com/office/drawing/2014/main" xmlns="" val="858243529"/>
                   </a:ext>
                 </a:extLst>
               </a:tr>
@@ -16767,7 +20660,7 @@
                 </a:tc>
                 <a:extLst>
                   <a:ext uri="{0D108BD9-81ED-4DB2-BD59-A6C34878D82A}">
-                    <a16:rowId xmlns:a16="http://schemas.microsoft.com/office/drawing/2014/main" val="781520571"/>
+                    <a16:rowId xmlns:a16="http://schemas.microsoft.com/office/drawing/2014/main" xmlns="" val="781520571"/>
                   </a:ext>
                 </a:extLst>
               </a:tr>
@@ -16857,7 +20750,7 @@
                 </a:tc>
                 <a:extLst>
                   <a:ext uri="{0D108BD9-81ED-4DB2-BD59-A6C34878D82A}">
-                    <a16:rowId xmlns:a16="http://schemas.microsoft.com/office/drawing/2014/main" val="3576910"/>
+                    <a16:rowId xmlns:a16="http://schemas.microsoft.com/office/drawing/2014/main" xmlns="" val="3576910"/>
                   </a:ext>
                 </a:extLst>
               </a:tr>
@@ -16939,7 +20832,7 @@
                 </a:tc>
                 <a:extLst>
                   <a:ext uri="{0D108BD9-81ED-4DB2-BD59-A6C34878D82A}">
-                    <a16:rowId xmlns:a16="http://schemas.microsoft.com/office/drawing/2014/main" val="1788587470"/>
+                    <a16:rowId xmlns:a16="http://schemas.microsoft.com/office/drawing/2014/main" xmlns="" val="1788587470"/>
                   </a:ext>
                 </a:extLst>
               </a:tr>
@@ -17029,7 +20922,7 @@
                 </a:tc>
                 <a:extLst>
                   <a:ext uri="{0D108BD9-81ED-4DB2-BD59-A6C34878D82A}">
-                    <a16:rowId xmlns:a16="http://schemas.microsoft.com/office/drawing/2014/main" val="2469886784"/>
+                    <a16:rowId xmlns:a16="http://schemas.microsoft.com/office/drawing/2014/main" xmlns="" val="2469886784"/>
                   </a:ext>
                 </a:extLst>
               </a:tr>
@@ -17115,7 +21008,7 @@
                 </a:tc>
                 <a:extLst>
                   <a:ext uri="{0D108BD9-81ED-4DB2-BD59-A6C34878D82A}">
-                    <a16:rowId xmlns:a16="http://schemas.microsoft.com/office/drawing/2014/main" val="3550400766"/>
+                    <a16:rowId xmlns:a16="http://schemas.microsoft.com/office/drawing/2014/main" xmlns="" val="3550400766"/>
                   </a:ext>
                 </a:extLst>
               </a:tr>
@@ -17127,12 +21020,8 @@
                     <a:p>
                       <a:pPr rtl="1"/>
                       <a:r>
-                        <a:rPr lang="en-US" sz="1200" dirty="0" err="1"/>
-                        <a:t>Wildcardmodule</a:t>
-                      </a:r>
-                      <a:r>
-                        <a:rPr lang="en-US" sz="1200" dirty="0"/>
-                        <a:t> name</a:t>
+                        <a:rPr lang="en-US" sz="1200" dirty="0" smtClean="0"/>
+                        <a:t>Wildcard module name</a:t>
                       </a:r>
                       <a:endParaRPr lang="he-IL" sz="1200" dirty="0"/>
                     </a:p>
@@ -17205,7 +21094,7 @@
                 </a:tc>
                 <a:extLst>
                   <a:ext uri="{0D108BD9-81ED-4DB2-BD59-A6C34878D82A}">
-                    <a16:rowId xmlns:a16="http://schemas.microsoft.com/office/drawing/2014/main" val="4075191879"/>
+                    <a16:rowId xmlns:a16="http://schemas.microsoft.com/office/drawing/2014/main" xmlns="" val="4075191879"/>
                   </a:ext>
                 </a:extLst>
               </a:tr>
@@ -17271,7 +21160,7 @@
                 </a:tc>
                 <a:extLst>
                   <a:ext uri="{0D108BD9-81ED-4DB2-BD59-A6C34878D82A}">
-                    <a16:rowId xmlns:a16="http://schemas.microsoft.com/office/drawing/2014/main" val="1006455975"/>
+                    <a16:rowId xmlns:a16="http://schemas.microsoft.com/office/drawing/2014/main" xmlns="" val="1006455975"/>
                   </a:ext>
                 </a:extLst>
               </a:tr>
@@ -17314,7 +21203,7 @@
           <p:cNvPr id="2" name="Title 1">
             <a:extLst>
               <a:ext uri="{FF2B5EF4-FFF2-40B4-BE49-F238E27FC236}">
-                <a16:creationId xmlns:a16="http://schemas.microsoft.com/office/drawing/2014/main" id="{52273F57-6702-4B25-9264-A532A3E6CEFD}"/>
+                <a16:creationId xmlns:a16="http://schemas.microsoft.com/office/drawing/2014/main" xmlns="" id="{52273F57-6702-4B25-9264-A532A3E6CEFD}"/>
               </a:ext>
             </a:extLst>
           </p:cNvPr>
@@ -17343,7 +21232,7 @@
           <p:cNvPr id="3" name="Footer Placeholder 2">
             <a:extLst>
               <a:ext uri="{FF2B5EF4-FFF2-40B4-BE49-F238E27FC236}">
-                <a16:creationId xmlns:a16="http://schemas.microsoft.com/office/drawing/2014/main" id="{BC71AF44-1F34-40F1-9DC9-AD5B4CFDE426}"/>
+                <a16:creationId xmlns:a16="http://schemas.microsoft.com/office/drawing/2014/main" xmlns="" id="{BC71AF44-1F34-40F1-9DC9-AD5B4CFDE426}"/>
               </a:ext>
             </a:extLst>
           </p:cNvPr>
@@ -17372,7 +21261,7 @@
           <p:cNvPr id="4" name="Slide Number Placeholder 3">
             <a:extLst>
               <a:ext uri="{FF2B5EF4-FFF2-40B4-BE49-F238E27FC236}">
-                <a16:creationId xmlns:a16="http://schemas.microsoft.com/office/drawing/2014/main" id="{85FDD97A-D3C4-4C22-A294-94E12B306960}"/>
+                <a16:creationId xmlns:a16="http://schemas.microsoft.com/office/drawing/2014/main" xmlns="" id="{85FDD97A-D3C4-4C22-A294-94E12B306960}"/>
               </a:ext>
             </a:extLst>
           </p:cNvPr>
@@ -17404,7 +21293,7 @@
           <p:cNvPr id="5" name="Content Placeholder 4">
             <a:extLst>
               <a:ext uri="{FF2B5EF4-FFF2-40B4-BE49-F238E27FC236}">
-                <a16:creationId xmlns:a16="http://schemas.microsoft.com/office/drawing/2014/main" id="{4E7EF7D3-6F7A-4FFF-A7B6-78C7A92320CB}"/>
+                <a16:creationId xmlns:a16="http://schemas.microsoft.com/office/drawing/2014/main" xmlns="" id="{4E7EF7D3-6F7A-4FFF-A7B6-78C7A92320CB}"/>
               </a:ext>
             </a:extLst>
           </p:cNvPr>
@@ -17480,7 +21369,7 @@
           <p:cNvPr id="2" name="Title 1">
             <a:extLst>
               <a:ext uri="{FF2B5EF4-FFF2-40B4-BE49-F238E27FC236}">
-                <a16:creationId xmlns:a16="http://schemas.microsoft.com/office/drawing/2014/main" id="{BC1BEF5E-EFD9-48B9-8534-03E7A074F152}"/>
+                <a16:creationId xmlns:a16="http://schemas.microsoft.com/office/drawing/2014/main" xmlns="" id="{BC1BEF5E-EFD9-48B9-8534-03E7A074F152}"/>
               </a:ext>
             </a:extLst>
           </p:cNvPr>
@@ -17509,7 +21398,7 @@
           <p:cNvPr id="3" name="Footer Placeholder 2">
             <a:extLst>
               <a:ext uri="{FF2B5EF4-FFF2-40B4-BE49-F238E27FC236}">
-                <a16:creationId xmlns:a16="http://schemas.microsoft.com/office/drawing/2014/main" id="{4F7DCFFC-D042-47D8-8E70-B4E3F84A8552}"/>
+                <a16:creationId xmlns:a16="http://schemas.microsoft.com/office/drawing/2014/main" xmlns="" id="{4F7DCFFC-D042-47D8-8E70-B4E3F84A8552}"/>
               </a:ext>
             </a:extLst>
           </p:cNvPr>
@@ -17538,7 +21427,7 @@
           <p:cNvPr id="4" name="Slide Number Placeholder 3">
             <a:extLst>
               <a:ext uri="{FF2B5EF4-FFF2-40B4-BE49-F238E27FC236}">
-                <a16:creationId xmlns:a16="http://schemas.microsoft.com/office/drawing/2014/main" id="{9D2365F4-0B65-487B-82E5-6305B9ED8EA1}"/>
+                <a16:creationId xmlns:a16="http://schemas.microsoft.com/office/drawing/2014/main" xmlns="" id="{9D2365F4-0B65-487B-82E5-6305B9ED8EA1}"/>
               </a:ext>
             </a:extLst>
           </p:cNvPr>
@@ -17570,7 +21459,7 @@
           <p:cNvPr id="5" name="Content Placeholder 4">
             <a:extLst>
               <a:ext uri="{FF2B5EF4-FFF2-40B4-BE49-F238E27FC236}">
-                <a16:creationId xmlns:a16="http://schemas.microsoft.com/office/drawing/2014/main" id="{3A3E8E39-9D17-4D05-A503-714F4B9C617E}"/>
+                <a16:creationId xmlns:a16="http://schemas.microsoft.com/office/drawing/2014/main" xmlns="" id="{3A3E8E39-9D17-4D05-A503-714F4B9C617E}"/>
               </a:ext>
             </a:extLst>
           </p:cNvPr>
@@ -17633,7 +21522,7 @@
           <p:cNvPr id="6" name="Rectangle 5">
             <a:extLst>
               <a:ext uri="{FF2B5EF4-FFF2-40B4-BE49-F238E27FC236}">
-                <a16:creationId xmlns:a16="http://schemas.microsoft.com/office/drawing/2014/main" id="{305EA0EC-D3CF-443B-A7B4-524104055368}"/>
+                <a16:creationId xmlns:a16="http://schemas.microsoft.com/office/drawing/2014/main" xmlns="" id="{305EA0EC-D3CF-443B-A7B4-524104055368}"/>
               </a:ext>
             </a:extLst>
           </p:cNvPr>
@@ -17725,6 +21614,17 @@
                 <a:cs typeface="Arial" panose="020B0604020202020204" pitchFamily="34" charset="0"/>
               </a:rPr>
             </a:br>
+            <a:r>
+              <a:rPr lang="en-US" dirty="0">
+                <a:solidFill>
+                  <a:srgbClr val="000000"/>
+                </a:solidFill>
+                <a:latin typeface="Calibri" panose="020F0502020204030204" pitchFamily="34" charset="0"/>
+                <a:ea typeface="Calibri" panose="020F0502020204030204" pitchFamily="34" charset="0"/>
+                <a:cs typeface="Arial" panose="020B0604020202020204" pitchFamily="34" charset="0"/>
+              </a:rPr>
+              <a:t/>
+            </a:r>
             <a:br>
               <a:rPr lang="en-US" dirty="0">
                 <a:solidFill>
@@ -17917,7 +21817,7 @@
           <p:cNvPr id="7" name="Rectangle 6">
             <a:extLst>
               <a:ext uri="{FF2B5EF4-FFF2-40B4-BE49-F238E27FC236}">
-                <a16:creationId xmlns:a16="http://schemas.microsoft.com/office/drawing/2014/main" id="{160115AD-37CD-4B01-B617-604E5B08BD0E}"/>
+                <a16:creationId xmlns:a16="http://schemas.microsoft.com/office/drawing/2014/main" xmlns="" id="{160115AD-37CD-4B01-B617-604E5B08BD0E}"/>
               </a:ext>
             </a:extLst>
           </p:cNvPr>
@@ -18179,7 +22079,7 @@
           <p:cNvPr id="2" name="Title 1">
             <a:extLst>
               <a:ext uri="{FF2B5EF4-FFF2-40B4-BE49-F238E27FC236}">
-                <a16:creationId xmlns:a16="http://schemas.microsoft.com/office/drawing/2014/main" id="{C30F90B4-BE39-4A52-948F-08C5943246E4}"/>
+                <a16:creationId xmlns:a16="http://schemas.microsoft.com/office/drawing/2014/main" xmlns="" id="{C30F90B4-BE39-4A52-948F-08C5943246E4}"/>
               </a:ext>
             </a:extLst>
           </p:cNvPr>
@@ -18208,7 +22108,7 @@
           <p:cNvPr id="3" name="Footer Placeholder 2">
             <a:extLst>
               <a:ext uri="{FF2B5EF4-FFF2-40B4-BE49-F238E27FC236}">
-                <a16:creationId xmlns:a16="http://schemas.microsoft.com/office/drawing/2014/main" id="{914329C3-2A27-4C51-8CAC-8E5507C83C0E}"/>
+                <a16:creationId xmlns:a16="http://schemas.microsoft.com/office/drawing/2014/main" xmlns="" id="{914329C3-2A27-4C51-8CAC-8E5507C83C0E}"/>
               </a:ext>
             </a:extLst>
           </p:cNvPr>
@@ -18237,7 +22137,7 @@
           <p:cNvPr id="4" name="Slide Number Placeholder 3">
             <a:extLst>
               <a:ext uri="{FF2B5EF4-FFF2-40B4-BE49-F238E27FC236}">
-                <a16:creationId xmlns:a16="http://schemas.microsoft.com/office/drawing/2014/main" id="{89AE9A64-0567-42C8-A5B9-07C104D41F76}"/>
+                <a16:creationId xmlns:a16="http://schemas.microsoft.com/office/drawing/2014/main" xmlns="" id="{89AE9A64-0567-42C8-A5B9-07C104D41F76}"/>
               </a:ext>
             </a:extLst>
           </p:cNvPr>
@@ -18269,7 +22169,7 @@
           <p:cNvPr id="8" name="Rectangle 7">
             <a:extLst>
               <a:ext uri="{FF2B5EF4-FFF2-40B4-BE49-F238E27FC236}">
-                <a16:creationId xmlns:a16="http://schemas.microsoft.com/office/drawing/2014/main" id="{CFBF27AF-532C-477F-941F-7C00C31EA96C}"/>
+                <a16:creationId xmlns:a16="http://schemas.microsoft.com/office/drawing/2014/main" xmlns="" id="{CFBF27AF-532C-477F-941F-7C00C31EA96C}"/>
               </a:ext>
             </a:extLst>
           </p:cNvPr>
@@ -18447,7 +22347,7 @@
           <p:cNvPr id="9" name="Rectangle 8">
             <a:extLst>
               <a:ext uri="{FF2B5EF4-FFF2-40B4-BE49-F238E27FC236}">
-                <a16:creationId xmlns:a16="http://schemas.microsoft.com/office/drawing/2014/main" id="{874A4D6F-2AA3-4D38-BB15-513C96B8C394}"/>
+                <a16:creationId xmlns:a16="http://schemas.microsoft.com/office/drawing/2014/main" xmlns="" id="{874A4D6F-2AA3-4D38-BB15-513C96B8C394}"/>
               </a:ext>
             </a:extLst>
           </p:cNvPr>
@@ -18562,6 +22462,17 @@
                 <a:cs typeface="Arial" panose="020B0604020202020204" pitchFamily="34" charset="0"/>
               </a:rPr>
             </a:br>
+            <a:r>
+              <a:rPr lang="en-US" dirty="0">
+                <a:solidFill>
+                  <a:srgbClr val="000000"/>
+                </a:solidFill>
+                <a:latin typeface="Calibri" panose="020F0502020204030204" pitchFamily="34" charset="0"/>
+                <a:ea typeface="Calibri" panose="020F0502020204030204" pitchFamily="34" charset="0"/>
+                <a:cs typeface="Arial" panose="020B0604020202020204" pitchFamily="34" charset="0"/>
+              </a:rPr>
+              <a:t/>
+            </a:r>
             <a:br>
               <a:rPr lang="en-US" dirty="0">
                 <a:solidFill>
@@ -18603,7 +22514,7 @@
           <p:cNvPr id="10" name="Rectangle 9">
             <a:extLst>
               <a:ext uri="{FF2B5EF4-FFF2-40B4-BE49-F238E27FC236}">
-                <a16:creationId xmlns:a16="http://schemas.microsoft.com/office/drawing/2014/main" id="{A7757128-897C-471F-9649-5CF3982EE7A4}"/>
+                <a16:creationId xmlns:a16="http://schemas.microsoft.com/office/drawing/2014/main" xmlns="" id="{A7757128-897C-471F-9649-5CF3982EE7A4}"/>
               </a:ext>
             </a:extLst>
           </p:cNvPr>
@@ -18718,6 +22629,17 @@
                 <a:cs typeface="Arial" panose="020B0604020202020204" pitchFamily="34" charset="0"/>
               </a:rPr>
             </a:br>
+            <a:r>
+              <a:rPr lang="en-US" dirty="0">
+                <a:solidFill>
+                  <a:srgbClr val="000000"/>
+                </a:solidFill>
+                <a:latin typeface="Calibri" panose="020F0502020204030204" pitchFamily="34" charset="0"/>
+                <a:ea typeface="Calibri" panose="020F0502020204030204" pitchFamily="34" charset="0"/>
+                <a:cs typeface="Arial" panose="020B0604020202020204" pitchFamily="34" charset="0"/>
+              </a:rPr>
+              <a:t/>
+            </a:r>
             <a:br>
               <a:rPr lang="en-US" dirty="0">
                 <a:solidFill>
@@ -18800,7 +22722,7 @@
           <p:cNvPr id="2" name="Title 1">
             <a:extLst>
               <a:ext uri="{FF2B5EF4-FFF2-40B4-BE49-F238E27FC236}">
-                <a16:creationId xmlns:a16="http://schemas.microsoft.com/office/drawing/2014/main" id="{C30F90B4-BE39-4A52-948F-08C5943246E4}"/>
+                <a16:creationId xmlns:a16="http://schemas.microsoft.com/office/drawing/2014/main" xmlns="" id="{C30F90B4-BE39-4A52-948F-08C5943246E4}"/>
               </a:ext>
             </a:extLst>
           </p:cNvPr>
@@ -18829,7 +22751,7 @@
           <p:cNvPr id="3" name="Footer Placeholder 2">
             <a:extLst>
               <a:ext uri="{FF2B5EF4-FFF2-40B4-BE49-F238E27FC236}">
-                <a16:creationId xmlns:a16="http://schemas.microsoft.com/office/drawing/2014/main" id="{914329C3-2A27-4C51-8CAC-8E5507C83C0E}"/>
+                <a16:creationId xmlns:a16="http://schemas.microsoft.com/office/drawing/2014/main" xmlns="" id="{914329C3-2A27-4C51-8CAC-8E5507C83C0E}"/>
               </a:ext>
             </a:extLst>
           </p:cNvPr>
@@ -18858,7 +22780,7 @@
           <p:cNvPr id="4" name="Slide Number Placeholder 3">
             <a:extLst>
               <a:ext uri="{FF2B5EF4-FFF2-40B4-BE49-F238E27FC236}">
-                <a16:creationId xmlns:a16="http://schemas.microsoft.com/office/drawing/2014/main" id="{89AE9A64-0567-42C8-A5B9-07C104D41F76}"/>
+                <a16:creationId xmlns:a16="http://schemas.microsoft.com/office/drawing/2014/main" xmlns="" id="{89AE9A64-0567-42C8-A5B9-07C104D41F76}"/>
               </a:ext>
             </a:extLst>
           </p:cNvPr>
@@ -18890,7 +22812,7 @@
           <p:cNvPr id="5" name="Content Placeholder 4">
             <a:extLst>
               <a:ext uri="{FF2B5EF4-FFF2-40B4-BE49-F238E27FC236}">
-                <a16:creationId xmlns:a16="http://schemas.microsoft.com/office/drawing/2014/main" id="{52358A60-C89A-44BE-A8E3-00466A454E8C}"/>
+                <a16:creationId xmlns:a16="http://schemas.microsoft.com/office/drawing/2014/main" xmlns="" id="{52358A60-C89A-44BE-A8E3-00466A454E8C}"/>
               </a:ext>
             </a:extLst>
           </p:cNvPr>
